--- a/Presentations/PHP Course.pptx
+++ b/Presentations/PHP Course.pptx
@@ -13,14 +13,43 @@
     <p:sldId id="263" r:id="rId7"/>
     <p:sldId id="261" r:id="rId8"/>
     <p:sldId id="262" r:id="rId9"/>
-    <p:sldId id="264" r:id="rId10"/>
-    <p:sldId id="271" r:id="rId11"/>
-    <p:sldId id="265" r:id="rId12"/>
-    <p:sldId id="266" r:id="rId13"/>
-    <p:sldId id="267" r:id="rId14"/>
-    <p:sldId id="268" r:id="rId15"/>
-    <p:sldId id="269" r:id="rId16"/>
-    <p:sldId id="270" r:id="rId17"/>
+    <p:sldId id="288" r:id="rId10"/>
+    <p:sldId id="264" r:id="rId11"/>
+    <p:sldId id="271" r:id="rId12"/>
+    <p:sldId id="265" r:id="rId13"/>
+    <p:sldId id="275" r:id="rId14"/>
+    <p:sldId id="284" r:id="rId15"/>
+    <p:sldId id="276" r:id="rId16"/>
+    <p:sldId id="266" r:id="rId17"/>
+    <p:sldId id="267" r:id="rId18"/>
+    <p:sldId id="268" r:id="rId19"/>
+    <p:sldId id="269" r:id="rId20"/>
+    <p:sldId id="270" r:id="rId21"/>
+    <p:sldId id="272" r:id="rId22"/>
+    <p:sldId id="273" r:id="rId23"/>
+    <p:sldId id="274" r:id="rId24"/>
+    <p:sldId id="277" r:id="rId25"/>
+    <p:sldId id="278" r:id="rId26"/>
+    <p:sldId id="279" r:id="rId27"/>
+    <p:sldId id="280" r:id="rId28"/>
+    <p:sldId id="281" r:id="rId29"/>
+    <p:sldId id="282" r:id="rId30"/>
+    <p:sldId id="285" r:id="rId31"/>
+    <p:sldId id="283" r:id="rId32"/>
+    <p:sldId id="287" r:id="rId33"/>
+    <p:sldId id="286" r:id="rId34"/>
+    <p:sldId id="289" r:id="rId35"/>
+    <p:sldId id="290" r:id="rId36"/>
+    <p:sldId id="291" r:id="rId37"/>
+    <p:sldId id="292" r:id="rId38"/>
+    <p:sldId id="293" r:id="rId39"/>
+    <p:sldId id="294" r:id="rId40"/>
+    <p:sldId id="295" r:id="rId41"/>
+    <p:sldId id="296" r:id="rId42"/>
+    <p:sldId id="297" r:id="rId43"/>
+    <p:sldId id="298" r:id="rId44"/>
+    <p:sldId id="300" r:id="rId45"/>
+    <p:sldId id="299" r:id="rId46"/>
   </p:sldIdLst>
   <p:sldSz cx="12192000" cy="6858000"/>
   <p:notesSz cx="6858000" cy="9144000"/>
@@ -119,6 +148,11 @@
       </a:defRPr>
     </a:lvl9pPr>
   </p:defaultTextStyle>
+  <p:extLst>
+    <p:ext uri="{EFAFB233-063F-42B5-8137-9DF3F51BA10A}">
+      <p15:sldGuideLst xmlns:p15="http://schemas.microsoft.com/office/powerpoint/2012/main"/>
+    </p:ext>
+  </p:extLst>
 </p:presentation>
 </file>
 
@@ -253,7 +287,7 @@
           <a:p>
             <a:fld id="{87E75C15-95D9-4AF8-BD74-F89617975C0C}" type="datetimeFigureOut">
               <a:rPr lang="en-US" smtClean="0"/>
-              <a:t>8/1/2016</a:t>
+              <a:t>8/3/2016</a:t>
             </a:fld>
             <a:endParaRPr lang="en-US"/>
           </a:p>
@@ -423,7 +457,7 @@
           <a:p>
             <a:fld id="{87E75C15-95D9-4AF8-BD74-F89617975C0C}" type="datetimeFigureOut">
               <a:rPr lang="en-US" smtClean="0"/>
-              <a:t>8/1/2016</a:t>
+              <a:t>8/3/2016</a:t>
             </a:fld>
             <a:endParaRPr lang="en-US"/>
           </a:p>
@@ -603,7 +637,7 @@
           <a:p>
             <a:fld id="{87E75C15-95D9-4AF8-BD74-F89617975C0C}" type="datetimeFigureOut">
               <a:rPr lang="en-US" smtClean="0"/>
-              <a:t>8/1/2016</a:t>
+              <a:t>8/3/2016</a:t>
             </a:fld>
             <a:endParaRPr lang="en-US"/>
           </a:p>
@@ -773,7 +807,7 @@
           <a:p>
             <a:fld id="{87E75C15-95D9-4AF8-BD74-F89617975C0C}" type="datetimeFigureOut">
               <a:rPr lang="en-US" smtClean="0"/>
-              <a:t>8/1/2016</a:t>
+              <a:t>8/3/2016</a:t>
             </a:fld>
             <a:endParaRPr lang="en-US"/>
           </a:p>
@@ -1019,7 +1053,7 @@
           <a:p>
             <a:fld id="{87E75C15-95D9-4AF8-BD74-F89617975C0C}" type="datetimeFigureOut">
               <a:rPr lang="en-US" smtClean="0"/>
-              <a:t>8/1/2016</a:t>
+              <a:t>8/3/2016</a:t>
             </a:fld>
             <a:endParaRPr lang="en-US"/>
           </a:p>
@@ -1251,7 +1285,7 @@
           <a:p>
             <a:fld id="{87E75C15-95D9-4AF8-BD74-F89617975C0C}" type="datetimeFigureOut">
               <a:rPr lang="en-US" smtClean="0"/>
-              <a:t>8/1/2016</a:t>
+              <a:t>8/3/2016</a:t>
             </a:fld>
             <a:endParaRPr lang="en-US"/>
           </a:p>
@@ -1618,7 +1652,7 @@
           <a:p>
             <a:fld id="{87E75C15-95D9-4AF8-BD74-F89617975C0C}" type="datetimeFigureOut">
               <a:rPr lang="en-US" smtClean="0"/>
-              <a:t>8/1/2016</a:t>
+              <a:t>8/3/2016</a:t>
             </a:fld>
             <a:endParaRPr lang="en-US"/>
           </a:p>
@@ -1736,7 +1770,7 @@
           <a:p>
             <a:fld id="{87E75C15-95D9-4AF8-BD74-F89617975C0C}" type="datetimeFigureOut">
               <a:rPr lang="en-US" smtClean="0"/>
-              <a:t>8/1/2016</a:t>
+              <a:t>8/3/2016</a:t>
             </a:fld>
             <a:endParaRPr lang="en-US"/>
           </a:p>
@@ -1831,7 +1865,7 @@
           <a:p>
             <a:fld id="{87E75C15-95D9-4AF8-BD74-F89617975C0C}" type="datetimeFigureOut">
               <a:rPr lang="en-US" smtClean="0"/>
-              <a:t>8/1/2016</a:t>
+              <a:t>8/3/2016</a:t>
             </a:fld>
             <a:endParaRPr lang="en-US"/>
           </a:p>
@@ -2108,7 +2142,7 @@
           <a:p>
             <a:fld id="{87E75C15-95D9-4AF8-BD74-F89617975C0C}" type="datetimeFigureOut">
               <a:rPr lang="en-US" smtClean="0"/>
-              <a:t>8/1/2016</a:t>
+              <a:t>8/3/2016</a:t>
             </a:fld>
             <a:endParaRPr lang="en-US"/>
           </a:p>
@@ -2361,7 +2395,7 @@
           <a:p>
             <a:fld id="{87E75C15-95D9-4AF8-BD74-F89617975C0C}" type="datetimeFigureOut">
               <a:rPr lang="en-US" smtClean="0"/>
-              <a:t>8/1/2016</a:t>
+              <a:t>8/3/2016</a:t>
             </a:fld>
             <a:endParaRPr lang="en-US"/>
           </a:p>
@@ -2574,7 +2608,7 @@
           <a:p>
             <a:fld id="{87E75C15-95D9-4AF8-BD74-F89617975C0C}" type="datetimeFigureOut">
               <a:rPr lang="en-US" smtClean="0"/>
-              <a:t>8/1/2016</a:t>
+              <a:t>8/3/2016</a:t>
             </a:fld>
             <a:endParaRPr lang="en-US"/>
           </a:p>
@@ -3075,7 +3109,7 @@
           <a:p>
             <a:r>
               <a:rPr lang="en-US" dirty="0" smtClean="0"/>
-              <a:t>Warming up with the development environment</a:t>
+              <a:t>Warming up with PHP</a:t>
             </a:r>
             <a:endParaRPr lang="en-US" dirty="0"/>
           </a:p>
@@ -3098,31 +3132,79 @@
           <a:p>
             <a:r>
               <a:rPr lang="en-US" dirty="0" smtClean="0"/>
-              <a:t>Setting breakpoints</a:t>
-            </a:r>
-          </a:p>
-          <a:p>
-            <a:r>
-              <a:rPr lang="en-US" dirty="0" smtClean="0"/>
-              <a:t>Setting conditional breakpoints</a:t>
-            </a:r>
-          </a:p>
-          <a:p>
-            <a:r>
-              <a:rPr lang="en-US" dirty="0" smtClean="0"/>
-              <a:t>Watching</a:t>
-            </a:r>
-          </a:p>
-          <a:p>
-            <a:r>
-              <a:rPr lang="en-US" dirty="0" smtClean="0"/>
-              <a:t>Inspecting</a:t>
-            </a:r>
-          </a:p>
-          <a:p>
-            <a:r>
-              <a:rPr lang="en-US" dirty="0" smtClean="0"/>
-              <a:t>Changing value</a:t>
+              <a:t>A regular page lifecycle</a:t>
+            </a:r>
+          </a:p>
+          <a:p>
+            <a:r>
+              <a:rPr lang="en-US" dirty="0" smtClean="0"/>
+              <a:t>Configuring apache for </a:t>
+            </a:r>
+            <a:r>
+              <a:rPr lang="en-US" dirty="0" err="1" smtClean="0"/>
+              <a:t>php</a:t>
+            </a:r>
+            <a:endParaRPr lang="en-US" dirty="0" smtClean="0"/>
+          </a:p>
+          <a:p>
+            <a:pPr lvl="1"/>
+            <a:r>
+              <a:rPr lang="en-US" dirty="0" err="1" smtClean="0"/>
+              <a:t>Httpd.conf</a:t>
+            </a:r>
+            <a:endParaRPr lang="en-US" dirty="0" smtClean="0"/>
+          </a:p>
+          <a:p>
+            <a:pPr lvl="1"/>
+            <a:r>
+              <a:rPr lang="en-US" dirty="0" err="1" smtClean="0"/>
+              <a:t>AddType</a:t>
+            </a:r>
+            <a:r>
+              <a:rPr lang="en-US" dirty="0" smtClean="0"/>
+              <a:t> application/x-</a:t>
+            </a:r>
+            <a:r>
+              <a:rPr lang="en-US" dirty="0" err="1" smtClean="0"/>
+              <a:t>httpd</a:t>
+            </a:r>
+            <a:r>
+              <a:rPr lang="en-US" dirty="0" smtClean="0"/>
+              <a:t>-</a:t>
+            </a:r>
+            <a:r>
+              <a:rPr lang="en-US" dirty="0" err="1" smtClean="0"/>
+              <a:t>php</a:t>
+            </a:r>
+            <a:r>
+              <a:rPr lang="en-US" dirty="0" smtClean="0"/>
+              <a:t> .</a:t>
+            </a:r>
+            <a:r>
+              <a:rPr lang="en-US" dirty="0" err="1" smtClean="0"/>
+              <a:t>php</a:t>
+            </a:r>
+            <a:endParaRPr lang="en-US" dirty="0" smtClean="0"/>
+          </a:p>
+          <a:p>
+            <a:pPr lvl="1"/>
+            <a:r>
+              <a:rPr lang="en-US" dirty="0" smtClean="0"/>
+              <a:t>http://www.tutorialspoint.com/php/php_apache_configuration.htm</a:t>
+            </a:r>
+          </a:p>
+          <a:p>
+            <a:r>
+              <a:rPr lang="en-US" dirty="0" smtClean="0"/>
+              <a:t>A </a:t>
+            </a:r>
+            <a:r>
+              <a:rPr lang="en-US" dirty="0" err="1" smtClean="0"/>
+              <a:t>php</a:t>
+            </a:r>
+            <a:r>
+              <a:rPr lang="en-US" dirty="0" smtClean="0"/>
+              <a:t> page lifecycle</a:t>
             </a:r>
           </a:p>
           <a:p>
@@ -3144,7 +3226,7 @@
     </p:spTree>
     <p:extLst>
       <p:ext uri="{BB962C8B-B14F-4D97-AF65-F5344CB8AC3E}">
-        <p14:creationId xmlns:p14="http://schemas.microsoft.com/office/powerpoint/2010/main" val="2974619150"/>
+        <p14:creationId xmlns:p14="http://schemas.microsoft.com/office/powerpoint/2010/main" val="3212978284"/>
       </p:ext>
     </p:extLst>
   </p:cSld>
@@ -3195,7 +3277,7 @@
           <a:p>
             <a:r>
               <a:rPr lang="en-US" dirty="0" smtClean="0"/>
-              <a:t>Warming up with PHP</a:t>
+              <a:t>Warming up with the development environment</a:t>
             </a:r>
             <a:endParaRPr lang="en-US" dirty="0"/>
           </a:p>
@@ -3218,36 +3300,31 @@
           <a:p>
             <a:r>
               <a:rPr lang="en-US" dirty="0" smtClean="0"/>
-              <a:t>HTTP methods and verbs</a:t>
-            </a:r>
-          </a:p>
-          <a:p>
-            <a:r>
-              <a:rPr lang="en-US" dirty="0" smtClean="0"/>
-              <a:t>Inspecting calls with developer tools</a:t>
-            </a:r>
-          </a:p>
-          <a:p>
-            <a:r>
-              <a:rPr lang="en-US" dirty="0" smtClean="0"/>
-              <a:t>HTML &lt;form&gt; and it’s role</a:t>
-            </a:r>
-          </a:p>
-          <a:p>
-            <a:r>
-              <a:rPr lang="en-US" dirty="0" smtClean="0"/>
-              <a:t>&lt;?</a:t>
-            </a:r>
-            <a:r>
-              <a:rPr lang="en-US" dirty="0" err="1" smtClean="0"/>
-              <a:t>php</a:t>
-            </a:r>
-            <a:endParaRPr lang="en-US" dirty="0" smtClean="0"/>
-          </a:p>
-          <a:p>
-            <a:r>
-              <a:rPr lang="en-US" dirty="0" smtClean="0"/>
-              <a:t>&lt;?</a:t>
+              <a:t>Setting breakpoints</a:t>
+            </a:r>
+          </a:p>
+          <a:p>
+            <a:r>
+              <a:rPr lang="en-US" dirty="0" smtClean="0"/>
+              <a:t>Setting conditional breakpoints</a:t>
+            </a:r>
+          </a:p>
+          <a:p>
+            <a:r>
+              <a:rPr lang="en-US" dirty="0" smtClean="0"/>
+              <a:t>Watching</a:t>
+            </a:r>
+          </a:p>
+          <a:p>
+            <a:r>
+              <a:rPr lang="en-US" dirty="0" smtClean="0"/>
+              <a:t>Inspecting</a:t>
+            </a:r>
+          </a:p>
+          <a:p>
+            <a:r>
+              <a:rPr lang="en-US" dirty="0" smtClean="0"/>
+              <a:t>Changing value</a:t>
             </a:r>
           </a:p>
           <a:p>
@@ -3269,7 +3346,7 @@
     </p:spTree>
     <p:extLst>
       <p:ext uri="{BB962C8B-B14F-4D97-AF65-F5344CB8AC3E}">
-        <p14:creationId xmlns:p14="http://schemas.microsoft.com/office/powerpoint/2010/main" val="1448457469"/>
+        <p14:creationId xmlns:p14="http://schemas.microsoft.com/office/powerpoint/2010/main" val="2974619150"/>
       </p:ext>
     </p:extLst>
   </p:cSld>
@@ -3320,7 +3397,11 @@
           <a:p>
             <a:r>
               <a:rPr lang="en-US" dirty="0" smtClean="0"/>
-              <a:t>Warming up with PHP</a:t>
+              <a:t>Warming up with </a:t>
+            </a:r>
+            <a:r>
+              <a:rPr lang="en-US" dirty="0" smtClean="0"/>
+              <a:t>PHP &amp; HTML</a:t>
             </a:r>
             <a:endParaRPr lang="en-US" dirty="0"/>
           </a:p>
@@ -3343,28 +3424,36 @@
           <a:p>
             <a:r>
               <a:rPr lang="en-US" dirty="0" smtClean="0"/>
-              <a:t>Comments</a:t>
-            </a:r>
-          </a:p>
-          <a:p>
-            <a:pPr lvl="1"/>
-            <a:r>
-              <a:rPr lang="en-US" dirty="0" smtClean="0"/>
-              <a:t>//</a:t>
-            </a:r>
-          </a:p>
-          <a:p>
-            <a:pPr lvl="1"/>
-            <a:r>
-              <a:rPr lang="en-US" dirty="0" smtClean="0"/>
-              <a:t>#</a:t>
-            </a:r>
-          </a:p>
-          <a:p>
-            <a:pPr lvl="1"/>
-            <a:r>
-              <a:rPr lang="en-US" dirty="0" smtClean="0"/>
-              <a:t>/* */</a:t>
+              <a:t>HTTP methods and verbs</a:t>
+            </a:r>
+          </a:p>
+          <a:p>
+            <a:r>
+              <a:rPr lang="en-US" dirty="0" smtClean="0"/>
+              <a:t>Inspecting calls with developer tools</a:t>
+            </a:r>
+          </a:p>
+          <a:p>
+            <a:r>
+              <a:rPr lang="en-US" dirty="0" smtClean="0"/>
+              <a:t>HTML &lt;form&gt; and it’s role</a:t>
+            </a:r>
+          </a:p>
+          <a:p>
+            <a:r>
+              <a:rPr lang="en-US" dirty="0" smtClean="0"/>
+              <a:t>&lt;?</a:t>
+            </a:r>
+            <a:r>
+              <a:rPr lang="en-US" dirty="0" err="1" smtClean="0"/>
+              <a:t>php</a:t>
+            </a:r>
+            <a:endParaRPr lang="en-US" dirty="0" smtClean="0"/>
+          </a:p>
+          <a:p>
+            <a:r>
+              <a:rPr lang="en-US" dirty="0" smtClean="0"/>
+              <a:t>&lt;?</a:t>
             </a:r>
           </a:p>
           <a:p>
@@ -3386,7 +3475,7 @@
     </p:spTree>
     <p:extLst>
       <p:ext uri="{BB962C8B-B14F-4D97-AF65-F5344CB8AC3E}">
-        <p14:creationId xmlns:p14="http://schemas.microsoft.com/office/powerpoint/2010/main" val="3709096105"/>
+        <p14:creationId xmlns:p14="http://schemas.microsoft.com/office/powerpoint/2010/main" val="1448457469"/>
       </p:ext>
     </p:extLst>
   </p:cSld>
@@ -3437,7 +3526,11 @@
           <a:p>
             <a:r>
               <a:rPr lang="en-US" dirty="0" smtClean="0"/>
-              <a:t>Strings</a:t>
+              <a:t>Warming up with </a:t>
+            </a:r>
+            <a:r>
+              <a:rPr lang="en-US" dirty="0" smtClean="0"/>
+              <a:t>PHP &amp; HTML</a:t>
             </a:r>
             <a:endParaRPr lang="en-US" dirty="0"/>
           </a:p>
@@ -3456,101 +3549,102 @@
         <p:spPr/>
         <p:txBody>
           <a:bodyPr>
-            <a:normAutofit fontScale="85000" lnSpcReduction="20000"/>
+            <a:normAutofit lnSpcReduction="10000"/>
           </a:bodyPr>
           <a:lstStyle/>
           <a:p>
+            <a:r>
+              <a:rPr lang="en-US" dirty="0" smtClean="0"/>
+              <a:t>HTML 5 structure</a:t>
+            </a:r>
+          </a:p>
+          <a:p>
+            <a:r>
+              <a:rPr lang="en-US" dirty="0"/>
+              <a:t>&lt;!</a:t>
+            </a:r>
+            <a:r>
+              <a:rPr lang="en-US" dirty="0" err="1"/>
+              <a:t>doctype</a:t>
+            </a:r>
+            <a:r>
+              <a:rPr lang="en-US" dirty="0"/>
+              <a:t> html</a:t>
+            </a:r>
+            <a:r>
+              <a:rPr lang="en-US" dirty="0" smtClean="0"/>
+              <a:t>&gt;</a:t>
+            </a:r>
+          </a:p>
+          <a:p>
+            <a:r>
+              <a:rPr lang="en-US" dirty="0" smtClean="0"/>
+              <a:t>&lt;html&gt;&lt;/html&gt;</a:t>
+            </a:r>
+          </a:p>
+          <a:p>
+            <a:r>
+              <a:rPr lang="en-US" dirty="0" smtClean="0"/>
+              <a:t>&lt;head&gt;&lt;/head&gt;</a:t>
+            </a:r>
+          </a:p>
+          <a:p>
+            <a:pPr lvl="1"/>
+            <a:r>
+              <a:rPr lang="en-US" dirty="0" smtClean="0"/>
+              <a:t>&lt;meta/&gt;</a:t>
+            </a:r>
+          </a:p>
+          <a:p>
+            <a:pPr lvl="1"/>
+            <a:r>
+              <a:rPr lang="en-US" dirty="0" smtClean="0"/>
+              <a:t>&lt;title&gt;&lt;/title&gt;</a:t>
+            </a:r>
+          </a:p>
+          <a:p>
+            <a:pPr lvl="1"/>
+            <a:r>
+              <a:rPr lang="en-US" dirty="0" smtClean="0"/>
+              <a:t>&lt;link /&gt;</a:t>
+            </a:r>
+          </a:p>
+          <a:p>
+            <a:pPr lvl="1"/>
+            <a:r>
+              <a:rPr lang="en-US" dirty="0" smtClean="0"/>
+              <a:t>&lt;script&gt;</a:t>
+            </a:r>
+          </a:p>
+          <a:p>
+            <a:r>
+              <a:rPr lang="en-US" dirty="0" smtClean="0"/>
+              <a:t>&lt;body&gt; &lt;/body&gt;</a:t>
+            </a:r>
+          </a:p>
+          <a:p>
             <a:pPr marL="0" indent="0">
               <a:buNone/>
             </a:pPr>
             <a:r>
-              <a:rPr lang="en-US" dirty="0" smtClean="0"/>
-              <a:t>Special characters</a:t>
-            </a:r>
-          </a:p>
-          <a:p>
-            <a:r>
-              <a:rPr lang="en-US" dirty="0" smtClean="0"/>
-              <a:t>		\n	Newline (ASCII 10)</a:t>
-            </a:r>
-          </a:p>
-          <a:p>
-            <a:r>
-              <a:rPr lang="en-US" dirty="0" smtClean="0"/>
-              <a:t>		\r	Carriage return (ASCII 13)</a:t>
-            </a:r>
-          </a:p>
-          <a:p>
-            <a:r>
-              <a:rPr lang="en-US" dirty="0" smtClean="0"/>
-              <a:t>		\t	Tab (ASCII 9)</a:t>
-            </a:r>
-          </a:p>
-          <a:p>
-            <a:r>
-              <a:rPr lang="en-US" dirty="0" smtClean="0"/>
-              <a:t>		\\	\</a:t>
-            </a:r>
-          </a:p>
-          <a:p>
-            <a:r>
-              <a:rPr lang="en-US" dirty="0" smtClean="0"/>
-              <a:t>		\$	$</a:t>
-            </a:r>
-          </a:p>
-          <a:p>
-            <a:r>
-              <a:rPr lang="en-US" dirty="0" smtClean="0"/>
-              <a:t>		\"	"</a:t>
-            </a:r>
-          </a:p>
-          <a:p>
-            <a:r>
-              <a:rPr lang="en-US" dirty="0" smtClean="0"/>
-              <a:t>		\0 .. \777	Octal (base 8) number</a:t>
-            </a:r>
-          </a:p>
-          <a:p>
-            <a:r>
-              <a:rPr lang="en-US" dirty="0" smtClean="0"/>
-              <a:t>		\x0 .. \</a:t>
-            </a:r>
-            <a:r>
-              <a:rPr lang="en-US" dirty="0" err="1" smtClean="0"/>
-              <a:t>xFF</a:t>
-            </a:r>
-            <a:r>
-              <a:rPr lang="en-US" dirty="0" smtClean="0"/>
-              <a:t>	Hexadecimal (base 16) number</a:t>
-            </a:r>
-          </a:p>
-          <a:p>
-            <a:r>
-              <a:rPr lang="en-US" dirty="0" smtClean="0"/>
-              <a:t>		&lt;&lt;&lt;</a:t>
-            </a:r>
-            <a:r>
-              <a:rPr lang="en-US" dirty="0" err="1" smtClean="0"/>
-              <a:t>LargeStringDelimiters</a:t>
-            </a:r>
-            <a:r>
-              <a:rPr lang="en-US" dirty="0" smtClean="0"/>
-              <a:t> </a:t>
-            </a:r>
+              <a:rPr lang="en-US" dirty="0">
+                <a:hlinkClick r:id="rId2"/>
+              </a:rPr>
+              <a:t>http://</a:t>
+            </a:r>
+            <a:r>
+              <a:rPr lang="en-US" dirty="0" smtClean="0">
+                <a:hlinkClick r:id="rId2"/>
+              </a:rPr>
+              <a:t>www.w3schools.com/html/html5_intro.asp</a:t>
+            </a:r>
+            <a:endParaRPr lang="en-US" dirty="0" smtClean="0"/>
           </a:p>
           <a:p>
             <a:pPr marL="0" indent="0">
               <a:buNone/>
             </a:pPr>
-            <a:r>
-              <a:rPr lang="en-US" dirty="0" err="1" smtClean="0"/>
-              <a:t>LargeStringDelimiters</a:t>
-            </a:r>
-            <a:endParaRPr lang="en-US" dirty="0" smtClean="0"/>
-          </a:p>
-          <a:p>
-            <a:pPr lvl="1"/>
-            <a:endParaRPr lang="en-US" dirty="0" smtClean="0"/>
+            <a:endParaRPr lang="en-US" dirty="0"/>
           </a:p>
           <a:p>
             <a:pPr marL="457200" lvl="1" indent="0">
@@ -3563,7 +3657,7 @@
     </p:spTree>
     <p:extLst>
       <p:ext uri="{BB962C8B-B14F-4D97-AF65-F5344CB8AC3E}">
-        <p14:creationId xmlns:p14="http://schemas.microsoft.com/office/powerpoint/2010/main" val="1210792257"/>
+        <p14:creationId xmlns:p14="http://schemas.microsoft.com/office/powerpoint/2010/main" val="1736597050"/>
       </p:ext>
     </p:extLst>
   </p:cSld>
@@ -3614,7 +3708,11 @@
           <a:p>
             <a:r>
               <a:rPr lang="en-US" dirty="0" smtClean="0"/>
-              <a:t>Strings</a:t>
+              <a:t>Warming up with </a:t>
+            </a:r>
+            <a:r>
+              <a:rPr lang="en-US" dirty="0" smtClean="0"/>
+              <a:t>PHP &amp; HTML</a:t>
             </a:r>
             <a:endParaRPr lang="en-US" dirty="0"/>
           </a:p>
@@ -3632,93 +3730,65 @@
         </p:nvSpPr>
         <p:spPr/>
         <p:txBody>
-          <a:bodyPr>
-            <a:normAutofit/>
-          </a:bodyPr>
-          <a:lstStyle/>
-          <a:p>
-            <a:r>
-              <a:rPr lang="en-US" dirty="0" smtClean="0"/>
-              <a:t>Concatenating strings</a:t>
-            </a:r>
-          </a:p>
-          <a:p>
-            <a:r>
-              <a:rPr lang="en-US" dirty="0" smtClean="0"/>
-              <a:t>Comparing </a:t>
+          <a:bodyPr/>
+          <a:lstStyle/>
+          <a:p>
+            <a:r>
+              <a:rPr lang="en-US" dirty="0" smtClean="0"/>
+              <a:t>i</a:t>
+            </a:r>
+            <a:r>
+              <a:rPr lang="en-US" dirty="0" smtClean="0"/>
+              <a:t>nput</a:t>
             </a:r>
           </a:p>
           <a:p>
             <a:pPr lvl="1"/>
             <a:r>
               <a:rPr lang="en-US" dirty="0" smtClean="0"/>
-              <a:t>	</a:t>
-            </a:r>
-            <a:r>
-              <a:rPr lang="en-US" dirty="0" err="1" smtClean="0"/>
-              <a:t>strlen</a:t>
-            </a:r>
+              <a:t>Type: radio – returns zero or one of many values</a:t>
+            </a:r>
+          </a:p>
+          <a:p>
+            <a:pPr lvl="1"/>
+            <a:r>
+              <a:rPr lang="en-US" dirty="0" smtClean="0"/>
+              <a:t>Type: checkbox – returns zero or more values</a:t>
+            </a:r>
+          </a:p>
+          <a:p>
+            <a:pPr lvl="1"/>
+            <a:r>
+              <a:rPr lang="en-US" dirty="0" smtClean="0"/>
+              <a:t>Type: text – sends a URL encoded text</a:t>
+            </a:r>
+          </a:p>
+          <a:p>
+            <a:r>
+              <a:rPr lang="en-US" dirty="0" smtClean="0"/>
+              <a:t>select – sends a single value</a:t>
+            </a:r>
+          </a:p>
+          <a:p>
+            <a:pPr lvl="1"/>
+            <a:r>
+              <a:rPr lang="en-US" dirty="0" smtClean="0"/>
+              <a:t>Attribute: multiple – sends zero or more values</a:t>
+            </a:r>
+          </a:p>
+          <a:p>
+            <a:pPr marL="0" indent="0">
+              <a:buNone/>
+            </a:pPr>
             <a:endParaRPr lang="en-US" dirty="0" smtClean="0"/>
           </a:p>
           <a:p>
             <a:pPr lvl="1"/>
-            <a:r>
-              <a:rPr lang="en-US" dirty="0" smtClean="0"/>
-              <a:t>	trim</a:t>
-            </a:r>
+            <a:endParaRPr lang="en-US" dirty="0" smtClean="0"/>
           </a:p>
           <a:p>
             <a:pPr lvl="1"/>
-            <a:r>
-              <a:rPr lang="en-US" dirty="0" smtClean="0"/>
-              <a:t>	==</a:t>
-            </a:r>
-          </a:p>
-          <a:p>
-            <a:pPr lvl="1"/>
-            <a:r>
-              <a:rPr lang="en-US" dirty="0" smtClean="0"/>
-              <a:t>	</a:t>
-            </a:r>
-            <a:r>
-              <a:rPr lang="en-US" dirty="0" err="1" smtClean="0"/>
-              <a:t>strcasecmp</a:t>
-            </a:r>
             <a:endParaRPr lang="en-US" dirty="0" smtClean="0"/>
-          </a:p>
-          <a:p>
-            <a:pPr lvl="1"/>
-            <a:r>
-              <a:rPr lang="en-US" dirty="0" smtClean="0"/>
-              <a:t>	</a:t>
-            </a:r>
-            <a:r>
-              <a:rPr lang="en-US" dirty="0" err="1" smtClean="0"/>
-              <a:t>strtolower</a:t>
-            </a:r>
-            <a:r>
-              <a:rPr lang="en-US" dirty="0" smtClean="0"/>
-              <a:t> </a:t>
-            </a:r>
-          </a:p>
-          <a:p>
-            <a:pPr lvl="1"/>
-            <a:r>
-              <a:rPr lang="en-US" dirty="0" smtClean="0"/>
-              <a:t>	</a:t>
-            </a:r>
-            <a:r>
-              <a:rPr lang="en-US" dirty="0" err="1" smtClean="0"/>
-              <a:t>strtoupper</a:t>
-            </a:r>
-            <a:endParaRPr lang="en-US" dirty="0" smtClean="0"/>
-          </a:p>
-          <a:p>
-            <a:pPr lvl="1"/>
-            <a:r>
-              <a:rPr lang="en-US" dirty="0" smtClean="0"/>
-              <a:t>	&gt; and &lt; ?		</a:t>
-            </a:r>
           </a:p>
           <a:p>
             <a:pPr marL="457200" lvl="1" indent="0">
@@ -3731,7 +3801,7 @@
     </p:spTree>
     <p:extLst>
       <p:ext uri="{BB962C8B-B14F-4D97-AF65-F5344CB8AC3E}">
-        <p14:creationId xmlns:p14="http://schemas.microsoft.com/office/powerpoint/2010/main" val="2675799421"/>
+        <p14:creationId xmlns:p14="http://schemas.microsoft.com/office/powerpoint/2010/main" val="895195751"/>
       </p:ext>
     </p:extLst>
   </p:cSld>
@@ -3782,7 +3852,11 @@
           <a:p>
             <a:r>
               <a:rPr lang="en-US" dirty="0" smtClean="0"/>
-              <a:t>Strings</a:t>
+              <a:t>Warming up with </a:t>
+            </a:r>
+            <a:r>
+              <a:rPr lang="en-US" dirty="0" smtClean="0"/>
+              <a:t>PHP &amp; HTML</a:t>
             </a:r>
             <a:endParaRPr lang="en-US" dirty="0"/>
           </a:p>
@@ -3800,42 +3874,60 @@
         </p:nvSpPr>
         <p:spPr/>
         <p:txBody>
-          <a:bodyPr>
-            <a:normAutofit/>
-          </a:bodyPr>
-          <a:lstStyle/>
-          <a:p>
-            <a:r>
-              <a:rPr lang="en-US" dirty="0" smtClean="0"/>
-              <a:t>Manipulating</a:t>
-            </a:r>
+          <a:bodyPr/>
+          <a:lstStyle/>
+          <a:p>
+            <a:r>
+              <a:rPr lang="en-US" dirty="0"/>
+              <a:t>Posted values are set in the $_POST global </a:t>
+            </a:r>
+            <a:r>
+              <a:rPr lang="en-US" dirty="0" smtClean="0"/>
+              <a:t>variable</a:t>
+            </a:r>
+          </a:p>
+          <a:p>
+            <a:r>
+              <a:rPr lang="en-US" dirty="0" smtClean="0"/>
+              <a:t>Request query parameters </a:t>
+            </a:r>
+            <a:r>
+              <a:rPr lang="en-US" dirty="0"/>
+              <a:t>are set in the </a:t>
+            </a:r>
+            <a:r>
+              <a:rPr lang="en-US" dirty="0" smtClean="0"/>
+              <a:t>$_GET </a:t>
+            </a:r>
+            <a:r>
+              <a:rPr lang="en-US" dirty="0"/>
+              <a:t>global </a:t>
+            </a:r>
+            <a:r>
+              <a:rPr lang="en-US" dirty="0" smtClean="0"/>
+              <a:t>variable</a:t>
+            </a:r>
+          </a:p>
+          <a:p>
+            <a:r>
+              <a:rPr lang="en-US" dirty="0" smtClean="0"/>
+              <a:t>Files are set in the $_FILES global variable</a:t>
+            </a:r>
+            <a:endParaRPr lang="en-US" dirty="0"/>
+          </a:p>
+          <a:p>
+            <a:pPr marL="0" indent="0">
+              <a:buNone/>
+            </a:pPr>
+            <a:endParaRPr lang="en-US" dirty="0" smtClean="0"/>
           </a:p>
           <a:p>
             <a:pPr lvl="1"/>
-            <a:r>
-              <a:rPr lang="en-US" dirty="0" err="1" smtClean="0"/>
-              <a:t>str_replace</a:t>
-            </a:r>
             <a:endParaRPr lang="en-US" dirty="0" smtClean="0"/>
           </a:p>
           <a:p>
             <a:pPr lvl="1"/>
-            <a:r>
-              <a:rPr lang="en-US" dirty="0" smtClean="0">
-                <a:hlinkClick r:id="rId2"/>
-              </a:rPr>
-              <a:t>http://php.net/manual/bg/function.substr.php</a:t>
-            </a:r>
             <a:endParaRPr lang="en-US" dirty="0" smtClean="0"/>
-          </a:p>
-          <a:p>
-            <a:pPr marL="914400" lvl="2" indent="0">
-              <a:buNone/>
-            </a:pPr>
-            <a:r>
-              <a:rPr lang="en-US" dirty="0" smtClean="0"/>
-              <a:t>		</a:t>
-            </a:r>
           </a:p>
           <a:p>
             <a:pPr marL="457200" lvl="1" indent="0">
@@ -3848,7 +3940,7 @@
     </p:spTree>
     <p:extLst>
       <p:ext uri="{BB962C8B-B14F-4D97-AF65-F5344CB8AC3E}">
-        <p14:creationId xmlns:p14="http://schemas.microsoft.com/office/powerpoint/2010/main" val="3272645590"/>
+        <p14:creationId xmlns:p14="http://schemas.microsoft.com/office/powerpoint/2010/main" val="2575391580"/>
       </p:ext>
     </p:extLst>
   </p:cSld>
@@ -3899,7 +3991,301 @@
           <a:p>
             <a:r>
               <a:rPr lang="en-US" dirty="0" smtClean="0"/>
-              <a:t>A side note</a:t>
+              <a:t>Warming up with PHP</a:t>
+            </a:r>
+            <a:endParaRPr lang="en-US" dirty="0"/>
+          </a:p>
+        </p:txBody>
+      </p:sp>
+      <p:sp>
+        <p:nvSpPr>
+          <p:cNvPr id="3" name="Content Placeholder 2"/>
+          <p:cNvSpPr>
+            <a:spLocks noGrp="1"/>
+          </p:cNvSpPr>
+          <p:nvPr>
+            <p:ph idx="1"/>
+          </p:nvPr>
+        </p:nvSpPr>
+        <p:spPr/>
+        <p:txBody>
+          <a:bodyPr/>
+          <a:lstStyle/>
+          <a:p>
+            <a:r>
+              <a:rPr lang="en-US" dirty="0" smtClean="0"/>
+              <a:t>Comments</a:t>
+            </a:r>
+          </a:p>
+          <a:p>
+            <a:pPr lvl="1"/>
+            <a:r>
+              <a:rPr lang="en-US" dirty="0" smtClean="0"/>
+              <a:t>//</a:t>
+            </a:r>
+          </a:p>
+          <a:p>
+            <a:pPr lvl="1"/>
+            <a:r>
+              <a:rPr lang="en-US" dirty="0" smtClean="0"/>
+              <a:t>#</a:t>
+            </a:r>
+          </a:p>
+          <a:p>
+            <a:pPr lvl="1"/>
+            <a:r>
+              <a:rPr lang="en-US" dirty="0" smtClean="0"/>
+              <a:t>/* */</a:t>
+            </a:r>
+          </a:p>
+          <a:p>
+            <a:pPr lvl="1"/>
+            <a:endParaRPr lang="en-US" dirty="0" smtClean="0"/>
+          </a:p>
+          <a:p>
+            <a:pPr lvl="1"/>
+            <a:endParaRPr lang="en-US" dirty="0" smtClean="0"/>
+          </a:p>
+          <a:p>
+            <a:pPr marL="457200" lvl="1" indent="0">
+              <a:buNone/>
+            </a:pPr>
+            <a:endParaRPr lang="en-US" dirty="0" smtClean="0"/>
+          </a:p>
+        </p:txBody>
+      </p:sp>
+    </p:spTree>
+    <p:extLst>
+      <p:ext uri="{BB962C8B-B14F-4D97-AF65-F5344CB8AC3E}">
+        <p14:creationId xmlns:p14="http://schemas.microsoft.com/office/powerpoint/2010/main" val="3709096105"/>
+      </p:ext>
+    </p:extLst>
+  </p:cSld>
+  <p:clrMapOvr>
+    <a:masterClrMapping/>
+  </p:clrMapOvr>
+  <p:timing>
+    <p:tnLst>
+      <p:par>
+        <p:cTn id="1" dur="indefinite" restart="never" nodeType="tmRoot"/>
+      </p:par>
+    </p:tnLst>
+  </p:timing>
+</p:sld>
+</file>
+
+<file path=ppt/slides/slide17.xml><?xml version="1.0" encoding="utf-8"?>
+<p:sld xmlns:a="http://schemas.openxmlformats.org/drawingml/2006/main" xmlns:r="http://schemas.openxmlformats.org/officeDocument/2006/relationships" xmlns:p="http://schemas.openxmlformats.org/presentationml/2006/main">
+  <p:cSld>
+    <p:spTree>
+      <p:nvGrpSpPr>
+        <p:cNvPr id="1" name=""/>
+        <p:cNvGrpSpPr/>
+        <p:nvPr/>
+      </p:nvGrpSpPr>
+      <p:grpSpPr>
+        <a:xfrm>
+          <a:off x="0" y="0"/>
+          <a:ext cx="0" cy="0"/>
+          <a:chOff x="0" y="0"/>
+          <a:chExt cx="0" cy="0"/>
+        </a:xfrm>
+      </p:grpSpPr>
+      <p:sp>
+        <p:nvSpPr>
+          <p:cNvPr id="2" name="Title 1"/>
+          <p:cNvSpPr>
+            <a:spLocks noGrp="1"/>
+          </p:cNvSpPr>
+          <p:nvPr>
+            <p:ph type="title"/>
+          </p:nvPr>
+        </p:nvSpPr>
+        <p:spPr/>
+        <p:txBody>
+          <a:bodyPr/>
+          <a:lstStyle/>
+          <a:p>
+            <a:r>
+              <a:rPr lang="en-US" dirty="0" smtClean="0"/>
+              <a:t>Strings</a:t>
+            </a:r>
+            <a:endParaRPr lang="en-US" dirty="0"/>
+          </a:p>
+        </p:txBody>
+      </p:sp>
+      <p:sp>
+        <p:nvSpPr>
+          <p:cNvPr id="3" name="Content Placeholder 2"/>
+          <p:cNvSpPr>
+            <a:spLocks noGrp="1"/>
+          </p:cNvSpPr>
+          <p:nvPr>
+            <p:ph idx="1"/>
+          </p:nvPr>
+        </p:nvSpPr>
+        <p:spPr/>
+        <p:txBody>
+          <a:bodyPr>
+            <a:normAutofit fontScale="85000" lnSpcReduction="20000"/>
+          </a:bodyPr>
+          <a:lstStyle/>
+          <a:p>
+            <a:pPr marL="0" indent="0">
+              <a:buNone/>
+            </a:pPr>
+            <a:r>
+              <a:rPr lang="en-US" dirty="0" smtClean="0"/>
+              <a:t>Special characters</a:t>
+            </a:r>
+          </a:p>
+          <a:p>
+            <a:r>
+              <a:rPr lang="en-US" dirty="0" smtClean="0"/>
+              <a:t>		\n	Newline (ASCII 10)</a:t>
+            </a:r>
+          </a:p>
+          <a:p>
+            <a:r>
+              <a:rPr lang="en-US" dirty="0" smtClean="0"/>
+              <a:t>		\r	Carriage return (ASCII 13)</a:t>
+            </a:r>
+          </a:p>
+          <a:p>
+            <a:r>
+              <a:rPr lang="en-US" dirty="0" smtClean="0"/>
+              <a:t>		\t	Tab (ASCII 9)</a:t>
+            </a:r>
+          </a:p>
+          <a:p>
+            <a:r>
+              <a:rPr lang="en-US" dirty="0" smtClean="0"/>
+              <a:t>		\\	\</a:t>
+            </a:r>
+          </a:p>
+          <a:p>
+            <a:r>
+              <a:rPr lang="en-US" dirty="0" smtClean="0"/>
+              <a:t>		\$	$</a:t>
+            </a:r>
+          </a:p>
+          <a:p>
+            <a:r>
+              <a:rPr lang="en-US" dirty="0" smtClean="0"/>
+              <a:t>		\"	"</a:t>
+            </a:r>
+          </a:p>
+          <a:p>
+            <a:r>
+              <a:rPr lang="en-US" dirty="0" smtClean="0"/>
+              <a:t>		\0 .. \777	Octal (base 8) number</a:t>
+            </a:r>
+          </a:p>
+          <a:p>
+            <a:r>
+              <a:rPr lang="en-US" dirty="0" smtClean="0"/>
+              <a:t>		\x0 .. \</a:t>
+            </a:r>
+            <a:r>
+              <a:rPr lang="en-US" dirty="0" err="1" smtClean="0"/>
+              <a:t>xFF</a:t>
+            </a:r>
+            <a:r>
+              <a:rPr lang="en-US" dirty="0" smtClean="0"/>
+              <a:t>	Hexadecimal (base 16) number</a:t>
+            </a:r>
+          </a:p>
+          <a:p>
+            <a:r>
+              <a:rPr lang="en-US" dirty="0" smtClean="0"/>
+              <a:t>		&lt;&lt;&lt;</a:t>
+            </a:r>
+            <a:r>
+              <a:rPr lang="en-US" dirty="0" err="1" smtClean="0"/>
+              <a:t>LargeStringDelimiters</a:t>
+            </a:r>
+            <a:r>
+              <a:rPr lang="en-US" dirty="0" smtClean="0"/>
+              <a:t> </a:t>
+            </a:r>
+          </a:p>
+          <a:p>
+            <a:pPr marL="0" indent="0">
+              <a:buNone/>
+            </a:pPr>
+            <a:r>
+              <a:rPr lang="en-US" dirty="0" err="1" smtClean="0"/>
+              <a:t>LargeStringDelimiters</a:t>
+            </a:r>
+            <a:endParaRPr lang="en-US" dirty="0" smtClean="0"/>
+          </a:p>
+          <a:p>
+            <a:pPr lvl="1"/>
+            <a:endParaRPr lang="en-US" dirty="0" smtClean="0"/>
+          </a:p>
+          <a:p>
+            <a:pPr marL="457200" lvl="1" indent="0">
+              <a:buNone/>
+            </a:pPr>
+            <a:endParaRPr lang="en-US" dirty="0" smtClean="0"/>
+          </a:p>
+        </p:txBody>
+      </p:sp>
+    </p:spTree>
+    <p:extLst>
+      <p:ext uri="{BB962C8B-B14F-4D97-AF65-F5344CB8AC3E}">
+        <p14:creationId xmlns:p14="http://schemas.microsoft.com/office/powerpoint/2010/main" val="1210792257"/>
+      </p:ext>
+    </p:extLst>
+  </p:cSld>
+  <p:clrMapOvr>
+    <a:masterClrMapping/>
+  </p:clrMapOvr>
+  <p:timing>
+    <p:tnLst>
+      <p:par>
+        <p:cTn id="1" dur="indefinite" restart="never" nodeType="tmRoot"/>
+      </p:par>
+    </p:tnLst>
+  </p:timing>
+</p:sld>
+</file>
+
+<file path=ppt/slides/slide18.xml><?xml version="1.0" encoding="utf-8"?>
+<p:sld xmlns:a="http://schemas.openxmlformats.org/drawingml/2006/main" xmlns:r="http://schemas.openxmlformats.org/officeDocument/2006/relationships" xmlns:p="http://schemas.openxmlformats.org/presentationml/2006/main">
+  <p:cSld>
+    <p:spTree>
+      <p:nvGrpSpPr>
+        <p:cNvPr id="1" name=""/>
+        <p:cNvGrpSpPr/>
+        <p:nvPr/>
+      </p:nvGrpSpPr>
+      <p:grpSpPr>
+        <a:xfrm>
+          <a:off x="0" y="0"/>
+          <a:ext cx="0" cy="0"/>
+          <a:chOff x="0" y="0"/>
+          <a:chExt cx="0" cy="0"/>
+        </a:xfrm>
+      </p:grpSpPr>
+      <p:sp>
+        <p:nvSpPr>
+          <p:cNvPr id="2" name="Title 1"/>
+          <p:cNvSpPr>
+            <a:spLocks noGrp="1"/>
+          </p:cNvSpPr>
+          <p:nvPr>
+            <p:ph type="title"/>
+          </p:nvPr>
+        </p:nvSpPr>
+        <p:spPr/>
+        <p:txBody>
+          <a:bodyPr/>
+          <a:lstStyle/>
+          <a:p>
+            <a:r>
+              <a:rPr lang="en-US" dirty="0" smtClean="0"/>
+              <a:t>Strings</a:t>
             </a:r>
             <a:endParaRPr lang="en-US" dirty="0"/>
           </a:p>
@@ -3924,22 +4310,85 @@
           <a:p>
             <a:r>
               <a:rPr lang="en-US" dirty="0" smtClean="0"/>
-              <a:t>Use google (:</a:t>
-            </a:r>
-          </a:p>
-          <a:p>
-            <a:r>
-              <a:rPr lang="en-US" dirty="0" smtClean="0"/>
-              <a:t>Examine the PHP documentation and examples</a:t>
-            </a:r>
-          </a:p>
-          <a:p>
-            <a:pPr marL="914400" lvl="2" indent="0">
-              <a:buNone/>
-            </a:pPr>
-            <a:r>
-              <a:rPr lang="en-US" dirty="0" smtClean="0"/>
-              <a:t>		</a:t>
+              <a:t>Concatenating strings</a:t>
+            </a:r>
+          </a:p>
+          <a:p>
+            <a:r>
+              <a:rPr lang="en-US" dirty="0" smtClean="0"/>
+              <a:t>Comparing </a:t>
+            </a:r>
+          </a:p>
+          <a:p>
+            <a:pPr lvl="1"/>
+            <a:r>
+              <a:rPr lang="en-US" dirty="0" smtClean="0"/>
+              <a:t>	</a:t>
+            </a:r>
+            <a:r>
+              <a:rPr lang="en-US" dirty="0" err="1" smtClean="0"/>
+              <a:t>strlen</a:t>
+            </a:r>
+            <a:endParaRPr lang="en-US" dirty="0" smtClean="0"/>
+          </a:p>
+          <a:p>
+            <a:pPr lvl="1"/>
+            <a:r>
+              <a:rPr lang="en-US" dirty="0" smtClean="0"/>
+              <a:t>	trim</a:t>
+            </a:r>
+          </a:p>
+          <a:p>
+            <a:pPr lvl="1"/>
+            <a:r>
+              <a:rPr lang="en-US" dirty="0" smtClean="0"/>
+              <a:t>	==</a:t>
+            </a:r>
+          </a:p>
+          <a:p>
+            <a:pPr lvl="1"/>
+            <a:r>
+              <a:rPr lang="en-US" dirty="0" smtClean="0"/>
+              <a:t>	</a:t>
+            </a:r>
+            <a:r>
+              <a:rPr lang="en-US" dirty="0" err="1" smtClean="0"/>
+              <a:t>strcasecmp</a:t>
+            </a:r>
+            <a:endParaRPr lang="en-US" dirty="0" smtClean="0"/>
+          </a:p>
+          <a:p>
+            <a:pPr lvl="1"/>
+            <a:r>
+              <a:rPr lang="en-US" dirty="0" smtClean="0"/>
+              <a:t>	</a:t>
+            </a:r>
+            <a:r>
+              <a:rPr lang="en-US" dirty="0" err="1" smtClean="0"/>
+              <a:t>strtolower</a:t>
+            </a:r>
+            <a:r>
+              <a:rPr lang="en-US" dirty="0" smtClean="0"/>
+              <a:t> </a:t>
+            </a:r>
+          </a:p>
+          <a:p>
+            <a:pPr lvl="1"/>
+            <a:r>
+              <a:rPr lang="en-US" dirty="0" smtClean="0"/>
+              <a:t>	</a:t>
+            </a:r>
+            <a:r>
+              <a:rPr lang="en-US" dirty="0" err="1" smtClean="0"/>
+              <a:t>strtoupper</a:t>
+            </a:r>
+            <a:endParaRPr lang="en-US" dirty="0" smtClean="0"/>
+          </a:p>
+          <a:p>
+            <a:pPr lvl="1"/>
+            <a:r>
+              <a:rPr lang="en-US" dirty="0" smtClean="0"/>
+              <a:t>	&gt; and &lt; ?		</a:t>
             </a:r>
           </a:p>
           <a:p>
@@ -3953,7 +4402,124 @@
     </p:spTree>
     <p:extLst>
       <p:ext uri="{BB962C8B-B14F-4D97-AF65-F5344CB8AC3E}">
-        <p14:creationId xmlns:p14="http://schemas.microsoft.com/office/powerpoint/2010/main" val="2538191478"/>
+        <p14:creationId xmlns:p14="http://schemas.microsoft.com/office/powerpoint/2010/main" val="2675799421"/>
+      </p:ext>
+    </p:extLst>
+  </p:cSld>
+  <p:clrMapOvr>
+    <a:masterClrMapping/>
+  </p:clrMapOvr>
+  <p:timing>
+    <p:tnLst>
+      <p:par>
+        <p:cTn id="1" dur="indefinite" restart="never" nodeType="tmRoot"/>
+      </p:par>
+    </p:tnLst>
+  </p:timing>
+</p:sld>
+</file>
+
+<file path=ppt/slides/slide19.xml><?xml version="1.0" encoding="utf-8"?>
+<p:sld xmlns:a="http://schemas.openxmlformats.org/drawingml/2006/main" xmlns:r="http://schemas.openxmlformats.org/officeDocument/2006/relationships" xmlns:p="http://schemas.openxmlformats.org/presentationml/2006/main">
+  <p:cSld>
+    <p:spTree>
+      <p:nvGrpSpPr>
+        <p:cNvPr id="1" name=""/>
+        <p:cNvGrpSpPr/>
+        <p:nvPr/>
+      </p:nvGrpSpPr>
+      <p:grpSpPr>
+        <a:xfrm>
+          <a:off x="0" y="0"/>
+          <a:ext cx="0" cy="0"/>
+          <a:chOff x="0" y="0"/>
+          <a:chExt cx="0" cy="0"/>
+        </a:xfrm>
+      </p:grpSpPr>
+      <p:sp>
+        <p:nvSpPr>
+          <p:cNvPr id="2" name="Title 1"/>
+          <p:cNvSpPr>
+            <a:spLocks noGrp="1"/>
+          </p:cNvSpPr>
+          <p:nvPr>
+            <p:ph type="title"/>
+          </p:nvPr>
+        </p:nvSpPr>
+        <p:spPr/>
+        <p:txBody>
+          <a:bodyPr/>
+          <a:lstStyle/>
+          <a:p>
+            <a:r>
+              <a:rPr lang="en-US" dirty="0" smtClean="0"/>
+              <a:t>Strings</a:t>
+            </a:r>
+            <a:endParaRPr lang="en-US" dirty="0"/>
+          </a:p>
+        </p:txBody>
+      </p:sp>
+      <p:sp>
+        <p:nvSpPr>
+          <p:cNvPr id="3" name="Content Placeholder 2"/>
+          <p:cNvSpPr>
+            <a:spLocks noGrp="1"/>
+          </p:cNvSpPr>
+          <p:nvPr>
+            <p:ph idx="1"/>
+          </p:nvPr>
+        </p:nvSpPr>
+        <p:spPr/>
+        <p:txBody>
+          <a:bodyPr>
+            <a:normAutofit/>
+          </a:bodyPr>
+          <a:lstStyle/>
+          <a:p>
+            <a:r>
+              <a:rPr lang="en-US" dirty="0" smtClean="0"/>
+              <a:t>Manipulating</a:t>
+            </a:r>
+          </a:p>
+          <a:p>
+            <a:pPr lvl="1"/>
+            <a:r>
+              <a:rPr lang="en-US" dirty="0" err="1" smtClean="0"/>
+              <a:t>str_replace</a:t>
+            </a:r>
+            <a:endParaRPr lang="en-US" dirty="0" smtClean="0"/>
+          </a:p>
+          <a:p>
+            <a:pPr lvl="1"/>
+            <a:r>
+              <a:rPr lang="en-US" dirty="0" smtClean="0">
+                <a:hlinkClick r:id="rId2"/>
+              </a:rPr>
+              <a:t>http://php.net/manual/bg/function.substr.php</a:t>
+            </a:r>
+            <a:endParaRPr lang="en-US" dirty="0" smtClean="0"/>
+          </a:p>
+          <a:p>
+            <a:pPr marL="914400" lvl="2" indent="0">
+              <a:buNone/>
+            </a:pPr>
+            <a:r>
+              <a:rPr lang="en-US" dirty="0" smtClean="0"/>
+              <a:t>		</a:t>
+            </a:r>
+          </a:p>
+          <a:p>
+            <a:pPr marL="457200" lvl="1" indent="0">
+              <a:buNone/>
+            </a:pPr>
+            <a:endParaRPr lang="en-US" dirty="0" smtClean="0"/>
+          </a:p>
+        </p:txBody>
+      </p:sp>
+    </p:spTree>
+    <p:extLst>
+      <p:ext uri="{BB962C8B-B14F-4D97-AF65-F5344CB8AC3E}">
+        <p14:creationId xmlns:p14="http://schemas.microsoft.com/office/powerpoint/2010/main" val="3272645590"/>
       </p:ext>
     </p:extLst>
   </p:cSld>
@@ -4090,6 +4656,1292 @@
 </p:sld>
 </file>
 
+<file path=ppt/slides/slide20.xml><?xml version="1.0" encoding="utf-8"?>
+<p:sld xmlns:a="http://schemas.openxmlformats.org/drawingml/2006/main" xmlns:r="http://schemas.openxmlformats.org/officeDocument/2006/relationships" xmlns:p="http://schemas.openxmlformats.org/presentationml/2006/main">
+  <p:cSld>
+    <p:spTree>
+      <p:nvGrpSpPr>
+        <p:cNvPr id="1" name=""/>
+        <p:cNvGrpSpPr/>
+        <p:nvPr/>
+      </p:nvGrpSpPr>
+      <p:grpSpPr>
+        <a:xfrm>
+          <a:off x="0" y="0"/>
+          <a:ext cx="0" cy="0"/>
+          <a:chOff x="0" y="0"/>
+          <a:chExt cx="0" cy="0"/>
+        </a:xfrm>
+      </p:grpSpPr>
+      <p:sp>
+        <p:nvSpPr>
+          <p:cNvPr id="2" name="Title 1"/>
+          <p:cNvSpPr>
+            <a:spLocks noGrp="1"/>
+          </p:cNvSpPr>
+          <p:nvPr>
+            <p:ph type="title"/>
+          </p:nvPr>
+        </p:nvSpPr>
+        <p:spPr/>
+        <p:txBody>
+          <a:bodyPr/>
+          <a:lstStyle/>
+          <a:p>
+            <a:r>
+              <a:rPr lang="en-US" dirty="0" smtClean="0"/>
+              <a:t>A side note</a:t>
+            </a:r>
+            <a:endParaRPr lang="en-US" dirty="0"/>
+          </a:p>
+        </p:txBody>
+      </p:sp>
+      <p:sp>
+        <p:nvSpPr>
+          <p:cNvPr id="3" name="Content Placeholder 2"/>
+          <p:cNvSpPr>
+            <a:spLocks noGrp="1"/>
+          </p:cNvSpPr>
+          <p:nvPr>
+            <p:ph idx="1"/>
+          </p:nvPr>
+        </p:nvSpPr>
+        <p:spPr/>
+        <p:txBody>
+          <a:bodyPr>
+            <a:normAutofit/>
+          </a:bodyPr>
+          <a:lstStyle/>
+          <a:p>
+            <a:r>
+              <a:rPr lang="en-US" dirty="0" smtClean="0"/>
+              <a:t>Use google (:</a:t>
+            </a:r>
+          </a:p>
+          <a:p>
+            <a:r>
+              <a:rPr lang="en-US" dirty="0" smtClean="0"/>
+              <a:t>Examine the PHP documentation and examples</a:t>
+            </a:r>
+          </a:p>
+          <a:p>
+            <a:pPr marL="914400" lvl="2" indent="0">
+              <a:buNone/>
+            </a:pPr>
+            <a:r>
+              <a:rPr lang="en-US" dirty="0" smtClean="0"/>
+              <a:t>		</a:t>
+            </a:r>
+          </a:p>
+          <a:p>
+            <a:pPr marL="457200" lvl="1" indent="0">
+              <a:buNone/>
+            </a:pPr>
+            <a:endParaRPr lang="en-US" dirty="0" smtClean="0"/>
+          </a:p>
+        </p:txBody>
+      </p:sp>
+    </p:spTree>
+    <p:extLst>
+      <p:ext uri="{BB962C8B-B14F-4D97-AF65-F5344CB8AC3E}">
+        <p14:creationId xmlns:p14="http://schemas.microsoft.com/office/powerpoint/2010/main" val="2538191478"/>
+      </p:ext>
+    </p:extLst>
+  </p:cSld>
+  <p:clrMapOvr>
+    <a:masterClrMapping/>
+  </p:clrMapOvr>
+  <p:timing>
+    <p:tnLst>
+      <p:par>
+        <p:cTn id="1" dur="indefinite" restart="never" nodeType="tmRoot"/>
+      </p:par>
+    </p:tnLst>
+  </p:timing>
+</p:sld>
+</file>
+
+<file path=ppt/slides/slide21.xml><?xml version="1.0" encoding="utf-8"?>
+<p:sld xmlns:a="http://schemas.openxmlformats.org/drawingml/2006/main" xmlns:r="http://schemas.openxmlformats.org/officeDocument/2006/relationships" xmlns:p="http://schemas.openxmlformats.org/presentationml/2006/main">
+  <p:cSld>
+    <p:spTree>
+      <p:nvGrpSpPr>
+        <p:cNvPr id="1" name=""/>
+        <p:cNvGrpSpPr/>
+        <p:nvPr/>
+      </p:nvGrpSpPr>
+      <p:grpSpPr>
+        <a:xfrm>
+          <a:off x="0" y="0"/>
+          <a:ext cx="0" cy="0"/>
+          <a:chOff x="0" y="0"/>
+          <a:chExt cx="0" cy="0"/>
+        </a:xfrm>
+      </p:grpSpPr>
+      <p:sp>
+        <p:nvSpPr>
+          <p:cNvPr id="2" name="Title 1"/>
+          <p:cNvSpPr>
+            <a:spLocks noGrp="1"/>
+          </p:cNvSpPr>
+          <p:nvPr>
+            <p:ph type="title"/>
+          </p:nvPr>
+        </p:nvSpPr>
+        <p:spPr/>
+        <p:txBody>
+          <a:bodyPr/>
+          <a:lstStyle/>
+          <a:p>
+            <a:r>
+              <a:rPr lang="en-US" dirty="0" smtClean="0"/>
+              <a:t>Numbers</a:t>
+            </a:r>
+            <a:endParaRPr lang="en-US" dirty="0"/>
+          </a:p>
+        </p:txBody>
+      </p:sp>
+      <p:sp>
+        <p:nvSpPr>
+          <p:cNvPr id="3" name="Content Placeholder 2"/>
+          <p:cNvSpPr>
+            <a:spLocks noGrp="1"/>
+          </p:cNvSpPr>
+          <p:nvPr>
+            <p:ph idx="1"/>
+          </p:nvPr>
+        </p:nvSpPr>
+        <p:spPr/>
+        <p:txBody>
+          <a:bodyPr>
+            <a:normAutofit lnSpcReduction="10000"/>
+          </a:bodyPr>
+          <a:lstStyle/>
+          <a:p>
+            <a:r>
+              <a:rPr lang="en-US" dirty="0" smtClean="0"/>
+              <a:t>Integers</a:t>
+            </a:r>
+          </a:p>
+          <a:p>
+            <a:r>
+              <a:rPr lang="en-US" dirty="0" smtClean="0"/>
+              <a:t>Floating point numbers</a:t>
+            </a:r>
+          </a:p>
+          <a:p>
+            <a:r>
+              <a:rPr lang="en-US" dirty="0" smtClean="0"/>
+              <a:t>Operators</a:t>
+            </a:r>
+          </a:p>
+          <a:p>
+            <a:pPr lvl="1"/>
+            <a:r>
+              <a:rPr lang="en-US" dirty="0" smtClean="0"/>
+              <a:t>+</a:t>
+            </a:r>
+          </a:p>
+          <a:p>
+            <a:pPr lvl="1"/>
+            <a:r>
+              <a:rPr lang="en-US" dirty="0" smtClean="0"/>
+              <a:t>-</a:t>
+            </a:r>
+          </a:p>
+          <a:p>
+            <a:pPr lvl="1"/>
+            <a:r>
+              <a:rPr lang="en-US" dirty="0" smtClean="0"/>
+              <a:t>/</a:t>
+            </a:r>
+          </a:p>
+          <a:p>
+            <a:pPr lvl="1"/>
+            <a:r>
+              <a:rPr lang="en-US" dirty="0" smtClean="0"/>
+              <a:t>%</a:t>
+            </a:r>
+          </a:p>
+          <a:p>
+            <a:r>
+              <a:rPr lang="en-US" dirty="0">
+                <a:hlinkClick r:id="rId2"/>
+              </a:rPr>
+              <a:t>http://</a:t>
+            </a:r>
+            <a:r>
+              <a:rPr lang="en-US" dirty="0" smtClean="0">
+                <a:hlinkClick r:id="rId2"/>
+              </a:rPr>
+              <a:t>php.net/manual/bg/language.operators.precedence.php</a:t>
+            </a:r>
+            <a:endParaRPr lang="en-US" dirty="0" smtClean="0"/>
+          </a:p>
+          <a:p>
+            <a:endParaRPr lang="en-US" dirty="0" smtClean="0"/>
+          </a:p>
+          <a:p>
+            <a:pPr marL="914400" lvl="2" indent="0">
+              <a:buNone/>
+            </a:pPr>
+            <a:r>
+              <a:rPr lang="en-US" dirty="0" smtClean="0"/>
+              <a:t>		</a:t>
+            </a:r>
+          </a:p>
+          <a:p>
+            <a:pPr marL="457200" lvl="1" indent="0">
+              <a:buNone/>
+            </a:pPr>
+            <a:endParaRPr lang="en-US" dirty="0" smtClean="0"/>
+          </a:p>
+        </p:txBody>
+      </p:sp>
+    </p:spTree>
+    <p:extLst>
+      <p:ext uri="{BB962C8B-B14F-4D97-AF65-F5344CB8AC3E}">
+        <p14:creationId xmlns:p14="http://schemas.microsoft.com/office/powerpoint/2010/main" val="2888051437"/>
+      </p:ext>
+    </p:extLst>
+  </p:cSld>
+  <p:clrMapOvr>
+    <a:masterClrMapping/>
+  </p:clrMapOvr>
+  <p:timing>
+    <p:tnLst>
+      <p:par>
+        <p:cTn id="1" dur="indefinite" restart="never" nodeType="tmRoot"/>
+      </p:par>
+    </p:tnLst>
+  </p:timing>
+</p:sld>
+</file>
+
+<file path=ppt/slides/slide22.xml><?xml version="1.0" encoding="utf-8"?>
+<p:sld xmlns:a="http://schemas.openxmlformats.org/drawingml/2006/main" xmlns:r="http://schemas.openxmlformats.org/officeDocument/2006/relationships" xmlns:p="http://schemas.openxmlformats.org/presentationml/2006/main">
+  <p:cSld>
+    <p:spTree>
+      <p:nvGrpSpPr>
+        <p:cNvPr id="1" name=""/>
+        <p:cNvGrpSpPr/>
+        <p:nvPr/>
+      </p:nvGrpSpPr>
+      <p:grpSpPr>
+        <a:xfrm>
+          <a:off x="0" y="0"/>
+          <a:ext cx="0" cy="0"/>
+          <a:chOff x="0" y="0"/>
+          <a:chExt cx="0" cy="0"/>
+        </a:xfrm>
+      </p:grpSpPr>
+      <p:sp>
+        <p:nvSpPr>
+          <p:cNvPr id="2" name="Title 1"/>
+          <p:cNvSpPr>
+            <a:spLocks noGrp="1"/>
+          </p:cNvSpPr>
+          <p:nvPr>
+            <p:ph type="title"/>
+          </p:nvPr>
+        </p:nvSpPr>
+        <p:spPr/>
+        <p:txBody>
+          <a:bodyPr/>
+          <a:lstStyle/>
+          <a:p>
+            <a:r>
+              <a:rPr lang="en-US" dirty="0" smtClean="0"/>
+              <a:t>Numbers</a:t>
+            </a:r>
+            <a:endParaRPr lang="en-US" dirty="0"/>
+          </a:p>
+        </p:txBody>
+      </p:sp>
+      <p:sp>
+        <p:nvSpPr>
+          <p:cNvPr id="3" name="Content Placeholder 2"/>
+          <p:cNvSpPr>
+            <a:spLocks noGrp="1"/>
+          </p:cNvSpPr>
+          <p:nvPr>
+            <p:ph idx="1"/>
+          </p:nvPr>
+        </p:nvSpPr>
+        <p:spPr/>
+        <p:txBody>
+          <a:bodyPr>
+            <a:normAutofit lnSpcReduction="10000"/>
+          </a:bodyPr>
+          <a:lstStyle/>
+          <a:p>
+            <a:r>
+              <a:rPr lang="en-US" dirty="0" smtClean="0"/>
+              <a:t>Integers</a:t>
+            </a:r>
+          </a:p>
+          <a:p>
+            <a:r>
+              <a:rPr lang="en-US" dirty="0" smtClean="0"/>
+              <a:t>Floating point numbers</a:t>
+            </a:r>
+          </a:p>
+          <a:p>
+            <a:r>
+              <a:rPr lang="en-US" dirty="0" smtClean="0"/>
+              <a:t>Operators</a:t>
+            </a:r>
+          </a:p>
+          <a:p>
+            <a:pPr lvl="1"/>
+            <a:r>
+              <a:rPr lang="en-US" dirty="0" smtClean="0"/>
+              <a:t>+</a:t>
+            </a:r>
+          </a:p>
+          <a:p>
+            <a:pPr lvl="1"/>
+            <a:r>
+              <a:rPr lang="en-US" dirty="0" smtClean="0"/>
+              <a:t>-</a:t>
+            </a:r>
+          </a:p>
+          <a:p>
+            <a:pPr lvl="1"/>
+            <a:r>
+              <a:rPr lang="en-US" dirty="0" smtClean="0"/>
+              <a:t>/</a:t>
+            </a:r>
+          </a:p>
+          <a:p>
+            <a:pPr lvl="1"/>
+            <a:r>
+              <a:rPr lang="en-US" dirty="0" smtClean="0"/>
+              <a:t>%</a:t>
+            </a:r>
+          </a:p>
+          <a:p>
+            <a:r>
+              <a:rPr lang="en-US" dirty="0">
+                <a:hlinkClick r:id="rId2"/>
+              </a:rPr>
+              <a:t>http://</a:t>
+            </a:r>
+            <a:r>
+              <a:rPr lang="en-US" dirty="0" smtClean="0">
+                <a:hlinkClick r:id="rId2"/>
+              </a:rPr>
+              <a:t>php.net/manual/bg/language.operators.precedence.php</a:t>
+            </a:r>
+            <a:endParaRPr lang="en-US" dirty="0" smtClean="0"/>
+          </a:p>
+          <a:p>
+            <a:endParaRPr lang="en-US" dirty="0" smtClean="0"/>
+          </a:p>
+          <a:p>
+            <a:pPr marL="914400" lvl="2" indent="0">
+              <a:buNone/>
+            </a:pPr>
+            <a:r>
+              <a:rPr lang="en-US" dirty="0" smtClean="0"/>
+              <a:t>		</a:t>
+            </a:r>
+          </a:p>
+          <a:p>
+            <a:pPr marL="457200" lvl="1" indent="0">
+              <a:buNone/>
+            </a:pPr>
+            <a:endParaRPr lang="en-US" dirty="0" smtClean="0"/>
+          </a:p>
+        </p:txBody>
+      </p:sp>
+    </p:spTree>
+    <p:extLst>
+      <p:ext uri="{BB962C8B-B14F-4D97-AF65-F5344CB8AC3E}">
+        <p14:creationId xmlns:p14="http://schemas.microsoft.com/office/powerpoint/2010/main" val="222879472"/>
+      </p:ext>
+    </p:extLst>
+  </p:cSld>
+  <p:clrMapOvr>
+    <a:masterClrMapping/>
+  </p:clrMapOvr>
+  <p:timing>
+    <p:tnLst>
+      <p:par>
+        <p:cTn id="1" dur="indefinite" restart="never" nodeType="tmRoot"/>
+      </p:par>
+    </p:tnLst>
+  </p:timing>
+</p:sld>
+</file>
+
+<file path=ppt/slides/slide23.xml><?xml version="1.0" encoding="utf-8"?>
+<p:sld xmlns:a="http://schemas.openxmlformats.org/drawingml/2006/main" xmlns:r="http://schemas.openxmlformats.org/officeDocument/2006/relationships" xmlns:p="http://schemas.openxmlformats.org/presentationml/2006/main">
+  <p:cSld>
+    <p:spTree>
+      <p:nvGrpSpPr>
+        <p:cNvPr id="1" name=""/>
+        <p:cNvGrpSpPr/>
+        <p:nvPr/>
+      </p:nvGrpSpPr>
+      <p:grpSpPr>
+        <a:xfrm>
+          <a:off x="0" y="0"/>
+          <a:ext cx="0" cy="0"/>
+          <a:chOff x="0" y="0"/>
+          <a:chExt cx="0" cy="0"/>
+        </a:xfrm>
+      </p:grpSpPr>
+      <p:sp>
+        <p:nvSpPr>
+          <p:cNvPr id="2" name="Title 1"/>
+          <p:cNvSpPr>
+            <a:spLocks noGrp="1"/>
+          </p:cNvSpPr>
+          <p:nvPr>
+            <p:ph type="title"/>
+          </p:nvPr>
+        </p:nvSpPr>
+        <p:spPr/>
+        <p:txBody>
+          <a:bodyPr/>
+          <a:lstStyle/>
+          <a:p>
+            <a:r>
+              <a:rPr lang="en-US" dirty="0" smtClean="0"/>
+              <a:t>A word on variables</a:t>
+            </a:r>
+            <a:endParaRPr lang="en-US" dirty="0"/>
+          </a:p>
+        </p:txBody>
+      </p:sp>
+      <p:sp>
+        <p:nvSpPr>
+          <p:cNvPr id="3" name="Content Placeholder 2"/>
+          <p:cNvSpPr>
+            <a:spLocks noGrp="1"/>
+          </p:cNvSpPr>
+          <p:nvPr>
+            <p:ph idx="1"/>
+          </p:nvPr>
+        </p:nvSpPr>
+        <p:spPr/>
+        <p:txBody>
+          <a:bodyPr>
+            <a:normAutofit/>
+          </a:bodyPr>
+          <a:lstStyle/>
+          <a:p>
+            <a:r>
+              <a:rPr lang="en-US" dirty="0" smtClean="0"/>
+              <a:t>PHP is loosely </a:t>
+            </a:r>
+            <a:r>
+              <a:rPr lang="en-US" dirty="0" smtClean="0"/>
+              <a:t>typed</a:t>
+            </a:r>
+          </a:p>
+          <a:p>
+            <a:r>
+              <a:rPr lang="en-US" dirty="0"/>
+              <a:t>Coding standards </a:t>
+            </a:r>
+            <a:r>
+              <a:rPr lang="en-US" dirty="0">
+                <a:hlinkClick r:id="rId2"/>
+              </a:rPr>
+              <a:t>https://</a:t>
+            </a:r>
+            <a:r>
+              <a:rPr lang="en-US" dirty="0" smtClean="0">
+                <a:hlinkClick r:id="rId2"/>
+              </a:rPr>
+              <a:t>pear.php.net/manual/en/standards.php</a:t>
+            </a:r>
+            <a:endParaRPr lang="en-US" dirty="0" smtClean="0"/>
+          </a:p>
+          <a:p>
+            <a:r>
+              <a:rPr lang="en-US" dirty="0" smtClean="0"/>
+              <a:t>Outputting variables on a page</a:t>
+            </a:r>
+            <a:endParaRPr lang="en-US" dirty="0" smtClean="0"/>
+          </a:p>
+          <a:p>
+            <a:endParaRPr lang="en-US" dirty="0" smtClean="0"/>
+          </a:p>
+          <a:p>
+            <a:pPr marL="914400" lvl="2" indent="0">
+              <a:buNone/>
+            </a:pPr>
+            <a:r>
+              <a:rPr lang="en-US" dirty="0" smtClean="0"/>
+              <a:t>		</a:t>
+            </a:r>
+          </a:p>
+          <a:p>
+            <a:pPr marL="457200" lvl="1" indent="0">
+              <a:buNone/>
+            </a:pPr>
+            <a:endParaRPr lang="en-US" dirty="0" smtClean="0"/>
+          </a:p>
+        </p:txBody>
+      </p:sp>
+    </p:spTree>
+    <p:extLst>
+      <p:ext uri="{BB962C8B-B14F-4D97-AF65-F5344CB8AC3E}">
+        <p14:creationId xmlns:p14="http://schemas.microsoft.com/office/powerpoint/2010/main" val="971545542"/>
+      </p:ext>
+    </p:extLst>
+  </p:cSld>
+  <p:clrMapOvr>
+    <a:masterClrMapping/>
+  </p:clrMapOvr>
+  <p:timing>
+    <p:tnLst>
+      <p:par>
+        <p:cTn id="1" dur="indefinite" restart="never" nodeType="tmRoot"/>
+      </p:par>
+    </p:tnLst>
+  </p:timing>
+</p:sld>
+</file>
+
+<file path=ppt/slides/slide24.xml><?xml version="1.0" encoding="utf-8"?>
+<p:sld xmlns:a="http://schemas.openxmlformats.org/drawingml/2006/main" xmlns:r="http://schemas.openxmlformats.org/officeDocument/2006/relationships" xmlns:p="http://schemas.openxmlformats.org/presentationml/2006/main">
+  <p:cSld>
+    <p:spTree>
+      <p:nvGrpSpPr>
+        <p:cNvPr id="1" name=""/>
+        <p:cNvGrpSpPr/>
+        <p:nvPr/>
+      </p:nvGrpSpPr>
+      <p:grpSpPr>
+        <a:xfrm>
+          <a:off x="0" y="0"/>
+          <a:ext cx="0" cy="0"/>
+          <a:chOff x="0" y="0"/>
+          <a:chExt cx="0" cy="0"/>
+        </a:xfrm>
+      </p:grpSpPr>
+      <p:sp>
+        <p:nvSpPr>
+          <p:cNvPr id="2" name="Title 1"/>
+          <p:cNvSpPr>
+            <a:spLocks noGrp="1"/>
+          </p:cNvSpPr>
+          <p:nvPr>
+            <p:ph type="title"/>
+          </p:nvPr>
+        </p:nvSpPr>
+        <p:spPr/>
+        <p:txBody>
+          <a:bodyPr/>
+          <a:lstStyle/>
+          <a:p>
+            <a:r>
+              <a:rPr lang="en-US" dirty="0"/>
+              <a:t>Understanding logic</a:t>
+            </a:r>
+            <a:endParaRPr lang="en-US" dirty="0"/>
+          </a:p>
+        </p:txBody>
+      </p:sp>
+      <p:sp>
+        <p:nvSpPr>
+          <p:cNvPr id="3" name="Content Placeholder 2"/>
+          <p:cNvSpPr>
+            <a:spLocks noGrp="1"/>
+          </p:cNvSpPr>
+          <p:nvPr>
+            <p:ph idx="1"/>
+          </p:nvPr>
+        </p:nvSpPr>
+        <p:spPr/>
+        <p:txBody>
+          <a:bodyPr>
+            <a:normAutofit/>
+          </a:bodyPr>
+          <a:lstStyle/>
+          <a:p>
+            <a:r>
+              <a:rPr lang="en-US" dirty="0"/>
+              <a:t>== and !=</a:t>
+            </a:r>
+          </a:p>
+          <a:p>
+            <a:r>
+              <a:rPr lang="en-US" dirty="0" smtClean="0"/>
+              <a:t>!</a:t>
+            </a:r>
+            <a:r>
+              <a:rPr lang="en-US" dirty="0"/>
+              <a:t>negating</a:t>
+            </a:r>
+          </a:p>
+          <a:p>
+            <a:r>
+              <a:rPr lang="en-US" dirty="0" smtClean="0"/>
+              <a:t>if</a:t>
+            </a:r>
+            <a:endParaRPr lang="en-US" dirty="0"/>
+          </a:p>
+          <a:p>
+            <a:r>
+              <a:rPr lang="en-US" dirty="0" smtClean="0"/>
+              <a:t>else</a:t>
+            </a:r>
+            <a:endParaRPr lang="en-US" dirty="0"/>
+          </a:p>
+          <a:p>
+            <a:r>
+              <a:rPr lang="en-US" dirty="0" err="1" smtClean="0"/>
+              <a:t>elseif</a:t>
+            </a:r>
+            <a:endParaRPr lang="en-US" dirty="0" smtClean="0"/>
+          </a:p>
+          <a:p>
+            <a:r>
+              <a:rPr lang="en-US" dirty="0" smtClean="0"/>
+              <a:t>switch</a:t>
+            </a:r>
+          </a:p>
+          <a:p>
+            <a:endParaRPr lang="en-US" dirty="0" smtClean="0"/>
+          </a:p>
+          <a:p>
+            <a:pPr marL="914400" lvl="2" indent="0">
+              <a:buNone/>
+            </a:pPr>
+            <a:r>
+              <a:rPr lang="en-US" dirty="0" smtClean="0"/>
+              <a:t>		</a:t>
+            </a:r>
+          </a:p>
+          <a:p>
+            <a:pPr marL="457200" lvl="1" indent="0">
+              <a:buNone/>
+            </a:pPr>
+            <a:endParaRPr lang="en-US" dirty="0" smtClean="0"/>
+          </a:p>
+        </p:txBody>
+      </p:sp>
+    </p:spTree>
+    <p:extLst>
+      <p:ext uri="{BB962C8B-B14F-4D97-AF65-F5344CB8AC3E}">
+        <p14:creationId xmlns:p14="http://schemas.microsoft.com/office/powerpoint/2010/main" val="1446681302"/>
+      </p:ext>
+    </p:extLst>
+  </p:cSld>
+  <p:clrMapOvr>
+    <a:masterClrMapping/>
+  </p:clrMapOvr>
+  <p:timing>
+    <p:tnLst>
+      <p:par>
+        <p:cTn id="1" dur="indefinite" restart="never" nodeType="tmRoot"/>
+      </p:par>
+    </p:tnLst>
+  </p:timing>
+</p:sld>
+</file>
+
+<file path=ppt/slides/slide25.xml><?xml version="1.0" encoding="utf-8"?>
+<p:sld xmlns:a="http://schemas.openxmlformats.org/drawingml/2006/main" xmlns:r="http://schemas.openxmlformats.org/officeDocument/2006/relationships" xmlns:p="http://schemas.openxmlformats.org/presentationml/2006/main">
+  <p:cSld>
+    <p:spTree>
+      <p:nvGrpSpPr>
+        <p:cNvPr id="1" name=""/>
+        <p:cNvGrpSpPr/>
+        <p:nvPr/>
+      </p:nvGrpSpPr>
+      <p:grpSpPr>
+        <a:xfrm>
+          <a:off x="0" y="0"/>
+          <a:ext cx="0" cy="0"/>
+          <a:chOff x="0" y="0"/>
+          <a:chExt cx="0" cy="0"/>
+        </a:xfrm>
+      </p:grpSpPr>
+      <p:sp>
+        <p:nvSpPr>
+          <p:cNvPr id="2" name="Title 1"/>
+          <p:cNvSpPr>
+            <a:spLocks noGrp="1"/>
+          </p:cNvSpPr>
+          <p:nvPr>
+            <p:ph type="title"/>
+          </p:nvPr>
+        </p:nvSpPr>
+        <p:spPr/>
+        <p:txBody>
+          <a:bodyPr/>
+          <a:lstStyle/>
+          <a:p>
+            <a:r>
+              <a:rPr lang="en-US" dirty="0"/>
+              <a:t>Understanding logic</a:t>
+            </a:r>
+            <a:endParaRPr lang="en-US" dirty="0"/>
+          </a:p>
+        </p:txBody>
+      </p:sp>
+      <p:sp>
+        <p:nvSpPr>
+          <p:cNvPr id="3" name="Content Placeholder 2"/>
+          <p:cNvSpPr>
+            <a:spLocks noGrp="1"/>
+          </p:cNvSpPr>
+          <p:nvPr>
+            <p:ph idx="1"/>
+          </p:nvPr>
+        </p:nvSpPr>
+        <p:spPr/>
+        <p:txBody>
+          <a:bodyPr>
+            <a:normAutofit/>
+          </a:bodyPr>
+          <a:lstStyle/>
+          <a:p>
+            <a:r>
+              <a:rPr lang="en-US" dirty="0"/>
+              <a:t>== and !=</a:t>
+            </a:r>
+          </a:p>
+          <a:p>
+            <a:r>
+              <a:rPr lang="en-US" dirty="0" smtClean="0"/>
+              <a:t>!negating</a:t>
+            </a:r>
+          </a:p>
+          <a:p>
+            <a:r>
+              <a:rPr lang="en-US" dirty="0" smtClean="0"/>
+              <a:t>Conditional operators &amp;&amp;, ||</a:t>
+            </a:r>
+          </a:p>
+          <a:p>
+            <a:r>
+              <a:rPr lang="en-US" dirty="0"/>
+              <a:t>True or false?</a:t>
+            </a:r>
+          </a:p>
+          <a:p>
+            <a:pPr lvl="1"/>
+            <a:r>
+              <a:rPr lang="en-US" dirty="0"/>
+              <a:t>	7 * 6</a:t>
+            </a:r>
+          </a:p>
+          <a:p>
+            <a:pPr lvl="1"/>
+            <a:r>
+              <a:rPr lang="en-US" dirty="0"/>
+              <a:t>	5 - 6 * 2</a:t>
+            </a:r>
+            <a:endParaRPr lang="en-US" dirty="0" smtClean="0"/>
+          </a:p>
+          <a:p>
+            <a:pPr marL="914400" lvl="2" indent="0">
+              <a:buNone/>
+            </a:pPr>
+            <a:r>
+              <a:rPr lang="en-US" dirty="0" smtClean="0"/>
+              <a:t>		</a:t>
+            </a:r>
+          </a:p>
+          <a:p>
+            <a:pPr marL="457200" lvl="1" indent="0">
+              <a:buNone/>
+            </a:pPr>
+            <a:endParaRPr lang="en-US" dirty="0" smtClean="0"/>
+          </a:p>
+        </p:txBody>
+      </p:sp>
+    </p:spTree>
+    <p:extLst>
+      <p:ext uri="{BB962C8B-B14F-4D97-AF65-F5344CB8AC3E}">
+        <p14:creationId xmlns:p14="http://schemas.microsoft.com/office/powerpoint/2010/main" val="3850470709"/>
+      </p:ext>
+    </p:extLst>
+  </p:cSld>
+  <p:clrMapOvr>
+    <a:masterClrMapping/>
+  </p:clrMapOvr>
+  <p:timing>
+    <p:tnLst>
+      <p:par>
+        <p:cTn id="1" dur="indefinite" restart="never" nodeType="tmRoot"/>
+      </p:par>
+    </p:tnLst>
+  </p:timing>
+</p:sld>
+</file>
+
+<file path=ppt/slides/slide26.xml><?xml version="1.0" encoding="utf-8"?>
+<p:sld xmlns:a="http://schemas.openxmlformats.org/drawingml/2006/main" xmlns:r="http://schemas.openxmlformats.org/officeDocument/2006/relationships" xmlns:p="http://schemas.openxmlformats.org/presentationml/2006/main">
+  <p:cSld>
+    <p:spTree>
+      <p:nvGrpSpPr>
+        <p:cNvPr id="1" name=""/>
+        <p:cNvGrpSpPr/>
+        <p:nvPr/>
+      </p:nvGrpSpPr>
+      <p:grpSpPr>
+        <a:xfrm>
+          <a:off x="0" y="0"/>
+          <a:ext cx="0" cy="0"/>
+          <a:chOff x="0" y="0"/>
+          <a:chExt cx="0" cy="0"/>
+        </a:xfrm>
+      </p:grpSpPr>
+      <p:sp>
+        <p:nvSpPr>
+          <p:cNvPr id="2" name="Title 1"/>
+          <p:cNvSpPr>
+            <a:spLocks noGrp="1"/>
+          </p:cNvSpPr>
+          <p:nvPr>
+            <p:ph type="title"/>
+          </p:nvPr>
+        </p:nvSpPr>
+        <p:spPr/>
+        <p:txBody>
+          <a:bodyPr/>
+          <a:lstStyle/>
+          <a:p>
+            <a:r>
+              <a:rPr lang="en-US" dirty="0" smtClean="0"/>
+              <a:t>Iterating</a:t>
+            </a:r>
+            <a:endParaRPr lang="en-US" dirty="0"/>
+          </a:p>
+        </p:txBody>
+      </p:sp>
+      <p:sp>
+        <p:nvSpPr>
+          <p:cNvPr id="3" name="Content Placeholder 2"/>
+          <p:cNvSpPr>
+            <a:spLocks noGrp="1"/>
+          </p:cNvSpPr>
+          <p:nvPr>
+            <p:ph idx="1"/>
+          </p:nvPr>
+        </p:nvSpPr>
+        <p:spPr/>
+        <p:txBody>
+          <a:bodyPr>
+            <a:normAutofit/>
+          </a:bodyPr>
+          <a:lstStyle/>
+          <a:p>
+            <a:r>
+              <a:rPr lang="en-US" dirty="0" smtClean="0"/>
+              <a:t>While</a:t>
+            </a:r>
+          </a:p>
+          <a:p>
+            <a:r>
+              <a:rPr lang="en-US" dirty="0" smtClean="0"/>
+              <a:t>for </a:t>
+            </a:r>
+            <a:r>
+              <a:rPr lang="en-US" dirty="0"/>
+              <a:t>(initialize; condition; .... many things to execute)</a:t>
+            </a:r>
+            <a:r>
+              <a:rPr lang="en-US" dirty="0" smtClean="0"/>
+              <a:t>		</a:t>
+            </a:r>
+          </a:p>
+          <a:p>
+            <a:pPr marL="457200" lvl="1" indent="0">
+              <a:buNone/>
+            </a:pPr>
+            <a:endParaRPr lang="en-US" dirty="0" smtClean="0"/>
+          </a:p>
+        </p:txBody>
+      </p:sp>
+    </p:spTree>
+    <p:extLst>
+      <p:ext uri="{BB962C8B-B14F-4D97-AF65-F5344CB8AC3E}">
+        <p14:creationId xmlns:p14="http://schemas.microsoft.com/office/powerpoint/2010/main" val="4014665856"/>
+      </p:ext>
+    </p:extLst>
+  </p:cSld>
+  <p:clrMapOvr>
+    <a:masterClrMapping/>
+  </p:clrMapOvr>
+  <p:timing>
+    <p:tnLst>
+      <p:par>
+        <p:cTn id="1" dur="indefinite" restart="never" nodeType="tmRoot"/>
+      </p:par>
+    </p:tnLst>
+  </p:timing>
+</p:sld>
+</file>
+
+<file path=ppt/slides/slide27.xml><?xml version="1.0" encoding="utf-8"?>
+<p:sld xmlns:a="http://schemas.openxmlformats.org/drawingml/2006/main" xmlns:r="http://schemas.openxmlformats.org/officeDocument/2006/relationships" xmlns:p="http://schemas.openxmlformats.org/presentationml/2006/main">
+  <p:cSld>
+    <p:spTree>
+      <p:nvGrpSpPr>
+        <p:cNvPr id="1" name=""/>
+        <p:cNvGrpSpPr/>
+        <p:nvPr/>
+      </p:nvGrpSpPr>
+      <p:grpSpPr>
+        <a:xfrm>
+          <a:off x="0" y="0"/>
+          <a:ext cx="0" cy="0"/>
+          <a:chOff x="0" y="0"/>
+          <a:chExt cx="0" cy="0"/>
+        </a:xfrm>
+      </p:grpSpPr>
+      <p:sp>
+        <p:nvSpPr>
+          <p:cNvPr id="2" name="Title 1"/>
+          <p:cNvSpPr>
+            <a:spLocks noGrp="1"/>
+          </p:cNvSpPr>
+          <p:nvPr>
+            <p:ph type="title"/>
+          </p:nvPr>
+        </p:nvSpPr>
+        <p:spPr/>
+        <p:txBody>
+          <a:bodyPr/>
+          <a:lstStyle/>
+          <a:p>
+            <a:r>
+              <a:rPr lang="en-US" dirty="0" smtClean="0"/>
+              <a:t>Arrays</a:t>
+            </a:r>
+            <a:endParaRPr lang="en-US" dirty="0"/>
+          </a:p>
+        </p:txBody>
+      </p:sp>
+      <p:sp>
+        <p:nvSpPr>
+          <p:cNvPr id="3" name="Content Placeholder 2"/>
+          <p:cNvSpPr>
+            <a:spLocks noGrp="1"/>
+          </p:cNvSpPr>
+          <p:nvPr>
+            <p:ph idx="1"/>
+          </p:nvPr>
+        </p:nvSpPr>
+        <p:spPr/>
+        <p:txBody>
+          <a:bodyPr>
+            <a:normAutofit/>
+          </a:bodyPr>
+          <a:lstStyle/>
+          <a:p>
+            <a:r>
+              <a:rPr lang="en-US" dirty="0" smtClean="0"/>
+              <a:t>While</a:t>
+            </a:r>
+          </a:p>
+          <a:p>
+            <a:r>
+              <a:rPr lang="en-US" dirty="0" smtClean="0"/>
+              <a:t>for </a:t>
+            </a:r>
+            <a:r>
+              <a:rPr lang="en-US" dirty="0"/>
+              <a:t>(initialize; condition; .... many things to execute)</a:t>
+            </a:r>
+            <a:r>
+              <a:rPr lang="en-US" dirty="0" smtClean="0"/>
+              <a:t>		</a:t>
+            </a:r>
+          </a:p>
+          <a:p>
+            <a:pPr marL="457200" lvl="1" indent="0">
+              <a:buNone/>
+            </a:pPr>
+            <a:endParaRPr lang="en-US" dirty="0" smtClean="0"/>
+          </a:p>
+        </p:txBody>
+      </p:sp>
+    </p:spTree>
+    <p:extLst>
+      <p:ext uri="{BB962C8B-B14F-4D97-AF65-F5344CB8AC3E}">
+        <p14:creationId xmlns:p14="http://schemas.microsoft.com/office/powerpoint/2010/main" val="3607766222"/>
+      </p:ext>
+    </p:extLst>
+  </p:cSld>
+  <p:clrMapOvr>
+    <a:masterClrMapping/>
+  </p:clrMapOvr>
+  <p:timing>
+    <p:tnLst>
+      <p:par>
+        <p:cTn id="1" dur="indefinite" restart="never" nodeType="tmRoot"/>
+      </p:par>
+    </p:tnLst>
+  </p:timing>
+</p:sld>
+</file>
+
+<file path=ppt/slides/slide28.xml><?xml version="1.0" encoding="utf-8"?>
+<p:sld xmlns:a="http://schemas.openxmlformats.org/drawingml/2006/main" xmlns:r="http://schemas.openxmlformats.org/officeDocument/2006/relationships" xmlns:p="http://schemas.openxmlformats.org/presentationml/2006/main">
+  <p:cSld>
+    <p:spTree>
+      <p:nvGrpSpPr>
+        <p:cNvPr id="1" name=""/>
+        <p:cNvGrpSpPr/>
+        <p:nvPr/>
+      </p:nvGrpSpPr>
+      <p:grpSpPr>
+        <a:xfrm>
+          <a:off x="0" y="0"/>
+          <a:ext cx="0" cy="0"/>
+          <a:chOff x="0" y="0"/>
+          <a:chExt cx="0" cy="0"/>
+        </a:xfrm>
+      </p:grpSpPr>
+      <p:sp>
+        <p:nvSpPr>
+          <p:cNvPr id="2" name="Title 1"/>
+          <p:cNvSpPr>
+            <a:spLocks noGrp="1"/>
+          </p:cNvSpPr>
+          <p:nvPr>
+            <p:ph type="title"/>
+          </p:nvPr>
+        </p:nvSpPr>
+        <p:spPr/>
+        <p:txBody>
+          <a:bodyPr/>
+          <a:lstStyle/>
+          <a:p>
+            <a:r>
+              <a:rPr lang="en-US" dirty="0" smtClean="0"/>
+              <a:t>Almost every time you work with PHP you will work with arrays</a:t>
+            </a:r>
+            <a:endParaRPr lang="en-US" dirty="0"/>
+          </a:p>
+        </p:txBody>
+      </p:sp>
+      <p:sp>
+        <p:nvSpPr>
+          <p:cNvPr id="3" name="Content Placeholder 2"/>
+          <p:cNvSpPr>
+            <a:spLocks noGrp="1"/>
+          </p:cNvSpPr>
+          <p:nvPr>
+            <p:ph idx="1"/>
+          </p:nvPr>
+        </p:nvSpPr>
+        <p:spPr/>
+        <p:txBody>
+          <a:bodyPr>
+            <a:normAutofit/>
+          </a:bodyPr>
+          <a:lstStyle/>
+          <a:p>
+            <a:r>
+              <a:rPr lang="en-US" dirty="0"/>
+              <a:t>$creating = array('key' =&gt; 'value')</a:t>
+            </a:r>
+          </a:p>
+          <a:p>
+            <a:r>
+              <a:rPr lang="en-US" dirty="0" smtClean="0"/>
+              <a:t>$</a:t>
+            </a:r>
+            <a:r>
+              <a:rPr lang="en-US" dirty="0"/>
+              <a:t>or = ['key' =&gt; 'value']</a:t>
+            </a:r>
+          </a:p>
+          <a:p>
+            <a:r>
+              <a:rPr lang="en-US" dirty="0" smtClean="0"/>
+              <a:t>$</a:t>
+            </a:r>
+            <a:r>
+              <a:rPr lang="en-US" dirty="0"/>
+              <a:t>element['by'] = 'element';</a:t>
+            </a:r>
+          </a:p>
+          <a:p>
+            <a:r>
+              <a:rPr lang="en-US" dirty="0" smtClean="0"/>
+              <a:t>$</a:t>
+            </a:r>
+            <a:r>
+              <a:rPr lang="en-US" dirty="0"/>
+              <a:t>adding[] = 'element at the end of the array'</a:t>
+            </a:r>
+          </a:p>
+          <a:p>
+            <a:r>
+              <a:rPr lang="en-US" dirty="0" smtClean="0"/>
+              <a:t>$</a:t>
+            </a:r>
+            <a:r>
+              <a:rPr lang="en-US" dirty="0" err="1"/>
+              <a:t>howMuchElements</a:t>
+            </a:r>
+            <a:r>
+              <a:rPr lang="en-US" dirty="0"/>
+              <a:t> = count(array);</a:t>
+            </a:r>
+            <a:r>
+              <a:rPr lang="en-US" dirty="0" smtClean="0"/>
+              <a:t>		</a:t>
+            </a:r>
+          </a:p>
+          <a:p>
+            <a:pPr marL="457200" lvl="1" indent="0">
+              <a:buNone/>
+            </a:pPr>
+            <a:endParaRPr lang="en-US" dirty="0" smtClean="0"/>
+          </a:p>
+        </p:txBody>
+      </p:sp>
+    </p:spTree>
+    <p:extLst>
+      <p:ext uri="{BB962C8B-B14F-4D97-AF65-F5344CB8AC3E}">
+        <p14:creationId xmlns:p14="http://schemas.microsoft.com/office/powerpoint/2010/main" val="154618316"/>
+      </p:ext>
+    </p:extLst>
+  </p:cSld>
+  <p:clrMapOvr>
+    <a:masterClrMapping/>
+  </p:clrMapOvr>
+  <p:timing>
+    <p:tnLst>
+      <p:par>
+        <p:cTn id="1" dur="indefinite" restart="never" nodeType="tmRoot"/>
+      </p:par>
+    </p:tnLst>
+  </p:timing>
+</p:sld>
+</file>
+
+<file path=ppt/slides/slide29.xml><?xml version="1.0" encoding="utf-8"?>
+<p:sld xmlns:a="http://schemas.openxmlformats.org/drawingml/2006/main" xmlns:r="http://schemas.openxmlformats.org/officeDocument/2006/relationships" xmlns:p="http://schemas.openxmlformats.org/presentationml/2006/main">
+  <p:cSld>
+    <p:spTree>
+      <p:nvGrpSpPr>
+        <p:cNvPr id="1" name=""/>
+        <p:cNvGrpSpPr/>
+        <p:nvPr/>
+      </p:nvGrpSpPr>
+      <p:grpSpPr>
+        <a:xfrm>
+          <a:off x="0" y="0"/>
+          <a:ext cx="0" cy="0"/>
+          <a:chOff x="0" y="0"/>
+          <a:chExt cx="0" cy="0"/>
+        </a:xfrm>
+      </p:grpSpPr>
+      <p:sp>
+        <p:nvSpPr>
+          <p:cNvPr id="2" name="Title 1"/>
+          <p:cNvSpPr>
+            <a:spLocks noGrp="1"/>
+          </p:cNvSpPr>
+          <p:nvPr>
+            <p:ph type="title"/>
+          </p:nvPr>
+        </p:nvSpPr>
+        <p:spPr/>
+        <p:txBody>
+          <a:bodyPr/>
+          <a:lstStyle/>
+          <a:p>
+            <a:r>
+              <a:rPr lang="en-US" dirty="0" smtClean="0"/>
+              <a:t>Iterating over arrays</a:t>
+            </a:r>
+            <a:endParaRPr lang="en-US" dirty="0"/>
+          </a:p>
+        </p:txBody>
+      </p:sp>
+      <p:sp>
+        <p:nvSpPr>
+          <p:cNvPr id="3" name="Content Placeholder 2"/>
+          <p:cNvSpPr>
+            <a:spLocks noGrp="1"/>
+          </p:cNvSpPr>
+          <p:nvPr>
+            <p:ph idx="1"/>
+          </p:nvPr>
+        </p:nvSpPr>
+        <p:spPr/>
+        <p:txBody>
+          <a:bodyPr>
+            <a:normAutofit/>
+          </a:bodyPr>
+          <a:lstStyle/>
+          <a:p>
+            <a:r>
+              <a:rPr lang="en-US" dirty="0" err="1"/>
+              <a:t>foreach</a:t>
+            </a:r>
+            <a:r>
+              <a:rPr lang="en-US" dirty="0"/>
+              <a:t>($array as $key =&gt; $value)</a:t>
+            </a:r>
+          </a:p>
+          <a:p>
+            <a:r>
+              <a:rPr lang="en-US" dirty="0" err="1" smtClean="0"/>
+              <a:t>array_key_exists</a:t>
+            </a:r>
+            <a:endParaRPr lang="en-US" dirty="0"/>
+          </a:p>
+          <a:p>
+            <a:r>
+              <a:rPr lang="en-US" dirty="0" err="1" smtClean="0"/>
+              <a:t>in_array</a:t>
+            </a:r>
+            <a:endParaRPr lang="en-US" dirty="0"/>
+          </a:p>
+          <a:p>
+            <a:r>
+              <a:rPr lang="en-US" dirty="0" smtClean="0"/>
+              <a:t>interpolating </a:t>
+            </a:r>
+            <a:r>
+              <a:rPr lang="en-US" dirty="0" smtClean="0"/>
+              <a:t>	</a:t>
+            </a:r>
+          </a:p>
+          <a:p>
+            <a:pPr marL="457200" lvl="1" indent="0">
+              <a:buNone/>
+            </a:pPr>
+            <a:endParaRPr lang="en-US" dirty="0" smtClean="0"/>
+          </a:p>
+        </p:txBody>
+      </p:sp>
+    </p:spTree>
+    <p:extLst>
+      <p:ext uri="{BB962C8B-B14F-4D97-AF65-F5344CB8AC3E}">
+        <p14:creationId xmlns:p14="http://schemas.microsoft.com/office/powerpoint/2010/main" val="2601776431"/>
+      </p:ext>
+    </p:extLst>
+  </p:cSld>
+  <p:clrMapOvr>
+    <a:masterClrMapping/>
+  </p:clrMapOvr>
+  <p:timing>
+    <p:tnLst>
+      <p:par>
+        <p:cTn id="1" dur="indefinite" restart="never" nodeType="tmRoot"/>
+      </p:par>
+    </p:tnLst>
+  </p:timing>
+</p:sld>
+</file>
+
 <file path=ppt/slides/slide3.xml><?xml version="1.0" encoding="utf-8"?>
 <p:sld xmlns:a="http://schemas.openxmlformats.org/drawingml/2006/main" xmlns:r="http://schemas.openxmlformats.org/officeDocument/2006/relationships" xmlns:p="http://schemas.openxmlformats.org/presentationml/2006/main">
   <p:cSld>
@@ -4182,6 +6034,2709 @@
     <p:extLst>
       <p:ext uri="{BB962C8B-B14F-4D97-AF65-F5344CB8AC3E}">
         <p14:creationId xmlns:p14="http://schemas.microsoft.com/office/powerpoint/2010/main" val="2624297555"/>
+      </p:ext>
+    </p:extLst>
+  </p:cSld>
+  <p:clrMapOvr>
+    <a:masterClrMapping/>
+  </p:clrMapOvr>
+  <p:timing>
+    <p:tnLst>
+      <p:par>
+        <p:cTn id="1" dur="indefinite" restart="never" nodeType="tmRoot"/>
+      </p:par>
+    </p:tnLst>
+  </p:timing>
+</p:sld>
+</file>
+
+<file path=ppt/slides/slide30.xml><?xml version="1.0" encoding="utf-8"?>
+<p:sld xmlns:a="http://schemas.openxmlformats.org/drawingml/2006/main" xmlns:r="http://schemas.openxmlformats.org/officeDocument/2006/relationships" xmlns:p="http://schemas.openxmlformats.org/presentationml/2006/main">
+  <p:cSld>
+    <p:spTree>
+      <p:nvGrpSpPr>
+        <p:cNvPr id="1" name=""/>
+        <p:cNvGrpSpPr/>
+        <p:nvPr/>
+      </p:nvGrpSpPr>
+      <p:grpSpPr>
+        <a:xfrm>
+          <a:off x="0" y="0"/>
+          <a:ext cx="0" cy="0"/>
+          <a:chOff x="0" y="0"/>
+          <a:chExt cx="0" cy="0"/>
+        </a:xfrm>
+      </p:grpSpPr>
+      <p:sp>
+        <p:nvSpPr>
+          <p:cNvPr id="2" name="Title 1"/>
+          <p:cNvSpPr>
+            <a:spLocks noGrp="1"/>
+          </p:cNvSpPr>
+          <p:nvPr>
+            <p:ph type="title"/>
+          </p:nvPr>
+        </p:nvSpPr>
+        <p:spPr/>
+        <p:txBody>
+          <a:bodyPr/>
+          <a:lstStyle/>
+          <a:p>
+            <a:r>
+              <a:rPr lang="en-US" dirty="0" smtClean="0"/>
+              <a:t>Functions</a:t>
+            </a:r>
+            <a:endParaRPr lang="en-US" dirty="0"/>
+          </a:p>
+        </p:txBody>
+      </p:sp>
+      <p:sp>
+        <p:nvSpPr>
+          <p:cNvPr id="3" name="Content Placeholder 2"/>
+          <p:cNvSpPr>
+            <a:spLocks noGrp="1"/>
+          </p:cNvSpPr>
+          <p:nvPr>
+            <p:ph idx="1"/>
+          </p:nvPr>
+        </p:nvSpPr>
+        <p:spPr/>
+        <p:txBody>
+          <a:bodyPr>
+            <a:normAutofit/>
+          </a:bodyPr>
+          <a:lstStyle/>
+          <a:p>
+            <a:r>
+              <a:rPr lang="en-US" dirty="0" smtClean="0"/>
+              <a:t>Let you reuse your logic</a:t>
+            </a:r>
+          </a:p>
+          <a:p>
+            <a:r>
+              <a:rPr lang="en-US" dirty="0" smtClean="0"/>
+              <a:t>Every function has</a:t>
+            </a:r>
+          </a:p>
+          <a:p>
+            <a:r>
+              <a:rPr lang="en-US" dirty="0" smtClean="0"/>
+              <a:t>A “function” declaration</a:t>
+            </a:r>
+          </a:p>
+          <a:p>
+            <a:r>
+              <a:rPr lang="en-US" dirty="0" smtClean="0"/>
+              <a:t>A name</a:t>
+            </a:r>
+          </a:p>
+          <a:p>
+            <a:r>
+              <a:rPr lang="en-US" dirty="0" smtClean="0"/>
+              <a:t>A list of parameters that can be passed to it </a:t>
+            </a:r>
+          </a:p>
+          <a:p>
+            <a:r>
+              <a:rPr lang="en-US" dirty="0" smtClean="0"/>
+              <a:t>A function can return a value</a:t>
+            </a:r>
+          </a:p>
+          <a:p>
+            <a:pPr marL="457200" lvl="1" indent="0">
+              <a:buNone/>
+            </a:pPr>
+            <a:endParaRPr lang="en-US" dirty="0" smtClean="0"/>
+          </a:p>
+        </p:txBody>
+      </p:sp>
+    </p:spTree>
+    <p:extLst>
+      <p:ext uri="{BB962C8B-B14F-4D97-AF65-F5344CB8AC3E}">
+        <p14:creationId xmlns:p14="http://schemas.microsoft.com/office/powerpoint/2010/main" val="2474149575"/>
+      </p:ext>
+    </p:extLst>
+  </p:cSld>
+  <p:clrMapOvr>
+    <a:masterClrMapping/>
+  </p:clrMapOvr>
+  <p:timing>
+    <p:tnLst>
+      <p:par>
+        <p:cTn id="1" dur="indefinite" restart="never" nodeType="tmRoot"/>
+      </p:par>
+    </p:tnLst>
+  </p:timing>
+</p:sld>
+</file>
+
+<file path=ppt/slides/slide31.xml><?xml version="1.0" encoding="utf-8"?>
+<p:sld xmlns:a="http://schemas.openxmlformats.org/drawingml/2006/main" xmlns:r="http://schemas.openxmlformats.org/officeDocument/2006/relationships" xmlns:p="http://schemas.openxmlformats.org/presentationml/2006/main">
+  <p:cSld>
+    <p:spTree>
+      <p:nvGrpSpPr>
+        <p:cNvPr id="1" name=""/>
+        <p:cNvGrpSpPr/>
+        <p:nvPr/>
+      </p:nvGrpSpPr>
+      <p:grpSpPr>
+        <a:xfrm>
+          <a:off x="0" y="0"/>
+          <a:ext cx="0" cy="0"/>
+          <a:chOff x="0" y="0"/>
+          <a:chExt cx="0" cy="0"/>
+        </a:xfrm>
+      </p:grpSpPr>
+      <p:sp>
+        <p:nvSpPr>
+          <p:cNvPr id="2" name="Title 1"/>
+          <p:cNvSpPr>
+            <a:spLocks noGrp="1"/>
+          </p:cNvSpPr>
+          <p:nvPr>
+            <p:ph type="title"/>
+          </p:nvPr>
+        </p:nvSpPr>
+        <p:spPr/>
+        <p:txBody>
+          <a:bodyPr/>
+          <a:lstStyle/>
+          <a:p>
+            <a:r>
+              <a:rPr lang="en-US" dirty="0" smtClean="0"/>
+              <a:t>Functions</a:t>
+            </a:r>
+            <a:endParaRPr lang="en-US" dirty="0"/>
+          </a:p>
+        </p:txBody>
+      </p:sp>
+      <p:sp>
+        <p:nvSpPr>
+          <p:cNvPr id="3" name="Content Placeholder 2"/>
+          <p:cNvSpPr>
+            <a:spLocks noGrp="1"/>
+          </p:cNvSpPr>
+          <p:nvPr>
+            <p:ph idx="1"/>
+          </p:nvPr>
+        </p:nvSpPr>
+        <p:spPr/>
+        <p:txBody>
+          <a:bodyPr>
+            <a:normAutofit/>
+          </a:bodyPr>
+          <a:lstStyle/>
+          <a:p>
+            <a:pPr marL="0" indent="0">
+              <a:buNone/>
+            </a:pPr>
+            <a:r>
+              <a:rPr lang="en-US" dirty="0" smtClean="0"/>
+              <a:t>Declaration:</a:t>
+            </a:r>
+          </a:p>
+          <a:p>
+            <a:pPr marL="0" indent="0">
+              <a:buNone/>
+            </a:pPr>
+            <a:r>
+              <a:rPr lang="en-US" dirty="0" smtClean="0"/>
+              <a:t>function </a:t>
+            </a:r>
+            <a:r>
+              <a:rPr lang="en-US" dirty="0" err="1"/>
+              <a:t>c</a:t>
+            </a:r>
+            <a:r>
+              <a:rPr lang="en-US" dirty="0" err="1" smtClean="0"/>
+              <a:t>heckOddNumber</a:t>
+            </a:r>
+            <a:r>
+              <a:rPr lang="en-US" dirty="0" smtClean="0"/>
+              <a:t> ($number) {</a:t>
+            </a:r>
+          </a:p>
+          <a:p>
+            <a:pPr marL="0" indent="0">
+              <a:buNone/>
+            </a:pPr>
+            <a:r>
+              <a:rPr lang="en-US" dirty="0" smtClean="0"/>
+              <a:t>	//Returns true if the number is odd.</a:t>
+            </a:r>
+          </a:p>
+          <a:p>
+            <a:pPr marL="0" indent="0">
+              <a:buNone/>
+            </a:pPr>
+            <a:r>
+              <a:rPr lang="en-US" dirty="0" smtClean="0"/>
+              <a:t>	return $number % 2 == 0; //Check the priority of operations. </a:t>
+            </a:r>
+          </a:p>
+          <a:p>
+            <a:pPr marL="0" indent="0">
+              <a:buNone/>
+            </a:pPr>
+            <a:r>
+              <a:rPr lang="en-US" dirty="0"/>
+              <a:t>	</a:t>
+            </a:r>
+            <a:r>
+              <a:rPr lang="en-US" dirty="0" smtClean="0"/>
+              <a:t>//% comes before ==</a:t>
+            </a:r>
+          </a:p>
+          <a:p>
+            <a:pPr marL="0" indent="0">
+              <a:buNone/>
+            </a:pPr>
+            <a:r>
+              <a:rPr lang="en-US" sz="1600" i="1" dirty="0"/>
+              <a:t>	</a:t>
+            </a:r>
+            <a:r>
+              <a:rPr lang="en-US" sz="1600" i="1" dirty="0" smtClean="0"/>
+              <a:t>// </a:t>
+            </a:r>
+            <a:r>
+              <a:rPr lang="en-US" sz="1600" i="1" dirty="0" smtClean="0">
+                <a:hlinkClick r:id="rId2"/>
+              </a:rPr>
+              <a:t>http</a:t>
+            </a:r>
+            <a:r>
+              <a:rPr lang="en-US" sz="1600" i="1" dirty="0">
+                <a:hlinkClick r:id="rId2"/>
+              </a:rPr>
+              <a:t>://</a:t>
+            </a:r>
+            <a:r>
+              <a:rPr lang="en-US" sz="1600" i="1" dirty="0" smtClean="0">
+                <a:hlinkClick r:id="rId2"/>
+              </a:rPr>
+              <a:t>php.net/manual/bg/language.operators.precedence.php</a:t>
+            </a:r>
+            <a:r>
+              <a:rPr lang="en-US" sz="1600" i="1" dirty="0" smtClean="0"/>
+              <a:t> </a:t>
+            </a:r>
+            <a:endParaRPr lang="en-US" dirty="0"/>
+          </a:p>
+          <a:p>
+            <a:pPr marL="0" indent="0">
+              <a:buNone/>
+            </a:pPr>
+            <a:r>
+              <a:rPr lang="en-US" dirty="0" smtClean="0"/>
+              <a:t>}</a:t>
+            </a:r>
+            <a:endParaRPr lang="en-US" dirty="0" smtClean="0"/>
+          </a:p>
+          <a:p>
+            <a:pPr marL="457200" lvl="1" indent="0">
+              <a:buNone/>
+            </a:pPr>
+            <a:endParaRPr lang="en-US" dirty="0" smtClean="0"/>
+          </a:p>
+        </p:txBody>
+      </p:sp>
+    </p:spTree>
+    <p:extLst>
+      <p:ext uri="{BB962C8B-B14F-4D97-AF65-F5344CB8AC3E}">
+        <p14:creationId xmlns:p14="http://schemas.microsoft.com/office/powerpoint/2010/main" val="3821650764"/>
+      </p:ext>
+    </p:extLst>
+  </p:cSld>
+  <p:clrMapOvr>
+    <a:masterClrMapping/>
+  </p:clrMapOvr>
+  <p:timing>
+    <p:tnLst>
+      <p:par>
+        <p:cTn id="1" dur="indefinite" restart="never" nodeType="tmRoot"/>
+      </p:par>
+    </p:tnLst>
+  </p:timing>
+</p:sld>
+</file>
+
+<file path=ppt/slides/slide32.xml><?xml version="1.0" encoding="utf-8"?>
+<p:sld xmlns:a="http://schemas.openxmlformats.org/drawingml/2006/main" xmlns:r="http://schemas.openxmlformats.org/officeDocument/2006/relationships" xmlns:p="http://schemas.openxmlformats.org/presentationml/2006/main">
+  <p:cSld>
+    <p:spTree>
+      <p:nvGrpSpPr>
+        <p:cNvPr id="1" name=""/>
+        <p:cNvGrpSpPr/>
+        <p:nvPr/>
+      </p:nvGrpSpPr>
+      <p:grpSpPr>
+        <a:xfrm>
+          <a:off x="0" y="0"/>
+          <a:ext cx="0" cy="0"/>
+          <a:chOff x="0" y="0"/>
+          <a:chExt cx="0" cy="0"/>
+        </a:xfrm>
+      </p:grpSpPr>
+      <p:sp>
+        <p:nvSpPr>
+          <p:cNvPr id="2" name="Title 1"/>
+          <p:cNvSpPr>
+            <a:spLocks noGrp="1"/>
+          </p:cNvSpPr>
+          <p:nvPr>
+            <p:ph type="title"/>
+          </p:nvPr>
+        </p:nvSpPr>
+        <p:spPr/>
+        <p:txBody>
+          <a:bodyPr/>
+          <a:lstStyle/>
+          <a:p>
+            <a:r>
+              <a:rPr lang="en-US" dirty="0" smtClean="0"/>
+              <a:t>Functions</a:t>
+            </a:r>
+            <a:endParaRPr lang="en-US" dirty="0"/>
+          </a:p>
+        </p:txBody>
+      </p:sp>
+      <p:sp>
+        <p:nvSpPr>
+          <p:cNvPr id="3" name="Content Placeholder 2"/>
+          <p:cNvSpPr>
+            <a:spLocks noGrp="1"/>
+          </p:cNvSpPr>
+          <p:nvPr>
+            <p:ph idx="1"/>
+          </p:nvPr>
+        </p:nvSpPr>
+        <p:spPr/>
+        <p:txBody>
+          <a:bodyPr>
+            <a:normAutofit/>
+          </a:bodyPr>
+          <a:lstStyle/>
+          <a:p>
+            <a:pPr marL="0" indent="0">
+              <a:buNone/>
+            </a:pPr>
+            <a:r>
+              <a:rPr lang="en-US" dirty="0" smtClean="0"/>
+              <a:t>Declaration:</a:t>
+            </a:r>
+          </a:p>
+          <a:p>
+            <a:pPr marL="0" indent="0">
+              <a:buNone/>
+            </a:pPr>
+            <a:r>
+              <a:rPr lang="en-US" dirty="0" smtClean="0"/>
+              <a:t>function </a:t>
+            </a:r>
+            <a:r>
+              <a:rPr lang="en-US" dirty="0" err="1"/>
+              <a:t>c</a:t>
+            </a:r>
+            <a:r>
+              <a:rPr lang="en-US" dirty="0" err="1" smtClean="0"/>
+              <a:t>heckOddNumber</a:t>
+            </a:r>
+            <a:r>
+              <a:rPr lang="en-US" dirty="0" smtClean="0"/>
+              <a:t> ($number) </a:t>
+            </a:r>
+          </a:p>
+          <a:p>
+            <a:pPr marL="0" indent="0">
+              <a:buNone/>
+            </a:pPr>
+            <a:endParaRPr lang="en-US" dirty="0"/>
+          </a:p>
+          <a:p>
+            <a:pPr marL="0" indent="0">
+              <a:buNone/>
+            </a:pPr>
+            <a:r>
+              <a:rPr lang="en-US" dirty="0" smtClean="0"/>
+              <a:t>Calling a function:</a:t>
+            </a:r>
+          </a:p>
+          <a:p>
+            <a:pPr marL="0" indent="0">
+              <a:buNone/>
+            </a:pPr>
+            <a:r>
+              <a:rPr lang="en-US" dirty="0" err="1" smtClean="0"/>
+              <a:t>checkOddNumber</a:t>
+            </a:r>
+            <a:r>
+              <a:rPr lang="en-US" dirty="0" smtClean="0"/>
+              <a:t>(1)</a:t>
+            </a:r>
+          </a:p>
+          <a:p>
+            <a:pPr marL="0" indent="0">
+              <a:buNone/>
+            </a:pPr>
+            <a:r>
+              <a:rPr lang="en-US" dirty="0" smtClean="0"/>
+              <a:t>Or</a:t>
+            </a:r>
+          </a:p>
+          <a:p>
+            <a:pPr marL="0" indent="0">
+              <a:buNone/>
+            </a:pPr>
+            <a:r>
+              <a:rPr lang="en-US" dirty="0" smtClean="0"/>
+              <a:t>$</a:t>
+            </a:r>
+            <a:r>
+              <a:rPr lang="en-US" dirty="0" err="1" smtClean="0"/>
+              <a:t>numberIWantToCheck</a:t>
+            </a:r>
+            <a:r>
+              <a:rPr lang="en-US" dirty="0" smtClean="0"/>
+              <a:t> = 1;</a:t>
+            </a:r>
+          </a:p>
+          <a:p>
+            <a:pPr marL="0" indent="0">
+              <a:buNone/>
+            </a:pPr>
+            <a:r>
+              <a:rPr lang="en-US" dirty="0" err="1" smtClean="0"/>
+              <a:t>checkOddNumber</a:t>
+            </a:r>
+            <a:r>
+              <a:rPr lang="en-US" dirty="0" smtClean="0"/>
+              <a:t>($</a:t>
+            </a:r>
+            <a:r>
+              <a:rPr lang="en-US" dirty="0" err="1" smtClean="0"/>
+              <a:t>numberIWantToCheck</a:t>
+            </a:r>
+            <a:r>
+              <a:rPr lang="en-US" dirty="0" smtClean="0"/>
+              <a:t>);</a:t>
+            </a:r>
+          </a:p>
+        </p:txBody>
+      </p:sp>
+    </p:spTree>
+    <p:extLst>
+      <p:ext uri="{BB962C8B-B14F-4D97-AF65-F5344CB8AC3E}">
+        <p14:creationId xmlns:p14="http://schemas.microsoft.com/office/powerpoint/2010/main" val="2049739221"/>
+      </p:ext>
+    </p:extLst>
+  </p:cSld>
+  <p:clrMapOvr>
+    <a:masterClrMapping/>
+  </p:clrMapOvr>
+  <p:timing>
+    <p:tnLst>
+      <p:par>
+        <p:cTn id="1" dur="indefinite" restart="never" nodeType="tmRoot"/>
+      </p:par>
+    </p:tnLst>
+  </p:timing>
+</p:sld>
+</file>
+
+<file path=ppt/slides/slide33.xml><?xml version="1.0" encoding="utf-8"?>
+<p:sld xmlns:a="http://schemas.openxmlformats.org/drawingml/2006/main" xmlns:r="http://schemas.openxmlformats.org/officeDocument/2006/relationships" xmlns:p="http://schemas.openxmlformats.org/presentationml/2006/main">
+  <p:cSld>
+    <p:spTree>
+      <p:nvGrpSpPr>
+        <p:cNvPr id="1" name=""/>
+        <p:cNvGrpSpPr/>
+        <p:nvPr/>
+      </p:nvGrpSpPr>
+      <p:grpSpPr>
+        <a:xfrm>
+          <a:off x="0" y="0"/>
+          <a:ext cx="0" cy="0"/>
+          <a:chOff x="0" y="0"/>
+          <a:chExt cx="0" cy="0"/>
+        </a:xfrm>
+      </p:grpSpPr>
+      <p:sp>
+        <p:nvSpPr>
+          <p:cNvPr id="2" name="Title 1"/>
+          <p:cNvSpPr>
+            <a:spLocks noGrp="1"/>
+          </p:cNvSpPr>
+          <p:nvPr>
+            <p:ph type="title"/>
+          </p:nvPr>
+        </p:nvSpPr>
+        <p:spPr/>
+        <p:txBody>
+          <a:bodyPr/>
+          <a:lstStyle/>
+          <a:p>
+            <a:r>
+              <a:rPr lang="en-US" dirty="0" smtClean="0"/>
+              <a:t>Functions scope</a:t>
+            </a:r>
+            <a:endParaRPr lang="en-US" dirty="0"/>
+          </a:p>
+        </p:txBody>
+      </p:sp>
+      <p:sp>
+        <p:nvSpPr>
+          <p:cNvPr id="3" name="Content Placeholder 2"/>
+          <p:cNvSpPr>
+            <a:spLocks noGrp="1"/>
+          </p:cNvSpPr>
+          <p:nvPr>
+            <p:ph idx="1"/>
+          </p:nvPr>
+        </p:nvSpPr>
+        <p:spPr/>
+        <p:txBody>
+          <a:bodyPr>
+            <a:normAutofit/>
+          </a:bodyPr>
+          <a:lstStyle/>
+          <a:p>
+            <a:pPr marL="0" indent="0">
+              <a:buNone/>
+            </a:pPr>
+            <a:r>
+              <a:rPr lang="en-US" dirty="0" smtClean="0"/>
+              <a:t>Declaration:</a:t>
+            </a:r>
+          </a:p>
+          <a:p>
+            <a:pPr marL="0" indent="0">
+              <a:buNone/>
+            </a:pPr>
+            <a:r>
+              <a:rPr lang="en-US" dirty="0"/>
+              <a:t>function </a:t>
+            </a:r>
+            <a:r>
+              <a:rPr lang="en-US" dirty="0" err="1"/>
+              <a:t>tellMeSomething</a:t>
+            </a:r>
+            <a:r>
+              <a:rPr lang="en-US" dirty="0"/>
+              <a:t>() {</a:t>
+            </a:r>
+          </a:p>
+          <a:p>
+            <a:pPr marL="0" indent="0">
+              <a:buNone/>
+            </a:pPr>
+            <a:r>
+              <a:rPr lang="en-US" dirty="0"/>
+              <a:t>    $name = 'Your Name';</a:t>
+            </a:r>
+          </a:p>
+          <a:p>
+            <a:pPr marL="0" indent="0">
+              <a:buNone/>
+            </a:pPr>
+            <a:r>
+              <a:rPr lang="en-US" dirty="0"/>
+              <a:t> </a:t>
+            </a:r>
+            <a:r>
+              <a:rPr lang="en-US" dirty="0" smtClean="0"/>
+              <a:t>   print </a:t>
+            </a:r>
+            <a:r>
+              <a:rPr lang="en-US" dirty="0"/>
+              <a:t>"My name is $name";</a:t>
+            </a:r>
+          </a:p>
+          <a:p>
+            <a:pPr marL="0" indent="0">
+              <a:buNone/>
+            </a:pPr>
+            <a:r>
+              <a:rPr lang="en-US" dirty="0"/>
+              <a:t>}</a:t>
+            </a:r>
+          </a:p>
+          <a:p>
+            <a:pPr marL="457200" lvl="1" indent="0">
+              <a:buNone/>
+            </a:pPr>
+            <a:endParaRPr lang="en-US" dirty="0" smtClean="0"/>
+          </a:p>
+        </p:txBody>
+      </p:sp>
+    </p:spTree>
+    <p:extLst>
+      <p:ext uri="{BB962C8B-B14F-4D97-AF65-F5344CB8AC3E}">
+        <p14:creationId xmlns:p14="http://schemas.microsoft.com/office/powerpoint/2010/main" val="2491461455"/>
+      </p:ext>
+    </p:extLst>
+  </p:cSld>
+  <p:clrMapOvr>
+    <a:masterClrMapping/>
+  </p:clrMapOvr>
+  <p:timing>
+    <p:tnLst>
+      <p:par>
+        <p:cTn id="1" dur="indefinite" restart="never" nodeType="tmRoot"/>
+      </p:par>
+    </p:tnLst>
+  </p:timing>
+</p:sld>
+</file>
+
+<file path=ppt/slides/slide34.xml><?xml version="1.0" encoding="utf-8"?>
+<p:sld xmlns:a="http://schemas.openxmlformats.org/drawingml/2006/main" xmlns:r="http://schemas.openxmlformats.org/officeDocument/2006/relationships" xmlns:p="http://schemas.openxmlformats.org/presentationml/2006/main">
+  <p:cSld>
+    <p:spTree>
+      <p:nvGrpSpPr>
+        <p:cNvPr id="1" name=""/>
+        <p:cNvGrpSpPr/>
+        <p:nvPr/>
+      </p:nvGrpSpPr>
+      <p:grpSpPr>
+        <a:xfrm>
+          <a:off x="0" y="0"/>
+          <a:ext cx="0" cy="0"/>
+          <a:chOff x="0" y="0"/>
+          <a:chExt cx="0" cy="0"/>
+        </a:xfrm>
+      </p:grpSpPr>
+      <p:sp>
+        <p:nvSpPr>
+          <p:cNvPr id="2" name="Title 1"/>
+          <p:cNvSpPr>
+            <a:spLocks noGrp="1"/>
+          </p:cNvSpPr>
+          <p:nvPr>
+            <p:ph type="title"/>
+          </p:nvPr>
+        </p:nvSpPr>
+        <p:spPr/>
+        <p:txBody>
+          <a:bodyPr/>
+          <a:lstStyle/>
+          <a:p>
+            <a:r>
+              <a:rPr lang="en-US" dirty="0" smtClean="0"/>
+              <a:t>Functions scope</a:t>
+            </a:r>
+            <a:endParaRPr lang="en-US" dirty="0"/>
+          </a:p>
+        </p:txBody>
+      </p:sp>
+      <p:sp>
+        <p:nvSpPr>
+          <p:cNvPr id="3" name="Content Placeholder 2"/>
+          <p:cNvSpPr>
+            <a:spLocks noGrp="1"/>
+          </p:cNvSpPr>
+          <p:nvPr>
+            <p:ph idx="1"/>
+          </p:nvPr>
+        </p:nvSpPr>
+        <p:spPr/>
+        <p:txBody>
+          <a:bodyPr>
+            <a:normAutofit lnSpcReduction="10000"/>
+          </a:bodyPr>
+          <a:lstStyle/>
+          <a:p>
+            <a:pPr marL="0" indent="0">
+              <a:buNone/>
+            </a:pPr>
+            <a:r>
+              <a:rPr lang="en-US" dirty="0" smtClean="0"/>
+              <a:t>$GLOBALS is an array that can hold your variables and be accessed from any scope</a:t>
+            </a:r>
+          </a:p>
+          <a:p>
+            <a:pPr marL="0" indent="0">
+              <a:buNone/>
+            </a:pPr>
+            <a:endParaRPr lang="en-US" dirty="0"/>
+          </a:p>
+          <a:p>
+            <a:pPr marL="0" indent="0">
+              <a:buNone/>
+            </a:pPr>
+            <a:r>
+              <a:rPr lang="en-US" dirty="0"/>
+              <a:t>function </a:t>
+            </a:r>
+            <a:r>
+              <a:rPr lang="en-US" dirty="0" err="1"/>
+              <a:t>tellMeSomethingGlobal</a:t>
+            </a:r>
+            <a:r>
+              <a:rPr lang="en-US" dirty="0"/>
+              <a:t>() {</a:t>
+            </a:r>
+          </a:p>
+          <a:p>
+            <a:pPr marL="0" indent="0">
+              <a:buNone/>
+            </a:pPr>
+            <a:r>
+              <a:rPr lang="en-US" dirty="0"/>
+              <a:t>    $name = 'Your Name';</a:t>
+            </a:r>
+          </a:p>
+          <a:p>
+            <a:pPr marL="0" indent="0">
+              <a:buNone/>
+            </a:pPr>
+            <a:r>
+              <a:rPr lang="en-US" dirty="0"/>
+              <a:t>    print "My name is {$GLOBALS['</a:t>
+            </a:r>
+            <a:r>
+              <a:rPr lang="en-US" dirty="0" err="1"/>
+              <a:t>myName</a:t>
+            </a:r>
+            <a:r>
+              <a:rPr lang="en-US" dirty="0"/>
+              <a:t>']}";</a:t>
+            </a:r>
+          </a:p>
+          <a:p>
+            <a:pPr marL="0" indent="0">
+              <a:buNone/>
+            </a:pPr>
+            <a:r>
+              <a:rPr lang="en-US" dirty="0"/>
+              <a:t>}</a:t>
+            </a:r>
+          </a:p>
+          <a:p>
+            <a:pPr marL="0" indent="0">
+              <a:buNone/>
+            </a:pPr>
+            <a:r>
+              <a:rPr lang="en-US" dirty="0"/>
+              <a:t>$GLOBALS['</a:t>
+            </a:r>
+            <a:r>
+              <a:rPr lang="en-US" dirty="0" err="1"/>
+              <a:t>myName</a:t>
+            </a:r>
+            <a:r>
+              <a:rPr lang="en-US" dirty="0"/>
+              <a:t>'] = "Andrey";</a:t>
+            </a:r>
+          </a:p>
+          <a:p>
+            <a:pPr marL="0" indent="0">
+              <a:buNone/>
+            </a:pPr>
+            <a:r>
+              <a:rPr lang="en-US" dirty="0" err="1"/>
+              <a:t>tellMeSomethingGlobal</a:t>
+            </a:r>
+            <a:r>
+              <a:rPr lang="en-US" dirty="0"/>
+              <a:t>();</a:t>
+            </a:r>
+            <a:endParaRPr lang="en-US" dirty="0" smtClean="0"/>
+          </a:p>
+        </p:txBody>
+      </p:sp>
+    </p:spTree>
+    <p:extLst>
+      <p:ext uri="{BB962C8B-B14F-4D97-AF65-F5344CB8AC3E}">
+        <p14:creationId xmlns:p14="http://schemas.microsoft.com/office/powerpoint/2010/main" val="609381475"/>
+      </p:ext>
+    </p:extLst>
+  </p:cSld>
+  <p:clrMapOvr>
+    <a:masterClrMapping/>
+  </p:clrMapOvr>
+  <p:timing>
+    <p:tnLst>
+      <p:par>
+        <p:cTn id="1" dur="indefinite" restart="never" nodeType="tmRoot"/>
+      </p:par>
+    </p:tnLst>
+  </p:timing>
+</p:sld>
+</file>
+
+<file path=ppt/slides/slide35.xml><?xml version="1.0" encoding="utf-8"?>
+<p:sld xmlns:a="http://schemas.openxmlformats.org/drawingml/2006/main" xmlns:r="http://schemas.openxmlformats.org/officeDocument/2006/relationships" xmlns:p="http://schemas.openxmlformats.org/presentationml/2006/main">
+  <p:cSld>
+    <p:spTree>
+      <p:nvGrpSpPr>
+        <p:cNvPr id="1" name=""/>
+        <p:cNvGrpSpPr/>
+        <p:nvPr/>
+      </p:nvGrpSpPr>
+      <p:grpSpPr>
+        <a:xfrm>
+          <a:off x="0" y="0"/>
+          <a:ext cx="0" cy="0"/>
+          <a:chOff x="0" y="0"/>
+          <a:chExt cx="0" cy="0"/>
+        </a:xfrm>
+      </p:grpSpPr>
+      <p:sp>
+        <p:nvSpPr>
+          <p:cNvPr id="2" name="Title 1"/>
+          <p:cNvSpPr>
+            <a:spLocks noGrp="1"/>
+          </p:cNvSpPr>
+          <p:nvPr>
+            <p:ph type="title"/>
+          </p:nvPr>
+        </p:nvSpPr>
+        <p:spPr/>
+        <p:txBody>
+          <a:bodyPr/>
+          <a:lstStyle/>
+          <a:p>
+            <a:r>
+              <a:rPr lang="en-US" dirty="0" smtClean="0"/>
+              <a:t>Adding constraints on function arguments	</a:t>
+            </a:r>
+            <a:endParaRPr lang="en-US" dirty="0"/>
+          </a:p>
+        </p:txBody>
+      </p:sp>
+      <p:graphicFrame>
+        <p:nvGraphicFramePr>
+          <p:cNvPr id="4" name="Content Placeholder 3"/>
+          <p:cNvGraphicFramePr>
+            <a:graphicFrameLocks noGrp="1"/>
+          </p:cNvGraphicFramePr>
+          <p:nvPr>
+            <p:ph idx="1"/>
+            <p:extLst>
+              <p:ext uri="{D42A27DB-BD31-4B8C-83A1-F6EECF244321}">
+                <p14:modId xmlns:p14="http://schemas.microsoft.com/office/powerpoint/2010/main" val="1647705536"/>
+              </p:ext>
+            </p:extLst>
+          </p:nvPr>
+        </p:nvGraphicFramePr>
+        <p:xfrm>
+          <a:off x="1062318" y="2017062"/>
+          <a:ext cx="10291483" cy="3573770"/>
+        </p:xfrm>
+        <a:graphic>
+          <a:graphicData uri="http://schemas.openxmlformats.org/drawingml/2006/table">
+            <a:tbl>
+              <a:tblPr/>
+              <a:tblGrid>
+                <a:gridCol w="1184383"/>
+                <a:gridCol w="7267282"/>
+                <a:gridCol w="1839818"/>
+              </a:tblGrid>
+              <a:tr h="343279">
+                <a:tc>
+                  <a:txBody>
+                    <a:bodyPr/>
+                    <a:lstStyle/>
+                    <a:p>
+                      <a:pPr algn="l" fontAlgn="b"/>
+                      <a:r>
+                        <a:rPr lang="en-US" sz="2000" b="1" i="0" u="none" strike="noStrike" dirty="0">
+                          <a:solidFill>
+                            <a:srgbClr val="FFFFFF"/>
+                          </a:solidFill>
+                          <a:effectLst/>
+                          <a:latin typeface="Calibri" panose="020F0502020204030204" pitchFamily="34" charset="0"/>
+                        </a:rPr>
+                        <a:t>Declaration</a:t>
+                      </a:r>
+                    </a:p>
+                  </a:txBody>
+                  <a:tcPr marL="9525" marR="9525" marT="9525" marB="0" anchor="b">
+                    <a:lnL w="6350" cap="flat" cmpd="sng" algn="ctr">
+                      <a:solidFill>
+                        <a:srgbClr val="ED7D31"/>
+                      </a:solidFill>
+                      <a:prstDash val="solid"/>
+                      <a:round/>
+                      <a:headEnd type="none" w="med" len="med"/>
+                      <a:tailEnd type="none" w="med" len="med"/>
+                    </a:lnL>
+                    <a:lnR>
+                      <a:noFill/>
+                    </a:lnR>
+                    <a:lnT w="6350" cap="flat" cmpd="sng" algn="ctr">
+                      <a:solidFill>
+                        <a:srgbClr val="ED7D31"/>
+                      </a:solidFill>
+                      <a:prstDash val="solid"/>
+                      <a:round/>
+                      <a:headEnd type="none" w="med" len="med"/>
+                      <a:tailEnd type="none" w="med" len="med"/>
+                    </a:lnT>
+                    <a:lnB w="6350" cap="flat" cmpd="sng" algn="ctr">
+                      <a:solidFill>
+                        <a:srgbClr val="ED7D31"/>
+                      </a:solidFill>
+                      <a:prstDash val="solid"/>
+                      <a:round/>
+                      <a:headEnd type="none" w="med" len="med"/>
+                      <a:tailEnd type="none" w="med" len="med"/>
+                    </a:lnB>
+                    <a:solidFill>
+                      <a:srgbClr val="ED7D31"/>
+                    </a:solidFill>
+                  </a:tcPr>
+                </a:tc>
+                <a:tc>
+                  <a:txBody>
+                    <a:bodyPr/>
+                    <a:lstStyle/>
+                    <a:p>
+                      <a:pPr algn="l" fontAlgn="b"/>
+                      <a:r>
+                        <a:rPr lang="en-US" sz="2000" b="1" i="0" u="none" strike="noStrike">
+                          <a:solidFill>
+                            <a:srgbClr val="FFFFFF"/>
+                          </a:solidFill>
+                          <a:effectLst/>
+                          <a:latin typeface="Calibri" panose="020F0502020204030204" pitchFamily="34" charset="0"/>
+                        </a:rPr>
+                        <a:t>Argument rule</a:t>
+                      </a:r>
+                    </a:p>
+                  </a:txBody>
+                  <a:tcPr marL="9525" marR="9525" marT="9525" marB="0" anchor="b">
+                    <a:lnL>
+                      <a:noFill/>
+                    </a:lnL>
+                    <a:lnR>
+                      <a:noFill/>
+                    </a:lnR>
+                    <a:lnT w="6350" cap="flat" cmpd="sng" algn="ctr">
+                      <a:solidFill>
+                        <a:srgbClr val="ED7D31"/>
+                      </a:solidFill>
+                      <a:prstDash val="solid"/>
+                      <a:round/>
+                      <a:headEnd type="none" w="med" len="med"/>
+                      <a:tailEnd type="none" w="med" len="med"/>
+                    </a:lnT>
+                    <a:lnB w="6350" cap="flat" cmpd="sng" algn="ctr">
+                      <a:solidFill>
+                        <a:srgbClr val="ED7D31"/>
+                      </a:solidFill>
+                      <a:prstDash val="solid"/>
+                      <a:round/>
+                      <a:headEnd type="none" w="med" len="med"/>
+                      <a:tailEnd type="none" w="med" len="med"/>
+                    </a:lnB>
+                    <a:solidFill>
+                      <a:srgbClr val="ED7D31"/>
+                    </a:solidFill>
+                  </a:tcPr>
+                </a:tc>
+                <a:tc>
+                  <a:txBody>
+                    <a:bodyPr/>
+                    <a:lstStyle/>
+                    <a:p>
+                      <a:pPr algn="l" fontAlgn="b"/>
+                      <a:r>
+                        <a:rPr lang="en-US" sz="2000" b="1" i="0" u="none" strike="noStrike">
+                          <a:solidFill>
+                            <a:srgbClr val="FFFFFF"/>
+                          </a:solidFill>
+                          <a:effectLst/>
+                          <a:latin typeface="Calibri" panose="020F0502020204030204" pitchFamily="34" charset="0"/>
+                        </a:rPr>
+                        <a:t>Minimum PHP version</a:t>
+                      </a:r>
+                    </a:p>
+                  </a:txBody>
+                  <a:tcPr marL="9525" marR="9525" marT="9525" marB="0" anchor="b">
+                    <a:lnL>
+                      <a:noFill/>
+                    </a:lnL>
+                    <a:lnR w="6350" cap="flat" cmpd="sng" algn="ctr">
+                      <a:solidFill>
+                        <a:srgbClr val="ED7D31"/>
+                      </a:solidFill>
+                      <a:prstDash val="solid"/>
+                      <a:round/>
+                      <a:headEnd type="none" w="med" len="med"/>
+                      <a:tailEnd type="none" w="med" len="med"/>
+                    </a:lnR>
+                    <a:lnT w="6350" cap="flat" cmpd="sng" algn="ctr">
+                      <a:solidFill>
+                        <a:srgbClr val="ED7D31"/>
+                      </a:solidFill>
+                      <a:prstDash val="solid"/>
+                      <a:round/>
+                      <a:headEnd type="none" w="med" len="med"/>
+                      <a:tailEnd type="none" w="med" len="med"/>
+                    </a:lnT>
+                    <a:lnB w="6350" cap="flat" cmpd="sng" algn="ctr">
+                      <a:solidFill>
+                        <a:srgbClr val="ED7D31"/>
+                      </a:solidFill>
+                      <a:prstDash val="solid"/>
+                      <a:round/>
+                      <a:headEnd type="none" w="med" len="med"/>
+                      <a:tailEnd type="none" w="med" len="med"/>
+                    </a:lnB>
+                    <a:solidFill>
+                      <a:srgbClr val="ED7D31"/>
+                    </a:solidFill>
+                  </a:tcPr>
+                </a:tc>
+              </a:tr>
+              <a:tr h="343279">
+                <a:tc>
+                  <a:txBody>
+                    <a:bodyPr/>
+                    <a:lstStyle/>
+                    <a:p>
+                      <a:pPr algn="l" fontAlgn="b"/>
+                      <a:r>
+                        <a:rPr lang="en-US" sz="2000" b="0" i="0" u="none" strike="noStrike" dirty="0">
+                          <a:solidFill>
+                            <a:srgbClr val="000000"/>
+                          </a:solidFill>
+                          <a:effectLst/>
+                          <a:latin typeface="Calibri" panose="020F0502020204030204" pitchFamily="34" charset="0"/>
+                        </a:rPr>
+                        <a:t>array</a:t>
+                      </a:r>
+                    </a:p>
+                  </a:txBody>
+                  <a:tcPr marL="9525" marR="9525" marT="9525" marB="0" anchor="b">
+                    <a:lnL w="6350" cap="flat" cmpd="sng" algn="ctr">
+                      <a:solidFill>
+                        <a:srgbClr val="ED7D31"/>
+                      </a:solidFill>
+                      <a:prstDash val="solid"/>
+                      <a:round/>
+                      <a:headEnd type="none" w="med" len="med"/>
+                      <a:tailEnd type="none" w="med" len="med"/>
+                    </a:lnL>
+                    <a:lnR>
+                      <a:noFill/>
+                    </a:lnR>
+                    <a:lnT w="6350" cap="flat" cmpd="sng" algn="ctr">
+                      <a:solidFill>
+                        <a:srgbClr val="ED7D31"/>
+                      </a:solidFill>
+                      <a:prstDash val="solid"/>
+                      <a:round/>
+                      <a:headEnd type="none" w="med" len="med"/>
+                      <a:tailEnd type="none" w="med" len="med"/>
+                    </a:lnT>
+                    <a:lnB w="6350" cap="flat" cmpd="sng" algn="ctr">
+                      <a:solidFill>
+                        <a:srgbClr val="ED7D31"/>
+                      </a:solidFill>
+                      <a:prstDash val="solid"/>
+                      <a:round/>
+                      <a:headEnd type="none" w="med" len="med"/>
+                      <a:tailEnd type="none" w="med" len="med"/>
+                    </a:lnB>
+                  </a:tcPr>
+                </a:tc>
+                <a:tc>
+                  <a:txBody>
+                    <a:bodyPr/>
+                    <a:lstStyle/>
+                    <a:p>
+                      <a:pPr algn="l" fontAlgn="b"/>
+                      <a:r>
+                        <a:rPr lang="en-US" sz="2000" b="0" i="0" u="none" strike="noStrike" dirty="0">
+                          <a:solidFill>
+                            <a:srgbClr val="000000"/>
+                          </a:solidFill>
+                          <a:effectLst/>
+                          <a:latin typeface="Calibri" panose="020F0502020204030204" pitchFamily="34" charset="0"/>
+                        </a:rPr>
+                        <a:t>Must be an array</a:t>
+                      </a:r>
+                    </a:p>
+                  </a:txBody>
+                  <a:tcPr marL="9525" marR="9525" marT="9525" marB="0" anchor="b">
+                    <a:lnL>
+                      <a:noFill/>
+                    </a:lnL>
+                    <a:lnR>
+                      <a:noFill/>
+                    </a:lnR>
+                    <a:lnT w="6350" cap="flat" cmpd="sng" algn="ctr">
+                      <a:solidFill>
+                        <a:srgbClr val="ED7D31"/>
+                      </a:solidFill>
+                      <a:prstDash val="solid"/>
+                      <a:round/>
+                      <a:headEnd type="none" w="med" len="med"/>
+                      <a:tailEnd type="none" w="med" len="med"/>
+                    </a:lnT>
+                    <a:lnB w="6350" cap="flat" cmpd="sng" algn="ctr">
+                      <a:solidFill>
+                        <a:srgbClr val="ED7D31"/>
+                      </a:solidFill>
+                      <a:prstDash val="solid"/>
+                      <a:round/>
+                      <a:headEnd type="none" w="med" len="med"/>
+                      <a:tailEnd type="none" w="med" len="med"/>
+                    </a:lnB>
+                  </a:tcPr>
+                </a:tc>
+                <a:tc>
+                  <a:txBody>
+                    <a:bodyPr/>
+                    <a:lstStyle/>
+                    <a:p>
+                      <a:pPr algn="l" fontAlgn="b"/>
+                      <a:r>
+                        <a:rPr lang="en-US" sz="2000" b="0" i="0" u="none" strike="noStrike">
+                          <a:solidFill>
+                            <a:srgbClr val="000000"/>
+                          </a:solidFill>
+                          <a:effectLst/>
+                          <a:latin typeface="Calibri" panose="020F0502020204030204" pitchFamily="34" charset="0"/>
+                        </a:rPr>
+                        <a:t>5.1.0</a:t>
+                      </a:r>
+                    </a:p>
+                  </a:txBody>
+                  <a:tcPr marL="9525" marR="9525" marT="9525" marB="0" anchor="b">
+                    <a:lnL>
+                      <a:noFill/>
+                    </a:lnL>
+                    <a:lnR w="6350" cap="flat" cmpd="sng" algn="ctr">
+                      <a:solidFill>
+                        <a:srgbClr val="ED7D31"/>
+                      </a:solidFill>
+                      <a:prstDash val="solid"/>
+                      <a:round/>
+                      <a:headEnd type="none" w="med" len="med"/>
+                      <a:tailEnd type="none" w="med" len="med"/>
+                    </a:lnR>
+                    <a:lnT w="6350" cap="flat" cmpd="sng" algn="ctr">
+                      <a:solidFill>
+                        <a:srgbClr val="ED7D31"/>
+                      </a:solidFill>
+                      <a:prstDash val="solid"/>
+                      <a:round/>
+                      <a:headEnd type="none" w="med" len="med"/>
+                      <a:tailEnd type="none" w="med" len="med"/>
+                    </a:lnT>
+                    <a:lnB w="6350" cap="flat" cmpd="sng" algn="ctr">
+                      <a:solidFill>
+                        <a:srgbClr val="ED7D31"/>
+                      </a:solidFill>
+                      <a:prstDash val="solid"/>
+                      <a:round/>
+                      <a:headEnd type="none" w="med" len="med"/>
+                      <a:tailEnd type="none" w="med" len="med"/>
+                    </a:lnB>
+                  </a:tcPr>
+                </a:tc>
+              </a:tr>
+              <a:tr h="343279">
+                <a:tc>
+                  <a:txBody>
+                    <a:bodyPr/>
+                    <a:lstStyle/>
+                    <a:p>
+                      <a:pPr algn="l" fontAlgn="b"/>
+                      <a:r>
+                        <a:rPr lang="en-US" sz="2000" b="0" i="0" u="none" strike="noStrike">
+                          <a:solidFill>
+                            <a:srgbClr val="000000"/>
+                          </a:solidFill>
+                          <a:effectLst/>
+                          <a:latin typeface="Calibri" panose="020F0502020204030204" pitchFamily="34" charset="0"/>
+                        </a:rPr>
+                        <a:t>bool</a:t>
+                      </a:r>
+                    </a:p>
+                  </a:txBody>
+                  <a:tcPr marL="9525" marR="9525" marT="9525" marB="0" anchor="b">
+                    <a:lnL w="6350" cap="flat" cmpd="sng" algn="ctr">
+                      <a:solidFill>
+                        <a:srgbClr val="ED7D31"/>
+                      </a:solidFill>
+                      <a:prstDash val="solid"/>
+                      <a:round/>
+                      <a:headEnd type="none" w="med" len="med"/>
+                      <a:tailEnd type="none" w="med" len="med"/>
+                    </a:lnL>
+                    <a:lnR>
+                      <a:noFill/>
+                    </a:lnR>
+                    <a:lnT w="6350" cap="flat" cmpd="sng" algn="ctr">
+                      <a:solidFill>
+                        <a:srgbClr val="ED7D31"/>
+                      </a:solidFill>
+                      <a:prstDash val="solid"/>
+                      <a:round/>
+                      <a:headEnd type="none" w="med" len="med"/>
+                      <a:tailEnd type="none" w="med" len="med"/>
+                    </a:lnT>
+                    <a:lnB w="6350" cap="flat" cmpd="sng" algn="ctr">
+                      <a:solidFill>
+                        <a:srgbClr val="ED7D31"/>
+                      </a:solidFill>
+                      <a:prstDash val="solid"/>
+                      <a:round/>
+                      <a:headEnd type="none" w="med" len="med"/>
+                      <a:tailEnd type="none" w="med" len="med"/>
+                    </a:lnB>
+                  </a:tcPr>
+                </a:tc>
+                <a:tc>
+                  <a:txBody>
+                    <a:bodyPr/>
+                    <a:lstStyle/>
+                    <a:p>
+                      <a:pPr algn="l" fontAlgn="b"/>
+                      <a:r>
+                        <a:rPr lang="en-US" sz="2000" b="0" i="0" u="none" strike="noStrike" dirty="0">
+                          <a:solidFill>
+                            <a:srgbClr val="000000"/>
+                          </a:solidFill>
+                          <a:effectLst/>
+                          <a:latin typeface="Calibri" panose="020F0502020204030204" pitchFamily="34" charset="0"/>
+                        </a:rPr>
+                        <a:t>Must be </a:t>
+                      </a:r>
+                      <a:r>
+                        <a:rPr lang="en-US" sz="2000" b="0" i="0" u="none" strike="noStrike" dirty="0" err="1">
+                          <a:solidFill>
+                            <a:srgbClr val="000000"/>
+                          </a:solidFill>
+                          <a:effectLst/>
+                          <a:latin typeface="Calibri" panose="020F0502020204030204" pitchFamily="34" charset="0"/>
+                        </a:rPr>
+                        <a:t>boolean</a:t>
+                      </a:r>
+                      <a:r>
+                        <a:rPr lang="en-US" sz="2000" b="0" i="0" u="none" strike="noStrike" dirty="0">
+                          <a:solidFill>
+                            <a:srgbClr val="000000"/>
+                          </a:solidFill>
+                          <a:effectLst/>
+                          <a:latin typeface="Calibri" panose="020F0502020204030204" pitchFamily="34" charset="0"/>
+                        </a:rPr>
+                        <a:t>: true or false</a:t>
+                      </a:r>
+                    </a:p>
+                  </a:txBody>
+                  <a:tcPr marL="9525" marR="9525" marT="9525" marB="0" anchor="b">
+                    <a:lnL>
+                      <a:noFill/>
+                    </a:lnL>
+                    <a:lnR>
+                      <a:noFill/>
+                    </a:lnR>
+                    <a:lnT w="6350" cap="flat" cmpd="sng" algn="ctr">
+                      <a:solidFill>
+                        <a:srgbClr val="ED7D31"/>
+                      </a:solidFill>
+                      <a:prstDash val="solid"/>
+                      <a:round/>
+                      <a:headEnd type="none" w="med" len="med"/>
+                      <a:tailEnd type="none" w="med" len="med"/>
+                    </a:lnT>
+                    <a:lnB w="6350" cap="flat" cmpd="sng" algn="ctr">
+                      <a:solidFill>
+                        <a:srgbClr val="ED7D31"/>
+                      </a:solidFill>
+                      <a:prstDash val="solid"/>
+                      <a:round/>
+                      <a:headEnd type="none" w="med" len="med"/>
+                      <a:tailEnd type="none" w="med" len="med"/>
+                    </a:lnB>
+                  </a:tcPr>
+                </a:tc>
+                <a:tc>
+                  <a:txBody>
+                    <a:bodyPr/>
+                    <a:lstStyle/>
+                    <a:p>
+                      <a:pPr algn="l" fontAlgn="b"/>
+                      <a:r>
+                        <a:rPr lang="en-US" sz="2000" b="0" i="0" u="none" strike="noStrike">
+                          <a:solidFill>
+                            <a:srgbClr val="000000"/>
+                          </a:solidFill>
+                          <a:effectLst/>
+                          <a:latin typeface="Calibri" panose="020F0502020204030204" pitchFamily="34" charset="0"/>
+                        </a:rPr>
+                        <a:t>7.0.0</a:t>
+                      </a:r>
+                    </a:p>
+                  </a:txBody>
+                  <a:tcPr marL="9525" marR="9525" marT="9525" marB="0" anchor="b">
+                    <a:lnL>
+                      <a:noFill/>
+                    </a:lnL>
+                    <a:lnR w="6350" cap="flat" cmpd="sng" algn="ctr">
+                      <a:solidFill>
+                        <a:srgbClr val="ED7D31"/>
+                      </a:solidFill>
+                      <a:prstDash val="solid"/>
+                      <a:round/>
+                      <a:headEnd type="none" w="med" len="med"/>
+                      <a:tailEnd type="none" w="med" len="med"/>
+                    </a:lnR>
+                    <a:lnT w="6350" cap="flat" cmpd="sng" algn="ctr">
+                      <a:solidFill>
+                        <a:srgbClr val="ED7D31"/>
+                      </a:solidFill>
+                      <a:prstDash val="solid"/>
+                      <a:round/>
+                      <a:headEnd type="none" w="med" len="med"/>
+                      <a:tailEnd type="none" w="med" len="med"/>
+                    </a:lnT>
+                    <a:lnB w="6350" cap="flat" cmpd="sng" algn="ctr">
+                      <a:solidFill>
+                        <a:srgbClr val="ED7D31"/>
+                      </a:solidFill>
+                      <a:prstDash val="solid"/>
+                      <a:round/>
+                      <a:headEnd type="none" w="med" len="med"/>
+                      <a:tailEnd type="none" w="med" len="med"/>
+                    </a:lnB>
+                  </a:tcPr>
+                </a:tc>
+              </a:tr>
+              <a:tr h="343279">
+                <a:tc>
+                  <a:txBody>
+                    <a:bodyPr/>
+                    <a:lstStyle/>
+                    <a:p>
+                      <a:pPr algn="l" fontAlgn="b"/>
+                      <a:r>
+                        <a:rPr lang="en-US" sz="2000" b="0" i="0" u="none" strike="noStrike">
+                          <a:solidFill>
+                            <a:srgbClr val="000000"/>
+                          </a:solidFill>
+                          <a:effectLst/>
+                          <a:latin typeface="Calibri" panose="020F0502020204030204" pitchFamily="34" charset="0"/>
+                        </a:rPr>
+                        <a:t>callable</a:t>
+                      </a:r>
+                    </a:p>
+                  </a:txBody>
+                  <a:tcPr marL="9525" marR="9525" marT="9525" marB="0" anchor="b">
+                    <a:lnL w="6350" cap="flat" cmpd="sng" algn="ctr">
+                      <a:solidFill>
+                        <a:srgbClr val="ED7D31"/>
+                      </a:solidFill>
+                      <a:prstDash val="solid"/>
+                      <a:round/>
+                      <a:headEnd type="none" w="med" len="med"/>
+                      <a:tailEnd type="none" w="med" len="med"/>
+                    </a:lnL>
+                    <a:lnR>
+                      <a:noFill/>
+                    </a:lnR>
+                    <a:lnT w="6350" cap="flat" cmpd="sng" algn="ctr">
+                      <a:solidFill>
+                        <a:srgbClr val="ED7D31"/>
+                      </a:solidFill>
+                      <a:prstDash val="solid"/>
+                      <a:round/>
+                      <a:headEnd type="none" w="med" len="med"/>
+                      <a:tailEnd type="none" w="med" len="med"/>
+                    </a:lnT>
+                    <a:lnB w="6350" cap="flat" cmpd="sng" algn="ctr">
+                      <a:solidFill>
+                        <a:srgbClr val="ED7D31"/>
+                      </a:solidFill>
+                      <a:prstDash val="solid"/>
+                      <a:round/>
+                      <a:headEnd type="none" w="med" len="med"/>
+                      <a:tailEnd type="none" w="med" len="med"/>
+                    </a:lnB>
+                  </a:tcPr>
+                </a:tc>
+                <a:tc>
+                  <a:txBody>
+                    <a:bodyPr/>
+                    <a:lstStyle/>
+                    <a:p>
+                      <a:pPr algn="l" fontAlgn="b"/>
+                      <a:r>
+                        <a:rPr lang="en-US" sz="2000" b="0" i="0" u="none" strike="noStrike" dirty="0">
+                          <a:solidFill>
+                            <a:srgbClr val="000000"/>
+                          </a:solidFill>
+                          <a:effectLst/>
+                          <a:latin typeface="Calibri" panose="020F0502020204030204" pitchFamily="34" charset="0"/>
+                        </a:rPr>
+                        <a:t>Must be something representing a function or method that can be </a:t>
+                      </a:r>
+                      <a:r>
+                        <a:rPr lang="en-US" sz="2000" b="0" i="0" u="none" strike="noStrike" dirty="0" smtClean="0">
+                          <a:solidFill>
+                            <a:srgbClr val="000000"/>
+                          </a:solidFill>
+                          <a:effectLst/>
+                          <a:latin typeface="Calibri" panose="020F0502020204030204" pitchFamily="34" charset="0"/>
+                        </a:rPr>
+                        <a:t>called</a:t>
+                      </a:r>
+                      <a:endParaRPr lang="en-US" sz="2000" b="0" i="0" u="none" strike="noStrike" dirty="0">
+                        <a:solidFill>
+                          <a:srgbClr val="000000"/>
+                        </a:solidFill>
+                        <a:effectLst/>
+                        <a:latin typeface="Calibri" panose="020F0502020204030204" pitchFamily="34" charset="0"/>
+                      </a:endParaRPr>
+                    </a:p>
+                  </a:txBody>
+                  <a:tcPr marL="9525" marR="9525" marT="9525" marB="0" anchor="b">
+                    <a:lnL>
+                      <a:noFill/>
+                    </a:lnL>
+                    <a:lnR>
+                      <a:noFill/>
+                    </a:lnR>
+                    <a:lnT w="6350" cap="flat" cmpd="sng" algn="ctr">
+                      <a:solidFill>
+                        <a:srgbClr val="ED7D31"/>
+                      </a:solidFill>
+                      <a:prstDash val="solid"/>
+                      <a:round/>
+                      <a:headEnd type="none" w="med" len="med"/>
+                      <a:tailEnd type="none" w="med" len="med"/>
+                    </a:lnT>
+                    <a:lnB w="6350" cap="flat" cmpd="sng" algn="ctr">
+                      <a:solidFill>
+                        <a:srgbClr val="ED7D31"/>
+                      </a:solidFill>
+                      <a:prstDash val="solid"/>
+                      <a:round/>
+                      <a:headEnd type="none" w="med" len="med"/>
+                      <a:tailEnd type="none" w="med" len="med"/>
+                    </a:lnB>
+                  </a:tcPr>
+                </a:tc>
+                <a:tc>
+                  <a:txBody>
+                    <a:bodyPr/>
+                    <a:lstStyle/>
+                    <a:p>
+                      <a:pPr algn="l" fontAlgn="b"/>
+                      <a:r>
+                        <a:rPr lang="en-US" sz="2000" b="0" i="0" u="none" strike="noStrike" dirty="0">
+                          <a:solidFill>
+                            <a:srgbClr val="000000"/>
+                          </a:solidFill>
+                          <a:effectLst/>
+                          <a:latin typeface="Calibri" panose="020F0502020204030204" pitchFamily="34" charset="0"/>
+                        </a:rPr>
+                        <a:t>5.4.0</a:t>
+                      </a:r>
+                    </a:p>
+                  </a:txBody>
+                  <a:tcPr marL="9525" marR="9525" marT="9525" marB="0" anchor="b">
+                    <a:lnL>
+                      <a:noFill/>
+                    </a:lnL>
+                    <a:lnR w="6350" cap="flat" cmpd="sng" algn="ctr">
+                      <a:solidFill>
+                        <a:srgbClr val="ED7D31"/>
+                      </a:solidFill>
+                      <a:prstDash val="solid"/>
+                      <a:round/>
+                      <a:headEnd type="none" w="med" len="med"/>
+                      <a:tailEnd type="none" w="med" len="med"/>
+                    </a:lnR>
+                    <a:lnT w="6350" cap="flat" cmpd="sng" algn="ctr">
+                      <a:solidFill>
+                        <a:srgbClr val="ED7D31"/>
+                      </a:solidFill>
+                      <a:prstDash val="solid"/>
+                      <a:round/>
+                      <a:headEnd type="none" w="med" len="med"/>
+                      <a:tailEnd type="none" w="med" len="med"/>
+                    </a:lnT>
+                    <a:lnB w="6350" cap="flat" cmpd="sng" algn="ctr">
+                      <a:solidFill>
+                        <a:srgbClr val="ED7D31"/>
+                      </a:solidFill>
+                      <a:prstDash val="solid"/>
+                      <a:round/>
+                      <a:headEnd type="none" w="med" len="med"/>
+                      <a:tailEnd type="none" w="med" len="med"/>
+                    </a:lnB>
+                  </a:tcPr>
+                </a:tc>
+              </a:tr>
+              <a:tr h="343279">
+                <a:tc>
+                  <a:txBody>
+                    <a:bodyPr/>
+                    <a:lstStyle/>
+                    <a:p>
+                      <a:pPr algn="l" fontAlgn="b"/>
+                      <a:r>
+                        <a:rPr lang="en-US" sz="2000" b="0" i="0" u="none" strike="noStrike">
+                          <a:solidFill>
+                            <a:srgbClr val="000000"/>
+                          </a:solidFill>
+                          <a:effectLst/>
+                          <a:latin typeface="Calibri" panose="020F0502020204030204" pitchFamily="34" charset="0"/>
+                        </a:rPr>
+                        <a:t>float</a:t>
+                      </a:r>
+                    </a:p>
+                  </a:txBody>
+                  <a:tcPr marL="9525" marR="9525" marT="9525" marB="0" anchor="b">
+                    <a:lnL w="6350" cap="flat" cmpd="sng" algn="ctr">
+                      <a:solidFill>
+                        <a:srgbClr val="ED7D31"/>
+                      </a:solidFill>
+                      <a:prstDash val="solid"/>
+                      <a:round/>
+                      <a:headEnd type="none" w="med" len="med"/>
+                      <a:tailEnd type="none" w="med" len="med"/>
+                    </a:lnL>
+                    <a:lnR>
+                      <a:noFill/>
+                    </a:lnR>
+                    <a:lnT w="6350" cap="flat" cmpd="sng" algn="ctr">
+                      <a:solidFill>
+                        <a:srgbClr val="ED7D31"/>
+                      </a:solidFill>
+                      <a:prstDash val="solid"/>
+                      <a:round/>
+                      <a:headEnd type="none" w="med" len="med"/>
+                      <a:tailEnd type="none" w="med" len="med"/>
+                    </a:lnT>
+                    <a:lnB w="6350" cap="flat" cmpd="sng" algn="ctr">
+                      <a:solidFill>
+                        <a:srgbClr val="ED7D31"/>
+                      </a:solidFill>
+                      <a:prstDash val="solid"/>
+                      <a:round/>
+                      <a:headEnd type="none" w="med" len="med"/>
+                      <a:tailEnd type="none" w="med" len="med"/>
+                    </a:lnB>
+                  </a:tcPr>
+                </a:tc>
+                <a:tc>
+                  <a:txBody>
+                    <a:bodyPr/>
+                    <a:lstStyle/>
+                    <a:p>
+                      <a:pPr algn="l" fontAlgn="b"/>
+                      <a:r>
+                        <a:rPr lang="en-US" sz="2000" b="0" i="0" u="none" strike="noStrike" dirty="0">
+                          <a:solidFill>
+                            <a:srgbClr val="000000"/>
+                          </a:solidFill>
+                          <a:effectLst/>
+                          <a:latin typeface="Calibri" panose="020F0502020204030204" pitchFamily="34" charset="0"/>
+                        </a:rPr>
+                        <a:t>Must be a floating-point number</a:t>
+                      </a:r>
+                    </a:p>
+                  </a:txBody>
+                  <a:tcPr marL="9525" marR="9525" marT="9525" marB="0" anchor="b">
+                    <a:lnL>
+                      <a:noFill/>
+                    </a:lnL>
+                    <a:lnR>
+                      <a:noFill/>
+                    </a:lnR>
+                    <a:lnT w="6350" cap="flat" cmpd="sng" algn="ctr">
+                      <a:solidFill>
+                        <a:srgbClr val="ED7D31"/>
+                      </a:solidFill>
+                      <a:prstDash val="solid"/>
+                      <a:round/>
+                      <a:headEnd type="none" w="med" len="med"/>
+                      <a:tailEnd type="none" w="med" len="med"/>
+                    </a:lnT>
+                    <a:lnB w="6350" cap="flat" cmpd="sng" algn="ctr">
+                      <a:solidFill>
+                        <a:srgbClr val="ED7D31"/>
+                      </a:solidFill>
+                      <a:prstDash val="solid"/>
+                      <a:round/>
+                      <a:headEnd type="none" w="med" len="med"/>
+                      <a:tailEnd type="none" w="med" len="med"/>
+                    </a:lnB>
+                  </a:tcPr>
+                </a:tc>
+                <a:tc>
+                  <a:txBody>
+                    <a:bodyPr/>
+                    <a:lstStyle/>
+                    <a:p>
+                      <a:pPr algn="l" fontAlgn="b"/>
+                      <a:r>
+                        <a:rPr lang="en-US" sz="2000" b="0" i="0" u="none" strike="noStrike">
+                          <a:solidFill>
+                            <a:srgbClr val="000000"/>
+                          </a:solidFill>
+                          <a:effectLst/>
+                          <a:latin typeface="Calibri" panose="020F0502020204030204" pitchFamily="34" charset="0"/>
+                        </a:rPr>
+                        <a:t>7.0.0</a:t>
+                      </a:r>
+                    </a:p>
+                  </a:txBody>
+                  <a:tcPr marL="9525" marR="9525" marT="9525" marB="0" anchor="b">
+                    <a:lnL>
+                      <a:noFill/>
+                    </a:lnL>
+                    <a:lnR w="6350" cap="flat" cmpd="sng" algn="ctr">
+                      <a:solidFill>
+                        <a:srgbClr val="ED7D31"/>
+                      </a:solidFill>
+                      <a:prstDash val="solid"/>
+                      <a:round/>
+                      <a:headEnd type="none" w="med" len="med"/>
+                      <a:tailEnd type="none" w="med" len="med"/>
+                    </a:lnR>
+                    <a:lnT w="6350" cap="flat" cmpd="sng" algn="ctr">
+                      <a:solidFill>
+                        <a:srgbClr val="ED7D31"/>
+                      </a:solidFill>
+                      <a:prstDash val="solid"/>
+                      <a:round/>
+                      <a:headEnd type="none" w="med" len="med"/>
+                      <a:tailEnd type="none" w="med" len="med"/>
+                    </a:lnT>
+                    <a:lnB w="6350" cap="flat" cmpd="sng" algn="ctr">
+                      <a:solidFill>
+                        <a:srgbClr val="ED7D31"/>
+                      </a:solidFill>
+                      <a:prstDash val="solid"/>
+                      <a:round/>
+                      <a:headEnd type="none" w="med" len="med"/>
+                      <a:tailEnd type="none" w="med" len="med"/>
+                    </a:lnB>
+                  </a:tcPr>
+                </a:tc>
+              </a:tr>
+              <a:tr h="343279">
+                <a:tc>
+                  <a:txBody>
+                    <a:bodyPr/>
+                    <a:lstStyle/>
+                    <a:p>
+                      <a:pPr algn="l" fontAlgn="b"/>
+                      <a:r>
+                        <a:rPr lang="en-US" sz="2000" b="0" i="0" u="none" strike="noStrike">
+                          <a:solidFill>
+                            <a:srgbClr val="000000"/>
+                          </a:solidFill>
+                          <a:effectLst/>
+                          <a:latin typeface="Calibri" panose="020F0502020204030204" pitchFamily="34" charset="0"/>
+                        </a:rPr>
+                        <a:t>int</a:t>
+                      </a:r>
+                    </a:p>
+                  </a:txBody>
+                  <a:tcPr marL="9525" marR="9525" marT="9525" marB="0" anchor="b">
+                    <a:lnL w="6350" cap="flat" cmpd="sng" algn="ctr">
+                      <a:solidFill>
+                        <a:srgbClr val="ED7D31"/>
+                      </a:solidFill>
+                      <a:prstDash val="solid"/>
+                      <a:round/>
+                      <a:headEnd type="none" w="med" len="med"/>
+                      <a:tailEnd type="none" w="med" len="med"/>
+                    </a:lnL>
+                    <a:lnR>
+                      <a:noFill/>
+                    </a:lnR>
+                    <a:lnT w="6350" cap="flat" cmpd="sng" algn="ctr">
+                      <a:solidFill>
+                        <a:srgbClr val="ED7D31"/>
+                      </a:solidFill>
+                      <a:prstDash val="solid"/>
+                      <a:round/>
+                      <a:headEnd type="none" w="med" len="med"/>
+                      <a:tailEnd type="none" w="med" len="med"/>
+                    </a:lnT>
+                    <a:lnB w="6350" cap="flat" cmpd="sng" algn="ctr">
+                      <a:solidFill>
+                        <a:srgbClr val="ED7D31"/>
+                      </a:solidFill>
+                      <a:prstDash val="solid"/>
+                      <a:round/>
+                      <a:headEnd type="none" w="med" len="med"/>
+                      <a:tailEnd type="none" w="med" len="med"/>
+                    </a:lnB>
+                  </a:tcPr>
+                </a:tc>
+                <a:tc>
+                  <a:txBody>
+                    <a:bodyPr/>
+                    <a:lstStyle/>
+                    <a:p>
+                      <a:pPr algn="l" fontAlgn="b"/>
+                      <a:r>
+                        <a:rPr lang="en-US" sz="2000" b="0" i="0" u="none" strike="noStrike" dirty="0">
+                          <a:solidFill>
+                            <a:srgbClr val="000000"/>
+                          </a:solidFill>
+                          <a:effectLst/>
+                          <a:latin typeface="Calibri" panose="020F0502020204030204" pitchFamily="34" charset="0"/>
+                        </a:rPr>
+                        <a:t>Must be an integer</a:t>
+                      </a:r>
+                    </a:p>
+                  </a:txBody>
+                  <a:tcPr marL="9525" marR="9525" marT="9525" marB="0" anchor="b">
+                    <a:lnL>
+                      <a:noFill/>
+                    </a:lnL>
+                    <a:lnR>
+                      <a:noFill/>
+                    </a:lnR>
+                    <a:lnT w="6350" cap="flat" cmpd="sng" algn="ctr">
+                      <a:solidFill>
+                        <a:srgbClr val="ED7D31"/>
+                      </a:solidFill>
+                      <a:prstDash val="solid"/>
+                      <a:round/>
+                      <a:headEnd type="none" w="med" len="med"/>
+                      <a:tailEnd type="none" w="med" len="med"/>
+                    </a:lnT>
+                    <a:lnB w="6350" cap="flat" cmpd="sng" algn="ctr">
+                      <a:solidFill>
+                        <a:srgbClr val="ED7D31"/>
+                      </a:solidFill>
+                      <a:prstDash val="solid"/>
+                      <a:round/>
+                      <a:headEnd type="none" w="med" len="med"/>
+                      <a:tailEnd type="none" w="med" len="med"/>
+                    </a:lnB>
+                  </a:tcPr>
+                </a:tc>
+                <a:tc>
+                  <a:txBody>
+                    <a:bodyPr/>
+                    <a:lstStyle/>
+                    <a:p>
+                      <a:pPr algn="l" fontAlgn="b"/>
+                      <a:r>
+                        <a:rPr lang="en-US" sz="2000" b="0" i="0" u="none" strike="noStrike" dirty="0">
+                          <a:solidFill>
+                            <a:srgbClr val="000000"/>
+                          </a:solidFill>
+                          <a:effectLst/>
+                          <a:latin typeface="Calibri" panose="020F0502020204030204" pitchFamily="34" charset="0"/>
+                        </a:rPr>
+                        <a:t>7.0.0.</a:t>
+                      </a:r>
+                    </a:p>
+                  </a:txBody>
+                  <a:tcPr marL="9525" marR="9525" marT="9525" marB="0" anchor="b">
+                    <a:lnL>
+                      <a:noFill/>
+                    </a:lnL>
+                    <a:lnR w="6350" cap="flat" cmpd="sng" algn="ctr">
+                      <a:solidFill>
+                        <a:srgbClr val="ED7D31"/>
+                      </a:solidFill>
+                      <a:prstDash val="solid"/>
+                      <a:round/>
+                      <a:headEnd type="none" w="med" len="med"/>
+                      <a:tailEnd type="none" w="med" len="med"/>
+                    </a:lnR>
+                    <a:lnT w="6350" cap="flat" cmpd="sng" algn="ctr">
+                      <a:solidFill>
+                        <a:srgbClr val="ED7D31"/>
+                      </a:solidFill>
+                      <a:prstDash val="solid"/>
+                      <a:round/>
+                      <a:headEnd type="none" w="med" len="med"/>
+                      <a:tailEnd type="none" w="med" len="med"/>
+                    </a:lnT>
+                    <a:lnB w="6350" cap="flat" cmpd="sng" algn="ctr">
+                      <a:solidFill>
+                        <a:srgbClr val="ED7D31"/>
+                      </a:solidFill>
+                      <a:prstDash val="solid"/>
+                      <a:round/>
+                      <a:headEnd type="none" w="med" len="med"/>
+                      <a:tailEnd type="none" w="med" len="med"/>
+                    </a:lnB>
+                  </a:tcPr>
+                </a:tc>
+              </a:tr>
+              <a:tr h="343279">
+                <a:tc>
+                  <a:txBody>
+                    <a:bodyPr/>
+                    <a:lstStyle/>
+                    <a:p>
+                      <a:pPr algn="l" fontAlgn="b"/>
+                      <a:r>
+                        <a:rPr lang="en-US" sz="2000" b="0" i="0" u="none" strike="noStrike">
+                          <a:solidFill>
+                            <a:srgbClr val="000000"/>
+                          </a:solidFill>
+                          <a:effectLst/>
+                          <a:latin typeface="Calibri" panose="020F0502020204030204" pitchFamily="34" charset="0"/>
+                        </a:rPr>
+                        <a:t>string</a:t>
+                      </a:r>
+                    </a:p>
+                  </a:txBody>
+                  <a:tcPr marL="9525" marR="9525" marT="9525" marB="0" anchor="b">
+                    <a:lnL w="6350" cap="flat" cmpd="sng" algn="ctr">
+                      <a:solidFill>
+                        <a:srgbClr val="ED7D31"/>
+                      </a:solidFill>
+                      <a:prstDash val="solid"/>
+                      <a:round/>
+                      <a:headEnd type="none" w="med" len="med"/>
+                      <a:tailEnd type="none" w="med" len="med"/>
+                    </a:lnL>
+                    <a:lnR>
+                      <a:noFill/>
+                    </a:lnR>
+                    <a:lnT w="6350" cap="flat" cmpd="sng" algn="ctr">
+                      <a:solidFill>
+                        <a:srgbClr val="ED7D31"/>
+                      </a:solidFill>
+                      <a:prstDash val="solid"/>
+                      <a:round/>
+                      <a:headEnd type="none" w="med" len="med"/>
+                      <a:tailEnd type="none" w="med" len="med"/>
+                    </a:lnT>
+                    <a:lnB w="6350" cap="flat" cmpd="sng" algn="ctr">
+                      <a:solidFill>
+                        <a:srgbClr val="ED7D31"/>
+                      </a:solidFill>
+                      <a:prstDash val="solid"/>
+                      <a:round/>
+                      <a:headEnd type="none" w="med" len="med"/>
+                      <a:tailEnd type="none" w="med" len="med"/>
+                    </a:lnB>
+                  </a:tcPr>
+                </a:tc>
+                <a:tc>
+                  <a:txBody>
+                    <a:bodyPr/>
+                    <a:lstStyle/>
+                    <a:p>
+                      <a:pPr algn="l" fontAlgn="b"/>
+                      <a:r>
+                        <a:rPr lang="en-US" sz="2000" b="0" i="0" u="none" strike="noStrike">
+                          <a:solidFill>
+                            <a:srgbClr val="000000"/>
+                          </a:solidFill>
+                          <a:effectLst/>
+                          <a:latin typeface="Calibri" panose="020F0502020204030204" pitchFamily="34" charset="0"/>
+                        </a:rPr>
+                        <a:t>Must be a string</a:t>
+                      </a:r>
+                    </a:p>
+                  </a:txBody>
+                  <a:tcPr marL="9525" marR="9525" marT="9525" marB="0" anchor="b">
+                    <a:lnL>
+                      <a:noFill/>
+                    </a:lnL>
+                    <a:lnR>
+                      <a:noFill/>
+                    </a:lnR>
+                    <a:lnT w="6350" cap="flat" cmpd="sng" algn="ctr">
+                      <a:solidFill>
+                        <a:srgbClr val="ED7D31"/>
+                      </a:solidFill>
+                      <a:prstDash val="solid"/>
+                      <a:round/>
+                      <a:headEnd type="none" w="med" len="med"/>
+                      <a:tailEnd type="none" w="med" len="med"/>
+                    </a:lnT>
+                    <a:lnB w="6350" cap="flat" cmpd="sng" algn="ctr">
+                      <a:solidFill>
+                        <a:srgbClr val="ED7D31"/>
+                      </a:solidFill>
+                      <a:prstDash val="solid"/>
+                      <a:round/>
+                      <a:headEnd type="none" w="med" len="med"/>
+                      <a:tailEnd type="none" w="med" len="med"/>
+                    </a:lnB>
+                  </a:tcPr>
+                </a:tc>
+                <a:tc>
+                  <a:txBody>
+                    <a:bodyPr/>
+                    <a:lstStyle/>
+                    <a:p>
+                      <a:pPr algn="l" fontAlgn="b"/>
+                      <a:r>
+                        <a:rPr lang="en-US" sz="2000" b="0" i="0" u="none" strike="noStrike" dirty="0">
+                          <a:solidFill>
+                            <a:srgbClr val="000000"/>
+                          </a:solidFill>
+                          <a:effectLst/>
+                          <a:latin typeface="Calibri" panose="020F0502020204030204" pitchFamily="34" charset="0"/>
+                        </a:rPr>
+                        <a:t>7.0.0.</a:t>
+                      </a:r>
+                    </a:p>
+                  </a:txBody>
+                  <a:tcPr marL="9525" marR="9525" marT="9525" marB="0" anchor="b">
+                    <a:lnL>
+                      <a:noFill/>
+                    </a:lnL>
+                    <a:lnR w="6350" cap="flat" cmpd="sng" algn="ctr">
+                      <a:solidFill>
+                        <a:srgbClr val="ED7D31"/>
+                      </a:solidFill>
+                      <a:prstDash val="solid"/>
+                      <a:round/>
+                      <a:headEnd type="none" w="med" len="med"/>
+                      <a:tailEnd type="none" w="med" len="med"/>
+                    </a:lnR>
+                    <a:lnT w="6350" cap="flat" cmpd="sng" algn="ctr">
+                      <a:solidFill>
+                        <a:srgbClr val="ED7D31"/>
+                      </a:solidFill>
+                      <a:prstDash val="solid"/>
+                      <a:round/>
+                      <a:headEnd type="none" w="med" len="med"/>
+                      <a:tailEnd type="none" w="med" len="med"/>
+                    </a:lnT>
+                    <a:lnB w="6350" cap="flat" cmpd="sng" algn="ctr">
+                      <a:solidFill>
+                        <a:srgbClr val="ED7D31"/>
+                      </a:solidFill>
+                      <a:prstDash val="solid"/>
+                      <a:round/>
+                      <a:headEnd type="none" w="med" len="med"/>
+                      <a:tailEnd type="none" w="med" len="med"/>
+                    </a:lnB>
+                  </a:tcPr>
+                </a:tc>
+              </a:tr>
+              <a:tr h="343279">
+                <a:tc>
+                  <a:txBody>
+                    <a:bodyPr/>
+                    <a:lstStyle/>
+                    <a:p>
+                      <a:pPr algn="l" fontAlgn="b"/>
+                      <a:r>
+                        <a:rPr lang="en-US" sz="2000" b="0" i="0" u="none" strike="noStrike">
+                          <a:solidFill>
+                            <a:srgbClr val="000000"/>
+                          </a:solidFill>
+                          <a:effectLst/>
+                          <a:latin typeface="Calibri" panose="020F0502020204030204" pitchFamily="34" charset="0"/>
+                        </a:rPr>
+                        <a:t>Name of a class</a:t>
+                      </a:r>
+                    </a:p>
+                  </a:txBody>
+                  <a:tcPr marL="9525" marR="9525" marT="9525" marB="0" anchor="b">
+                    <a:lnL w="6350" cap="flat" cmpd="sng" algn="ctr">
+                      <a:solidFill>
+                        <a:srgbClr val="ED7D31"/>
+                      </a:solidFill>
+                      <a:prstDash val="solid"/>
+                      <a:round/>
+                      <a:headEnd type="none" w="med" len="med"/>
+                      <a:tailEnd type="none" w="med" len="med"/>
+                    </a:lnL>
+                    <a:lnR>
+                      <a:noFill/>
+                    </a:lnR>
+                    <a:lnT w="6350" cap="flat" cmpd="sng" algn="ctr">
+                      <a:solidFill>
+                        <a:srgbClr val="ED7D31"/>
+                      </a:solidFill>
+                      <a:prstDash val="solid"/>
+                      <a:round/>
+                      <a:headEnd type="none" w="med" len="med"/>
+                      <a:tailEnd type="none" w="med" len="med"/>
+                    </a:lnT>
+                    <a:lnB w="6350" cap="flat" cmpd="sng" algn="ctr">
+                      <a:solidFill>
+                        <a:srgbClr val="ED7D31"/>
+                      </a:solidFill>
+                      <a:prstDash val="solid"/>
+                      <a:round/>
+                      <a:headEnd type="none" w="med" len="med"/>
+                      <a:tailEnd type="none" w="med" len="med"/>
+                    </a:lnB>
+                  </a:tcPr>
+                </a:tc>
+                <a:tc>
+                  <a:txBody>
+                    <a:bodyPr/>
+                    <a:lstStyle/>
+                    <a:p>
+                      <a:pPr algn="l" fontAlgn="b"/>
+                      <a:r>
+                        <a:rPr lang="en-US" sz="2000" b="0" i="0" u="none" strike="noStrike">
+                          <a:solidFill>
+                            <a:srgbClr val="000000"/>
+                          </a:solidFill>
+                          <a:effectLst/>
+                          <a:latin typeface="Calibri" panose="020F0502020204030204" pitchFamily="34" charset="0"/>
+                        </a:rPr>
+                        <a:t>Must be an instance of that class (see Chapter 6 for more information about classes and instances).</a:t>
+                      </a:r>
+                    </a:p>
+                  </a:txBody>
+                  <a:tcPr marL="9525" marR="9525" marT="9525" marB="0" anchor="b">
+                    <a:lnL>
+                      <a:noFill/>
+                    </a:lnL>
+                    <a:lnR>
+                      <a:noFill/>
+                    </a:lnR>
+                    <a:lnT w="6350" cap="flat" cmpd="sng" algn="ctr">
+                      <a:solidFill>
+                        <a:srgbClr val="ED7D31"/>
+                      </a:solidFill>
+                      <a:prstDash val="solid"/>
+                      <a:round/>
+                      <a:headEnd type="none" w="med" len="med"/>
+                      <a:tailEnd type="none" w="med" len="med"/>
+                    </a:lnT>
+                    <a:lnB w="6350" cap="flat" cmpd="sng" algn="ctr">
+                      <a:solidFill>
+                        <a:srgbClr val="ED7D31"/>
+                      </a:solidFill>
+                      <a:prstDash val="solid"/>
+                      <a:round/>
+                      <a:headEnd type="none" w="med" len="med"/>
+                      <a:tailEnd type="none" w="med" len="med"/>
+                    </a:lnB>
+                  </a:tcPr>
+                </a:tc>
+                <a:tc>
+                  <a:txBody>
+                    <a:bodyPr/>
+                    <a:lstStyle/>
+                    <a:p>
+                      <a:pPr algn="l" fontAlgn="b"/>
+                      <a:r>
+                        <a:rPr lang="en-US" sz="2000" b="0" i="0" u="none" strike="noStrike" dirty="0">
+                          <a:solidFill>
+                            <a:srgbClr val="000000"/>
+                          </a:solidFill>
+                          <a:effectLst/>
+                          <a:latin typeface="Calibri" panose="020F0502020204030204" pitchFamily="34" charset="0"/>
+                        </a:rPr>
+                        <a:t>5.0.0</a:t>
+                      </a:r>
+                    </a:p>
+                  </a:txBody>
+                  <a:tcPr marL="9525" marR="9525" marT="9525" marB="0" anchor="b">
+                    <a:lnL>
+                      <a:noFill/>
+                    </a:lnL>
+                    <a:lnR w="6350" cap="flat" cmpd="sng" algn="ctr">
+                      <a:solidFill>
+                        <a:srgbClr val="ED7D31"/>
+                      </a:solidFill>
+                      <a:prstDash val="solid"/>
+                      <a:round/>
+                      <a:headEnd type="none" w="med" len="med"/>
+                      <a:tailEnd type="none" w="med" len="med"/>
+                    </a:lnR>
+                    <a:lnT w="6350" cap="flat" cmpd="sng" algn="ctr">
+                      <a:solidFill>
+                        <a:srgbClr val="ED7D31"/>
+                      </a:solidFill>
+                      <a:prstDash val="solid"/>
+                      <a:round/>
+                      <a:headEnd type="none" w="med" len="med"/>
+                      <a:tailEnd type="none" w="med" len="med"/>
+                    </a:lnT>
+                    <a:lnB w="6350" cap="flat" cmpd="sng" algn="ctr">
+                      <a:solidFill>
+                        <a:srgbClr val="ED7D31"/>
+                      </a:solidFill>
+                      <a:prstDash val="solid"/>
+                      <a:round/>
+                      <a:headEnd type="none" w="med" len="med"/>
+                      <a:tailEnd type="none" w="med" len="med"/>
+                    </a:lnB>
+                  </a:tcPr>
+                </a:tc>
+              </a:tr>
+            </a:tbl>
+          </a:graphicData>
+        </a:graphic>
+      </p:graphicFrame>
+    </p:spTree>
+    <p:extLst>
+      <p:ext uri="{BB962C8B-B14F-4D97-AF65-F5344CB8AC3E}">
+        <p14:creationId xmlns:p14="http://schemas.microsoft.com/office/powerpoint/2010/main" val="631183186"/>
+      </p:ext>
+    </p:extLst>
+  </p:cSld>
+  <p:clrMapOvr>
+    <a:masterClrMapping/>
+  </p:clrMapOvr>
+  <p:timing>
+    <p:tnLst>
+      <p:par>
+        <p:cTn id="1" dur="indefinite" restart="never" nodeType="tmRoot"/>
+      </p:par>
+    </p:tnLst>
+  </p:timing>
+</p:sld>
+</file>
+
+<file path=ppt/slides/slide36.xml><?xml version="1.0" encoding="utf-8"?>
+<p:sld xmlns:a="http://schemas.openxmlformats.org/drawingml/2006/main" xmlns:r="http://schemas.openxmlformats.org/officeDocument/2006/relationships" xmlns:p="http://schemas.openxmlformats.org/presentationml/2006/main">
+  <p:cSld>
+    <p:spTree>
+      <p:nvGrpSpPr>
+        <p:cNvPr id="1" name=""/>
+        <p:cNvGrpSpPr/>
+        <p:nvPr/>
+      </p:nvGrpSpPr>
+      <p:grpSpPr>
+        <a:xfrm>
+          <a:off x="0" y="0"/>
+          <a:ext cx="0" cy="0"/>
+          <a:chOff x="0" y="0"/>
+          <a:chExt cx="0" cy="0"/>
+        </a:xfrm>
+      </p:grpSpPr>
+      <p:sp>
+        <p:nvSpPr>
+          <p:cNvPr id="2" name="Title 1"/>
+          <p:cNvSpPr>
+            <a:spLocks noGrp="1"/>
+          </p:cNvSpPr>
+          <p:nvPr>
+            <p:ph type="title"/>
+          </p:nvPr>
+        </p:nvSpPr>
+        <p:spPr/>
+        <p:txBody>
+          <a:bodyPr/>
+          <a:lstStyle/>
+          <a:p>
+            <a:r>
+              <a:rPr lang="en-US" dirty="0" smtClean="0"/>
+              <a:t>Loading other files</a:t>
+            </a:r>
+            <a:endParaRPr lang="en-US" dirty="0"/>
+          </a:p>
+        </p:txBody>
+      </p:sp>
+      <p:sp>
+        <p:nvSpPr>
+          <p:cNvPr id="3" name="Content Placeholder 2"/>
+          <p:cNvSpPr>
+            <a:spLocks noGrp="1"/>
+          </p:cNvSpPr>
+          <p:nvPr>
+            <p:ph idx="1"/>
+          </p:nvPr>
+        </p:nvSpPr>
+        <p:spPr/>
+        <p:txBody>
+          <a:bodyPr>
+            <a:normAutofit/>
+          </a:bodyPr>
+          <a:lstStyle/>
+          <a:p>
+            <a:pPr marL="0" indent="0">
+              <a:buNone/>
+            </a:pPr>
+            <a:r>
+              <a:rPr lang="en-US" dirty="0" smtClean="0"/>
+              <a:t>Other files can contain:</a:t>
+            </a:r>
+          </a:p>
+          <a:p>
+            <a:r>
+              <a:rPr lang="en-US" dirty="0" smtClean="0"/>
+              <a:t>Declarations</a:t>
+            </a:r>
+          </a:p>
+          <a:p>
+            <a:r>
+              <a:rPr lang="en-US" dirty="0" smtClean="0"/>
+              <a:t>Executing code</a:t>
+            </a:r>
+          </a:p>
+          <a:p>
+            <a:endParaRPr lang="en-US" dirty="0"/>
+          </a:p>
+          <a:p>
+            <a:pPr marL="0" indent="0">
+              <a:buNone/>
+            </a:pPr>
+            <a:r>
+              <a:rPr lang="en-US" dirty="0" smtClean="0"/>
+              <a:t>Include &amp; Require</a:t>
+            </a:r>
+            <a:endParaRPr lang="en-US" dirty="0" smtClean="0"/>
+          </a:p>
+        </p:txBody>
+      </p:sp>
+    </p:spTree>
+    <p:extLst>
+      <p:ext uri="{BB962C8B-B14F-4D97-AF65-F5344CB8AC3E}">
+        <p14:creationId xmlns:p14="http://schemas.microsoft.com/office/powerpoint/2010/main" val="2303980095"/>
+      </p:ext>
+    </p:extLst>
+  </p:cSld>
+  <p:clrMapOvr>
+    <a:masterClrMapping/>
+  </p:clrMapOvr>
+  <p:timing>
+    <p:tnLst>
+      <p:par>
+        <p:cTn id="1" dur="indefinite" restart="never" nodeType="tmRoot"/>
+      </p:par>
+    </p:tnLst>
+  </p:timing>
+</p:sld>
+</file>
+
+<file path=ppt/slides/slide37.xml><?xml version="1.0" encoding="utf-8"?>
+<p:sld xmlns:a="http://schemas.openxmlformats.org/drawingml/2006/main" xmlns:r="http://schemas.openxmlformats.org/officeDocument/2006/relationships" xmlns:p="http://schemas.openxmlformats.org/presentationml/2006/main">
+  <p:cSld>
+    <p:spTree>
+      <p:nvGrpSpPr>
+        <p:cNvPr id="1" name=""/>
+        <p:cNvGrpSpPr/>
+        <p:nvPr/>
+      </p:nvGrpSpPr>
+      <p:grpSpPr>
+        <a:xfrm>
+          <a:off x="0" y="0"/>
+          <a:ext cx="0" cy="0"/>
+          <a:chOff x="0" y="0"/>
+          <a:chExt cx="0" cy="0"/>
+        </a:xfrm>
+      </p:grpSpPr>
+      <p:sp>
+        <p:nvSpPr>
+          <p:cNvPr id="2" name="Title 1"/>
+          <p:cNvSpPr>
+            <a:spLocks noGrp="1"/>
+          </p:cNvSpPr>
+          <p:nvPr>
+            <p:ph type="title"/>
+          </p:nvPr>
+        </p:nvSpPr>
+        <p:spPr/>
+        <p:txBody>
+          <a:bodyPr/>
+          <a:lstStyle/>
+          <a:p>
+            <a:r>
+              <a:rPr lang="en-GB" dirty="0" err="1" smtClean="0"/>
+              <a:t>Groupping</a:t>
+            </a:r>
+            <a:r>
+              <a:rPr lang="en-GB" dirty="0" smtClean="0"/>
+              <a:t> your logic and data</a:t>
+            </a:r>
+            <a:endParaRPr lang="en-US" dirty="0"/>
+          </a:p>
+        </p:txBody>
+      </p:sp>
+      <p:sp>
+        <p:nvSpPr>
+          <p:cNvPr id="3" name="Content Placeholder 2"/>
+          <p:cNvSpPr>
+            <a:spLocks noGrp="1"/>
+          </p:cNvSpPr>
+          <p:nvPr>
+            <p:ph idx="1"/>
+          </p:nvPr>
+        </p:nvSpPr>
+        <p:spPr/>
+        <p:txBody>
+          <a:bodyPr>
+            <a:normAutofit lnSpcReduction="10000"/>
+          </a:bodyPr>
+          <a:lstStyle/>
+          <a:p>
+            <a:endParaRPr lang="en-US" dirty="0"/>
+          </a:p>
+          <a:p>
+            <a:r>
+              <a:rPr lang="en-US" dirty="0" smtClean="0"/>
+              <a:t>Class</a:t>
+            </a:r>
+          </a:p>
+          <a:p>
+            <a:pPr lvl="1"/>
+            <a:r>
+              <a:rPr lang="en-US" dirty="0" smtClean="0"/>
+              <a:t>A </a:t>
+            </a:r>
+            <a:r>
+              <a:rPr lang="en-US" dirty="0"/>
+              <a:t>template or recipe that describes the variables and functions for a kind of object. For example, an Entree class would contain variables that hold its name and ingredients. The functions in an Entree class would be for things such as cooking the entrée, serving it, and determining whether a particular ingredient is in it. </a:t>
+            </a:r>
+          </a:p>
+          <a:p>
+            <a:r>
+              <a:rPr lang="en-US" dirty="0" smtClean="0"/>
+              <a:t>Method</a:t>
+            </a:r>
+          </a:p>
+          <a:p>
+            <a:pPr lvl="1"/>
+            <a:r>
+              <a:rPr lang="en-US" dirty="0" smtClean="0"/>
+              <a:t>A </a:t>
+            </a:r>
+            <a:r>
+              <a:rPr lang="en-US" dirty="0"/>
+              <a:t>function defined in a class. </a:t>
+            </a:r>
+          </a:p>
+          <a:p>
+            <a:r>
+              <a:rPr lang="en-US" dirty="0"/>
+              <a:t>Property</a:t>
+            </a:r>
+          </a:p>
+          <a:p>
+            <a:pPr lvl="1"/>
+            <a:r>
+              <a:rPr lang="en-US" dirty="0" smtClean="0"/>
+              <a:t>A </a:t>
+            </a:r>
+            <a:r>
+              <a:rPr lang="en-US" dirty="0"/>
+              <a:t>variable defined in a class. </a:t>
+            </a:r>
+          </a:p>
+        </p:txBody>
+      </p:sp>
+    </p:spTree>
+    <p:extLst>
+      <p:ext uri="{BB962C8B-B14F-4D97-AF65-F5344CB8AC3E}">
+        <p14:creationId xmlns:p14="http://schemas.microsoft.com/office/powerpoint/2010/main" val="503896550"/>
+      </p:ext>
+    </p:extLst>
+  </p:cSld>
+  <p:clrMapOvr>
+    <a:masterClrMapping/>
+  </p:clrMapOvr>
+  <p:timing>
+    <p:tnLst>
+      <p:par>
+        <p:cTn id="1" dur="indefinite" restart="never" nodeType="tmRoot"/>
+      </p:par>
+    </p:tnLst>
+  </p:timing>
+</p:sld>
+</file>
+
+<file path=ppt/slides/slide38.xml><?xml version="1.0" encoding="utf-8"?>
+<p:sld xmlns:a="http://schemas.openxmlformats.org/drawingml/2006/main" xmlns:r="http://schemas.openxmlformats.org/officeDocument/2006/relationships" xmlns:p="http://schemas.openxmlformats.org/presentationml/2006/main">
+  <p:cSld>
+    <p:spTree>
+      <p:nvGrpSpPr>
+        <p:cNvPr id="1" name=""/>
+        <p:cNvGrpSpPr/>
+        <p:nvPr/>
+      </p:nvGrpSpPr>
+      <p:grpSpPr>
+        <a:xfrm>
+          <a:off x="0" y="0"/>
+          <a:ext cx="0" cy="0"/>
+          <a:chOff x="0" y="0"/>
+          <a:chExt cx="0" cy="0"/>
+        </a:xfrm>
+      </p:grpSpPr>
+      <p:sp>
+        <p:nvSpPr>
+          <p:cNvPr id="2" name="Title 1"/>
+          <p:cNvSpPr>
+            <a:spLocks noGrp="1"/>
+          </p:cNvSpPr>
+          <p:nvPr>
+            <p:ph type="title"/>
+          </p:nvPr>
+        </p:nvSpPr>
+        <p:spPr/>
+        <p:txBody>
+          <a:bodyPr/>
+          <a:lstStyle/>
+          <a:p>
+            <a:r>
+              <a:rPr lang="en-GB" dirty="0" err="1" smtClean="0"/>
+              <a:t>Groupping</a:t>
+            </a:r>
+            <a:r>
+              <a:rPr lang="en-GB" dirty="0" smtClean="0"/>
+              <a:t> your logic and data</a:t>
+            </a:r>
+            <a:endParaRPr lang="en-US" dirty="0"/>
+          </a:p>
+        </p:txBody>
+      </p:sp>
+      <p:sp>
+        <p:nvSpPr>
+          <p:cNvPr id="3" name="Content Placeholder 2"/>
+          <p:cNvSpPr>
+            <a:spLocks noGrp="1"/>
+          </p:cNvSpPr>
+          <p:nvPr>
+            <p:ph idx="1"/>
+          </p:nvPr>
+        </p:nvSpPr>
+        <p:spPr/>
+        <p:txBody>
+          <a:bodyPr>
+            <a:normAutofit fontScale="92500" lnSpcReduction="20000"/>
+          </a:bodyPr>
+          <a:lstStyle/>
+          <a:p>
+            <a:r>
+              <a:rPr lang="en-US" dirty="0" smtClean="0"/>
+              <a:t>Instance</a:t>
+            </a:r>
+            <a:endParaRPr lang="en-US" dirty="0"/>
+          </a:p>
+          <a:p>
+            <a:pPr lvl="1"/>
+            <a:r>
+              <a:rPr lang="en-US" dirty="0" smtClean="0"/>
+              <a:t>An </a:t>
+            </a:r>
+            <a:r>
+              <a:rPr lang="en-US" dirty="0"/>
+              <a:t>individual usage of a class. If you are serving three entrées for dinner in your program, you would create three instances of the Entree class. While each of these instances is based on the same class, they differ internally by having different property values. The methods in each instance contain the same instructions, but probably produce different results because they each rely on the particular property values in their instance. Creating a new instance of a class is called “instantiating an object.”</a:t>
+            </a:r>
+          </a:p>
+          <a:p>
+            <a:r>
+              <a:rPr lang="en-US" dirty="0"/>
+              <a:t>Constructor</a:t>
+            </a:r>
+          </a:p>
+          <a:p>
+            <a:pPr lvl="1"/>
+            <a:r>
+              <a:rPr lang="en-US" dirty="0" smtClean="0"/>
+              <a:t>A </a:t>
+            </a:r>
+            <a:r>
+              <a:rPr lang="en-US" dirty="0"/>
+              <a:t>special method that is automatically run when an object is instantiated. Usually, constructors set up object properties and do other housekeeping that makes the object ready for use.</a:t>
+            </a:r>
+          </a:p>
+          <a:p>
+            <a:r>
+              <a:rPr lang="en-US" dirty="0"/>
+              <a:t>Static method</a:t>
+            </a:r>
+          </a:p>
+          <a:p>
+            <a:pPr lvl="1"/>
+            <a:r>
+              <a:rPr lang="en-US" dirty="0" smtClean="0"/>
+              <a:t>A </a:t>
+            </a:r>
+            <a:r>
+              <a:rPr lang="en-US" dirty="0"/>
+              <a:t>special kind of method that can be called without instantiating a class. Static methods don’t depend on the property values of a particular instance. </a:t>
+            </a:r>
+            <a:endParaRPr lang="en-US" dirty="0" smtClean="0"/>
+          </a:p>
+        </p:txBody>
+      </p:sp>
+    </p:spTree>
+    <p:extLst>
+      <p:ext uri="{BB962C8B-B14F-4D97-AF65-F5344CB8AC3E}">
+        <p14:creationId xmlns:p14="http://schemas.microsoft.com/office/powerpoint/2010/main" val="2191186243"/>
+      </p:ext>
+    </p:extLst>
+  </p:cSld>
+  <p:clrMapOvr>
+    <a:masterClrMapping/>
+  </p:clrMapOvr>
+  <p:timing>
+    <p:tnLst>
+      <p:par>
+        <p:cTn id="1" dur="indefinite" restart="never" nodeType="tmRoot"/>
+      </p:par>
+    </p:tnLst>
+  </p:timing>
+</p:sld>
+</file>
+
+<file path=ppt/slides/slide39.xml><?xml version="1.0" encoding="utf-8"?>
+<p:sld xmlns:a="http://schemas.openxmlformats.org/drawingml/2006/main" xmlns:r="http://schemas.openxmlformats.org/officeDocument/2006/relationships" xmlns:p="http://schemas.openxmlformats.org/presentationml/2006/main">
+  <p:cSld>
+    <p:spTree>
+      <p:nvGrpSpPr>
+        <p:cNvPr id="1" name=""/>
+        <p:cNvGrpSpPr/>
+        <p:nvPr/>
+      </p:nvGrpSpPr>
+      <p:grpSpPr>
+        <a:xfrm>
+          <a:off x="0" y="0"/>
+          <a:ext cx="0" cy="0"/>
+          <a:chOff x="0" y="0"/>
+          <a:chExt cx="0" cy="0"/>
+        </a:xfrm>
+      </p:grpSpPr>
+      <p:sp>
+        <p:nvSpPr>
+          <p:cNvPr id="2" name="Title 1"/>
+          <p:cNvSpPr>
+            <a:spLocks noGrp="1"/>
+          </p:cNvSpPr>
+          <p:nvPr>
+            <p:ph type="title"/>
+          </p:nvPr>
+        </p:nvSpPr>
+        <p:spPr/>
+        <p:txBody>
+          <a:bodyPr/>
+          <a:lstStyle/>
+          <a:p>
+            <a:r>
+              <a:rPr lang="en-GB" dirty="0" smtClean="0"/>
+              <a:t>Creating Classes</a:t>
+            </a:r>
+            <a:endParaRPr lang="en-US" dirty="0"/>
+          </a:p>
+        </p:txBody>
+      </p:sp>
+      <p:sp>
+        <p:nvSpPr>
+          <p:cNvPr id="3" name="Content Placeholder 2"/>
+          <p:cNvSpPr>
+            <a:spLocks noGrp="1"/>
+          </p:cNvSpPr>
+          <p:nvPr>
+            <p:ph idx="1"/>
+          </p:nvPr>
+        </p:nvSpPr>
+        <p:spPr/>
+        <p:txBody>
+          <a:bodyPr>
+            <a:normAutofit/>
+          </a:bodyPr>
+          <a:lstStyle/>
+          <a:p>
+            <a:pPr marL="0" indent="0">
+              <a:buNone/>
+            </a:pPr>
+            <a:r>
+              <a:rPr lang="en-GB" dirty="0" smtClean="0"/>
+              <a:t>class Monitor {</a:t>
+            </a:r>
+          </a:p>
+          <a:p>
+            <a:pPr marL="0" indent="0">
+              <a:buNone/>
+            </a:pPr>
+            <a:r>
+              <a:rPr lang="en-GB" dirty="0" smtClean="0"/>
+              <a:t>	public $</a:t>
+            </a:r>
+            <a:r>
+              <a:rPr lang="en-GB" dirty="0" err="1" smtClean="0"/>
+              <a:t>diagonalLength</a:t>
+            </a:r>
+            <a:r>
+              <a:rPr lang="en-GB" dirty="0" smtClean="0"/>
+              <a:t>;</a:t>
+            </a:r>
+          </a:p>
+          <a:p>
+            <a:pPr marL="0" indent="0">
+              <a:buNone/>
+            </a:pPr>
+            <a:r>
+              <a:rPr lang="en-GB" dirty="0"/>
+              <a:t>	</a:t>
+            </a:r>
+            <a:r>
+              <a:rPr lang="en-GB" dirty="0" smtClean="0"/>
+              <a:t>public function </a:t>
+            </a:r>
+            <a:r>
+              <a:rPr lang="en-GB" dirty="0" err="1" smtClean="0"/>
+              <a:t>tellDiagonalLength</a:t>
+            </a:r>
+            <a:r>
+              <a:rPr lang="en-GB" dirty="0" smtClean="0"/>
+              <a:t>() {</a:t>
+            </a:r>
+          </a:p>
+          <a:p>
+            <a:pPr marL="0" indent="0">
+              <a:buNone/>
+            </a:pPr>
+            <a:r>
+              <a:rPr lang="en-GB" dirty="0"/>
+              <a:t>	</a:t>
+            </a:r>
+            <a:r>
+              <a:rPr lang="en-GB" dirty="0" smtClean="0"/>
+              <a:t>	print </a:t>
+            </a:r>
+            <a:r>
+              <a:rPr lang="en-US" dirty="0" smtClean="0"/>
+              <a:t>“Length is {$</a:t>
+            </a:r>
+            <a:r>
+              <a:rPr lang="en-US" dirty="0" err="1" smtClean="0"/>
+              <a:t>this.diagonalLength</a:t>
+            </a:r>
+            <a:r>
+              <a:rPr lang="en-US" dirty="0" smtClean="0"/>
+              <a:t>}”;</a:t>
+            </a:r>
+            <a:endParaRPr lang="en-GB" dirty="0" smtClean="0"/>
+          </a:p>
+          <a:p>
+            <a:pPr marL="0" indent="0">
+              <a:buNone/>
+            </a:pPr>
+            <a:r>
+              <a:rPr lang="en-GB" dirty="0"/>
+              <a:t>	</a:t>
+            </a:r>
+            <a:r>
+              <a:rPr lang="en-GB" dirty="0" smtClean="0"/>
+              <a:t>}</a:t>
+            </a:r>
+            <a:endParaRPr lang="en-GB" dirty="0"/>
+          </a:p>
+          <a:p>
+            <a:pPr marL="0" indent="0">
+              <a:buNone/>
+            </a:pPr>
+            <a:r>
+              <a:rPr lang="en-GB" dirty="0" smtClean="0"/>
+              <a:t>}</a:t>
+            </a:r>
+            <a:endParaRPr lang="en-US" dirty="0" smtClean="0"/>
+          </a:p>
+        </p:txBody>
+      </p:sp>
+    </p:spTree>
+    <p:extLst>
+      <p:ext uri="{BB962C8B-B14F-4D97-AF65-F5344CB8AC3E}">
+        <p14:creationId xmlns:p14="http://schemas.microsoft.com/office/powerpoint/2010/main" val="4165872743"/>
       </p:ext>
     </p:extLst>
   </p:cSld>
@@ -4312,6 +8867,1191 @@
 </p:sld>
 </file>
 
+<file path=ppt/slides/slide40.xml><?xml version="1.0" encoding="utf-8"?>
+<p:sld xmlns:a="http://schemas.openxmlformats.org/drawingml/2006/main" xmlns:r="http://schemas.openxmlformats.org/officeDocument/2006/relationships" xmlns:p="http://schemas.openxmlformats.org/presentationml/2006/main">
+  <p:cSld>
+    <p:spTree>
+      <p:nvGrpSpPr>
+        <p:cNvPr id="1" name=""/>
+        <p:cNvGrpSpPr/>
+        <p:nvPr/>
+      </p:nvGrpSpPr>
+      <p:grpSpPr>
+        <a:xfrm>
+          <a:off x="0" y="0"/>
+          <a:ext cx="0" cy="0"/>
+          <a:chOff x="0" y="0"/>
+          <a:chExt cx="0" cy="0"/>
+        </a:xfrm>
+      </p:grpSpPr>
+      <p:sp>
+        <p:nvSpPr>
+          <p:cNvPr id="2" name="Title 1"/>
+          <p:cNvSpPr>
+            <a:spLocks noGrp="1"/>
+          </p:cNvSpPr>
+          <p:nvPr>
+            <p:ph type="title"/>
+          </p:nvPr>
+        </p:nvSpPr>
+        <p:spPr/>
+        <p:txBody>
+          <a:bodyPr/>
+          <a:lstStyle/>
+          <a:p>
+            <a:r>
+              <a:rPr lang="en-GB" dirty="0" smtClean="0"/>
+              <a:t>Adding properties</a:t>
+            </a:r>
+            <a:endParaRPr lang="en-US" dirty="0"/>
+          </a:p>
+        </p:txBody>
+      </p:sp>
+      <p:sp>
+        <p:nvSpPr>
+          <p:cNvPr id="3" name="Content Placeholder 2"/>
+          <p:cNvSpPr>
+            <a:spLocks noGrp="1"/>
+          </p:cNvSpPr>
+          <p:nvPr>
+            <p:ph idx="1"/>
+          </p:nvPr>
+        </p:nvSpPr>
+        <p:spPr/>
+        <p:txBody>
+          <a:bodyPr>
+            <a:normAutofit fontScale="77500" lnSpcReduction="20000"/>
+          </a:bodyPr>
+          <a:lstStyle/>
+          <a:p>
+            <a:pPr marL="0" indent="0">
+              <a:buNone/>
+            </a:pPr>
+            <a:r>
+              <a:rPr lang="en-GB" dirty="0"/>
+              <a:t>class Monitor {</a:t>
+            </a:r>
+          </a:p>
+          <a:p>
+            <a:pPr marL="0" indent="0">
+              <a:buNone/>
+            </a:pPr>
+            <a:r>
+              <a:rPr lang="en-GB" dirty="0"/>
+              <a:t>    </a:t>
+            </a:r>
+            <a:r>
+              <a:rPr lang="en-GB" dirty="0">
+                <a:solidFill>
+                  <a:schemeClr val="accent1"/>
+                </a:solidFill>
+              </a:rPr>
+              <a:t>//Public property</a:t>
+            </a:r>
+          </a:p>
+          <a:p>
+            <a:pPr marL="0" indent="0">
+              <a:buNone/>
+            </a:pPr>
+            <a:r>
+              <a:rPr lang="en-GB" dirty="0"/>
+              <a:t>    public $</a:t>
+            </a:r>
+            <a:r>
+              <a:rPr lang="en-GB" dirty="0" err="1"/>
+              <a:t>diagonalLength</a:t>
+            </a:r>
+            <a:r>
+              <a:rPr lang="en-GB" dirty="0"/>
+              <a:t>;</a:t>
+            </a:r>
+          </a:p>
+          <a:p>
+            <a:pPr marL="0" indent="0">
+              <a:buNone/>
+            </a:pPr>
+            <a:r>
+              <a:rPr lang="en-GB" dirty="0"/>
+              <a:t>    </a:t>
+            </a:r>
+            <a:r>
+              <a:rPr lang="en-GB" dirty="0">
+                <a:solidFill>
+                  <a:schemeClr val="accent2"/>
+                </a:solidFill>
+              </a:rPr>
+              <a:t>//Private property</a:t>
+            </a:r>
+          </a:p>
+          <a:p>
+            <a:pPr marL="0" indent="0">
+              <a:buNone/>
+            </a:pPr>
+            <a:r>
+              <a:rPr lang="en-GB" dirty="0"/>
+              <a:t>    private $unit = "inches</a:t>
+            </a:r>
+            <a:r>
+              <a:rPr lang="en-GB" dirty="0" smtClean="0"/>
+              <a:t>";</a:t>
+            </a:r>
+            <a:endParaRPr lang="bg-BG" dirty="0" smtClean="0"/>
+          </a:p>
+          <a:p>
+            <a:pPr marL="0" indent="0">
+              <a:buNone/>
+            </a:pPr>
+            <a:r>
+              <a:rPr lang="bg-BG" dirty="0" smtClean="0"/>
+              <a:t>    //</a:t>
+            </a:r>
+            <a:r>
+              <a:rPr lang="en-GB" dirty="0" smtClean="0"/>
+              <a:t>Protected property</a:t>
+            </a:r>
+          </a:p>
+          <a:p>
+            <a:pPr marL="0" indent="0">
+              <a:buNone/>
+            </a:pPr>
+            <a:r>
+              <a:rPr lang="en-GB" dirty="0" smtClean="0"/>
+              <a:t>    protected $</a:t>
+            </a:r>
+            <a:r>
+              <a:rPr lang="en-US" smtClean="0"/>
+              <a:t>voltage = 0;</a:t>
+            </a:r>
+            <a:endParaRPr lang="en-GB" dirty="0"/>
+          </a:p>
+          <a:p>
+            <a:pPr marL="0" indent="0">
+              <a:buNone/>
+            </a:pPr>
+            <a:r>
+              <a:rPr lang="en-GB" dirty="0"/>
+              <a:t>    //</a:t>
+            </a:r>
+            <a:r>
+              <a:rPr lang="en-GB" dirty="0" smtClean="0"/>
+              <a:t>Function</a:t>
+            </a:r>
+            <a:r>
+              <a:rPr lang="bg-BG" dirty="0" smtClean="0"/>
+              <a:t> </a:t>
+            </a:r>
+            <a:r>
+              <a:rPr lang="en-GB" dirty="0" smtClean="0"/>
+              <a:t>definition</a:t>
+            </a:r>
+            <a:endParaRPr lang="en-GB" dirty="0"/>
+          </a:p>
+          <a:p>
+            <a:pPr marL="0" indent="0">
+              <a:buNone/>
+            </a:pPr>
+            <a:r>
+              <a:rPr lang="en-GB" dirty="0"/>
+              <a:t>    public function </a:t>
+            </a:r>
+            <a:r>
+              <a:rPr lang="en-GB" dirty="0" err="1"/>
+              <a:t>tellDiagonalLength</a:t>
+            </a:r>
+            <a:r>
+              <a:rPr lang="en-GB" dirty="0"/>
+              <a:t>() {</a:t>
+            </a:r>
+          </a:p>
+          <a:p>
+            <a:pPr marL="0" indent="0">
+              <a:buNone/>
+            </a:pPr>
+            <a:r>
+              <a:rPr lang="en-GB" dirty="0"/>
+              <a:t>        print "Length is {$this-&gt;</a:t>
+            </a:r>
+            <a:r>
+              <a:rPr lang="en-GB" dirty="0" err="1"/>
+              <a:t>diagonalLength</a:t>
+            </a:r>
+            <a:r>
+              <a:rPr lang="en-GB" dirty="0"/>
+              <a:t>} {$this-&gt;unit}";</a:t>
+            </a:r>
+          </a:p>
+          <a:p>
+            <a:pPr marL="0" indent="0">
+              <a:buNone/>
+            </a:pPr>
+            <a:r>
+              <a:rPr lang="en-GB" dirty="0" smtClean="0"/>
+              <a:t>    }</a:t>
+            </a:r>
+            <a:endParaRPr lang="en-GB" dirty="0"/>
+          </a:p>
+          <a:p>
+            <a:pPr marL="0" indent="0">
+              <a:buNone/>
+            </a:pPr>
+            <a:r>
+              <a:rPr lang="en-GB" dirty="0"/>
+              <a:t>}</a:t>
+            </a:r>
+            <a:endParaRPr lang="en-US" dirty="0" smtClean="0"/>
+          </a:p>
+        </p:txBody>
+      </p:sp>
+    </p:spTree>
+    <p:extLst>
+      <p:ext uri="{BB962C8B-B14F-4D97-AF65-F5344CB8AC3E}">
+        <p14:creationId xmlns:p14="http://schemas.microsoft.com/office/powerpoint/2010/main" val="1953758839"/>
+      </p:ext>
+    </p:extLst>
+  </p:cSld>
+  <p:clrMapOvr>
+    <a:masterClrMapping/>
+  </p:clrMapOvr>
+  <p:timing>
+    <p:tnLst>
+      <p:par>
+        <p:cTn id="1" dur="indefinite" restart="never" nodeType="tmRoot"/>
+      </p:par>
+    </p:tnLst>
+  </p:timing>
+</p:sld>
+</file>
+
+<file path=ppt/slides/slide41.xml><?xml version="1.0" encoding="utf-8"?>
+<p:sld xmlns:a="http://schemas.openxmlformats.org/drawingml/2006/main" xmlns:r="http://schemas.openxmlformats.org/officeDocument/2006/relationships" xmlns:p="http://schemas.openxmlformats.org/presentationml/2006/main">
+  <p:cSld>
+    <p:spTree>
+      <p:nvGrpSpPr>
+        <p:cNvPr id="1" name=""/>
+        <p:cNvGrpSpPr/>
+        <p:nvPr/>
+      </p:nvGrpSpPr>
+      <p:grpSpPr>
+        <a:xfrm>
+          <a:off x="0" y="0"/>
+          <a:ext cx="0" cy="0"/>
+          <a:chOff x="0" y="0"/>
+          <a:chExt cx="0" cy="0"/>
+        </a:xfrm>
+      </p:grpSpPr>
+      <p:sp>
+        <p:nvSpPr>
+          <p:cNvPr id="2" name="Title 1"/>
+          <p:cNvSpPr>
+            <a:spLocks noGrp="1"/>
+          </p:cNvSpPr>
+          <p:nvPr>
+            <p:ph type="title"/>
+          </p:nvPr>
+        </p:nvSpPr>
+        <p:spPr/>
+        <p:txBody>
+          <a:bodyPr/>
+          <a:lstStyle/>
+          <a:p>
+            <a:r>
+              <a:rPr lang="en-GB" dirty="0" smtClean="0"/>
+              <a:t>Static Methods</a:t>
+            </a:r>
+            <a:endParaRPr lang="en-US" dirty="0"/>
+          </a:p>
+        </p:txBody>
+      </p:sp>
+      <p:sp>
+        <p:nvSpPr>
+          <p:cNvPr id="3" name="Content Placeholder 2"/>
+          <p:cNvSpPr>
+            <a:spLocks noGrp="1"/>
+          </p:cNvSpPr>
+          <p:nvPr>
+            <p:ph idx="1"/>
+          </p:nvPr>
+        </p:nvSpPr>
+        <p:spPr/>
+        <p:txBody>
+          <a:bodyPr>
+            <a:normAutofit fontScale="85000" lnSpcReduction="20000"/>
+          </a:bodyPr>
+          <a:lstStyle/>
+          <a:p>
+            <a:pPr marL="0" indent="0">
+              <a:buNone/>
+            </a:pPr>
+            <a:r>
+              <a:rPr lang="en-GB" dirty="0"/>
+              <a:t>class Monitor {</a:t>
+            </a:r>
+          </a:p>
+          <a:p>
+            <a:pPr marL="0" indent="0">
+              <a:buNone/>
+            </a:pPr>
+            <a:r>
+              <a:rPr lang="en-GB" dirty="0"/>
+              <a:t>    </a:t>
+            </a:r>
+            <a:r>
+              <a:rPr lang="en-GB" dirty="0">
+                <a:solidFill>
+                  <a:schemeClr val="accent1"/>
+                </a:solidFill>
+              </a:rPr>
+              <a:t>//Public property</a:t>
+            </a:r>
+          </a:p>
+          <a:p>
+            <a:pPr marL="0" indent="0">
+              <a:buNone/>
+            </a:pPr>
+            <a:r>
+              <a:rPr lang="en-GB" dirty="0"/>
+              <a:t>    public $</a:t>
+            </a:r>
+            <a:r>
+              <a:rPr lang="en-GB" dirty="0" err="1"/>
+              <a:t>diagonalLength</a:t>
+            </a:r>
+            <a:r>
+              <a:rPr lang="en-GB" dirty="0"/>
+              <a:t>;</a:t>
+            </a:r>
+          </a:p>
+          <a:p>
+            <a:pPr marL="0" indent="0">
+              <a:buNone/>
+            </a:pPr>
+            <a:r>
+              <a:rPr lang="en-GB" dirty="0"/>
+              <a:t>    </a:t>
+            </a:r>
+            <a:r>
+              <a:rPr lang="en-GB" dirty="0">
+                <a:solidFill>
+                  <a:schemeClr val="accent2"/>
+                </a:solidFill>
+              </a:rPr>
+              <a:t>//Private property</a:t>
+            </a:r>
+          </a:p>
+          <a:p>
+            <a:pPr marL="0" indent="0">
+              <a:buNone/>
+            </a:pPr>
+            <a:r>
+              <a:rPr lang="en-GB" dirty="0"/>
+              <a:t>    private $unit = "inches";</a:t>
+            </a:r>
+          </a:p>
+          <a:p>
+            <a:pPr marL="0" indent="0">
+              <a:buNone/>
+            </a:pPr>
+            <a:r>
+              <a:rPr lang="en-GB" dirty="0"/>
+              <a:t>    </a:t>
+            </a:r>
+            <a:r>
+              <a:rPr lang="en-US" dirty="0" smtClean="0"/>
+              <a:t>//</a:t>
+            </a:r>
+            <a:r>
+              <a:rPr lang="en-US" dirty="0"/>
+              <a:t>Static Function</a:t>
+            </a:r>
+          </a:p>
+          <a:p>
+            <a:pPr marL="0" indent="0">
+              <a:buNone/>
+            </a:pPr>
+            <a:r>
+              <a:rPr lang="en-US" dirty="0"/>
+              <a:t>    public static function </a:t>
+            </a:r>
+            <a:r>
+              <a:rPr lang="en-US" dirty="0" err="1"/>
+              <a:t>convertInchesToCm</a:t>
+            </a:r>
+            <a:r>
+              <a:rPr lang="en-US" dirty="0"/>
+              <a:t>($inches) {</a:t>
+            </a:r>
+          </a:p>
+          <a:p>
+            <a:pPr marL="0" indent="0">
+              <a:buNone/>
+            </a:pPr>
+            <a:r>
+              <a:rPr lang="en-US" dirty="0"/>
+              <a:t>        return $inches * 2.54;</a:t>
+            </a:r>
+          </a:p>
+          <a:p>
+            <a:pPr marL="0" indent="0">
+              <a:buNone/>
+            </a:pPr>
+            <a:r>
+              <a:rPr lang="en-US" dirty="0"/>
+              <a:t>    </a:t>
+            </a:r>
+            <a:r>
+              <a:rPr lang="en-US" dirty="0" smtClean="0"/>
+              <a:t>}</a:t>
+            </a:r>
+          </a:p>
+          <a:p>
+            <a:pPr marL="0" indent="0">
+              <a:buNone/>
+            </a:pPr>
+            <a:r>
+              <a:rPr lang="en-GB" dirty="0" smtClean="0"/>
+              <a:t>}</a:t>
+            </a:r>
+          </a:p>
+          <a:p>
+            <a:pPr marL="0" indent="0">
+              <a:buNone/>
+            </a:pPr>
+            <a:r>
+              <a:rPr lang="en-US" dirty="0"/>
+              <a:t>print "&lt;</a:t>
+            </a:r>
+            <a:r>
+              <a:rPr lang="en-US" dirty="0" err="1"/>
+              <a:t>br</a:t>
+            </a:r>
+            <a:r>
+              <a:rPr lang="en-US" dirty="0"/>
+              <a:t>/&gt;2 cm to inches are ".Monitor::</a:t>
+            </a:r>
+            <a:r>
+              <a:rPr lang="en-US" dirty="0" err="1"/>
+              <a:t>convertInchesToCm</a:t>
+            </a:r>
+            <a:r>
+              <a:rPr lang="en-US" dirty="0"/>
+              <a:t>(2) . "cm";</a:t>
+            </a:r>
+            <a:endParaRPr lang="en-US" dirty="0" smtClean="0"/>
+          </a:p>
+        </p:txBody>
+      </p:sp>
+    </p:spTree>
+    <p:extLst>
+      <p:ext uri="{BB962C8B-B14F-4D97-AF65-F5344CB8AC3E}">
+        <p14:creationId xmlns:p14="http://schemas.microsoft.com/office/powerpoint/2010/main" val="4003278978"/>
+      </p:ext>
+    </p:extLst>
+  </p:cSld>
+  <p:clrMapOvr>
+    <a:masterClrMapping/>
+  </p:clrMapOvr>
+  <p:timing>
+    <p:tnLst>
+      <p:par>
+        <p:cTn id="1" dur="indefinite" restart="never" nodeType="tmRoot"/>
+      </p:par>
+    </p:tnLst>
+  </p:timing>
+</p:sld>
+</file>
+
+<file path=ppt/slides/slide42.xml><?xml version="1.0" encoding="utf-8"?>
+<p:sld xmlns:a="http://schemas.openxmlformats.org/drawingml/2006/main" xmlns:r="http://schemas.openxmlformats.org/officeDocument/2006/relationships" xmlns:p="http://schemas.openxmlformats.org/presentationml/2006/main">
+  <p:cSld>
+    <p:spTree>
+      <p:nvGrpSpPr>
+        <p:cNvPr id="1" name=""/>
+        <p:cNvGrpSpPr/>
+        <p:nvPr/>
+      </p:nvGrpSpPr>
+      <p:grpSpPr>
+        <a:xfrm>
+          <a:off x="0" y="0"/>
+          <a:ext cx="0" cy="0"/>
+          <a:chOff x="0" y="0"/>
+          <a:chExt cx="0" cy="0"/>
+        </a:xfrm>
+      </p:grpSpPr>
+      <p:sp>
+        <p:nvSpPr>
+          <p:cNvPr id="2" name="Title 1"/>
+          <p:cNvSpPr>
+            <a:spLocks noGrp="1"/>
+          </p:cNvSpPr>
+          <p:nvPr>
+            <p:ph type="title"/>
+          </p:nvPr>
+        </p:nvSpPr>
+        <p:spPr/>
+        <p:txBody>
+          <a:bodyPr/>
+          <a:lstStyle/>
+          <a:p>
+            <a:r>
+              <a:rPr lang="en-GB" dirty="0" smtClean="0"/>
+              <a:t>Constructors define required data constraints</a:t>
+            </a:r>
+            <a:endParaRPr lang="en-US" dirty="0"/>
+          </a:p>
+        </p:txBody>
+      </p:sp>
+      <p:sp>
+        <p:nvSpPr>
+          <p:cNvPr id="3" name="Content Placeholder 2"/>
+          <p:cNvSpPr>
+            <a:spLocks noGrp="1"/>
+          </p:cNvSpPr>
+          <p:nvPr>
+            <p:ph idx="1"/>
+          </p:nvPr>
+        </p:nvSpPr>
+        <p:spPr/>
+        <p:txBody>
+          <a:bodyPr>
+            <a:normAutofit/>
+          </a:bodyPr>
+          <a:lstStyle/>
+          <a:p>
+            <a:pPr marL="0" indent="0">
+              <a:buNone/>
+            </a:pPr>
+            <a:r>
+              <a:rPr lang="en-GB" dirty="0"/>
+              <a:t>class Monitor {</a:t>
+            </a:r>
+          </a:p>
+          <a:p>
+            <a:pPr marL="0" indent="0">
+              <a:buNone/>
+            </a:pPr>
+            <a:r>
+              <a:rPr lang="en-GB" dirty="0"/>
+              <a:t>    </a:t>
+            </a:r>
+            <a:r>
+              <a:rPr lang="en-GB" dirty="0" smtClean="0">
+                <a:solidFill>
+                  <a:schemeClr val="accent1"/>
+                </a:solidFill>
+              </a:rPr>
+              <a:t>public function __construct($</a:t>
+            </a:r>
+            <a:r>
+              <a:rPr lang="en-GB" dirty="0" err="1" smtClean="0">
+                <a:solidFill>
+                  <a:schemeClr val="accent1"/>
+                </a:solidFill>
+              </a:rPr>
+              <a:t>diagonalLength</a:t>
+            </a:r>
+            <a:r>
+              <a:rPr lang="bg-BG" dirty="0" smtClean="0">
+                <a:solidFill>
+                  <a:schemeClr val="accent1"/>
+                </a:solidFill>
+              </a:rPr>
+              <a:t>, $</a:t>
+            </a:r>
+            <a:r>
+              <a:rPr lang="en-GB" dirty="0" smtClean="0">
+                <a:solidFill>
+                  <a:schemeClr val="accent1"/>
+                </a:solidFill>
+              </a:rPr>
+              <a:t>units) {</a:t>
+            </a:r>
+          </a:p>
+          <a:p>
+            <a:pPr marL="0" indent="0">
+              <a:buNone/>
+            </a:pPr>
+            <a:r>
+              <a:rPr lang="bg-BG" dirty="0">
+                <a:solidFill>
+                  <a:schemeClr val="accent1"/>
+                </a:solidFill>
+              </a:rPr>
+              <a:t>	</a:t>
+            </a:r>
+            <a:r>
+              <a:rPr lang="en-US" dirty="0">
+                <a:solidFill>
+                  <a:schemeClr val="accent1"/>
+                </a:solidFill>
+              </a:rPr>
+              <a:t>$this-&gt;</a:t>
+            </a:r>
+            <a:r>
+              <a:rPr lang="en-GB" dirty="0" err="1">
+                <a:solidFill>
+                  <a:schemeClr val="accent1"/>
+                </a:solidFill>
+              </a:rPr>
+              <a:t>diagonalLength</a:t>
+            </a:r>
+            <a:r>
+              <a:rPr lang="en-GB" dirty="0">
+                <a:solidFill>
+                  <a:schemeClr val="accent1"/>
+                </a:solidFill>
+              </a:rPr>
+              <a:t> = $</a:t>
+            </a:r>
+            <a:r>
+              <a:rPr lang="en-GB" dirty="0" err="1">
+                <a:solidFill>
+                  <a:schemeClr val="accent1"/>
+                </a:solidFill>
+              </a:rPr>
+              <a:t>diagonalLength</a:t>
+            </a:r>
+            <a:r>
+              <a:rPr lang="en-GB" dirty="0">
+                <a:solidFill>
+                  <a:schemeClr val="accent1"/>
+                </a:solidFill>
+              </a:rPr>
+              <a:t>;</a:t>
+            </a:r>
+          </a:p>
+          <a:p>
+            <a:pPr marL="0" indent="0">
+              <a:buNone/>
+            </a:pPr>
+            <a:r>
+              <a:rPr lang="bg-BG" dirty="0">
+                <a:solidFill>
+                  <a:schemeClr val="accent1"/>
+                </a:solidFill>
+              </a:rPr>
+              <a:t>	</a:t>
+            </a:r>
+            <a:r>
+              <a:rPr lang="en-US" dirty="0">
+                <a:solidFill>
+                  <a:schemeClr val="accent1"/>
+                </a:solidFill>
+              </a:rPr>
+              <a:t>$this-</a:t>
+            </a:r>
+            <a:r>
+              <a:rPr lang="en-US" dirty="0" smtClean="0">
+                <a:solidFill>
+                  <a:schemeClr val="accent1"/>
+                </a:solidFill>
+              </a:rPr>
+              <a:t>&gt;</a:t>
+            </a:r>
+            <a:r>
+              <a:rPr lang="en-GB" dirty="0" smtClean="0">
+                <a:solidFill>
+                  <a:schemeClr val="accent1"/>
+                </a:solidFill>
+              </a:rPr>
+              <a:t>units = $units;</a:t>
+            </a:r>
+          </a:p>
+          <a:p>
+            <a:pPr marL="0" indent="0">
+              <a:buNone/>
+            </a:pPr>
+            <a:r>
+              <a:rPr lang="en-GB" dirty="0" smtClean="0">
+                <a:solidFill>
+                  <a:schemeClr val="accent1"/>
+                </a:solidFill>
+              </a:rPr>
+              <a:t>    }</a:t>
+            </a:r>
+            <a:endParaRPr lang="en-US" dirty="0" smtClean="0"/>
+          </a:p>
+          <a:p>
+            <a:pPr marL="0" indent="0">
+              <a:buNone/>
+            </a:pPr>
+            <a:r>
+              <a:rPr lang="en-GB" dirty="0" smtClean="0"/>
+              <a:t>}</a:t>
+            </a:r>
+          </a:p>
+          <a:p>
+            <a:pPr marL="0" indent="0">
+              <a:buNone/>
+            </a:pPr>
+            <a:r>
+              <a:rPr lang="en-US" dirty="0"/>
+              <a:t>print "&lt;</a:t>
+            </a:r>
+            <a:r>
+              <a:rPr lang="en-US" dirty="0" err="1"/>
+              <a:t>br</a:t>
+            </a:r>
+            <a:r>
+              <a:rPr lang="en-US" dirty="0"/>
+              <a:t>/&gt;2 cm to inches are ".Monitor::</a:t>
+            </a:r>
+            <a:r>
+              <a:rPr lang="en-US" dirty="0" err="1"/>
+              <a:t>convertInchesToCm</a:t>
+            </a:r>
+            <a:r>
+              <a:rPr lang="en-US" dirty="0"/>
+              <a:t>(2) . "cm";</a:t>
+            </a:r>
+            <a:endParaRPr lang="en-US" dirty="0" smtClean="0"/>
+          </a:p>
+        </p:txBody>
+      </p:sp>
+    </p:spTree>
+    <p:extLst>
+      <p:ext uri="{BB962C8B-B14F-4D97-AF65-F5344CB8AC3E}">
+        <p14:creationId xmlns:p14="http://schemas.microsoft.com/office/powerpoint/2010/main" val="1523536077"/>
+      </p:ext>
+    </p:extLst>
+  </p:cSld>
+  <p:clrMapOvr>
+    <a:masterClrMapping/>
+  </p:clrMapOvr>
+  <p:timing>
+    <p:tnLst>
+      <p:par>
+        <p:cTn id="1" dur="indefinite" restart="never" nodeType="tmRoot"/>
+      </p:par>
+    </p:tnLst>
+  </p:timing>
+</p:sld>
+</file>
+
+<file path=ppt/slides/slide43.xml><?xml version="1.0" encoding="utf-8"?>
+<p:sld xmlns:a="http://schemas.openxmlformats.org/drawingml/2006/main" xmlns:r="http://schemas.openxmlformats.org/officeDocument/2006/relationships" xmlns:p="http://schemas.openxmlformats.org/presentationml/2006/main">
+  <p:cSld>
+    <p:spTree>
+      <p:nvGrpSpPr>
+        <p:cNvPr id="1" name=""/>
+        <p:cNvGrpSpPr/>
+        <p:nvPr/>
+      </p:nvGrpSpPr>
+      <p:grpSpPr>
+        <a:xfrm>
+          <a:off x="0" y="0"/>
+          <a:ext cx="0" cy="0"/>
+          <a:chOff x="0" y="0"/>
+          <a:chExt cx="0" cy="0"/>
+        </a:xfrm>
+      </p:grpSpPr>
+      <p:sp>
+        <p:nvSpPr>
+          <p:cNvPr id="2" name="Title 1"/>
+          <p:cNvSpPr>
+            <a:spLocks noGrp="1"/>
+          </p:cNvSpPr>
+          <p:nvPr>
+            <p:ph type="title"/>
+          </p:nvPr>
+        </p:nvSpPr>
+        <p:spPr/>
+        <p:txBody>
+          <a:bodyPr/>
+          <a:lstStyle/>
+          <a:p>
+            <a:r>
+              <a:rPr lang="en-GB" dirty="0" smtClean="0"/>
+              <a:t>Extending objects</a:t>
+            </a:r>
+            <a:endParaRPr lang="en-US" dirty="0"/>
+          </a:p>
+        </p:txBody>
+      </p:sp>
+      <p:sp>
+        <p:nvSpPr>
+          <p:cNvPr id="3" name="Content Placeholder 2"/>
+          <p:cNvSpPr>
+            <a:spLocks noGrp="1"/>
+          </p:cNvSpPr>
+          <p:nvPr>
+            <p:ph idx="1"/>
+          </p:nvPr>
+        </p:nvSpPr>
+        <p:spPr/>
+        <p:txBody>
+          <a:bodyPr>
+            <a:normAutofit/>
+          </a:bodyPr>
+          <a:lstStyle/>
+          <a:p>
+            <a:r>
+              <a:rPr lang="en-GB" dirty="0" smtClean="0"/>
+              <a:t>You inherit the parent class properties, methods</a:t>
+            </a:r>
+            <a:endParaRPr lang="en-US" dirty="0" smtClean="0"/>
+          </a:p>
+        </p:txBody>
+      </p:sp>
+    </p:spTree>
+    <p:extLst>
+      <p:ext uri="{BB962C8B-B14F-4D97-AF65-F5344CB8AC3E}">
+        <p14:creationId xmlns:p14="http://schemas.microsoft.com/office/powerpoint/2010/main" val="892881589"/>
+      </p:ext>
+    </p:extLst>
+  </p:cSld>
+  <p:clrMapOvr>
+    <a:masterClrMapping/>
+  </p:clrMapOvr>
+  <p:timing>
+    <p:tnLst>
+      <p:par>
+        <p:cTn id="1" dur="indefinite" restart="never" nodeType="tmRoot"/>
+      </p:par>
+    </p:tnLst>
+  </p:timing>
+</p:sld>
+</file>
+
+<file path=ppt/slides/slide44.xml><?xml version="1.0" encoding="utf-8"?>
+<p:sld xmlns:a="http://schemas.openxmlformats.org/drawingml/2006/main" xmlns:r="http://schemas.openxmlformats.org/officeDocument/2006/relationships" xmlns:p="http://schemas.openxmlformats.org/presentationml/2006/main">
+  <p:cSld>
+    <p:spTree>
+      <p:nvGrpSpPr>
+        <p:cNvPr id="1" name=""/>
+        <p:cNvGrpSpPr/>
+        <p:nvPr/>
+      </p:nvGrpSpPr>
+      <p:grpSpPr>
+        <a:xfrm>
+          <a:off x="0" y="0"/>
+          <a:ext cx="0" cy="0"/>
+          <a:chOff x="0" y="0"/>
+          <a:chExt cx="0" cy="0"/>
+        </a:xfrm>
+      </p:grpSpPr>
+      <p:sp>
+        <p:nvSpPr>
+          <p:cNvPr id="2" name="Title 1"/>
+          <p:cNvSpPr>
+            <a:spLocks noGrp="1"/>
+          </p:cNvSpPr>
+          <p:nvPr>
+            <p:ph type="title"/>
+          </p:nvPr>
+        </p:nvSpPr>
+        <p:spPr/>
+        <p:txBody>
+          <a:bodyPr/>
+          <a:lstStyle/>
+          <a:p>
+            <a:r>
+              <a:rPr lang="en-GB" dirty="0" smtClean="0"/>
+              <a:t>Extending objects</a:t>
+            </a:r>
+            <a:endParaRPr lang="en-US" dirty="0"/>
+          </a:p>
+        </p:txBody>
+      </p:sp>
+      <p:sp>
+        <p:nvSpPr>
+          <p:cNvPr id="3" name="Content Placeholder 2"/>
+          <p:cNvSpPr>
+            <a:spLocks noGrp="1"/>
+          </p:cNvSpPr>
+          <p:nvPr>
+            <p:ph idx="1"/>
+          </p:nvPr>
+        </p:nvSpPr>
+        <p:spPr/>
+        <p:txBody>
+          <a:bodyPr>
+            <a:normAutofit fontScale="92500" lnSpcReduction="20000"/>
+          </a:bodyPr>
+          <a:lstStyle/>
+          <a:p>
+            <a:pPr marL="0" indent="0">
+              <a:buNone/>
+            </a:pPr>
+            <a:r>
+              <a:rPr lang="en-GB" dirty="0"/>
+              <a:t>class </a:t>
+            </a:r>
+            <a:r>
+              <a:rPr lang="en-GB" dirty="0" err="1"/>
+              <a:t>ElectricalAppliance</a:t>
+            </a:r>
+            <a:endParaRPr lang="en-GB" dirty="0"/>
+          </a:p>
+          <a:p>
+            <a:pPr marL="0" indent="0">
+              <a:buNone/>
+            </a:pPr>
+            <a:r>
+              <a:rPr lang="en-GB" dirty="0"/>
+              <a:t>{</a:t>
+            </a:r>
+          </a:p>
+          <a:p>
+            <a:pPr marL="0" indent="0">
+              <a:buNone/>
+            </a:pPr>
+            <a:r>
+              <a:rPr lang="en-GB" dirty="0"/>
+              <a:t>    public $voltage = 0;</a:t>
+            </a:r>
+          </a:p>
+          <a:p>
+            <a:pPr marL="0" indent="0">
+              <a:buNone/>
+            </a:pPr>
+            <a:r>
+              <a:rPr lang="en-GB" dirty="0"/>
+              <a:t>    public function __construct($voltage)</a:t>
+            </a:r>
+          </a:p>
+          <a:p>
+            <a:pPr marL="0" indent="0">
+              <a:buNone/>
+            </a:pPr>
+            <a:r>
+              <a:rPr lang="en-GB" dirty="0"/>
+              <a:t>    {</a:t>
+            </a:r>
+          </a:p>
+          <a:p>
+            <a:pPr marL="0" indent="0">
+              <a:buNone/>
+            </a:pPr>
+            <a:r>
+              <a:rPr lang="en-GB" dirty="0"/>
+              <a:t>        $this-&gt;voltage = $voltage;</a:t>
+            </a:r>
+          </a:p>
+          <a:p>
+            <a:pPr marL="0" indent="0">
+              <a:buNone/>
+            </a:pPr>
+            <a:r>
+              <a:rPr lang="en-GB" dirty="0"/>
+              <a:t>    </a:t>
+            </a:r>
+            <a:r>
+              <a:rPr lang="en-GB" dirty="0" smtClean="0"/>
+              <a:t>}</a:t>
+            </a:r>
+            <a:endParaRPr lang="en-GB" dirty="0"/>
+          </a:p>
+          <a:p>
+            <a:pPr marL="0" indent="0">
+              <a:buNone/>
+            </a:pPr>
+            <a:r>
+              <a:rPr lang="en-GB" dirty="0" smtClean="0"/>
+              <a:t>}</a:t>
+            </a:r>
+          </a:p>
+          <a:p>
+            <a:pPr marL="0" indent="0">
+              <a:buNone/>
+            </a:pPr>
+            <a:r>
+              <a:rPr lang="en-GB" dirty="0" smtClean="0"/>
+              <a:t>//Now the new class fax will have a $voltage property and a required constructor</a:t>
+            </a:r>
+            <a:endParaRPr lang="en-GB" dirty="0"/>
+          </a:p>
+          <a:p>
+            <a:pPr marL="0" indent="0">
+              <a:buNone/>
+            </a:pPr>
+            <a:r>
+              <a:rPr lang="en-GB" dirty="0"/>
+              <a:t>class Fax extends  </a:t>
+            </a:r>
+            <a:r>
+              <a:rPr lang="en-GB" dirty="0" err="1"/>
+              <a:t>ElectricalAppliance</a:t>
+            </a:r>
+            <a:endParaRPr lang="en-US" dirty="0" smtClean="0"/>
+          </a:p>
+        </p:txBody>
+      </p:sp>
+    </p:spTree>
+    <p:extLst>
+      <p:ext uri="{BB962C8B-B14F-4D97-AF65-F5344CB8AC3E}">
+        <p14:creationId xmlns:p14="http://schemas.microsoft.com/office/powerpoint/2010/main" val="285654217"/>
+      </p:ext>
+    </p:extLst>
+  </p:cSld>
+  <p:clrMapOvr>
+    <a:masterClrMapping/>
+  </p:clrMapOvr>
+  <p:timing>
+    <p:tnLst>
+      <p:par>
+        <p:cTn id="1" dur="indefinite" restart="never" nodeType="tmRoot"/>
+      </p:par>
+    </p:tnLst>
+  </p:timing>
+</p:sld>
+</file>
+
+<file path=ppt/slides/slide45.xml><?xml version="1.0" encoding="utf-8"?>
+<p:sld xmlns:a="http://schemas.openxmlformats.org/drawingml/2006/main" xmlns:r="http://schemas.openxmlformats.org/officeDocument/2006/relationships" xmlns:p="http://schemas.openxmlformats.org/presentationml/2006/main">
+  <p:cSld>
+    <p:spTree>
+      <p:nvGrpSpPr>
+        <p:cNvPr id="1" name=""/>
+        <p:cNvGrpSpPr/>
+        <p:nvPr/>
+      </p:nvGrpSpPr>
+      <p:grpSpPr>
+        <a:xfrm>
+          <a:off x="0" y="0"/>
+          <a:ext cx="0" cy="0"/>
+          <a:chOff x="0" y="0"/>
+          <a:chExt cx="0" cy="0"/>
+        </a:xfrm>
+      </p:grpSpPr>
+      <p:sp>
+        <p:nvSpPr>
+          <p:cNvPr id="2" name="Title 1"/>
+          <p:cNvSpPr>
+            <a:spLocks noGrp="1"/>
+          </p:cNvSpPr>
+          <p:nvPr>
+            <p:ph type="title"/>
+          </p:nvPr>
+        </p:nvSpPr>
+        <p:spPr/>
+        <p:txBody>
+          <a:bodyPr/>
+          <a:lstStyle/>
+          <a:p>
+            <a:r>
+              <a:rPr lang="en-GB" dirty="0" smtClean="0"/>
+              <a:t>Calling constructors of the parent class</a:t>
+            </a:r>
+            <a:endParaRPr lang="en-US" dirty="0"/>
+          </a:p>
+        </p:txBody>
+      </p:sp>
+      <p:sp>
+        <p:nvSpPr>
+          <p:cNvPr id="3" name="Content Placeholder 2"/>
+          <p:cNvSpPr>
+            <a:spLocks noGrp="1"/>
+          </p:cNvSpPr>
+          <p:nvPr>
+            <p:ph idx="1"/>
+          </p:nvPr>
+        </p:nvSpPr>
+        <p:spPr/>
+        <p:txBody>
+          <a:bodyPr>
+            <a:normAutofit/>
+          </a:bodyPr>
+          <a:lstStyle/>
+          <a:p>
+            <a:pPr marL="0" indent="0">
+              <a:buNone/>
+            </a:pPr>
+            <a:r>
+              <a:rPr lang="en-GB" dirty="0" smtClean="0"/>
+              <a:t>class </a:t>
+            </a:r>
+            <a:r>
+              <a:rPr lang="en-GB" dirty="0"/>
+              <a:t>Fax extends  </a:t>
+            </a:r>
+            <a:r>
+              <a:rPr lang="en-GB" dirty="0" err="1" smtClean="0"/>
+              <a:t>ElectricalAppliance</a:t>
+            </a:r>
+            <a:r>
+              <a:rPr lang="en-GB" dirty="0" smtClean="0"/>
+              <a:t> {</a:t>
+            </a:r>
+          </a:p>
+          <a:p>
+            <a:pPr marL="0" indent="0">
+              <a:buNone/>
+            </a:pPr>
+            <a:r>
+              <a:rPr lang="en-US" dirty="0"/>
+              <a:t> </a:t>
+            </a:r>
+            <a:r>
+              <a:rPr lang="en-US" dirty="0" smtClean="0"/>
+              <a:t>   public </a:t>
+            </a:r>
+            <a:r>
+              <a:rPr lang="en-US" dirty="0"/>
+              <a:t>function __construct($voltage)</a:t>
+            </a:r>
+          </a:p>
+          <a:p>
+            <a:pPr marL="0" indent="0">
+              <a:buNone/>
+            </a:pPr>
+            <a:r>
+              <a:rPr lang="en-US" dirty="0"/>
+              <a:t>    {</a:t>
+            </a:r>
+          </a:p>
+          <a:p>
+            <a:pPr marL="0" indent="0">
+              <a:buNone/>
+            </a:pPr>
+            <a:r>
+              <a:rPr lang="en-US" dirty="0"/>
+              <a:t>        </a:t>
+            </a:r>
+            <a:r>
+              <a:rPr lang="en-US" dirty="0">
+                <a:solidFill>
+                  <a:schemeClr val="accent1"/>
+                </a:solidFill>
+              </a:rPr>
+              <a:t>parent</a:t>
+            </a:r>
+            <a:r>
+              <a:rPr lang="en-US" dirty="0"/>
+              <a:t>::__construct($voltage);</a:t>
+            </a:r>
+          </a:p>
+          <a:p>
+            <a:pPr marL="0" indent="0">
+              <a:buNone/>
+            </a:pPr>
+            <a:r>
+              <a:rPr lang="en-US" dirty="0"/>
+              <a:t>    }</a:t>
+            </a:r>
+            <a:endParaRPr lang="en-US" dirty="0" smtClean="0"/>
+          </a:p>
+        </p:txBody>
+      </p:sp>
+    </p:spTree>
+    <p:extLst>
+      <p:ext uri="{BB962C8B-B14F-4D97-AF65-F5344CB8AC3E}">
+        <p14:creationId xmlns:p14="http://schemas.microsoft.com/office/powerpoint/2010/main" val="2735927126"/>
+      </p:ext>
+    </p:extLst>
+  </p:cSld>
+  <p:clrMapOvr>
+    <a:masterClrMapping/>
+  </p:clrMapOvr>
+  <p:timing>
+    <p:tnLst>
+      <p:par>
+        <p:cTn id="1" dur="indefinite" restart="never" nodeType="tmRoot"/>
+      </p:par>
+    </p:tnLst>
+  </p:timing>
+</p:sld>
+</file>
+
 <file path=ppt/slides/slide5.xml><?xml version="1.0" encoding="utf-8"?>
 <p:sld xmlns:a="http://schemas.openxmlformats.org/drawingml/2006/main" xmlns:r="http://schemas.openxmlformats.org/officeDocument/2006/relationships" xmlns:p="http://schemas.openxmlformats.org/presentationml/2006/main">
   <p:cSld>
@@ -4400,6 +10140,42 @@
               <a:rPr lang="en-US" dirty="0" smtClean="0"/>
               <a:t>Integrated bash and visual IDE</a:t>
             </a:r>
+            <a:endParaRPr lang="bg-BG" dirty="0" smtClean="0"/>
+          </a:p>
+          <a:p>
+            <a:r>
+              <a:rPr lang="en-GB" dirty="0" smtClean="0"/>
+              <a:t>Installing </a:t>
+            </a:r>
+          </a:p>
+          <a:p>
+            <a:pPr lvl="1"/>
+            <a:r>
+              <a:rPr lang="en-GB" dirty="0" smtClean="0"/>
+              <a:t>Use SSH (you don’t need to authenticate every time)</a:t>
+            </a:r>
+          </a:p>
+          <a:p>
+            <a:pPr lvl="1"/>
+            <a:r>
+              <a:rPr lang="en-GB" dirty="0" smtClean="0"/>
+              <a:t>Use Git Bash (this is a command prompt to execute git commands)</a:t>
+            </a:r>
+          </a:p>
+          <a:p>
+            <a:pPr lvl="1"/>
+            <a:r>
+              <a:rPr lang="en-GB" dirty="0" smtClean="0"/>
+              <a:t>Use Kdiff3 – a great tool for </a:t>
+            </a:r>
+            <a:r>
+              <a:rPr lang="en-GB" smtClean="0"/>
+              <a:t>merging conflicts</a:t>
+            </a:r>
+          </a:p>
+          <a:p>
+            <a:pPr lvl="1"/>
+            <a:endParaRPr lang="en-US" dirty="0" smtClean="0"/>
           </a:p>
           <a:p>
             <a:pPr marL="457200" lvl="1" indent="0">
@@ -4501,15 +10277,89 @@
             <a:pPr lvl="1"/>
             <a:r>
               <a:rPr lang="en-US" dirty="0" smtClean="0"/>
-              <a:t>Generating an SSH Key</a:t>
-            </a:r>
-            <a:endParaRPr lang="bg-BG" dirty="0"/>
+              <a:t>Generating an SSH </a:t>
+            </a:r>
+            <a:r>
+              <a:rPr lang="en-US" dirty="0" smtClean="0"/>
+              <a:t>Key</a:t>
+            </a:r>
+          </a:p>
+          <a:p>
+            <a:pPr lvl="2"/>
+            <a:r>
+              <a:rPr lang="en-US" dirty="0" smtClean="0"/>
+              <a:t>You can even use an online tool such as</a:t>
+            </a:r>
+          </a:p>
+          <a:p>
+            <a:pPr lvl="2"/>
+            <a:r>
+              <a:rPr lang="en-US" dirty="0"/>
+              <a:t>Save your </a:t>
+            </a:r>
+            <a:r>
+              <a:rPr lang="en-US" dirty="0" smtClean="0"/>
+              <a:t>private key </a:t>
+            </a:r>
+            <a:r>
+              <a:rPr lang="en-US" dirty="0"/>
+              <a:t>as </a:t>
+            </a:r>
+            <a:r>
+              <a:rPr lang="en-US" dirty="0" err="1"/>
+              <a:t>id_rsa</a:t>
+            </a:r>
+            <a:r>
+              <a:rPr lang="en-US" dirty="0"/>
+              <a:t> in your %User%/.</a:t>
+            </a:r>
+            <a:r>
+              <a:rPr lang="en-US" dirty="0" err="1" smtClean="0"/>
+              <a:t>ssh</a:t>
+            </a:r>
+            <a:r>
+              <a:rPr lang="en-US" dirty="0" smtClean="0"/>
+              <a:t> folder</a:t>
+            </a:r>
+          </a:p>
+          <a:p>
+            <a:pPr lvl="2"/>
+            <a:r>
+              <a:rPr lang="en-US" dirty="0"/>
+              <a:t>Save your </a:t>
+            </a:r>
+            <a:r>
+              <a:rPr lang="en-US" dirty="0" smtClean="0"/>
+              <a:t>public key </a:t>
+            </a:r>
+            <a:r>
+              <a:rPr lang="en-US" dirty="0"/>
+              <a:t>as </a:t>
+            </a:r>
+            <a:r>
+              <a:rPr lang="en-US" dirty="0" smtClean="0"/>
+              <a:t>id_rsa.pub </a:t>
+            </a:r>
+            <a:r>
+              <a:rPr lang="en-US" dirty="0"/>
+              <a:t>in your %User%/.</a:t>
+            </a:r>
+            <a:r>
+              <a:rPr lang="en-US" dirty="0" err="1" smtClean="0"/>
+              <a:t>ssh</a:t>
+            </a:r>
+            <a:r>
+              <a:rPr lang="en-US" dirty="0" smtClean="0"/>
+              <a:t> folder</a:t>
+            </a:r>
+            <a:endParaRPr lang="en-GB" dirty="0" smtClean="0"/>
           </a:p>
           <a:p>
             <a:r>
               <a:rPr lang="en-GB" dirty="0" smtClean="0"/>
               <a:t>GitHub</a:t>
             </a:r>
+            <a:endParaRPr lang="en-GB" dirty="0" smtClean="0"/>
           </a:p>
           <a:p>
             <a:pPr lvl="1"/>
@@ -4633,6 +10483,13 @@
             <a:pPr lvl="1"/>
             <a:r>
               <a:rPr lang="en-US" dirty="0" smtClean="0"/>
+              <a:t>What is cloning?</a:t>
+            </a:r>
+          </a:p>
+          <a:p>
+            <a:pPr lvl="1"/>
+            <a:r>
+              <a:rPr lang="en-US" dirty="0" smtClean="0"/>
               <a:t>What is commit?</a:t>
             </a:r>
           </a:p>
@@ -4757,52 +10614,18 @@
             <a:pPr lvl="1"/>
             <a:r>
               <a:rPr lang="en-US" dirty="0" smtClean="0"/>
-              <a:t>The secret behind XDEBUG</a:t>
-            </a:r>
-          </a:p>
-          <a:p>
-            <a:r>
-              <a:rPr lang="en-US" dirty="0" smtClean="0"/>
-              <a:t>Creating your first project</a:t>
-            </a:r>
-          </a:p>
-          <a:p>
-            <a:pPr lvl="1"/>
-            <a:r>
-              <a:rPr lang="en-US" dirty="0" smtClean="0"/>
-              <a:t>Make sure you are pointing to the correct </a:t>
-            </a:r>
-            <a:r>
-              <a:rPr lang="en-US" dirty="0" err="1" smtClean="0"/>
-              <a:t>php</a:t>
-            </a:r>
-            <a:r>
-              <a:rPr lang="en-US" dirty="0" smtClean="0"/>
-              <a:t> executable</a:t>
-            </a:r>
-          </a:p>
-          <a:p>
-            <a:pPr lvl="1"/>
-            <a:r>
-              <a:rPr lang="en-US" dirty="0" smtClean="0"/>
-              <a:t>Configure your </a:t>
-            </a:r>
-            <a:r>
-              <a:rPr lang="en-US" dirty="0" err="1" smtClean="0"/>
-              <a:t>php</a:t>
-            </a:r>
-            <a:r>
-              <a:rPr lang="en-US" dirty="0" smtClean="0"/>
-              <a:t> </a:t>
-            </a:r>
-            <a:r>
-              <a:rPr lang="en-US" smtClean="0"/>
-              <a:t>application debugging</a:t>
+              <a:t>The secret behind </a:t>
+            </a:r>
+            <a:r>
+              <a:rPr lang="en-US" dirty="0" smtClean="0"/>
+              <a:t>XDEBUG – outputs debug information to a certain TCP port. This way a visual IDE can connect and stop at breakpoints, understand what variable values are, etc.</a:t>
             </a:r>
             <a:endParaRPr lang="en-US" dirty="0" smtClean="0"/>
           </a:p>
           <a:p>
-            <a:pPr lvl="1"/>
+            <a:pPr marL="457200" lvl="1" indent="0">
+              <a:buNone/>
+            </a:pPr>
             <a:endParaRPr lang="en-US" dirty="0" smtClean="0"/>
           </a:p>
           <a:p>
@@ -4871,7 +10694,7 @@
           <a:p>
             <a:r>
               <a:rPr lang="en-US" dirty="0" smtClean="0"/>
-              <a:t>Warming up with PHP</a:t>
+              <a:t>Configuring our development environment	</a:t>
             </a:r>
             <a:endParaRPr lang="en-US" dirty="0"/>
           </a:p>
@@ -4894,45 +10717,38 @@
           <a:p>
             <a:r>
               <a:rPr lang="en-US" dirty="0" smtClean="0"/>
-              <a:t>A regular page lifecycle</a:t>
-            </a:r>
-          </a:p>
-          <a:p>
-            <a:r>
-              <a:rPr lang="en-US" dirty="0" smtClean="0"/>
-              <a:t>Configuring apache for </a:t>
+              <a:t>Creating </a:t>
+            </a:r>
+            <a:r>
+              <a:rPr lang="en-US" dirty="0" smtClean="0"/>
+              <a:t>your first project</a:t>
+            </a:r>
+          </a:p>
+          <a:p>
+            <a:pPr lvl="1"/>
+            <a:r>
+              <a:rPr lang="en-US" dirty="0" smtClean="0"/>
+              <a:t>Make sure you are pointing to the correct </a:t>
             </a:r>
             <a:r>
               <a:rPr lang="en-US" dirty="0" err="1" smtClean="0"/>
               <a:t>php</a:t>
             </a:r>
+            <a:r>
+              <a:rPr lang="en-US" dirty="0" smtClean="0"/>
+              <a:t> </a:t>
+            </a:r>
+            <a:r>
+              <a:rPr lang="en-US" dirty="0" smtClean="0"/>
+              <a:t>executable</a:t>
+            </a:r>
             <a:endParaRPr lang="en-US" dirty="0" smtClean="0"/>
           </a:p>
           <a:p>
             <a:pPr lvl="1"/>
             <a:r>
-              <a:rPr lang="en-US" dirty="0" err="1" smtClean="0"/>
-              <a:t>Httpd.conf</a:t>
-            </a:r>
-            <a:endParaRPr lang="en-US" dirty="0" smtClean="0"/>
-          </a:p>
-          <a:p>
-            <a:pPr lvl="1"/>
-            <a:r>
-              <a:rPr lang="en-US" dirty="0" err="1" smtClean="0"/>
-              <a:t>AddType</a:t>
-            </a:r>
-            <a:r>
-              <a:rPr lang="en-US" dirty="0" smtClean="0"/>
-              <a:t> application/x-</a:t>
-            </a:r>
-            <a:r>
-              <a:rPr lang="en-US" dirty="0" err="1" smtClean="0"/>
-              <a:t>httpd</a:t>
-            </a:r>
-            <a:r>
-              <a:rPr lang="en-US" dirty="0" smtClean="0"/>
-              <a:t>-</a:t>
+              <a:rPr lang="en-US" dirty="0" smtClean="0"/>
+              <a:t>Configure your </a:t>
             </a:r>
             <a:r>
               <a:rPr lang="en-US" dirty="0" err="1" smtClean="0"/>
@@ -4940,34 +10756,51 @@
             </a:r>
             <a:r>
               <a:rPr lang="en-US" dirty="0" smtClean="0"/>
-              <a:t> .</a:t>
+              <a:t> application </a:t>
+            </a:r>
+            <a:r>
+              <a:rPr lang="en-US" dirty="0" smtClean="0"/>
+              <a:t>debugging</a:t>
+            </a:r>
+          </a:p>
+          <a:p>
+            <a:pPr lvl="2"/>
+            <a:r>
+              <a:rPr lang="en-US" dirty="0" smtClean="0"/>
+              <a:t>Run-&gt;Edit configuration-&gt; Add (+) -&gt; PHP Web Application -&gt; </a:t>
+            </a:r>
+          </a:p>
+          <a:p>
+            <a:pPr lvl="3"/>
+            <a:r>
+              <a:rPr lang="en-US" dirty="0" smtClean="0"/>
+              <a:t>Start </a:t>
             </a:r>
             <a:r>
               <a:rPr lang="en-US" dirty="0" err="1" smtClean="0"/>
-              <a:t>php</a:t>
-            </a:r>
+              <a:t>url</a:t>
+            </a:r>
+            <a:r>
+              <a:rPr lang="en-US" dirty="0" smtClean="0"/>
+              <a:t> points to your XAMPP folder or address of the first file that should be executed</a:t>
+            </a:r>
+          </a:p>
+          <a:p>
+            <a:pPr lvl="3"/>
+            <a:r>
+              <a:rPr lang="en-US" dirty="0" smtClean="0"/>
+              <a:t>Add a server</a:t>
+            </a:r>
+          </a:p>
+          <a:p>
+            <a:pPr marL="0" indent="0">
+              <a:buNone/>
+            </a:pPr>
             <a:endParaRPr lang="en-US" dirty="0" smtClean="0"/>
           </a:p>
           <a:p>
-            <a:pPr lvl="1"/>
-            <a:r>
-              <a:rPr lang="en-US" dirty="0" smtClean="0"/>
-              <a:t>http://www.tutorialspoint.com/php/php_apache_configuration.htm</a:t>
-            </a:r>
-          </a:p>
-          <a:p>
-            <a:r>
-              <a:rPr lang="en-US" dirty="0" smtClean="0"/>
-              <a:t>A </a:t>
-            </a:r>
-            <a:r>
-              <a:rPr lang="en-US" dirty="0" err="1" smtClean="0"/>
-              <a:t>php</a:t>
-            </a:r>
-            <a:r>
-              <a:rPr lang="en-US" dirty="0" smtClean="0"/>
-              <a:t> page lifecycle</a:t>
-            </a:r>
+            <a:pPr lvl="2"/>
+            <a:endParaRPr lang="en-US" dirty="0" smtClean="0"/>
           </a:p>
           <a:p>
             <a:pPr lvl="1"/>
@@ -4985,10 +10818,34 @@
           </a:p>
         </p:txBody>
       </p:sp>
+      <p:pic>
+        <p:nvPicPr>
+          <p:cNvPr id="4" name="Picture 3"/>
+          <p:cNvPicPr>
+            <a:picLocks noChangeAspect="1"/>
+          </p:cNvPicPr>
+          <p:nvPr/>
+        </p:nvPicPr>
+        <p:blipFill>
+          <a:blip r:embed="rId2"/>
+          <a:stretch>
+            <a:fillRect/>
+          </a:stretch>
+        </p:blipFill>
+        <p:spPr>
+          <a:xfrm>
+            <a:off x="1482258" y="4348162"/>
+            <a:ext cx="8347542" cy="1403569"/>
+          </a:xfrm>
+          <a:prstGeom prst="rect">
+            <a:avLst/>
+          </a:prstGeom>
+        </p:spPr>
+      </p:pic>
     </p:spTree>
     <p:extLst>
       <p:ext uri="{BB962C8B-B14F-4D97-AF65-F5344CB8AC3E}">
-        <p14:creationId xmlns:p14="http://schemas.microsoft.com/office/powerpoint/2010/main" val="3212978284"/>
+        <p14:creationId xmlns:p14="http://schemas.microsoft.com/office/powerpoint/2010/main" val="3904179039"/>
       </p:ext>
     </p:extLst>
   </p:cSld>

--- a/Presentations/PHP Course.pptx
+++ b/Presentations/PHP Course.pptx
@@ -26,30 +26,33 @@
     <p:sldId id="269" r:id="rId20"/>
     <p:sldId id="270" r:id="rId21"/>
     <p:sldId id="272" r:id="rId22"/>
-    <p:sldId id="273" r:id="rId23"/>
-    <p:sldId id="274" r:id="rId24"/>
-    <p:sldId id="277" r:id="rId25"/>
-    <p:sldId id="278" r:id="rId26"/>
-    <p:sldId id="279" r:id="rId27"/>
-    <p:sldId id="280" r:id="rId28"/>
-    <p:sldId id="281" r:id="rId29"/>
-    <p:sldId id="282" r:id="rId30"/>
-    <p:sldId id="285" r:id="rId31"/>
-    <p:sldId id="283" r:id="rId32"/>
-    <p:sldId id="287" r:id="rId33"/>
-    <p:sldId id="286" r:id="rId34"/>
-    <p:sldId id="289" r:id="rId35"/>
-    <p:sldId id="290" r:id="rId36"/>
-    <p:sldId id="291" r:id="rId37"/>
-    <p:sldId id="292" r:id="rId38"/>
-    <p:sldId id="293" r:id="rId39"/>
-    <p:sldId id="294" r:id="rId40"/>
-    <p:sldId id="295" r:id="rId41"/>
-    <p:sldId id="296" r:id="rId42"/>
-    <p:sldId id="297" r:id="rId43"/>
-    <p:sldId id="298" r:id="rId44"/>
-    <p:sldId id="300" r:id="rId45"/>
-    <p:sldId id="299" r:id="rId46"/>
+    <p:sldId id="274" r:id="rId23"/>
+    <p:sldId id="277" r:id="rId24"/>
+    <p:sldId id="278" r:id="rId25"/>
+    <p:sldId id="279" r:id="rId26"/>
+    <p:sldId id="281" r:id="rId27"/>
+    <p:sldId id="282" r:id="rId28"/>
+    <p:sldId id="285" r:id="rId29"/>
+    <p:sldId id="283" r:id="rId30"/>
+    <p:sldId id="287" r:id="rId31"/>
+    <p:sldId id="286" r:id="rId32"/>
+    <p:sldId id="289" r:id="rId33"/>
+    <p:sldId id="290" r:id="rId34"/>
+    <p:sldId id="291" r:id="rId35"/>
+    <p:sldId id="292" r:id="rId36"/>
+    <p:sldId id="293" r:id="rId37"/>
+    <p:sldId id="294" r:id="rId38"/>
+    <p:sldId id="295" r:id="rId39"/>
+    <p:sldId id="296" r:id="rId40"/>
+    <p:sldId id="297" r:id="rId41"/>
+    <p:sldId id="298" r:id="rId42"/>
+    <p:sldId id="300" r:id="rId43"/>
+    <p:sldId id="299" r:id="rId44"/>
+    <p:sldId id="301" r:id="rId45"/>
+    <p:sldId id="302" r:id="rId46"/>
+    <p:sldId id="303" r:id="rId47"/>
+    <p:sldId id="304" r:id="rId48"/>
+    <p:sldId id="305" r:id="rId49"/>
   </p:sldIdLst>
   <p:sldSz cx="12192000" cy="6858000"/>
   <p:notesSz cx="6858000" cy="9144000"/>
@@ -287,7 +290,7 @@
           <a:p>
             <a:fld id="{87E75C15-95D9-4AF8-BD74-F89617975C0C}" type="datetimeFigureOut">
               <a:rPr lang="en-US" smtClean="0"/>
-              <a:t>8/3/2016</a:t>
+              <a:t>8/24/2016</a:t>
             </a:fld>
             <a:endParaRPr lang="en-US"/>
           </a:p>
@@ -457,7 +460,7 @@
           <a:p>
             <a:fld id="{87E75C15-95D9-4AF8-BD74-F89617975C0C}" type="datetimeFigureOut">
               <a:rPr lang="en-US" smtClean="0"/>
-              <a:t>8/3/2016</a:t>
+              <a:t>8/24/2016</a:t>
             </a:fld>
             <a:endParaRPr lang="en-US"/>
           </a:p>
@@ -637,7 +640,7 @@
           <a:p>
             <a:fld id="{87E75C15-95D9-4AF8-BD74-F89617975C0C}" type="datetimeFigureOut">
               <a:rPr lang="en-US" smtClean="0"/>
-              <a:t>8/3/2016</a:t>
+              <a:t>8/24/2016</a:t>
             </a:fld>
             <a:endParaRPr lang="en-US"/>
           </a:p>
@@ -807,7 +810,7 @@
           <a:p>
             <a:fld id="{87E75C15-95D9-4AF8-BD74-F89617975C0C}" type="datetimeFigureOut">
               <a:rPr lang="en-US" smtClean="0"/>
-              <a:t>8/3/2016</a:t>
+              <a:t>8/24/2016</a:t>
             </a:fld>
             <a:endParaRPr lang="en-US"/>
           </a:p>
@@ -1053,7 +1056,7 @@
           <a:p>
             <a:fld id="{87E75C15-95D9-4AF8-BD74-F89617975C0C}" type="datetimeFigureOut">
               <a:rPr lang="en-US" smtClean="0"/>
-              <a:t>8/3/2016</a:t>
+              <a:t>8/24/2016</a:t>
             </a:fld>
             <a:endParaRPr lang="en-US"/>
           </a:p>
@@ -1285,7 +1288,7 @@
           <a:p>
             <a:fld id="{87E75C15-95D9-4AF8-BD74-F89617975C0C}" type="datetimeFigureOut">
               <a:rPr lang="en-US" smtClean="0"/>
-              <a:t>8/3/2016</a:t>
+              <a:t>8/24/2016</a:t>
             </a:fld>
             <a:endParaRPr lang="en-US"/>
           </a:p>
@@ -1652,7 +1655,7 @@
           <a:p>
             <a:fld id="{87E75C15-95D9-4AF8-BD74-F89617975C0C}" type="datetimeFigureOut">
               <a:rPr lang="en-US" smtClean="0"/>
-              <a:t>8/3/2016</a:t>
+              <a:t>8/24/2016</a:t>
             </a:fld>
             <a:endParaRPr lang="en-US"/>
           </a:p>
@@ -1770,7 +1773,7 @@
           <a:p>
             <a:fld id="{87E75C15-95D9-4AF8-BD74-F89617975C0C}" type="datetimeFigureOut">
               <a:rPr lang="en-US" smtClean="0"/>
-              <a:t>8/3/2016</a:t>
+              <a:t>8/24/2016</a:t>
             </a:fld>
             <a:endParaRPr lang="en-US"/>
           </a:p>
@@ -1865,7 +1868,7 @@
           <a:p>
             <a:fld id="{87E75C15-95D9-4AF8-BD74-F89617975C0C}" type="datetimeFigureOut">
               <a:rPr lang="en-US" smtClean="0"/>
-              <a:t>8/3/2016</a:t>
+              <a:t>8/24/2016</a:t>
             </a:fld>
             <a:endParaRPr lang="en-US"/>
           </a:p>
@@ -2142,7 +2145,7 @@
           <a:p>
             <a:fld id="{87E75C15-95D9-4AF8-BD74-F89617975C0C}" type="datetimeFigureOut">
               <a:rPr lang="en-US" smtClean="0"/>
-              <a:t>8/3/2016</a:t>
+              <a:t>8/24/2016</a:t>
             </a:fld>
             <a:endParaRPr lang="en-US"/>
           </a:p>
@@ -2395,7 +2398,7 @@
           <a:p>
             <a:fld id="{87E75C15-95D9-4AF8-BD74-F89617975C0C}" type="datetimeFigureOut">
               <a:rPr lang="en-US" smtClean="0"/>
-              <a:t>8/3/2016</a:t>
+              <a:t>8/24/2016</a:t>
             </a:fld>
             <a:endParaRPr lang="en-US"/>
           </a:p>
@@ -2608,7 +2611,7 @@
           <a:p>
             <a:fld id="{87E75C15-95D9-4AF8-BD74-F89617975C0C}" type="datetimeFigureOut">
               <a:rPr lang="en-US" smtClean="0"/>
-              <a:t>8/3/2016</a:t>
+              <a:t>8/24/2016</a:t>
             </a:fld>
             <a:endParaRPr lang="en-US"/>
           </a:p>
@@ -3397,11 +3400,7 @@
           <a:p>
             <a:r>
               <a:rPr lang="en-US" dirty="0" smtClean="0"/>
-              <a:t>Warming up with </a:t>
-            </a:r>
-            <a:r>
-              <a:rPr lang="en-US" dirty="0" smtClean="0"/>
-              <a:t>PHP &amp; HTML</a:t>
+              <a:t>Warming up with PHP &amp; HTML</a:t>
             </a:r>
             <a:endParaRPr lang="en-US" dirty="0"/>
           </a:p>
@@ -3526,11 +3525,7 @@
           <a:p>
             <a:r>
               <a:rPr lang="en-US" dirty="0" smtClean="0"/>
-              <a:t>Warming up with </a:t>
-            </a:r>
-            <a:r>
-              <a:rPr lang="en-US" dirty="0" smtClean="0"/>
-              <a:t>PHP &amp; HTML</a:t>
+              <a:t>Warming up with PHP &amp; HTML</a:t>
             </a:r>
             <a:endParaRPr lang="en-US" dirty="0"/>
           </a:p>
@@ -3708,11 +3703,7 @@
           <a:p>
             <a:r>
               <a:rPr lang="en-US" dirty="0" smtClean="0"/>
-              <a:t>Warming up with </a:t>
-            </a:r>
-            <a:r>
-              <a:rPr lang="en-US" dirty="0" smtClean="0"/>
-              <a:t>PHP &amp; HTML</a:t>
+              <a:t>Warming up with PHP &amp; HTML</a:t>
             </a:r>
             <a:endParaRPr lang="en-US" dirty="0"/>
           </a:p>
@@ -3735,11 +3726,7 @@
           <a:p>
             <a:r>
               <a:rPr lang="en-US" dirty="0" smtClean="0"/>
-              <a:t>i</a:t>
-            </a:r>
-            <a:r>
-              <a:rPr lang="en-US" dirty="0" smtClean="0"/>
-              <a:t>nput</a:t>
+              <a:t>input</a:t>
             </a:r>
           </a:p>
           <a:p>
@@ -3852,11 +3839,7 @@
           <a:p>
             <a:r>
               <a:rPr lang="en-US" dirty="0" smtClean="0"/>
-              <a:t>Warming up with </a:t>
-            </a:r>
-            <a:r>
-              <a:rPr lang="en-US" dirty="0" smtClean="0"/>
-              <a:t>PHP &amp; HTML</a:t>
+              <a:t>Warming up with PHP &amp; HTML</a:t>
             </a:r>
             <a:endParaRPr lang="en-US" dirty="0"/>
           </a:p>
@@ -4301,10 +4284,15 @@
             <p:ph idx="1"/>
           </p:nvPr>
         </p:nvSpPr>
-        <p:spPr/>
+        <p:spPr>
+          <a:xfrm>
+            <a:off x="3365461" y="2871402"/>
+            <a:ext cx="5461079" cy="2259785"/>
+          </a:xfrm>
+        </p:spPr>
         <p:txBody>
           <a:bodyPr>
-            <a:normAutofit/>
+            <a:normAutofit fontScale="62500" lnSpcReduction="20000"/>
           </a:bodyPr>
           <a:lstStyle/>
           <a:p>
@@ -4369,7 +4357,7 @@
             </a:r>
             <a:r>
               <a:rPr lang="en-US" dirty="0" smtClean="0"/>
-              <a:t> </a:t>
+              <a:t>($string) </a:t>
             </a:r>
           </a:p>
           <a:p>
@@ -4952,7 +4940,7 @@
           <a:p>
             <a:r>
               <a:rPr lang="en-US" dirty="0" smtClean="0"/>
-              <a:t>Numbers</a:t>
+              <a:t>A word on variables</a:t>
             </a:r>
             <a:endParaRPr lang="en-US" dirty="0"/>
           </a:p>
@@ -4971,69 +4959,39 @@
         <p:spPr/>
         <p:txBody>
           <a:bodyPr>
-            <a:normAutofit lnSpcReduction="10000"/>
+            <a:normAutofit/>
           </a:bodyPr>
           <a:lstStyle/>
           <a:p>
             <a:r>
               <a:rPr lang="en-US" dirty="0" smtClean="0"/>
-              <a:t>Integers</a:t>
-            </a:r>
-          </a:p>
-          <a:p>
-            <a:r>
-              <a:rPr lang="en-US" dirty="0" smtClean="0"/>
-              <a:t>Floating point numbers</a:t>
-            </a:r>
-          </a:p>
-          <a:p>
-            <a:r>
-              <a:rPr lang="en-US" dirty="0" smtClean="0"/>
-              <a:t>Operators</a:t>
-            </a:r>
-          </a:p>
-          <a:p>
-            <a:pPr lvl="1"/>
-            <a:r>
-              <a:rPr lang="en-US" dirty="0" smtClean="0"/>
-              <a:t>+</a:t>
-            </a:r>
-          </a:p>
-          <a:p>
-            <a:pPr lvl="1"/>
-            <a:r>
-              <a:rPr lang="en-US" dirty="0" smtClean="0"/>
-              <a:t>-</a:t>
-            </a:r>
-          </a:p>
-          <a:p>
-            <a:pPr lvl="1"/>
-            <a:r>
-              <a:rPr lang="en-US" dirty="0" smtClean="0"/>
-              <a:t>/</a:t>
-            </a:r>
-          </a:p>
-          <a:p>
-            <a:pPr lvl="1"/>
-            <a:r>
-              <a:rPr lang="en-US" dirty="0" smtClean="0"/>
-              <a:t>%</a:t>
-            </a:r>
-          </a:p>
-          <a:p>
+              <a:t>PHP is loosely typed</a:t>
+            </a:r>
+          </a:p>
+          <a:p>
+            <a:r>
+              <a:rPr lang="en-US" dirty="0"/>
+              <a:t>Coding standards </a:t>
+            </a:r>
             <a:r>
               <a:rPr lang="en-US" dirty="0">
                 <a:hlinkClick r:id="rId2"/>
               </a:rPr>
-              <a:t>http://</a:t>
+              <a:t>https://</a:t>
             </a:r>
             <a:r>
               <a:rPr lang="en-US" dirty="0" smtClean="0">
                 <a:hlinkClick r:id="rId2"/>
               </a:rPr>
-              <a:t>php.net/manual/bg/language.operators.precedence.php</a:t>
+              <a:t>pear.php.net/manual/en/standards.php</a:t>
             </a:r>
             <a:endParaRPr lang="en-US" dirty="0" smtClean="0"/>
+          </a:p>
+          <a:p>
+            <a:r>
+              <a:rPr lang="en-US" dirty="0" smtClean="0"/>
+              <a:t>Outputting variables on a page</a:t>
+            </a:r>
           </a:p>
           <a:p>
             <a:endParaRPr lang="en-US" dirty="0" smtClean="0"/>
@@ -5058,7 +5016,7 @@
     </p:spTree>
     <p:extLst>
       <p:ext uri="{BB962C8B-B14F-4D97-AF65-F5344CB8AC3E}">
-        <p14:creationId xmlns:p14="http://schemas.microsoft.com/office/powerpoint/2010/main" val="222879472"/>
+        <p14:creationId xmlns:p14="http://schemas.microsoft.com/office/powerpoint/2010/main" val="971545542"/>
       </p:ext>
     </p:extLst>
   </p:cSld>
@@ -5108,10 +5066,9 @@
           <a:lstStyle/>
           <a:p>
             <a:r>
-              <a:rPr lang="en-US" dirty="0" smtClean="0"/>
-              <a:t>A word on variables</a:t>
-            </a:r>
-            <a:endParaRPr lang="en-US" dirty="0"/>
+              <a:rPr lang="en-US" dirty="0"/>
+              <a:t>Understanding logic</a:t>
+            </a:r>
           </a:p>
         </p:txBody>
       </p:sp>
@@ -5133,39 +5090,49 @@
           <a:lstStyle/>
           <a:p>
             <a:r>
-              <a:rPr lang="en-US" dirty="0" smtClean="0"/>
-              <a:t>PHP is loosely </a:t>
-            </a:r>
-            <a:r>
-              <a:rPr lang="en-US" dirty="0" smtClean="0"/>
-              <a:t>typed</a:t>
-            </a:r>
-          </a:p>
-          <a:p>
-            <a:r>
               <a:rPr lang="en-US" dirty="0"/>
-              <a:t>Coding standards </a:t>
-            </a:r>
-            <a:r>
-              <a:rPr lang="en-US" dirty="0">
-                <a:hlinkClick r:id="rId2"/>
-              </a:rPr>
-              <a:t>https://</a:t>
-            </a:r>
-            <a:r>
-              <a:rPr lang="en-US" dirty="0" smtClean="0">
-                <a:hlinkClick r:id="rId2"/>
-              </a:rPr>
-              <a:t>pear.php.net/manual/en/standards.php</a:t>
-            </a:r>
-            <a:endParaRPr lang="en-US" dirty="0" smtClean="0"/>
-          </a:p>
-          <a:p>
-            <a:r>
-              <a:rPr lang="en-US" dirty="0" smtClean="0"/>
-              <a:t>Outputting variables on a page</a:t>
-            </a:r>
-            <a:endParaRPr lang="en-US" dirty="0" smtClean="0"/>
+              <a:t>== and !=</a:t>
+            </a:r>
+          </a:p>
+          <a:p>
+            <a:r>
+              <a:rPr lang="en-US" dirty="0" smtClean="0"/>
+              <a:t>!</a:t>
+            </a:r>
+            <a:r>
+              <a:rPr lang="en-US" dirty="0"/>
+              <a:t>negating</a:t>
+            </a:r>
+          </a:p>
+          <a:p>
+            <a:r>
+              <a:rPr lang="en-US" dirty="0" smtClean="0"/>
+              <a:t>if</a:t>
+            </a:r>
+            <a:endParaRPr lang="en-US" dirty="0"/>
+          </a:p>
+          <a:p>
+            <a:r>
+              <a:rPr lang="en-US" dirty="0" smtClean="0"/>
+              <a:t>else</a:t>
+            </a:r>
+            <a:endParaRPr lang="en-US" dirty="0"/>
+          </a:p>
+          <a:p>
+            <a:r>
+              <a:rPr lang="en-US" dirty="0"/>
+              <a:t>e</a:t>
+            </a:r>
+            <a:r>
+              <a:rPr lang="en-US" dirty="0" smtClean="0"/>
+              <a:t>lse if</a:t>
+            </a:r>
+          </a:p>
+          <a:p>
+            <a:r>
+              <a:rPr lang="en-US" dirty="0" smtClean="0"/>
+              <a:t>switch</a:t>
+            </a:r>
           </a:p>
           <a:p>
             <a:endParaRPr lang="en-US" dirty="0" smtClean="0"/>
@@ -5190,7 +5157,7 @@
     </p:spTree>
     <p:extLst>
       <p:ext uri="{BB962C8B-B14F-4D97-AF65-F5344CB8AC3E}">
-        <p14:creationId xmlns:p14="http://schemas.microsoft.com/office/powerpoint/2010/main" val="971545542"/>
+        <p14:creationId xmlns:p14="http://schemas.microsoft.com/office/powerpoint/2010/main" val="1446681302"/>
       </p:ext>
     </p:extLst>
   </p:cSld>
@@ -5243,7 +5210,6 @@
               <a:rPr lang="en-US" dirty="0"/>
               <a:t>Understanding logic</a:t>
             </a:r>
-            <a:endParaRPr lang="en-US" dirty="0"/>
           </a:p>
         </p:txBody>
       </p:sp>
@@ -5272,41 +5238,34 @@
           <a:p>
             <a:r>
               <a:rPr lang="en-US" dirty="0" smtClean="0"/>
-              <a:t>!</a:t>
-            </a:r>
+              <a:t>!negating</a:t>
+            </a:r>
+          </a:p>
+          <a:p>
+            <a:r>
+              <a:rPr lang="en-US" dirty="0" smtClean="0"/>
+              <a:t>Conditional operators &amp;&amp;, ||</a:t>
+            </a:r>
+          </a:p>
+          <a:p>
             <a:r>
               <a:rPr lang="en-US" dirty="0"/>
-              <a:t>negating</a:t>
-            </a:r>
-          </a:p>
-          <a:p>
-            <a:r>
-              <a:rPr lang="en-US" dirty="0" smtClean="0"/>
-              <a:t>if</a:t>
-            </a:r>
-            <a:endParaRPr lang="en-US" dirty="0"/>
-          </a:p>
-          <a:p>
-            <a:r>
-              <a:rPr lang="en-US" dirty="0" smtClean="0"/>
-              <a:t>else</a:t>
-            </a:r>
-            <a:endParaRPr lang="en-US" dirty="0"/>
-          </a:p>
-          <a:p>
-            <a:r>
-              <a:rPr lang="en-US" dirty="0" err="1" smtClean="0"/>
-              <a:t>elseif</a:t>
-            </a:r>
-            <a:endParaRPr lang="en-US" dirty="0" smtClean="0"/>
-          </a:p>
-          <a:p>
-            <a:r>
-              <a:rPr lang="en-US" dirty="0" smtClean="0"/>
-              <a:t>switch</a:t>
-            </a:r>
-          </a:p>
-          <a:p>
+              <a:t>True or false?</a:t>
+            </a:r>
+          </a:p>
+          <a:p>
+            <a:pPr lvl="1"/>
+            <a:r>
+              <a:rPr lang="en-US" dirty="0"/>
+              <a:t>	7 * 6</a:t>
+            </a:r>
+          </a:p>
+          <a:p>
+            <a:pPr lvl="1"/>
+            <a:r>
+              <a:rPr lang="en-US" dirty="0"/>
+              <a:t>	5 - 6 * 2</a:t>
+            </a:r>
             <a:endParaRPr lang="en-US" dirty="0" smtClean="0"/>
           </a:p>
           <a:p>
@@ -5329,7 +5288,7 @@
     </p:spTree>
     <p:extLst>
       <p:ext uri="{BB962C8B-B14F-4D97-AF65-F5344CB8AC3E}">
-        <p14:creationId xmlns:p14="http://schemas.microsoft.com/office/powerpoint/2010/main" val="1446681302"/>
+        <p14:creationId xmlns:p14="http://schemas.microsoft.com/office/powerpoint/2010/main" val="3850470709"/>
       </p:ext>
     </p:extLst>
   </p:cSld>
@@ -5379,8 +5338,8 @@
           <a:lstStyle/>
           <a:p>
             <a:r>
-              <a:rPr lang="en-US" dirty="0"/>
-              <a:t>Understanding logic</a:t>
+              <a:rPr lang="en-US" dirty="0" smtClean="0"/>
+              <a:t>Iterating</a:t>
             </a:r>
             <a:endParaRPr lang="en-US" dirty="0"/>
           </a:p>
@@ -5404,47 +5363,19 @@
           <a:lstStyle/>
           <a:p>
             <a:r>
+              <a:rPr lang="en-US" dirty="0" smtClean="0"/>
+              <a:t>While</a:t>
+            </a:r>
+          </a:p>
+          <a:p>
+            <a:r>
+              <a:rPr lang="en-US" dirty="0" smtClean="0"/>
+              <a:t>for </a:t>
+            </a:r>
+            <a:r>
               <a:rPr lang="en-US" dirty="0"/>
-              <a:t>== and !=</a:t>
-            </a:r>
-          </a:p>
-          <a:p>
-            <a:r>
-              <a:rPr lang="en-US" dirty="0" smtClean="0"/>
-              <a:t>!negating</a:t>
-            </a:r>
-          </a:p>
-          <a:p>
-            <a:r>
-              <a:rPr lang="en-US" dirty="0" smtClean="0"/>
-              <a:t>Conditional operators &amp;&amp;, ||</a:t>
-            </a:r>
-          </a:p>
-          <a:p>
-            <a:r>
-              <a:rPr lang="en-US" dirty="0"/>
-              <a:t>True or false?</a:t>
-            </a:r>
-          </a:p>
-          <a:p>
-            <a:pPr lvl="1"/>
-            <a:r>
-              <a:rPr lang="en-US" dirty="0"/>
-              <a:t>	7 * 6</a:t>
-            </a:r>
-          </a:p>
-          <a:p>
-            <a:pPr lvl="1"/>
-            <a:r>
-              <a:rPr lang="en-US" dirty="0"/>
-              <a:t>	5 - 6 * 2</a:t>
-            </a:r>
-            <a:endParaRPr lang="en-US" dirty="0" smtClean="0"/>
-          </a:p>
-          <a:p>
-            <a:pPr marL="914400" lvl="2" indent="0">
-              <a:buNone/>
-            </a:pPr>
+              <a:t>(initialize; condition; .... many things to execute)</a:t>
+            </a:r>
             <a:r>
               <a:rPr lang="en-US" dirty="0" smtClean="0"/>
               <a:t>		</a:t>
@@ -5461,7 +5392,7 @@
     </p:spTree>
     <p:extLst>
       <p:ext uri="{BB962C8B-B14F-4D97-AF65-F5344CB8AC3E}">
-        <p14:creationId xmlns:p14="http://schemas.microsoft.com/office/powerpoint/2010/main" val="3850470709"/>
+        <p14:creationId xmlns:p14="http://schemas.microsoft.com/office/powerpoint/2010/main" val="4014665856"/>
       </p:ext>
     </p:extLst>
   </p:cSld>
@@ -5512,7 +5443,7 @@
           <a:p>
             <a:r>
               <a:rPr lang="en-US" dirty="0" smtClean="0"/>
-              <a:t>Iterating</a:t>
+              <a:t>Almost every time you work with PHP you will work with arrays</a:t>
             </a:r>
             <a:endParaRPr lang="en-US" dirty="0"/>
           </a:p>
@@ -5536,18 +5467,52 @@
           <a:lstStyle/>
           <a:p>
             <a:r>
-              <a:rPr lang="en-US" dirty="0" smtClean="0"/>
-              <a:t>While</a:t>
-            </a:r>
-          </a:p>
-          <a:p>
-            <a:r>
-              <a:rPr lang="en-US" dirty="0" smtClean="0"/>
-              <a:t>for </a:t>
-            </a:r>
-            <a:r>
               <a:rPr lang="en-US" dirty="0"/>
-              <a:t>(initialize; condition; .... many things to execute)</a:t>
+              <a:t>$creating = array('key' =&gt; 'value')</a:t>
+            </a:r>
+          </a:p>
+          <a:p>
+            <a:r>
+              <a:rPr lang="en-US" dirty="0" smtClean="0"/>
+              <a:t>$</a:t>
+            </a:r>
+            <a:r>
+              <a:rPr lang="en-US" dirty="0"/>
+              <a:t>or = ['key' =&gt; 'value']</a:t>
+            </a:r>
+          </a:p>
+          <a:p>
+            <a:r>
+              <a:rPr lang="en-US" dirty="0" smtClean="0"/>
+              <a:t>$</a:t>
+            </a:r>
+            <a:r>
+              <a:rPr lang="en-US" dirty="0"/>
+              <a:t>element['by'] = 'element';</a:t>
+            </a:r>
+          </a:p>
+          <a:p>
+            <a:r>
+              <a:rPr lang="en-US" dirty="0" smtClean="0"/>
+              <a:t>$</a:t>
+            </a:r>
+            <a:r>
+              <a:rPr lang="en-US" dirty="0"/>
+              <a:t>adding[] = 'element at the end of the array'</a:t>
+            </a:r>
+          </a:p>
+          <a:p>
+            <a:r>
+              <a:rPr lang="en-US" dirty="0" smtClean="0"/>
+              <a:t>$</a:t>
+            </a:r>
+            <a:r>
+              <a:rPr lang="en-US" dirty="0" err="1"/>
+              <a:t>howMuchElements</a:t>
+            </a:r>
+            <a:r>
+              <a:rPr lang="en-US" dirty="0"/>
+              <a:t> = count(array);</a:t>
             </a:r>
             <a:r>
               <a:rPr lang="en-US" dirty="0" smtClean="0"/>
@@ -5565,7 +5530,7 @@
     </p:spTree>
     <p:extLst>
       <p:ext uri="{BB962C8B-B14F-4D97-AF65-F5344CB8AC3E}">
-        <p14:creationId xmlns:p14="http://schemas.microsoft.com/office/powerpoint/2010/main" val="4014665856"/>
+        <p14:creationId xmlns:p14="http://schemas.microsoft.com/office/powerpoint/2010/main" val="154618316"/>
       </p:ext>
     </p:extLst>
   </p:cSld>
@@ -5616,7 +5581,7 @@
           <a:p>
             <a:r>
               <a:rPr lang="en-US" dirty="0" smtClean="0"/>
-              <a:t>Arrays</a:t>
+              <a:t>Iterating over arrays</a:t>
             </a:r>
             <a:endParaRPr lang="en-US" dirty="0"/>
           </a:p>
@@ -5640,22 +5605,32 @@
           <a:lstStyle/>
           <a:p>
             <a:r>
-              <a:rPr lang="en-US" dirty="0" smtClean="0"/>
-              <a:t>While</a:t>
-            </a:r>
-          </a:p>
-          <a:p>
-            <a:r>
-              <a:rPr lang="en-US" dirty="0" smtClean="0"/>
-              <a:t>for </a:t>
+              <a:rPr lang="en-US" dirty="0" err="1"/>
+              <a:t>foreach</a:t>
             </a:r>
             <a:r>
               <a:rPr lang="en-US" dirty="0"/>
-              <a:t>(initialize; condition; .... many things to execute)</a:t>
-            </a:r>
-            <a:r>
-              <a:rPr lang="en-US" dirty="0" smtClean="0"/>
-              <a:t>		</a:t>
+              <a:t>($array as $key =&gt; $value)</a:t>
+            </a:r>
+          </a:p>
+          <a:p>
+            <a:r>
+              <a:rPr lang="en-US" dirty="0" err="1" smtClean="0"/>
+              <a:t>array_key_exists</a:t>
+            </a:r>
+            <a:endParaRPr lang="en-US" dirty="0"/>
+          </a:p>
+          <a:p>
+            <a:r>
+              <a:rPr lang="en-US" dirty="0" err="1" smtClean="0"/>
+              <a:t>in_array</a:t>
+            </a:r>
+            <a:endParaRPr lang="en-US" dirty="0"/>
+          </a:p>
+          <a:p>
+            <a:r>
+              <a:rPr lang="en-US" dirty="0" smtClean="0"/>
+              <a:t>interpolating 	</a:t>
             </a:r>
           </a:p>
           <a:p>
@@ -5669,7 +5644,7 @@
     </p:spTree>
     <p:extLst>
       <p:ext uri="{BB962C8B-B14F-4D97-AF65-F5344CB8AC3E}">
-        <p14:creationId xmlns:p14="http://schemas.microsoft.com/office/powerpoint/2010/main" val="3607766222"/>
+        <p14:creationId xmlns:p14="http://schemas.microsoft.com/office/powerpoint/2010/main" val="2601776431"/>
       </p:ext>
     </p:extLst>
   </p:cSld>
@@ -5720,7 +5695,7 @@
           <a:p>
             <a:r>
               <a:rPr lang="en-US" dirty="0" smtClean="0"/>
-              <a:t>Almost every time you work with PHP you will work with arrays</a:t>
+              <a:t>Functions</a:t>
             </a:r>
             <a:endParaRPr lang="en-US" dirty="0"/>
           </a:p>
@@ -5744,56 +5719,42 @@
           <a:lstStyle/>
           <a:p>
             <a:r>
-              <a:rPr lang="en-US" dirty="0"/>
-              <a:t>$creating = array('key' =&gt; 'value')</a:t>
-            </a:r>
-          </a:p>
-          <a:p>
-            <a:r>
-              <a:rPr lang="en-US" dirty="0" smtClean="0"/>
-              <a:t>$</a:t>
-            </a:r>
-            <a:r>
-              <a:rPr lang="en-US" dirty="0"/>
-              <a:t>or = ['key' =&gt; 'value']</a:t>
-            </a:r>
-          </a:p>
-          <a:p>
-            <a:r>
-              <a:rPr lang="en-US" dirty="0" smtClean="0"/>
-              <a:t>$</a:t>
-            </a:r>
-            <a:r>
-              <a:rPr lang="en-US" dirty="0"/>
-              <a:t>element['by'] = 'element';</a:t>
-            </a:r>
-          </a:p>
-          <a:p>
-            <a:r>
-              <a:rPr lang="en-US" dirty="0" smtClean="0"/>
-              <a:t>$</a:t>
-            </a:r>
-            <a:r>
-              <a:rPr lang="en-US" dirty="0"/>
-              <a:t>adding[] = 'element at the end of the array'</a:t>
-            </a:r>
-          </a:p>
-          <a:p>
-            <a:r>
-              <a:rPr lang="en-US" dirty="0" smtClean="0"/>
-              <a:t>$</a:t>
-            </a:r>
-            <a:r>
-              <a:rPr lang="en-US" dirty="0" err="1"/>
-              <a:t>howMuchElements</a:t>
-            </a:r>
-            <a:r>
-              <a:rPr lang="en-US" dirty="0"/>
-              <a:t> = count(array);</a:t>
-            </a:r>
-            <a:r>
-              <a:rPr lang="en-US" dirty="0" smtClean="0"/>
-              <a:t>		</a:t>
+              <a:rPr lang="en-US" dirty="0" smtClean="0"/>
+              <a:t>Let you reuse your logic</a:t>
+            </a:r>
+          </a:p>
+          <a:p>
+            <a:r>
+              <a:rPr lang="en-US" dirty="0" smtClean="0"/>
+              <a:t>Every function has</a:t>
+            </a:r>
+          </a:p>
+          <a:p>
+            <a:pPr lvl="1"/>
+            <a:r>
+              <a:rPr lang="en-US" dirty="0" smtClean="0"/>
+              <a:t>A “function” declaration</a:t>
+            </a:r>
+          </a:p>
+          <a:p>
+            <a:pPr lvl="1"/>
+            <a:r>
+              <a:rPr lang="en-US" dirty="0" smtClean="0"/>
+              <a:t>A name</a:t>
+            </a:r>
+          </a:p>
+          <a:p>
+            <a:pPr lvl="1"/>
+            <a:r>
+              <a:rPr lang="en-US" dirty="0" smtClean="0"/>
+              <a:t>A list of parameters that can be passed to it </a:t>
+            </a:r>
+          </a:p>
+          <a:p>
+            <a:pPr lvl="1"/>
+            <a:r>
+              <a:rPr lang="en-US" dirty="0" smtClean="0"/>
+              <a:t>A function can return a value</a:t>
             </a:r>
           </a:p>
           <a:p>
@@ -5807,7 +5768,7 @@
     </p:spTree>
     <p:extLst>
       <p:ext uri="{BB962C8B-B14F-4D97-AF65-F5344CB8AC3E}">
-        <p14:creationId xmlns:p14="http://schemas.microsoft.com/office/powerpoint/2010/main" val="154618316"/>
+        <p14:creationId xmlns:p14="http://schemas.microsoft.com/office/powerpoint/2010/main" val="2474149575"/>
       </p:ext>
     </p:extLst>
   </p:cSld>
@@ -5858,7 +5819,7 @@
           <a:p>
             <a:r>
               <a:rPr lang="en-US" dirty="0" smtClean="0"/>
-              <a:t>Iterating over arrays</a:t>
+              <a:t>Functions</a:t>
             </a:r>
             <a:endParaRPr lang="en-US" dirty="0"/>
           </a:p>
@@ -5881,37 +5842,109 @@
           </a:bodyPr>
           <a:lstStyle/>
           <a:p>
+            <a:pPr marL="0" indent="0">
+              <a:buNone/>
+            </a:pPr>
+            <a:r>
+              <a:rPr lang="en-US" dirty="0" smtClean="0"/>
+              <a:t>Declaration:</a:t>
+            </a:r>
+          </a:p>
+          <a:p>
+            <a:pPr marL="0" indent="0">
+              <a:buNone/>
+            </a:pPr>
+            <a:r>
+              <a:rPr lang="en-US" dirty="0" smtClean="0"/>
+              <a:t>function </a:t>
+            </a:r>
             <a:r>
               <a:rPr lang="en-US" dirty="0" err="1"/>
-              <a:t>foreach</a:t>
-            </a:r>
+              <a:t>c</a:t>
+            </a:r>
+            <a:r>
+              <a:rPr lang="en-US" dirty="0" err="1" smtClean="0"/>
+              <a:t>heckOddNumber</a:t>
+            </a:r>
+            <a:r>
+              <a:rPr lang="en-US" dirty="0" smtClean="0"/>
+              <a:t> ($number) {</a:t>
+            </a:r>
+          </a:p>
+          <a:p>
+            <a:pPr marL="0" indent="0">
+              <a:buNone/>
+            </a:pPr>
+            <a:r>
+              <a:rPr lang="en-US" dirty="0" smtClean="0"/>
+              <a:t>	//Returns true if the number is odd.</a:t>
+            </a:r>
+          </a:p>
+          <a:p>
+            <a:pPr marL="0" indent="0">
+              <a:buNone/>
+            </a:pPr>
+            <a:r>
+              <a:rPr lang="en-US" dirty="0" smtClean="0"/>
+              <a:t>	return $number % 2 == 0; //Check the priority of operations. </a:t>
+            </a:r>
+          </a:p>
+          <a:p>
+            <a:pPr marL="0" indent="0">
+              <a:buNone/>
+            </a:pPr>
             <a:r>
               <a:rPr lang="en-US" dirty="0"/>
-              <a:t>($array as $key =&gt; $value)</a:t>
-            </a:r>
-          </a:p>
-          <a:p>
-            <a:r>
-              <a:rPr lang="en-US" dirty="0" err="1" smtClean="0"/>
-              <a:t>array_key_exists</a:t>
+              <a:t>	</a:t>
+            </a:r>
+            <a:r>
+              <a:rPr lang="en-US" dirty="0" smtClean="0"/>
+              <a:t>//% comes before ==</a:t>
+            </a:r>
+          </a:p>
+          <a:p>
+            <a:pPr marL="0" indent="0">
+              <a:buNone/>
+            </a:pPr>
+            <a:r>
+              <a:rPr lang="en-US" sz="1600" i="1" dirty="0"/>
+              <a:t>	</a:t>
+            </a:r>
+            <a:r>
+              <a:rPr lang="en-US" sz="1600" i="1" dirty="0" smtClean="0"/>
+              <a:t>// </a:t>
+            </a:r>
+            <a:r>
+              <a:rPr lang="en-US" sz="1600" i="1" dirty="0" smtClean="0">
+                <a:hlinkClick r:id="rId2"/>
+              </a:rPr>
+              <a:t>http</a:t>
+            </a:r>
+            <a:r>
+              <a:rPr lang="en-US" sz="1600" i="1" dirty="0">
+                <a:hlinkClick r:id="rId2"/>
+              </a:rPr>
+              <a:t>://</a:t>
+            </a:r>
+            <a:r>
+              <a:rPr lang="en-US" sz="1600" i="1" dirty="0" smtClean="0">
+                <a:hlinkClick r:id="rId2"/>
+              </a:rPr>
+              <a:t>php.net/manual/bg/language.operators.precedence.php</a:t>
+            </a:r>
+            <a:r>
+              <a:rPr lang="en-US" sz="1600" i="1" dirty="0" smtClean="0"/>
+              <a:t> </a:t>
             </a:r>
             <a:endParaRPr lang="en-US" dirty="0"/>
           </a:p>
           <a:p>
-            <a:r>
-              <a:rPr lang="en-US" dirty="0" err="1" smtClean="0"/>
-              <a:t>in_array</a:t>
-            </a:r>
-            <a:endParaRPr lang="en-US" dirty="0"/>
-          </a:p>
-          <a:p>
-            <a:r>
-              <a:rPr lang="en-US" dirty="0" smtClean="0"/>
-              <a:t>interpolating </a:t>
-            </a:r>
-            <a:r>
-              <a:rPr lang="en-US" dirty="0" smtClean="0"/>
-              <a:t>	</a:t>
+            <a:pPr marL="0" indent="0">
+              <a:buNone/>
+            </a:pPr>
+            <a:r>
+              <a:rPr lang="en-US" dirty="0" smtClean="0"/>
+              <a:t>}</a:t>
             </a:r>
           </a:p>
           <a:p>
@@ -5925,7 +5958,7 @@
     </p:spTree>
     <p:extLst>
       <p:ext uri="{BB962C8B-B14F-4D97-AF65-F5344CB8AC3E}">
-        <p14:creationId xmlns:p14="http://schemas.microsoft.com/office/powerpoint/2010/main" val="2601776431"/>
+        <p14:creationId xmlns:p14="http://schemas.microsoft.com/office/powerpoint/2010/main" val="3821650764"/>
       </p:ext>
     </p:extLst>
   </p:cSld>
@@ -6103,57 +6136,139 @@
         <p:spPr/>
         <p:txBody>
           <a:bodyPr>
-            <a:normAutofit/>
+            <a:normAutofit fontScale="92500" lnSpcReduction="20000"/>
           </a:bodyPr>
           <a:lstStyle/>
           <a:p>
-            <a:r>
-              <a:rPr lang="en-US" dirty="0" smtClean="0"/>
-              <a:t>Let you reuse your logic</a:t>
-            </a:r>
-          </a:p>
-          <a:p>
-            <a:r>
-              <a:rPr lang="en-US" dirty="0" smtClean="0"/>
-              <a:t>Every function has</a:t>
-            </a:r>
-          </a:p>
-          <a:p>
-            <a:r>
-              <a:rPr lang="en-US" dirty="0" smtClean="0"/>
-              <a:t>A “function” declaration</a:t>
-            </a:r>
-          </a:p>
-          <a:p>
-            <a:r>
-              <a:rPr lang="en-US" dirty="0" smtClean="0"/>
-              <a:t>A name</a:t>
-            </a:r>
-          </a:p>
-          <a:p>
-            <a:r>
-              <a:rPr lang="en-US" dirty="0" smtClean="0"/>
-              <a:t>A list of parameters that can be passed to it </a:t>
-            </a:r>
-          </a:p>
-          <a:p>
-            <a:r>
-              <a:rPr lang="en-US" dirty="0" smtClean="0"/>
-              <a:t>A function can return a value</a:t>
-            </a:r>
-          </a:p>
-          <a:p>
-            <a:pPr marL="457200" lvl="1" indent="0">
-              <a:buNone/>
-            </a:pPr>
+            <a:pPr marL="0" indent="0">
+              <a:buNone/>
+            </a:pPr>
+            <a:r>
+              <a:rPr lang="en-US" dirty="0" smtClean="0"/>
+              <a:t>Declaration:</a:t>
+            </a:r>
+          </a:p>
+          <a:p>
+            <a:pPr marL="0" indent="0">
+              <a:buNone/>
+            </a:pPr>
+            <a:r>
+              <a:rPr lang="en-US" dirty="0" smtClean="0"/>
+              <a:t>function </a:t>
+            </a:r>
+            <a:r>
+              <a:rPr lang="en-US" dirty="0" err="1"/>
+              <a:t>c</a:t>
+            </a:r>
+            <a:r>
+              <a:rPr lang="en-US" dirty="0" err="1" smtClean="0"/>
+              <a:t>heckOddNumber</a:t>
+            </a:r>
+            <a:r>
+              <a:rPr lang="en-US" dirty="0" smtClean="0"/>
+              <a:t> ($number) {</a:t>
+            </a:r>
+          </a:p>
+          <a:p>
+            <a:pPr marL="0" indent="0">
+              <a:buNone/>
+            </a:pPr>
+            <a:r>
+              <a:rPr lang="en-US" dirty="0" smtClean="0"/>
+              <a:t>//execute your code here</a:t>
+            </a:r>
+          </a:p>
+          <a:p>
+            <a:pPr marL="0" indent="0">
+              <a:buNone/>
+            </a:pPr>
+            <a:r>
+              <a:rPr lang="en-US" dirty="0"/>
+              <a:t>}</a:t>
+            </a:r>
             <a:endParaRPr lang="en-US" dirty="0" smtClean="0"/>
+          </a:p>
+          <a:p>
+            <a:pPr marL="0" indent="0">
+              <a:buNone/>
+            </a:pPr>
+            <a:endParaRPr lang="en-US" dirty="0"/>
+          </a:p>
+          <a:p>
+            <a:pPr marL="0" indent="0">
+              <a:buNone/>
+            </a:pPr>
+            <a:r>
+              <a:rPr lang="en-US" dirty="0" smtClean="0"/>
+              <a:t>Calling a function:</a:t>
+            </a:r>
+          </a:p>
+          <a:p>
+            <a:pPr marL="0" indent="0">
+              <a:buNone/>
+            </a:pPr>
+            <a:r>
+              <a:rPr lang="en-US" dirty="0" err="1" smtClean="0"/>
+              <a:t>checkOddNumber</a:t>
+            </a:r>
+            <a:r>
+              <a:rPr lang="en-US" dirty="0" smtClean="0"/>
+              <a:t>(1)</a:t>
+            </a:r>
+          </a:p>
+          <a:p>
+            <a:pPr marL="0" indent="0">
+              <a:buNone/>
+            </a:pPr>
+            <a:r>
+              <a:rPr lang="en-US" dirty="0" smtClean="0"/>
+              <a:t>Or</a:t>
+            </a:r>
+          </a:p>
+          <a:p>
+            <a:pPr marL="0" indent="0">
+              <a:buNone/>
+            </a:pPr>
+            <a:r>
+              <a:rPr lang="en-US" dirty="0" smtClean="0"/>
+              <a:t>$</a:t>
+            </a:r>
+            <a:r>
+              <a:rPr lang="en-US" dirty="0" err="1" smtClean="0"/>
+              <a:t>numberIWantToCheck</a:t>
+            </a:r>
+            <a:r>
+              <a:rPr lang="en-US" dirty="0" smtClean="0"/>
+              <a:t> = 1;</a:t>
+            </a:r>
+          </a:p>
+          <a:p>
+            <a:pPr marL="0" indent="0">
+              <a:buNone/>
+            </a:pPr>
+            <a:r>
+              <a:rPr lang="en-US" dirty="0" err="1" smtClean="0"/>
+              <a:t>checkOddNumber</a:t>
+            </a:r>
+            <a:r>
+              <a:rPr lang="en-US" dirty="0" smtClean="0"/>
+              <a:t>($</a:t>
+            </a:r>
+            <a:r>
+              <a:rPr lang="en-US" dirty="0" err="1" smtClean="0"/>
+              <a:t>numberIWantToCheck</a:t>
+            </a:r>
+            <a:r>
+              <a:rPr lang="en-US" dirty="0" smtClean="0"/>
+              <a:t>);</a:t>
+            </a:r>
           </a:p>
         </p:txBody>
       </p:sp>
     </p:spTree>
     <p:extLst>
       <p:ext uri="{BB962C8B-B14F-4D97-AF65-F5344CB8AC3E}">
-        <p14:creationId xmlns:p14="http://schemas.microsoft.com/office/powerpoint/2010/main" val="2474149575"/>
+        <p14:creationId xmlns:p14="http://schemas.microsoft.com/office/powerpoint/2010/main" val="2049739221"/>
       </p:ext>
     </p:extLst>
   </p:cSld>
@@ -6204,7 +6319,7 @@
           <a:p>
             <a:r>
               <a:rPr lang="en-US" dirty="0" smtClean="0"/>
-              <a:t>Functions</a:t>
+              <a:t>Functions scope</a:t>
             </a:r>
             <a:endParaRPr lang="en-US" dirty="0"/>
           </a:p>
@@ -6240,20 +6355,16 @@
               <a:buNone/>
             </a:pPr>
             <a:r>
-              <a:rPr lang="en-US" dirty="0" smtClean="0"/>
+              <a:rPr lang="en-US" dirty="0"/>
               <a:t>function </a:t>
             </a:r>
             <a:r>
               <a:rPr lang="en-US" dirty="0" err="1"/>
-              <a:t>c</a:t>
-            </a:r>
-            <a:r>
-              <a:rPr lang="en-US" dirty="0" err="1" smtClean="0"/>
-              <a:t>heckOddNumber</a:t>
-            </a:r>
-            <a:r>
-              <a:rPr lang="en-US" dirty="0" smtClean="0"/>
-              <a:t> ($number) {</a:t>
+              <a:t>tellMeSomething</a:t>
+            </a:r>
+            <a:r>
+              <a:rPr lang="en-US" dirty="0"/>
+              <a:t>() {</a:t>
             </a:r>
           </a:p>
           <a:p>
@@ -6261,8 +6372,8 @@
               <a:buNone/>
             </a:pPr>
             <a:r>
-              <a:rPr lang="en-US" dirty="0" smtClean="0"/>
-              <a:t>	//Returns true if the number is odd.</a:t>
+              <a:rPr lang="en-US" dirty="0"/>
+              <a:t>    $name = 'Your Name';</a:t>
             </a:r>
           </a:p>
           <a:p>
@@ -6270,8 +6381,16 @@
               <a:buNone/>
             </a:pPr>
             <a:r>
-              <a:rPr lang="en-US" dirty="0" smtClean="0"/>
-              <a:t>	return $number % 2 == 0; //Check the priority of operations. </a:t>
+              <a:rPr lang="en-US" dirty="0"/>
+              <a:t> </a:t>
+            </a:r>
+            <a:r>
+              <a:rPr lang="en-US" dirty="0" smtClean="0"/>
+              <a:t>   print </a:t>
+            </a:r>
+            <a:r>
+              <a:rPr lang="en-US" dirty="0"/>
+              <a:t>"My name is $name";</a:t>
             </a:r>
           </a:p>
           <a:p>
@@ -6280,58 +6399,8 @@
             </a:pPr>
             <a:r>
               <a:rPr lang="en-US" dirty="0"/>
-              <a:t>	</a:t>
-            </a:r>
-            <a:r>
-              <a:rPr lang="en-US" dirty="0" smtClean="0"/>
-              <a:t>//% comes before ==</a:t>
-            </a:r>
-          </a:p>
-          <a:p>
-            <a:pPr marL="0" indent="0">
-              <a:buNone/>
-            </a:pPr>
-            <a:r>
-              <a:rPr lang="en-US" sz="1600" i="1" dirty="0"/>
-              <a:t>	</a:t>
-            </a:r>
-            <a:r>
-              <a:rPr lang="en-US" sz="1600" i="1" dirty="0" smtClean="0"/>
-              <a:t>// </a:t>
-            </a:r>
-            <a:r>
-              <a:rPr lang="en-US" sz="1600" i="1" dirty="0" smtClean="0">
-                <a:hlinkClick r:id="rId2"/>
-              </a:rPr>
-              <a:t>http</a:t>
-            </a:r>
-            <a:r>
-              <a:rPr lang="en-US" sz="1600" i="1" dirty="0">
-                <a:hlinkClick r:id="rId2"/>
-              </a:rPr>
-              <a:t>://</a:t>
-            </a:r>
-            <a:r>
-              <a:rPr lang="en-US" sz="1600" i="1" dirty="0" smtClean="0">
-                <a:hlinkClick r:id="rId2"/>
-              </a:rPr>
-              <a:t>php.net/manual/bg/language.operators.precedence.php</a:t>
-            </a:r>
-            <a:r>
-              <a:rPr lang="en-US" sz="1600" i="1" dirty="0" smtClean="0"/>
-              <a:t> </a:t>
-            </a:r>
-            <a:endParaRPr lang="en-US" dirty="0"/>
-          </a:p>
-          <a:p>
-            <a:pPr marL="0" indent="0">
-              <a:buNone/>
-            </a:pPr>
-            <a:r>
-              <a:rPr lang="en-US" dirty="0" smtClean="0"/>
               <a:t>}</a:t>
             </a:r>
-            <a:endParaRPr lang="en-US" dirty="0" smtClean="0"/>
           </a:p>
           <a:p>
             <a:pPr marL="457200" lvl="1" indent="0">
@@ -6344,7 +6413,7 @@
     </p:spTree>
     <p:extLst>
       <p:ext uri="{BB962C8B-B14F-4D97-AF65-F5344CB8AC3E}">
-        <p14:creationId xmlns:p14="http://schemas.microsoft.com/office/powerpoint/2010/main" val="3821650764"/>
+        <p14:creationId xmlns:p14="http://schemas.microsoft.com/office/powerpoint/2010/main" val="2491461455"/>
       </p:ext>
     </p:extLst>
   </p:cSld>
@@ -6395,7 +6464,7 @@
           <a:p>
             <a:r>
               <a:rPr lang="en-US" dirty="0" smtClean="0"/>
-              <a:t>Functions</a:t>
+              <a:t>Functions scope</a:t>
             </a:r>
             <a:endParaRPr lang="en-US" dirty="0"/>
           </a:p>
@@ -6414,7 +6483,7 @@
         <p:spPr/>
         <p:txBody>
           <a:bodyPr>
-            <a:normAutofit/>
+            <a:normAutofit lnSpcReduction="10000"/>
           </a:bodyPr>
           <a:lstStyle/>
           <a:p>
@@ -6423,43 +6492,56 @@
             </a:pPr>
             <a:r>
               <a:rPr lang="en-US" dirty="0" smtClean="0"/>
-              <a:t>Declaration:</a:t>
+              <a:t>$GLOBALS is an array that can hold your variables and be accessed from any scope</a:t>
             </a:r>
           </a:p>
           <a:p>
             <a:pPr marL="0" indent="0">
               <a:buNone/>
             </a:pPr>
-            <a:r>
-              <a:rPr lang="en-US" dirty="0" smtClean="0"/>
+            <a:endParaRPr lang="en-US" dirty="0"/>
+          </a:p>
+          <a:p>
+            <a:pPr marL="0" indent="0">
+              <a:buNone/>
+            </a:pPr>
+            <a:r>
+              <a:rPr lang="en-US" dirty="0"/>
               <a:t>function </a:t>
             </a:r>
             <a:r>
               <a:rPr lang="en-US" dirty="0" err="1"/>
-              <a:t>c</a:t>
-            </a:r>
-            <a:r>
-              <a:rPr lang="en-US" dirty="0" err="1" smtClean="0"/>
-              <a:t>heckOddNumber</a:t>
-            </a:r>
-            <a:r>
-              <a:rPr lang="en-US" dirty="0" smtClean="0"/>
-              <a:t> ($number) </a:t>
+              <a:t>tellMeSomethingGlobal</a:t>
+            </a:r>
+            <a:r>
+              <a:rPr lang="en-US" dirty="0"/>
+              <a:t>() {</a:t>
             </a:r>
           </a:p>
           <a:p>
             <a:pPr marL="0" indent="0">
               <a:buNone/>
             </a:pPr>
-            <a:endParaRPr lang="en-US" dirty="0"/>
+            <a:r>
+              <a:rPr lang="en-US" dirty="0"/>
+              <a:t>    $name = 'Your Name';</a:t>
+            </a:r>
           </a:p>
           <a:p>
             <a:pPr marL="0" indent="0">
               <a:buNone/>
             </a:pPr>
             <a:r>
-              <a:rPr lang="en-US" dirty="0" smtClean="0"/>
-              <a:t>Calling a function:</a:t>
+              <a:rPr lang="en-US" dirty="0"/>
+              <a:t>    print "My name is {$GLOBALS['</a:t>
+            </a:r>
+            <a:r>
+              <a:rPr lang="en-US" dirty="0" err="1"/>
+              <a:t>myName</a:t>
+            </a:r>
+            <a:r>
+              <a:rPr lang="en-US" dirty="0"/>
+              <a:t>']}";</a:t>
             </a:r>
           </a:p>
           <a:p>
@@ -6467,12 +6549,8 @@
               <a:buNone/>
             </a:pPr>
             <a:r>
-              <a:rPr lang="en-US" dirty="0" err="1" smtClean="0"/>
-              <a:t>checkOddNumber</a:t>
-            </a:r>
-            <a:r>
-              <a:rPr lang="en-US" dirty="0" smtClean="0"/>
-              <a:t>(1)</a:t>
+              <a:rPr lang="en-US" dirty="0"/>
+              <a:t>}</a:t>
             </a:r>
           </a:p>
           <a:p>
@@ -6480,8 +6558,16 @@
               <a:buNone/>
             </a:pPr>
             <a:r>
-              <a:rPr lang="en-US" dirty="0" smtClean="0"/>
-              <a:t>Or</a:t>
+              <a:rPr lang="en-US" dirty="0"/>
+              <a:t>$GLOBALS['</a:t>
+            </a:r>
+            <a:r>
+              <a:rPr lang="en-US" dirty="0" err="1"/>
+              <a:t>myName</a:t>
+            </a:r>
+            <a:r>
+              <a:rPr lang="en-US" dirty="0"/>
+              <a:t>'] = "Andrey";</a:t>
             </a:r>
           </a:p>
           <a:p>
@@ -6489,45 +6575,21 @@
               <a:buNone/>
             </a:pPr>
             <a:r>
-              <a:rPr lang="en-US" dirty="0" smtClean="0"/>
-              <a:t>$</a:t>
-            </a:r>
-            <a:r>
-              <a:rPr lang="en-US" dirty="0" err="1" smtClean="0"/>
-              <a:t>numberIWantToCheck</a:t>
-            </a:r>
-            <a:r>
-              <a:rPr lang="en-US" dirty="0" smtClean="0"/>
-              <a:t> = 1;</a:t>
-            </a:r>
-          </a:p>
-          <a:p>
-            <a:pPr marL="0" indent="0">
-              <a:buNone/>
-            </a:pPr>
-            <a:r>
-              <a:rPr lang="en-US" dirty="0" err="1" smtClean="0"/>
-              <a:t>checkOddNumber</a:t>
-            </a:r>
-            <a:r>
-              <a:rPr lang="en-US" dirty="0" smtClean="0"/>
-              <a:t>($</a:t>
-            </a:r>
-            <a:r>
-              <a:rPr lang="en-US" dirty="0" err="1" smtClean="0"/>
-              <a:t>numberIWantToCheck</a:t>
-            </a:r>
-            <a:r>
-              <a:rPr lang="en-US" dirty="0" smtClean="0"/>
-              <a:t>);</a:t>
-            </a:r>
+              <a:rPr lang="en-US" dirty="0" err="1"/>
+              <a:t>tellMeSomethingGlobal</a:t>
+            </a:r>
+            <a:r>
+              <a:rPr lang="en-US" dirty="0"/>
+              <a:t>();</a:t>
+            </a:r>
+            <a:endParaRPr lang="en-US" dirty="0" smtClean="0"/>
           </a:p>
         </p:txBody>
       </p:sp>
     </p:spTree>
     <p:extLst>
       <p:ext uri="{BB962C8B-B14F-4D97-AF65-F5344CB8AC3E}">
-        <p14:creationId xmlns:p14="http://schemas.microsoft.com/office/powerpoint/2010/main" val="2049739221"/>
+        <p14:creationId xmlns:p14="http://schemas.microsoft.com/office/powerpoint/2010/main" val="609381475"/>
       </p:ext>
     </p:extLst>
   </p:cSld>
@@ -6578,327 +6640,6 @@
           <a:p>
             <a:r>
               <a:rPr lang="en-US" dirty="0" smtClean="0"/>
-              <a:t>Functions scope</a:t>
-            </a:r>
-            <a:endParaRPr lang="en-US" dirty="0"/>
-          </a:p>
-        </p:txBody>
-      </p:sp>
-      <p:sp>
-        <p:nvSpPr>
-          <p:cNvPr id="3" name="Content Placeholder 2"/>
-          <p:cNvSpPr>
-            <a:spLocks noGrp="1"/>
-          </p:cNvSpPr>
-          <p:nvPr>
-            <p:ph idx="1"/>
-          </p:nvPr>
-        </p:nvSpPr>
-        <p:spPr/>
-        <p:txBody>
-          <a:bodyPr>
-            <a:normAutofit/>
-          </a:bodyPr>
-          <a:lstStyle/>
-          <a:p>
-            <a:pPr marL="0" indent="0">
-              <a:buNone/>
-            </a:pPr>
-            <a:r>
-              <a:rPr lang="en-US" dirty="0" smtClean="0"/>
-              <a:t>Declaration:</a:t>
-            </a:r>
-          </a:p>
-          <a:p>
-            <a:pPr marL="0" indent="0">
-              <a:buNone/>
-            </a:pPr>
-            <a:r>
-              <a:rPr lang="en-US" dirty="0"/>
-              <a:t>function </a:t>
-            </a:r>
-            <a:r>
-              <a:rPr lang="en-US" dirty="0" err="1"/>
-              <a:t>tellMeSomething</a:t>
-            </a:r>
-            <a:r>
-              <a:rPr lang="en-US" dirty="0"/>
-              <a:t>() {</a:t>
-            </a:r>
-          </a:p>
-          <a:p>
-            <a:pPr marL="0" indent="0">
-              <a:buNone/>
-            </a:pPr>
-            <a:r>
-              <a:rPr lang="en-US" dirty="0"/>
-              <a:t>    $name = 'Your Name';</a:t>
-            </a:r>
-          </a:p>
-          <a:p>
-            <a:pPr marL="0" indent="0">
-              <a:buNone/>
-            </a:pPr>
-            <a:r>
-              <a:rPr lang="en-US" dirty="0"/>
-              <a:t> </a:t>
-            </a:r>
-            <a:r>
-              <a:rPr lang="en-US" dirty="0" smtClean="0"/>
-              <a:t>   print </a:t>
-            </a:r>
-            <a:r>
-              <a:rPr lang="en-US" dirty="0"/>
-              <a:t>"My name is $name";</a:t>
-            </a:r>
-          </a:p>
-          <a:p>
-            <a:pPr marL="0" indent="0">
-              <a:buNone/>
-            </a:pPr>
-            <a:r>
-              <a:rPr lang="en-US" dirty="0"/>
-              <a:t>}</a:t>
-            </a:r>
-          </a:p>
-          <a:p>
-            <a:pPr marL="457200" lvl="1" indent="0">
-              <a:buNone/>
-            </a:pPr>
-            <a:endParaRPr lang="en-US" dirty="0" smtClean="0"/>
-          </a:p>
-        </p:txBody>
-      </p:sp>
-    </p:spTree>
-    <p:extLst>
-      <p:ext uri="{BB962C8B-B14F-4D97-AF65-F5344CB8AC3E}">
-        <p14:creationId xmlns:p14="http://schemas.microsoft.com/office/powerpoint/2010/main" val="2491461455"/>
-      </p:ext>
-    </p:extLst>
-  </p:cSld>
-  <p:clrMapOvr>
-    <a:masterClrMapping/>
-  </p:clrMapOvr>
-  <p:timing>
-    <p:tnLst>
-      <p:par>
-        <p:cTn id="1" dur="indefinite" restart="never" nodeType="tmRoot"/>
-      </p:par>
-    </p:tnLst>
-  </p:timing>
-</p:sld>
-</file>
-
-<file path=ppt/slides/slide34.xml><?xml version="1.0" encoding="utf-8"?>
-<p:sld xmlns:a="http://schemas.openxmlformats.org/drawingml/2006/main" xmlns:r="http://schemas.openxmlformats.org/officeDocument/2006/relationships" xmlns:p="http://schemas.openxmlformats.org/presentationml/2006/main">
-  <p:cSld>
-    <p:spTree>
-      <p:nvGrpSpPr>
-        <p:cNvPr id="1" name=""/>
-        <p:cNvGrpSpPr/>
-        <p:nvPr/>
-      </p:nvGrpSpPr>
-      <p:grpSpPr>
-        <a:xfrm>
-          <a:off x="0" y="0"/>
-          <a:ext cx="0" cy="0"/>
-          <a:chOff x="0" y="0"/>
-          <a:chExt cx="0" cy="0"/>
-        </a:xfrm>
-      </p:grpSpPr>
-      <p:sp>
-        <p:nvSpPr>
-          <p:cNvPr id="2" name="Title 1"/>
-          <p:cNvSpPr>
-            <a:spLocks noGrp="1"/>
-          </p:cNvSpPr>
-          <p:nvPr>
-            <p:ph type="title"/>
-          </p:nvPr>
-        </p:nvSpPr>
-        <p:spPr/>
-        <p:txBody>
-          <a:bodyPr/>
-          <a:lstStyle/>
-          <a:p>
-            <a:r>
-              <a:rPr lang="en-US" dirty="0" smtClean="0"/>
-              <a:t>Functions scope</a:t>
-            </a:r>
-            <a:endParaRPr lang="en-US" dirty="0"/>
-          </a:p>
-        </p:txBody>
-      </p:sp>
-      <p:sp>
-        <p:nvSpPr>
-          <p:cNvPr id="3" name="Content Placeholder 2"/>
-          <p:cNvSpPr>
-            <a:spLocks noGrp="1"/>
-          </p:cNvSpPr>
-          <p:nvPr>
-            <p:ph idx="1"/>
-          </p:nvPr>
-        </p:nvSpPr>
-        <p:spPr/>
-        <p:txBody>
-          <a:bodyPr>
-            <a:normAutofit lnSpcReduction="10000"/>
-          </a:bodyPr>
-          <a:lstStyle/>
-          <a:p>
-            <a:pPr marL="0" indent="0">
-              <a:buNone/>
-            </a:pPr>
-            <a:r>
-              <a:rPr lang="en-US" dirty="0" smtClean="0"/>
-              <a:t>$GLOBALS is an array that can hold your variables and be accessed from any scope</a:t>
-            </a:r>
-          </a:p>
-          <a:p>
-            <a:pPr marL="0" indent="0">
-              <a:buNone/>
-            </a:pPr>
-            <a:endParaRPr lang="en-US" dirty="0"/>
-          </a:p>
-          <a:p>
-            <a:pPr marL="0" indent="0">
-              <a:buNone/>
-            </a:pPr>
-            <a:r>
-              <a:rPr lang="en-US" dirty="0"/>
-              <a:t>function </a:t>
-            </a:r>
-            <a:r>
-              <a:rPr lang="en-US" dirty="0" err="1"/>
-              <a:t>tellMeSomethingGlobal</a:t>
-            </a:r>
-            <a:r>
-              <a:rPr lang="en-US" dirty="0"/>
-              <a:t>() {</a:t>
-            </a:r>
-          </a:p>
-          <a:p>
-            <a:pPr marL="0" indent="0">
-              <a:buNone/>
-            </a:pPr>
-            <a:r>
-              <a:rPr lang="en-US" dirty="0"/>
-              <a:t>    $name = 'Your Name';</a:t>
-            </a:r>
-          </a:p>
-          <a:p>
-            <a:pPr marL="0" indent="0">
-              <a:buNone/>
-            </a:pPr>
-            <a:r>
-              <a:rPr lang="en-US" dirty="0"/>
-              <a:t>    print "My name is {$GLOBALS['</a:t>
-            </a:r>
-            <a:r>
-              <a:rPr lang="en-US" dirty="0" err="1"/>
-              <a:t>myName</a:t>
-            </a:r>
-            <a:r>
-              <a:rPr lang="en-US" dirty="0"/>
-              <a:t>']}";</a:t>
-            </a:r>
-          </a:p>
-          <a:p>
-            <a:pPr marL="0" indent="0">
-              <a:buNone/>
-            </a:pPr>
-            <a:r>
-              <a:rPr lang="en-US" dirty="0"/>
-              <a:t>}</a:t>
-            </a:r>
-          </a:p>
-          <a:p>
-            <a:pPr marL="0" indent="0">
-              <a:buNone/>
-            </a:pPr>
-            <a:r>
-              <a:rPr lang="en-US" dirty="0"/>
-              <a:t>$GLOBALS['</a:t>
-            </a:r>
-            <a:r>
-              <a:rPr lang="en-US" dirty="0" err="1"/>
-              <a:t>myName</a:t>
-            </a:r>
-            <a:r>
-              <a:rPr lang="en-US" dirty="0"/>
-              <a:t>'] = "Andrey";</a:t>
-            </a:r>
-          </a:p>
-          <a:p>
-            <a:pPr marL="0" indent="0">
-              <a:buNone/>
-            </a:pPr>
-            <a:r>
-              <a:rPr lang="en-US" dirty="0" err="1"/>
-              <a:t>tellMeSomethingGlobal</a:t>
-            </a:r>
-            <a:r>
-              <a:rPr lang="en-US" dirty="0"/>
-              <a:t>();</a:t>
-            </a:r>
-            <a:endParaRPr lang="en-US" dirty="0" smtClean="0"/>
-          </a:p>
-        </p:txBody>
-      </p:sp>
-    </p:spTree>
-    <p:extLst>
-      <p:ext uri="{BB962C8B-B14F-4D97-AF65-F5344CB8AC3E}">
-        <p14:creationId xmlns:p14="http://schemas.microsoft.com/office/powerpoint/2010/main" val="609381475"/>
-      </p:ext>
-    </p:extLst>
-  </p:cSld>
-  <p:clrMapOvr>
-    <a:masterClrMapping/>
-  </p:clrMapOvr>
-  <p:timing>
-    <p:tnLst>
-      <p:par>
-        <p:cTn id="1" dur="indefinite" restart="never" nodeType="tmRoot"/>
-      </p:par>
-    </p:tnLst>
-  </p:timing>
-</p:sld>
-</file>
-
-<file path=ppt/slides/slide35.xml><?xml version="1.0" encoding="utf-8"?>
-<p:sld xmlns:a="http://schemas.openxmlformats.org/drawingml/2006/main" xmlns:r="http://schemas.openxmlformats.org/officeDocument/2006/relationships" xmlns:p="http://schemas.openxmlformats.org/presentationml/2006/main">
-  <p:cSld>
-    <p:spTree>
-      <p:nvGrpSpPr>
-        <p:cNvPr id="1" name=""/>
-        <p:cNvGrpSpPr/>
-        <p:nvPr/>
-      </p:nvGrpSpPr>
-      <p:grpSpPr>
-        <a:xfrm>
-          <a:off x="0" y="0"/>
-          <a:ext cx="0" cy="0"/>
-          <a:chOff x="0" y="0"/>
-          <a:chExt cx="0" cy="0"/>
-        </a:xfrm>
-      </p:grpSpPr>
-      <p:sp>
-        <p:nvSpPr>
-          <p:cNvPr id="2" name="Title 1"/>
-          <p:cNvSpPr>
-            <a:spLocks noGrp="1"/>
-          </p:cNvSpPr>
-          <p:nvPr>
-            <p:ph type="title"/>
-          </p:nvPr>
-        </p:nvSpPr>
-        <p:spPr/>
-        <p:txBody>
-          <a:bodyPr/>
-          <a:lstStyle/>
-          <a:p>
-            <a:r>
-              <a:rPr lang="en-US" dirty="0" smtClean="0"/>
               <a:t>Adding constraints on function arguments	</a:t>
             </a:r>
             <a:endParaRPr lang="en-US" dirty="0"/>
@@ -6915,7 +6656,7 @@
             <p:ph idx="1"/>
             <p:extLst>
               <p:ext uri="{D42A27DB-BD31-4B8C-83A1-F6EECF244321}">
-                <p14:modId xmlns:p14="http://schemas.microsoft.com/office/powerpoint/2010/main" val="1647705536"/>
+                <p14:modId xmlns:p14="http://schemas.microsoft.com/office/powerpoint/2010/main" val="1243518590"/>
               </p:ext>
             </p:extLst>
           </p:nvPr>
@@ -8081,15 +7822,32 @@
                     <a:p>
                       <a:pPr algn="l" fontAlgn="b"/>
                       <a:r>
-                        <a:rPr lang="en-US" sz="2000" b="0" i="0" u="none" strike="noStrike">
+                        <a:rPr lang="en-US" sz="2000" b="0" i="0" u="none" strike="noStrike" dirty="0">
                           <a:solidFill>
                             <a:srgbClr val="000000"/>
                           </a:solidFill>
                           <a:effectLst/>
                           <a:latin typeface="Calibri" panose="020F0502020204030204" pitchFamily="34" charset="0"/>
                         </a:rPr>
-                        <a:t>Must be an instance of that class (see Chapter 6 for more information about classes and instances).</a:t>
+                        <a:t>Must be an instance of that </a:t>
                       </a:r>
+                      <a:r>
+                        <a:rPr lang="en-US" sz="2000" b="0" i="0" u="none" strike="noStrike" dirty="0" smtClean="0">
+                          <a:solidFill>
+                            <a:srgbClr val="000000"/>
+                          </a:solidFill>
+                          <a:effectLst/>
+                          <a:latin typeface="Calibri" panose="020F0502020204030204" pitchFamily="34" charset="0"/>
+                        </a:rPr>
+                        <a:t>class</a:t>
+                      </a:r>
+                      <a:endParaRPr lang="en-US" sz="2000" b="0" i="0" u="none" strike="noStrike" dirty="0">
+                        <a:solidFill>
+                          <a:srgbClr val="000000"/>
+                        </a:solidFill>
+                        <a:effectLst/>
+                        <a:latin typeface="Calibri" panose="020F0502020204030204" pitchFamily="34" charset="0"/>
+                      </a:endParaRPr>
                     </a:p>
                   </a:txBody>
                   <a:tcPr marL="9525" marR="9525" marT="9525" marB="0" anchor="b">
@@ -8195,6 +7953,253 @@
 </p:sld>
 </file>
 
+<file path=ppt/slides/slide34.xml><?xml version="1.0" encoding="utf-8"?>
+<p:sld xmlns:a="http://schemas.openxmlformats.org/drawingml/2006/main" xmlns:r="http://schemas.openxmlformats.org/officeDocument/2006/relationships" xmlns:p="http://schemas.openxmlformats.org/presentationml/2006/main">
+  <p:cSld>
+    <p:spTree>
+      <p:nvGrpSpPr>
+        <p:cNvPr id="1" name=""/>
+        <p:cNvGrpSpPr/>
+        <p:nvPr/>
+      </p:nvGrpSpPr>
+      <p:grpSpPr>
+        <a:xfrm>
+          <a:off x="0" y="0"/>
+          <a:ext cx="0" cy="0"/>
+          <a:chOff x="0" y="0"/>
+          <a:chExt cx="0" cy="0"/>
+        </a:xfrm>
+      </p:grpSpPr>
+      <p:sp>
+        <p:nvSpPr>
+          <p:cNvPr id="2" name="Title 1"/>
+          <p:cNvSpPr>
+            <a:spLocks noGrp="1"/>
+          </p:cNvSpPr>
+          <p:nvPr>
+            <p:ph type="title"/>
+          </p:nvPr>
+        </p:nvSpPr>
+        <p:spPr/>
+        <p:txBody>
+          <a:bodyPr/>
+          <a:lstStyle/>
+          <a:p>
+            <a:r>
+              <a:rPr lang="en-US" dirty="0" smtClean="0"/>
+              <a:t>Loading other files</a:t>
+            </a:r>
+            <a:endParaRPr lang="en-US" dirty="0"/>
+          </a:p>
+        </p:txBody>
+      </p:sp>
+      <p:sp>
+        <p:nvSpPr>
+          <p:cNvPr id="3" name="Content Placeholder 2"/>
+          <p:cNvSpPr>
+            <a:spLocks noGrp="1"/>
+          </p:cNvSpPr>
+          <p:nvPr>
+            <p:ph idx="1"/>
+          </p:nvPr>
+        </p:nvSpPr>
+        <p:spPr/>
+        <p:txBody>
+          <a:bodyPr>
+            <a:normAutofit/>
+          </a:bodyPr>
+          <a:lstStyle/>
+          <a:p>
+            <a:pPr marL="0" indent="0">
+              <a:buNone/>
+            </a:pPr>
+            <a:r>
+              <a:rPr lang="en-US" dirty="0" smtClean="0"/>
+              <a:t>Other files can contain:</a:t>
+            </a:r>
+          </a:p>
+          <a:p>
+            <a:r>
+              <a:rPr lang="en-US" dirty="0" smtClean="0"/>
+              <a:t>Declarations</a:t>
+            </a:r>
+          </a:p>
+          <a:p>
+            <a:r>
+              <a:rPr lang="en-US" dirty="0" smtClean="0"/>
+              <a:t>Executing code</a:t>
+            </a:r>
+          </a:p>
+          <a:p>
+            <a:endParaRPr lang="en-US" dirty="0"/>
+          </a:p>
+          <a:p>
+            <a:pPr marL="0" indent="0">
+              <a:buNone/>
+            </a:pPr>
+            <a:r>
+              <a:rPr lang="en-US" dirty="0" smtClean="0"/>
+              <a:t>Include &amp; Require</a:t>
+            </a:r>
+          </a:p>
+        </p:txBody>
+      </p:sp>
+    </p:spTree>
+    <p:extLst>
+      <p:ext uri="{BB962C8B-B14F-4D97-AF65-F5344CB8AC3E}">
+        <p14:creationId xmlns:p14="http://schemas.microsoft.com/office/powerpoint/2010/main" val="2303980095"/>
+      </p:ext>
+    </p:extLst>
+  </p:cSld>
+  <p:clrMapOvr>
+    <a:masterClrMapping/>
+  </p:clrMapOvr>
+  <p:timing>
+    <p:tnLst>
+      <p:par>
+        <p:cTn id="1" dur="indefinite" restart="never" nodeType="tmRoot"/>
+      </p:par>
+    </p:tnLst>
+  </p:timing>
+</p:sld>
+</file>
+
+<file path=ppt/slides/slide35.xml><?xml version="1.0" encoding="utf-8"?>
+<p:sld xmlns:a="http://schemas.openxmlformats.org/drawingml/2006/main" xmlns:r="http://schemas.openxmlformats.org/officeDocument/2006/relationships" xmlns:p="http://schemas.openxmlformats.org/presentationml/2006/main">
+  <p:cSld>
+    <p:spTree>
+      <p:nvGrpSpPr>
+        <p:cNvPr id="1" name=""/>
+        <p:cNvGrpSpPr/>
+        <p:nvPr/>
+      </p:nvGrpSpPr>
+      <p:grpSpPr>
+        <a:xfrm>
+          <a:off x="0" y="0"/>
+          <a:ext cx="0" cy="0"/>
+          <a:chOff x="0" y="0"/>
+          <a:chExt cx="0" cy="0"/>
+        </a:xfrm>
+      </p:grpSpPr>
+      <p:sp>
+        <p:nvSpPr>
+          <p:cNvPr id="2" name="Title 1"/>
+          <p:cNvSpPr>
+            <a:spLocks noGrp="1"/>
+          </p:cNvSpPr>
+          <p:nvPr>
+            <p:ph type="title"/>
+          </p:nvPr>
+        </p:nvSpPr>
+        <p:spPr/>
+        <p:txBody>
+          <a:bodyPr/>
+          <a:lstStyle/>
+          <a:p>
+            <a:r>
+              <a:rPr lang="en-GB" dirty="0" err="1" smtClean="0"/>
+              <a:t>Groupping</a:t>
+            </a:r>
+            <a:r>
+              <a:rPr lang="en-GB" dirty="0" smtClean="0"/>
+              <a:t> your logic and data</a:t>
+            </a:r>
+            <a:endParaRPr lang="en-US" dirty="0"/>
+          </a:p>
+        </p:txBody>
+      </p:sp>
+      <p:sp>
+        <p:nvSpPr>
+          <p:cNvPr id="3" name="Content Placeholder 2"/>
+          <p:cNvSpPr>
+            <a:spLocks noGrp="1"/>
+          </p:cNvSpPr>
+          <p:nvPr>
+            <p:ph idx="1"/>
+          </p:nvPr>
+        </p:nvSpPr>
+        <p:spPr/>
+        <p:txBody>
+          <a:bodyPr>
+            <a:normAutofit lnSpcReduction="10000"/>
+          </a:bodyPr>
+          <a:lstStyle/>
+          <a:p>
+            <a:endParaRPr lang="en-US" dirty="0"/>
+          </a:p>
+          <a:p>
+            <a:r>
+              <a:rPr lang="en-US" dirty="0" smtClean="0"/>
+              <a:t>Class</a:t>
+            </a:r>
+          </a:p>
+          <a:p>
+            <a:pPr lvl="1"/>
+            <a:r>
+              <a:rPr lang="en-US" dirty="0" smtClean="0"/>
+              <a:t>A </a:t>
+            </a:r>
+            <a:r>
+              <a:rPr lang="en-US" dirty="0"/>
+              <a:t>template or recipe that describes the variables and functions for a kind of object. For example, an Entree class would contain variables that hold its name and ingredients. The functions in an Entree class would be for things such as cooking the entrée, serving it, and determining whether a particular ingredient is in it. </a:t>
+            </a:r>
+          </a:p>
+          <a:p>
+            <a:r>
+              <a:rPr lang="en-US" dirty="0" smtClean="0"/>
+              <a:t>Method</a:t>
+            </a:r>
+          </a:p>
+          <a:p>
+            <a:pPr lvl="1"/>
+            <a:r>
+              <a:rPr lang="en-US" dirty="0" smtClean="0"/>
+              <a:t>A </a:t>
+            </a:r>
+            <a:r>
+              <a:rPr lang="en-US" dirty="0"/>
+              <a:t>function defined in a class. </a:t>
+            </a:r>
+          </a:p>
+          <a:p>
+            <a:r>
+              <a:rPr lang="en-US" dirty="0"/>
+              <a:t>Property</a:t>
+            </a:r>
+          </a:p>
+          <a:p>
+            <a:pPr lvl="1"/>
+            <a:r>
+              <a:rPr lang="en-US" dirty="0" smtClean="0"/>
+              <a:t>A </a:t>
+            </a:r>
+            <a:r>
+              <a:rPr lang="en-US" dirty="0"/>
+              <a:t>variable defined in a class. </a:t>
+            </a:r>
+          </a:p>
+        </p:txBody>
+      </p:sp>
+    </p:spTree>
+    <p:extLst>
+      <p:ext uri="{BB962C8B-B14F-4D97-AF65-F5344CB8AC3E}">
+        <p14:creationId xmlns:p14="http://schemas.microsoft.com/office/powerpoint/2010/main" val="503896550"/>
+      </p:ext>
+    </p:extLst>
+  </p:cSld>
+  <p:clrMapOvr>
+    <a:masterClrMapping/>
+  </p:clrMapOvr>
+  <p:timing>
+    <p:tnLst>
+      <p:par>
+        <p:cTn id="1" dur="indefinite" restart="never" nodeType="tmRoot"/>
+      </p:par>
+    </p:tnLst>
+  </p:timing>
+</p:sld>
+</file>
+
 <file path=ppt/slides/slide36.xml><?xml version="1.0" encoding="utf-8"?>
 <p:sld xmlns:a="http://schemas.openxmlformats.org/drawingml/2006/main" xmlns:r="http://schemas.openxmlformats.org/officeDocument/2006/relationships" xmlns:p="http://schemas.openxmlformats.org/presentationml/2006/main">
   <p:cSld>
@@ -8228,8 +8233,12 @@
           <a:lstStyle/>
           <a:p>
             <a:r>
-              <a:rPr lang="en-US" dirty="0" smtClean="0"/>
-              <a:t>Loading other files</a:t>
+              <a:rPr lang="en-GB" dirty="0" err="1" smtClean="0"/>
+              <a:t>Groupping</a:t>
+            </a:r>
+            <a:r>
+              <a:rPr lang="en-GB" dirty="0" smtClean="0"/>
+              <a:t> your logic and data</a:t>
             </a:r>
             <a:endParaRPr lang="en-US" dirty="0"/>
           </a:p>
@@ -8248,40 +8257,59 @@
         <p:spPr/>
         <p:txBody>
           <a:bodyPr>
-            <a:normAutofit/>
+            <a:normAutofit fontScale="92500" lnSpcReduction="20000"/>
           </a:bodyPr>
           <a:lstStyle/>
           <a:p>
-            <a:pPr marL="0" indent="0">
-              <a:buNone/>
-            </a:pPr>
-            <a:r>
-              <a:rPr lang="en-US" dirty="0" smtClean="0"/>
-              <a:t>Other files can contain:</a:t>
-            </a:r>
-          </a:p>
-          <a:p>
-            <a:r>
-              <a:rPr lang="en-US" dirty="0" smtClean="0"/>
-              <a:t>Declarations</a:t>
-            </a:r>
-          </a:p>
-          <a:p>
-            <a:r>
-              <a:rPr lang="en-US" dirty="0" smtClean="0"/>
-              <a:t>Executing code</a:t>
-            </a:r>
-          </a:p>
-          <a:p>
+            <a:r>
+              <a:rPr lang="en-US" dirty="0" smtClean="0"/>
+              <a:t>Instance</a:t>
+            </a:r>
             <a:endParaRPr lang="en-US" dirty="0"/>
           </a:p>
           <a:p>
-            <a:pPr marL="0" indent="0">
-              <a:buNone/>
-            </a:pPr>
-            <a:r>
-              <a:rPr lang="en-US" dirty="0" smtClean="0"/>
-              <a:t>Include &amp; Require</a:t>
+            <a:pPr lvl="1"/>
+            <a:r>
+              <a:rPr lang="en-US" dirty="0" smtClean="0"/>
+              <a:t>An </a:t>
+            </a:r>
+            <a:r>
+              <a:rPr lang="en-US" dirty="0"/>
+              <a:t>individual usage of a class. If you are serving three entrées for dinner in your program, you would create three instances of the Entree class. While each of these instances is based on the same class, they differ internally by having different property values. The methods in each instance contain the same instructions, but probably produce different results because they each rely on the particular property values in their instance. Creating a new instance of a class is called “instantiating an object.”</a:t>
+            </a:r>
+          </a:p>
+          <a:p>
+            <a:r>
+              <a:rPr lang="en-US" dirty="0"/>
+              <a:t>Constructor</a:t>
+            </a:r>
+          </a:p>
+          <a:p>
+            <a:pPr lvl="1"/>
+            <a:r>
+              <a:rPr lang="en-US" dirty="0" smtClean="0"/>
+              <a:t>A </a:t>
+            </a:r>
+            <a:r>
+              <a:rPr lang="en-US" dirty="0"/>
+              <a:t>special method that is automatically run when an object is instantiated. Usually, constructors set up object properties and do other housekeeping that makes the object ready for use.</a:t>
+            </a:r>
+          </a:p>
+          <a:p>
+            <a:r>
+              <a:rPr lang="en-US" dirty="0"/>
+              <a:t>Static method</a:t>
+            </a:r>
+          </a:p>
+          <a:p>
+            <a:pPr lvl="1"/>
+            <a:r>
+              <a:rPr lang="en-US" dirty="0" smtClean="0"/>
+              <a:t>A </a:t>
+            </a:r>
+            <a:r>
+              <a:rPr lang="en-US" dirty="0"/>
+              <a:t>special kind of method that can be called without instantiating a class. Static methods don’t depend on the property values of a particular instance. </a:t>
             </a:r>
             <a:endParaRPr lang="en-US" dirty="0" smtClean="0"/>
           </a:p>
@@ -8290,7 +8318,7 @@
     </p:spTree>
     <p:extLst>
       <p:ext uri="{BB962C8B-B14F-4D97-AF65-F5344CB8AC3E}">
-        <p14:creationId xmlns:p14="http://schemas.microsoft.com/office/powerpoint/2010/main" val="2303980095"/>
+        <p14:creationId xmlns:p14="http://schemas.microsoft.com/office/powerpoint/2010/main" val="2191186243"/>
       </p:ext>
     </p:extLst>
   </p:cSld>
@@ -8340,93 +8368,132 @@
           <a:lstStyle/>
           <a:p>
             <a:r>
+              <a:rPr lang="en-GB" dirty="0" smtClean="0"/>
+              <a:t>Creating Classes</a:t>
+            </a:r>
+            <a:endParaRPr lang="en-US" dirty="0"/>
+          </a:p>
+        </p:txBody>
+      </p:sp>
+      <p:sp>
+        <p:nvSpPr>
+          <p:cNvPr id="3" name="Content Placeholder 2"/>
+          <p:cNvSpPr>
+            <a:spLocks noGrp="1"/>
+          </p:cNvSpPr>
+          <p:nvPr>
+            <p:ph idx="1"/>
+          </p:nvPr>
+        </p:nvSpPr>
+        <p:spPr/>
+        <p:txBody>
+          <a:bodyPr>
+            <a:normAutofit/>
+          </a:bodyPr>
+          <a:lstStyle/>
+          <a:p>
+            <a:pPr marL="0" indent="0">
+              <a:buNone/>
+            </a:pPr>
+            <a:r>
+              <a:rPr lang="en-GB" dirty="0" smtClean="0"/>
+              <a:t>class Monitor {</a:t>
+            </a:r>
+          </a:p>
+          <a:p>
+            <a:pPr marL="0" indent="0">
+              <a:buNone/>
+            </a:pPr>
+            <a:r>
+              <a:rPr lang="en-GB" dirty="0" smtClean="0"/>
+              <a:t>	public $</a:t>
+            </a:r>
+            <a:r>
               <a:rPr lang="en-GB" dirty="0" err="1" smtClean="0"/>
-              <a:t>Groupping</a:t>
+              <a:t>diagonalLength</a:t>
             </a:r>
             <a:r>
               <a:rPr lang="en-GB" dirty="0" smtClean="0"/>
-              <a:t> your logic and data</a:t>
-            </a:r>
-            <a:endParaRPr lang="en-US" dirty="0"/>
-          </a:p>
-        </p:txBody>
-      </p:sp>
-      <p:sp>
-        <p:nvSpPr>
-          <p:cNvPr id="3" name="Content Placeholder 2"/>
-          <p:cNvSpPr>
-            <a:spLocks noGrp="1"/>
-          </p:cNvSpPr>
-          <p:nvPr>
-            <p:ph idx="1"/>
-          </p:nvPr>
-        </p:nvSpPr>
-        <p:spPr/>
-        <p:txBody>
-          <a:bodyPr>
-            <a:normAutofit lnSpcReduction="10000"/>
-          </a:bodyPr>
-          <a:lstStyle/>
-          <a:p>
-            <a:endParaRPr lang="en-US" dirty="0"/>
-          </a:p>
-          <a:p>
-            <a:r>
-              <a:rPr lang="en-US" dirty="0" smtClean="0"/>
-              <a:t>Class</a:t>
-            </a:r>
-          </a:p>
-          <a:p>
-            <a:pPr lvl="1"/>
-            <a:r>
-              <a:rPr lang="en-US" dirty="0" smtClean="0"/>
-              <a:t>A </a:t>
-            </a:r>
-            <a:r>
-              <a:rPr lang="en-US" dirty="0"/>
-              <a:t>template or recipe that describes the variables and functions for a kind of object. For example, an Entree class would contain variables that hold its name and ingredients. The functions in an Entree class would be for things such as cooking the entrée, serving it, and determining whether a particular ingredient is in it. </a:t>
-            </a:r>
-          </a:p>
-          <a:p>
-            <a:r>
-              <a:rPr lang="en-US" dirty="0" smtClean="0"/>
-              <a:t>Method</a:t>
-            </a:r>
-          </a:p>
-          <a:p>
-            <a:pPr lvl="1"/>
-            <a:r>
-              <a:rPr lang="en-US" dirty="0" smtClean="0"/>
-              <a:t>A </a:t>
-            </a:r>
-            <a:r>
-              <a:rPr lang="en-US" dirty="0"/>
-              <a:t>function defined in a class. </a:t>
-            </a:r>
-          </a:p>
-          <a:p>
-            <a:r>
-              <a:rPr lang="en-US" dirty="0"/>
-              <a:t>Property</a:t>
-            </a:r>
-          </a:p>
-          <a:p>
-            <a:pPr lvl="1"/>
-            <a:r>
-              <a:rPr lang="en-US" dirty="0" smtClean="0"/>
-              <a:t>A </a:t>
-            </a:r>
-            <a:r>
-              <a:rPr lang="en-US" dirty="0"/>
-              <a:t>variable defined in a class. </a:t>
-            </a:r>
+              <a:t>;</a:t>
+            </a:r>
+          </a:p>
+          <a:p>
+            <a:pPr marL="0" indent="0">
+              <a:buNone/>
+            </a:pPr>
+            <a:r>
+              <a:rPr lang="en-GB" dirty="0"/>
+              <a:t>	</a:t>
+            </a:r>
+            <a:r>
+              <a:rPr lang="en-GB" dirty="0" smtClean="0"/>
+              <a:t>public function </a:t>
+            </a:r>
+            <a:r>
+              <a:rPr lang="en-GB" dirty="0" err="1" smtClean="0"/>
+              <a:t>tellDiagonalLength</a:t>
+            </a:r>
+            <a:r>
+              <a:rPr lang="en-GB" dirty="0" smtClean="0"/>
+              <a:t>() {</a:t>
+            </a:r>
+          </a:p>
+          <a:p>
+            <a:pPr marL="0" indent="0">
+              <a:buNone/>
+            </a:pPr>
+            <a:r>
+              <a:rPr lang="en-GB" dirty="0"/>
+              <a:t>	</a:t>
+            </a:r>
+            <a:r>
+              <a:rPr lang="en-GB" dirty="0" smtClean="0"/>
+              <a:t>	print </a:t>
+            </a:r>
+            <a:r>
+              <a:rPr lang="en-US" dirty="0" smtClean="0"/>
+              <a:t>“Length is {$</a:t>
+            </a:r>
+            <a:r>
+              <a:rPr lang="en-US" dirty="0" err="1" smtClean="0"/>
+              <a:t>this.diagonalLength</a:t>
+            </a:r>
+            <a:r>
+              <a:rPr lang="en-US" dirty="0" smtClean="0"/>
+              <a:t>}”;</a:t>
+            </a:r>
+            <a:endParaRPr lang="en-GB" dirty="0" smtClean="0"/>
+          </a:p>
+          <a:p>
+            <a:pPr marL="0" indent="0">
+              <a:buNone/>
+            </a:pPr>
+            <a:r>
+              <a:rPr lang="en-GB" dirty="0"/>
+              <a:t>	</a:t>
+            </a:r>
+            <a:r>
+              <a:rPr lang="en-GB" dirty="0" smtClean="0"/>
+              <a:t>}</a:t>
+            </a:r>
+            <a:endParaRPr lang="en-GB" dirty="0"/>
+          </a:p>
+          <a:p>
+            <a:pPr marL="0" indent="0">
+              <a:buNone/>
+            </a:pPr>
+            <a:r>
+              <a:rPr lang="en-GB" dirty="0" smtClean="0"/>
+              <a:t>}</a:t>
+            </a:r>
+            <a:endParaRPr lang="en-US" dirty="0" smtClean="0"/>
           </a:p>
         </p:txBody>
       </p:sp>
     </p:spTree>
     <p:extLst>
       <p:ext uri="{BB962C8B-B14F-4D97-AF65-F5344CB8AC3E}">
-        <p14:creationId xmlns:p14="http://schemas.microsoft.com/office/powerpoint/2010/main" val="503896550"/>
+        <p14:creationId xmlns:p14="http://schemas.microsoft.com/office/powerpoint/2010/main" val="4165872743"/>
       </p:ext>
     </p:extLst>
   </p:cSld>
@@ -8476,12 +8543,8 @@
           <a:lstStyle/>
           <a:p>
             <a:r>
-              <a:rPr lang="en-GB" dirty="0" err="1" smtClean="0"/>
-              <a:t>Groupping</a:t>
-            </a:r>
-            <a:r>
               <a:rPr lang="en-GB" dirty="0" smtClean="0"/>
-              <a:t> your logic and data</a:t>
+              <a:t>Adding properties</a:t>
             </a:r>
             <a:endParaRPr lang="en-US" dirty="0"/>
           </a:p>
@@ -8500,59 +8563,183 @@
         <p:spPr/>
         <p:txBody>
           <a:bodyPr>
-            <a:normAutofit fontScale="92500" lnSpcReduction="20000"/>
+            <a:normAutofit fontScale="77500" lnSpcReduction="20000"/>
           </a:bodyPr>
           <a:lstStyle/>
           <a:p>
-            <a:r>
-              <a:rPr lang="en-US" dirty="0" smtClean="0"/>
-              <a:t>Instance</a:t>
-            </a:r>
-            <a:endParaRPr lang="en-US" dirty="0"/>
-          </a:p>
-          <a:p>
-            <a:pPr lvl="1"/>
-            <a:r>
-              <a:rPr lang="en-US" dirty="0" smtClean="0"/>
-              <a:t>An </a:t>
-            </a:r>
-            <a:r>
-              <a:rPr lang="en-US" dirty="0"/>
-              <a:t>individual usage of a class. If you are serving three entrées for dinner in your program, you would create three instances of the Entree class. While each of these instances is based on the same class, they differ internally by having different property values. The methods in each instance contain the same instructions, but probably produce different results because they each rely on the particular property values in their instance. Creating a new instance of a class is called “instantiating an object.”</a:t>
-            </a:r>
-          </a:p>
-          <a:p>
-            <a:r>
-              <a:rPr lang="en-US" dirty="0"/>
-              <a:t>Constructor</a:t>
-            </a:r>
-          </a:p>
-          <a:p>
-            <a:pPr lvl="1"/>
-            <a:r>
-              <a:rPr lang="en-US" dirty="0" smtClean="0"/>
-              <a:t>A </a:t>
-            </a:r>
-            <a:r>
-              <a:rPr lang="en-US" dirty="0"/>
-              <a:t>special method that is automatically run when an object is instantiated. Usually, constructors set up object properties and do other housekeeping that makes the object ready for use.</a:t>
-            </a:r>
-          </a:p>
-          <a:p>
-            <a:r>
-              <a:rPr lang="en-US" dirty="0"/>
-              <a:t>Static method</a:t>
-            </a:r>
-          </a:p>
-          <a:p>
-            <a:pPr lvl="1"/>
-            <a:r>
-              <a:rPr lang="en-US" dirty="0" smtClean="0"/>
-              <a:t>A </a:t>
-            </a:r>
-            <a:r>
-              <a:rPr lang="en-US" dirty="0"/>
-              <a:t>special kind of method that can be called without instantiating a class. Static methods don’t depend on the property values of a particular instance. </a:t>
+            <a:pPr marL="0" indent="0">
+              <a:buNone/>
+            </a:pPr>
+            <a:r>
+              <a:rPr lang="en-GB" dirty="0"/>
+              <a:t>class Monitor {</a:t>
+            </a:r>
+          </a:p>
+          <a:p>
+            <a:pPr marL="0" indent="0">
+              <a:buNone/>
+            </a:pPr>
+            <a:r>
+              <a:rPr lang="en-GB" dirty="0"/>
+              <a:t>    </a:t>
+            </a:r>
+            <a:r>
+              <a:rPr lang="en-GB" dirty="0">
+                <a:solidFill>
+                  <a:schemeClr val="accent1"/>
+                </a:solidFill>
+              </a:rPr>
+              <a:t>//Public property</a:t>
+            </a:r>
+          </a:p>
+          <a:p>
+            <a:pPr marL="0" indent="0">
+              <a:buNone/>
+            </a:pPr>
+            <a:r>
+              <a:rPr lang="en-GB" dirty="0"/>
+              <a:t>    public $</a:t>
+            </a:r>
+            <a:r>
+              <a:rPr lang="en-GB" dirty="0" err="1"/>
+              <a:t>diagonalLength</a:t>
+            </a:r>
+            <a:r>
+              <a:rPr lang="en-GB" dirty="0"/>
+              <a:t>;</a:t>
+            </a:r>
+          </a:p>
+          <a:p>
+            <a:pPr marL="0" indent="0">
+              <a:buNone/>
+            </a:pPr>
+            <a:r>
+              <a:rPr lang="en-GB" dirty="0"/>
+              <a:t>    </a:t>
+            </a:r>
+            <a:r>
+              <a:rPr lang="en-GB" dirty="0">
+                <a:solidFill>
+                  <a:schemeClr val="accent2"/>
+                </a:solidFill>
+              </a:rPr>
+              <a:t>//Private property</a:t>
+            </a:r>
+          </a:p>
+          <a:p>
+            <a:pPr marL="0" indent="0">
+              <a:buNone/>
+            </a:pPr>
+            <a:r>
+              <a:rPr lang="en-GB" dirty="0"/>
+              <a:t>    private $unit = "inches</a:t>
+            </a:r>
+            <a:r>
+              <a:rPr lang="en-GB" dirty="0" smtClean="0"/>
+              <a:t>";</a:t>
+            </a:r>
+            <a:endParaRPr lang="bg-BG" dirty="0" smtClean="0"/>
+          </a:p>
+          <a:p>
+            <a:pPr marL="0" indent="0">
+              <a:buNone/>
+            </a:pPr>
+            <a:r>
+              <a:rPr lang="bg-BG" dirty="0" smtClean="0"/>
+              <a:t>    //</a:t>
+            </a:r>
+            <a:r>
+              <a:rPr lang="en-GB" dirty="0" smtClean="0"/>
+              <a:t>Protected property</a:t>
+            </a:r>
+          </a:p>
+          <a:p>
+            <a:pPr marL="0" indent="0">
+              <a:buNone/>
+            </a:pPr>
+            <a:r>
+              <a:rPr lang="en-GB" dirty="0" smtClean="0"/>
+              <a:t>    protected $</a:t>
+            </a:r>
+            <a:r>
+              <a:rPr lang="en-US" smtClean="0"/>
+              <a:t>voltage = 0;</a:t>
+            </a:r>
+            <a:endParaRPr lang="en-GB" dirty="0"/>
+          </a:p>
+          <a:p>
+            <a:pPr marL="0" indent="0">
+              <a:buNone/>
+            </a:pPr>
+            <a:r>
+              <a:rPr lang="en-GB" dirty="0"/>
+              <a:t>    //</a:t>
+            </a:r>
+            <a:r>
+              <a:rPr lang="en-GB" dirty="0" smtClean="0"/>
+              <a:t>Function</a:t>
+            </a:r>
+            <a:r>
+              <a:rPr lang="bg-BG" dirty="0" smtClean="0"/>
+              <a:t> </a:t>
+            </a:r>
+            <a:r>
+              <a:rPr lang="en-GB" dirty="0" smtClean="0"/>
+              <a:t>definition</a:t>
+            </a:r>
+            <a:endParaRPr lang="en-GB" dirty="0"/>
+          </a:p>
+          <a:p>
+            <a:pPr marL="0" indent="0">
+              <a:buNone/>
+            </a:pPr>
+            <a:r>
+              <a:rPr lang="en-GB" dirty="0"/>
+              <a:t>    public function </a:t>
+            </a:r>
+            <a:r>
+              <a:rPr lang="en-GB" dirty="0" err="1"/>
+              <a:t>tellDiagonalLength</a:t>
+            </a:r>
+            <a:r>
+              <a:rPr lang="en-GB" dirty="0"/>
+              <a:t>() {</a:t>
+            </a:r>
+          </a:p>
+          <a:p>
+            <a:pPr marL="0" indent="0">
+              <a:buNone/>
+            </a:pPr>
+            <a:r>
+              <a:rPr lang="en-GB" dirty="0"/>
+              <a:t>        print "Length is {$this-&gt;</a:t>
+            </a:r>
+            <a:r>
+              <a:rPr lang="en-GB" dirty="0" err="1"/>
+              <a:t>diagonalLength</a:t>
+            </a:r>
+            <a:r>
+              <a:rPr lang="en-GB" dirty="0"/>
+              <a:t>} {$this-&gt;unit}";</a:t>
+            </a:r>
+          </a:p>
+          <a:p>
+            <a:pPr marL="0" indent="0">
+              <a:buNone/>
+            </a:pPr>
+            <a:r>
+              <a:rPr lang="en-GB" dirty="0" smtClean="0"/>
+              <a:t>    }</a:t>
+            </a:r>
+            <a:endParaRPr lang="en-GB" dirty="0"/>
+          </a:p>
+          <a:p>
+            <a:pPr marL="0" indent="0">
+              <a:buNone/>
+            </a:pPr>
+            <a:r>
+              <a:rPr lang="en-GB" dirty="0"/>
+              <a:t>}</a:t>
             </a:r>
             <a:endParaRPr lang="en-US" dirty="0" smtClean="0"/>
           </a:p>
@@ -8561,7 +8748,7 @@
     </p:spTree>
     <p:extLst>
       <p:ext uri="{BB962C8B-B14F-4D97-AF65-F5344CB8AC3E}">
-        <p14:creationId xmlns:p14="http://schemas.microsoft.com/office/powerpoint/2010/main" val="2191186243"/>
+        <p14:creationId xmlns:p14="http://schemas.microsoft.com/office/powerpoint/2010/main" val="1953758839"/>
       </p:ext>
     </p:extLst>
   </p:cSld>
@@ -8612,7 +8799,7 @@
           <a:p>
             <a:r>
               <a:rPr lang="en-GB" dirty="0" smtClean="0"/>
-              <a:t>Creating Classes</a:t>
+              <a:t>Static Methods</a:t>
             </a:r>
             <a:endParaRPr lang="en-US" dirty="0"/>
           </a:p>
@@ -8631,7 +8818,7 @@
         <p:spPr/>
         <p:txBody>
           <a:bodyPr>
-            <a:normAutofit/>
+            <a:normAutofit fontScale="85000" lnSpcReduction="20000"/>
           </a:bodyPr>
           <a:lstStyle/>
           <a:p>
@@ -8639,7 +8826,7 @@
               <a:buNone/>
             </a:pPr>
             <a:r>
-              <a:rPr lang="en-GB" dirty="0" smtClean="0"/>
+              <a:rPr lang="en-GB" dirty="0"/>
               <a:t>class Monitor {</a:t>
             </a:r>
           </a:p>
@@ -8648,15 +8835,32 @@
               <a:buNone/>
             </a:pPr>
             <a:r>
-              <a:rPr lang="en-GB" dirty="0" smtClean="0"/>
-              <a:t>	public $</a:t>
-            </a:r>
-            <a:r>
-              <a:rPr lang="en-GB" dirty="0" err="1" smtClean="0"/>
+              <a:rPr lang="en-GB" dirty="0"/>
+              <a:t>    </a:t>
+            </a:r>
+            <a:r>
+              <a:rPr lang="en-GB" dirty="0">
+                <a:solidFill>
+                  <a:schemeClr val="accent1"/>
+                </a:solidFill>
+              </a:rPr>
+              <a:t>//Public property</a:t>
+            </a:r>
+          </a:p>
+          <a:p>
+            <a:pPr marL="0" indent="0">
+              <a:buNone/>
+            </a:pPr>
+            <a:r>
+              <a:rPr lang="en-GB" dirty="0"/>
+              <a:t>    public $</a:t>
+            </a:r>
+            <a:r>
+              <a:rPr lang="en-GB" dirty="0" err="1"/>
               <a:t>diagonalLength</a:t>
             </a:r>
             <a:r>
-              <a:rPr lang="en-GB" dirty="0" smtClean="0"/>
+              <a:rPr lang="en-GB" dirty="0"/>
               <a:t>;</a:t>
             </a:r>
           </a:p>
@@ -8666,19 +8870,15 @@
             </a:pPr>
             <a:r>
               <a:rPr lang="en-GB" dirty="0"/>
-              <a:t>	</a:t>
-            </a:r>
-            <a:r>
-              <a:rPr lang="en-GB" dirty="0" smtClean="0"/>
-              <a:t>public function </a:t>
-            </a:r>
-            <a:r>
-              <a:rPr lang="en-GB" dirty="0" err="1" smtClean="0"/>
-              <a:t>tellDiagonalLength</a:t>
-            </a:r>
-            <a:r>
-              <a:rPr lang="en-GB" dirty="0" smtClean="0"/>
-              <a:t>() {</a:t>
+              <a:t>    </a:t>
+            </a:r>
+            <a:r>
+              <a:rPr lang="en-GB" dirty="0">
+                <a:solidFill>
+                  <a:schemeClr val="accent2"/>
+                </a:solidFill>
+              </a:rPr>
+              <a:t>//Private property</a:t>
             </a:r>
           </a:p>
           <a:p>
@@ -8687,25 +8887,8 @@
             </a:pPr>
             <a:r>
               <a:rPr lang="en-GB" dirty="0"/>
-              <a:t>	</a:t>
-            </a:r>
-            <a:r>
-              <a:rPr lang="en-GB" dirty="0" smtClean="0"/>
-              <a:t>	print </a:t>
-            </a:r>
-            <a:r>
-              <a:rPr lang="en-US" dirty="0" smtClean="0"/>
-              <a:t>“Length is {$</a:t>
-            </a:r>
-            <a:r>
-              <a:rPr lang="en-US" dirty="0" err="1" smtClean="0"/>
-              <a:t>this.diagonalLength</a:t>
-            </a:r>
-            <a:r>
-              <a:rPr lang="en-US" dirty="0" smtClean="0"/>
-              <a:t>}”;</a:t>
-            </a:r>
-            <a:endParaRPr lang="en-GB" dirty="0" smtClean="0"/>
+              <a:t>    private $unit = "inches";</a:t>
+            </a:r>
           </a:p>
           <a:p>
             <a:pPr marL="0" indent="0">
@@ -8713,21 +8896,88 @@
             </a:pPr>
             <a:r>
               <a:rPr lang="en-GB" dirty="0"/>
-              <a:t>	</a:t>
-            </a:r>
+              <a:t>    </a:t>
+            </a:r>
+            <a:r>
+              <a:rPr lang="en-US" dirty="0" smtClean="0"/>
+              <a:t>//</a:t>
+            </a:r>
+            <a:r>
+              <a:rPr lang="en-US" dirty="0"/>
+              <a:t>Static Function</a:t>
+            </a:r>
+          </a:p>
+          <a:p>
+            <a:pPr marL="0" indent="0">
+              <a:buNone/>
+            </a:pPr>
+            <a:r>
+              <a:rPr lang="en-US" dirty="0"/>
+              <a:t>    public static function </a:t>
+            </a:r>
+            <a:r>
+              <a:rPr lang="en-US" dirty="0" err="1"/>
+              <a:t>convertInchesToCm</a:t>
+            </a:r>
+            <a:r>
+              <a:rPr lang="en-US" dirty="0"/>
+              <a:t>($inches) {</a:t>
+            </a:r>
+          </a:p>
+          <a:p>
+            <a:pPr marL="0" indent="0">
+              <a:buNone/>
+            </a:pPr>
+            <a:r>
+              <a:rPr lang="en-US" dirty="0"/>
+              <a:t>        return $inches * 2.54;</a:t>
+            </a:r>
+          </a:p>
+          <a:p>
+            <a:pPr marL="0" indent="0">
+              <a:buNone/>
+            </a:pPr>
+            <a:r>
+              <a:rPr lang="en-US" dirty="0"/>
+              <a:t>    </a:t>
+            </a:r>
+            <a:r>
+              <a:rPr lang="en-US" dirty="0" smtClean="0"/>
+              <a:t>}</a:t>
+            </a:r>
+          </a:p>
+          <a:p>
+            <a:pPr marL="0" indent="0">
+              <a:buNone/>
+            </a:pPr>
             <a:r>
               <a:rPr lang="en-GB" dirty="0" smtClean="0"/>
               <a:t>}</a:t>
             </a:r>
-            <a:endParaRPr lang="en-GB" dirty="0"/>
           </a:p>
           <a:p>
             <a:pPr marL="0" indent="0">
               <a:buNone/>
             </a:pPr>
             <a:r>
-              <a:rPr lang="en-GB" dirty="0" smtClean="0"/>
-              <a:t>}</a:t>
+              <a:rPr lang="en-US" dirty="0"/>
+              <a:t>print "&lt;</a:t>
+            </a:r>
+            <a:r>
+              <a:rPr lang="en-US" dirty="0" err="1"/>
+              <a:t>br</a:t>
+            </a:r>
+            <a:r>
+              <a:rPr lang="en-US" dirty="0"/>
+              <a:t>/&gt;2 cm to inches are ".Monitor::</a:t>
+            </a:r>
+            <a:r>
+              <a:rPr lang="en-US" dirty="0" err="1"/>
+              <a:t>convertInchesToCm</a:t>
+            </a:r>
+            <a:r>
+              <a:rPr lang="en-US" dirty="0"/>
+              <a:t>(2) . "cm";</a:t>
             </a:r>
             <a:endParaRPr lang="en-US" dirty="0" smtClean="0"/>
           </a:p>
@@ -8736,7 +8986,7 @@
     </p:spTree>
     <p:extLst>
       <p:ext uri="{BB962C8B-B14F-4D97-AF65-F5344CB8AC3E}">
-        <p14:creationId xmlns:p14="http://schemas.microsoft.com/office/powerpoint/2010/main" val="4165872743"/>
+        <p14:creationId xmlns:p14="http://schemas.microsoft.com/office/powerpoint/2010/main" val="4003278978"/>
       </p:ext>
     </p:extLst>
   </p:cSld>
@@ -8901,7 +9151,7 @@
           <a:p>
             <a:r>
               <a:rPr lang="en-GB" dirty="0" smtClean="0"/>
-              <a:t>Adding properties</a:t>
+              <a:t>Constructors define required data constraints</a:t>
             </a:r>
             <a:endParaRPr lang="en-US" dirty="0"/>
           </a:p>
@@ -8920,7 +9170,7 @@
         <p:spPr/>
         <p:txBody>
           <a:bodyPr>
-            <a:normAutofit fontScale="77500" lnSpcReduction="20000"/>
+            <a:normAutofit/>
           </a:bodyPr>
           <a:lstStyle/>
           <a:p>
@@ -8939,6 +9189,67 @@
             <a:r>
               <a:rPr lang="en-GB" dirty="0"/>
               <a:t>    </a:t>
+            </a:r>
+            <a:r>
+              <a:rPr lang="en-GB" dirty="0" smtClean="0">
+                <a:solidFill>
+                  <a:schemeClr val="accent1"/>
+                </a:solidFill>
+              </a:rPr>
+              <a:t>public function __construct($</a:t>
+            </a:r>
+            <a:r>
+              <a:rPr lang="en-GB" dirty="0" err="1" smtClean="0">
+                <a:solidFill>
+                  <a:schemeClr val="accent1"/>
+                </a:solidFill>
+              </a:rPr>
+              <a:t>diagonalLength</a:t>
+            </a:r>
+            <a:r>
+              <a:rPr lang="bg-BG" dirty="0" smtClean="0">
+                <a:solidFill>
+                  <a:schemeClr val="accent1"/>
+                </a:solidFill>
+              </a:rPr>
+              <a:t>, $</a:t>
+            </a:r>
+            <a:r>
+              <a:rPr lang="en-GB" dirty="0" smtClean="0">
+                <a:solidFill>
+                  <a:schemeClr val="accent1"/>
+                </a:solidFill>
+              </a:rPr>
+              <a:t>units) {</a:t>
+            </a:r>
+          </a:p>
+          <a:p>
+            <a:pPr marL="0" indent="0">
+              <a:buNone/>
+            </a:pPr>
+            <a:r>
+              <a:rPr lang="bg-BG" dirty="0">
+                <a:solidFill>
+                  <a:schemeClr val="accent1"/>
+                </a:solidFill>
+              </a:rPr>
+              <a:t>	</a:t>
+            </a:r>
+            <a:r>
+              <a:rPr lang="en-US" dirty="0">
+                <a:solidFill>
+                  <a:schemeClr val="accent1"/>
+                </a:solidFill>
+              </a:rPr>
+              <a:t>$this-&gt;</a:t>
+            </a:r>
+            <a:r>
+              <a:rPr lang="en-GB" dirty="0" err="1">
+                <a:solidFill>
+                  <a:schemeClr val="accent1"/>
+                </a:solidFill>
+              </a:rPr>
+              <a:t>diagonalLength</a:t>
             </a:r>
             <a:r>
               <a:rPr lang="en-GB" dirty="0">
@@ -8946,41 +9257,23 @@
                   <a:schemeClr val="accent1"/>
                 </a:solidFill>
               </a:rPr>
-              <a:t>//Public property</a:t>
-            </a:r>
-          </a:p>
-          <a:p>
-            <a:pPr marL="0" indent="0">
-              <a:buNone/>
-            </a:pPr>
-            <a:r>
-              <a:rPr lang="en-GB" dirty="0"/>
-              <a:t>    public $</a:t>
-            </a:r>
-            <a:r>
-              <a:rPr lang="en-GB" dirty="0" err="1"/>
+              <a:t> = $</a:t>
+            </a:r>
+            <a:r>
+              <a:rPr lang="en-GB" dirty="0" err="1">
+                <a:solidFill>
+                  <a:schemeClr val="accent1"/>
+                </a:solidFill>
+              </a:rPr>
               <a:t>diagonalLength</a:t>
-            </a:r>
-            <a:r>
-              <a:rPr lang="en-GB" dirty="0"/>
-              <a:t>;</a:t>
-            </a:r>
-          </a:p>
-          <a:p>
-            <a:pPr marL="0" indent="0">
-              <a:buNone/>
-            </a:pPr>
-            <a:r>
-              <a:rPr lang="en-GB" dirty="0"/>
-              <a:t>    </a:t>
             </a:r>
             <a:r>
               <a:rPr lang="en-GB" dirty="0">
                 <a:solidFill>
-                  <a:schemeClr val="accent2"/>
+                  <a:schemeClr val="accent1"/>
                 </a:solidFill>
               </a:rPr>
-              <a:t>//Private property</a:t>
+              <a:t>;</a:t>
             </a:r>
           </a:p>
           <a:p>
@@ -8988,115 +9281,84 @@
               <a:buNone/>
             </a:pPr>
             <a:r>
-              <a:rPr lang="en-GB" dirty="0"/>
-              <a:t>    private $unit = "inches</a:t>
-            </a:r>
+              <a:rPr lang="bg-BG" dirty="0">
+                <a:solidFill>
+                  <a:schemeClr val="accent1"/>
+                </a:solidFill>
+              </a:rPr>
+              <a:t>	</a:t>
+            </a:r>
+            <a:r>
+              <a:rPr lang="en-US" dirty="0">
+                <a:solidFill>
+                  <a:schemeClr val="accent1"/>
+                </a:solidFill>
+              </a:rPr>
+              <a:t>$this-</a:t>
+            </a:r>
+            <a:r>
+              <a:rPr lang="en-US" dirty="0" smtClean="0">
+                <a:solidFill>
+                  <a:schemeClr val="accent1"/>
+                </a:solidFill>
+              </a:rPr>
+              <a:t>&gt;</a:t>
+            </a:r>
+            <a:r>
+              <a:rPr lang="en-GB" dirty="0" smtClean="0">
+                <a:solidFill>
+                  <a:schemeClr val="accent1"/>
+                </a:solidFill>
+              </a:rPr>
+              <a:t>units = $units;</a:t>
+            </a:r>
+          </a:p>
+          <a:p>
+            <a:pPr marL="0" indent="0">
+              <a:buNone/>
+            </a:pPr>
+            <a:r>
+              <a:rPr lang="en-GB" dirty="0" smtClean="0">
+                <a:solidFill>
+                  <a:schemeClr val="accent1"/>
+                </a:solidFill>
+              </a:rPr>
+              <a:t>    }</a:t>
+            </a:r>
+            <a:endParaRPr lang="en-US" dirty="0" smtClean="0"/>
+          </a:p>
+          <a:p>
+            <a:pPr marL="0" indent="0">
+              <a:buNone/>
+            </a:pPr>
             <a:r>
               <a:rPr lang="en-GB" dirty="0" smtClean="0"/>
-              <a:t>";</a:t>
-            </a:r>
-            <a:endParaRPr lang="bg-BG" dirty="0" smtClean="0"/>
+              <a:t>}</a:t>
+            </a:r>
           </a:p>
           <a:p>
             <a:pPr marL="0" indent="0">
               <a:buNone/>
             </a:pPr>
             <a:r>
-              <a:rPr lang="bg-BG" dirty="0" smtClean="0"/>
-              <a:t>    //</a:t>
-            </a:r>
-            <a:r>
-              <a:rPr lang="en-GB" dirty="0" smtClean="0"/>
-              <a:t>Protected property</a:t>
-            </a:r>
-          </a:p>
-          <a:p>
-            <a:pPr marL="0" indent="0">
-              <a:buNone/>
-            </a:pPr>
-            <a:r>
-              <a:rPr lang="en-GB" dirty="0" smtClean="0"/>
-              <a:t>    protected $</a:t>
-            </a:r>
-            <a:r>
-              <a:rPr lang="en-US" smtClean="0"/>
-              <a:t>voltage = 0;</a:t>
-            </a:r>
-            <a:endParaRPr lang="en-GB" dirty="0"/>
-          </a:p>
-          <a:p>
-            <a:pPr marL="0" indent="0">
-              <a:buNone/>
-            </a:pPr>
-            <a:r>
-              <a:rPr lang="en-GB" dirty="0"/>
-              <a:t>    //</a:t>
-            </a:r>
-            <a:r>
-              <a:rPr lang="en-GB" dirty="0" smtClean="0"/>
-              <a:t>Function</a:t>
-            </a:r>
-            <a:r>
-              <a:rPr lang="bg-BG" dirty="0" smtClean="0"/>
-              <a:t> </a:t>
-            </a:r>
-            <a:r>
-              <a:rPr lang="en-GB" dirty="0" smtClean="0"/>
-              <a:t>definition</a:t>
-            </a:r>
-            <a:endParaRPr lang="en-GB" dirty="0"/>
-          </a:p>
-          <a:p>
-            <a:pPr marL="0" indent="0">
-              <a:buNone/>
-            </a:pPr>
-            <a:r>
-              <a:rPr lang="en-GB" dirty="0"/>
-              <a:t>    public function </a:t>
-            </a:r>
-            <a:r>
-              <a:rPr lang="en-GB" dirty="0" err="1"/>
-              <a:t>tellDiagonalLength</a:t>
-            </a:r>
-            <a:r>
-              <a:rPr lang="en-GB" dirty="0"/>
-              <a:t>() {</a:t>
-            </a:r>
-          </a:p>
-          <a:p>
-            <a:pPr marL="0" indent="0">
-              <a:buNone/>
-            </a:pPr>
-            <a:r>
-              <a:rPr lang="en-GB" dirty="0"/>
-              <a:t>        print "Length is {$this-&gt;</a:t>
-            </a:r>
-            <a:r>
-              <a:rPr lang="en-GB" dirty="0" err="1"/>
-              <a:t>diagonalLength</a:t>
-            </a:r>
-            <a:r>
-              <a:rPr lang="en-GB" dirty="0"/>
-              <a:t>} {$this-&gt;unit}";</a:t>
-            </a:r>
-          </a:p>
-          <a:p>
-            <a:pPr marL="0" indent="0">
-              <a:buNone/>
-            </a:pPr>
-            <a:r>
-              <a:rPr lang="en-GB" dirty="0" smtClean="0"/>
-              <a:t>    }</a:t>
-            </a:r>
-            <a:endParaRPr lang="en-GB" dirty="0"/>
-          </a:p>
-          <a:p>
-            <a:pPr marL="0" indent="0">
-              <a:buNone/>
-            </a:pPr>
-            <a:r>
-              <a:rPr lang="en-GB" dirty="0"/>
-              <a:t>}</a:t>
+              <a:rPr lang="en-US" dirty="0"/>
+              <a:t>print "&lt;</a:t>
+            </a:r>
+            <a:r>
+              <a:rPr lang="en-US" dirty="0" err="1"/>
+              <a:t>br</a:t>
+            </a:r>
+            <a:r>
+              <a:rPr lang="en-US" dirty="0"/>
+              <a:t>/&gt;2 cm to inches are ".Monitor::</a:t>
+            </a:r>
+            <a:r>
+              <a:rPr lang="en-US" dirty="0" err="1"/>
+              <a:t>convertInchesToCm</a:t>
+            </a:r>
+            <a:r>
+              <a:rPr lang="en-US" dirty="0"/>
+              <a:t>(2) . "cm";</a:t>
             </a:r>
             <a:endParaRPr lang="en-US" dirty="0" smtClean="0"/>
           </a:p>
@@ -9105,7 +9367,7 @@
     </p:spTree>
     <p:extLst>
       <p:ext uri="{BB962C8B-B14F-4D97-AF65-F5344CB8AC3E}">
-        <p14:creationId xmlns:p14="http://schemas.microsoft.com/office/powerpoint/2010/main" val="1953758839"/>
+        <p14:creationId xmlns:p14="http://schemas.microsoft.com/office/powerpoint/2010/main" val="1523536077"/>
       </p:ext>
     </p:extLst>
   </p:cSld>
@@ -9156,7 +9418,7 @@
           <a:p>
             <a:r>
               <a:rPr lang="en-GB" dirty="0" smtClean="0"/>
-              <a:t>Static Methods</a:t>
+              <a:t>Extending objects</a:t>
             </a:r>
             <a:endParaRPr lang="en-US" dirty="0"/>
           </a:p>
@@ -9175,166 +9437,13 @@
         <p:spPr/>
         <p:txBody>
           <a:bodyPr>
-            <a:normAutofit fontScale="85000" lnSpcReduction="20000"/>
+            <a:normAutofit/>
           </a:bodyPr>
           <a:lstStyle/>
           <a:p>
-            <a:pPr marL="0" indent="0">
-              <a:buNone/>
-            </a:pPr>
-            <a:r>
-              <a:rPr lang="en-GB" dirty="0"/>
-              <a:t>class Monitor {</a:t>
-            </a:r>
-          </a:p>
-          <a:p>
-            <a:pPr marL="0" indent="0">
-              <a:buNone/>
-            </a:pPr>
-            <a:r>
-              <a:rPr lang="en-GB" dirty="0"/>
-              <a:t>    </a:t>
-            </a:r>
-            <a:r>
-              <a:rPr lang="en-GB" dirty="0">
-                <a:solidFill>
-                  <a:schemeClr val="accent1"/>
-                </a:solidFill>
-              </a:rPr>
-              <a:t>//Public property</a:t>
-            </a:r>
-          </a:p>
-          <a:p>
-            <a:pPr marL="0" indent="0">
-              <a:buNone/>
-            </a:pPr>
-            <a:r>
-              <a:rPr lang="en-GB" dirty="0"/>
-              <a:t>    public $</a:t>
-            </a:r>
-            <a:r>
-              <a:rPr lang="en-GB" dirty="0" err="1"/>
-              <a:t>diagonalLength</a:t>
-            </a:r>
-            <a:r>
-              <a:rPr lang="en-GB" dirty="0"/>
-              <a:t>;</a:t>
-            </a:r>
-          </a:p>
-          <a:p>
-            <a:pPr marL="0" indent="0">
-              <a:buNone/>
-            </a:pPr>
-            <a:r>
-              <a:rPr lang="en-GB" dirty="0"/>
-              <a:t>    </a:t>
-            </a:r>
-            <a:r>
-              <a:rPr lang="en-GB" dirty="0">
-                <a:solidFill>
-                  <a:schemeClr val="accent2"/>
-                </a:solidFill>
-              </a:rPr>
-              <a:t>//Private property</a:t>
-            </a:r>
-          </a:p>
-          <a:p>
-            <a:pPr marL="0" indent="0">
-              <a:buNone/>
-            </a:pPr>
-            <a:r>
-              <a:rPr lang="en-GB" dirty="0"/>
-              <a:t>    private $unit = "inches";</a:t>
-            </a:r>
-          </a:p>
-          <a:p>
-            <a:pPr marL="0" indent="0">
-              <a:buNone/>
-            </a:pPr>
-            <a:r>
-              <a:rPr lang="en-GB" dirty="0"/>
-              <a:t>    </a:t>
-            </a:r>
-            <a:r>
-              <a:rPr lang="en-US" dirty="0" smtClean="0"/>
-              <a:t>//</a:t>
-            </a:r>
-            <a:r>
-              <a:rPr lang="en-US" dirty="0"/>
-              <a:t>Static Function</a:t>
-            </a:r>
-          </a:p>
-          <a:p>
-            <a:pPr marL="0" indent="0">
-              <a:buNone/>
-            </a:pPr>
-            <a:r>
-              <a:rPr lang="en-US" dirty="0"/>
-              <a:t>    public static function </a:t>
-            </a:r>
-            <a:r>
-              <a:rPr lang="en-US" dirty="0" err="1"/>
-              <a:t>convertInchesToCm</a:t>
-            </a:r>
-            <a:r>
-              <a:rPr lang="en-US" dirty="0"/>
-              <a:t>($inches) {</a:t>
-            </a:r>
-          </a:p>
-          <a:p>
-            <a:pPr marL="0" indent="0">
-              <a:buNone/>
-            </a:pPr>
-            <a:r>
-              <a:rPr lang="en-US" dirty="0"/>
-              <a:t>        return $inches * 2.54;</a:t>
-            </a:r>
-          </a:p>
-          <a:p>
-            <a:pPr marL="0" indent="0">
-              <a:buNone/>
-            </a:pPr>
-            <a:r>
-              <a:rPr lang="en-US" dirty="0"/>
-              <a:t>    </a:t>
-            </a:r>
-            <a:r>
-              <a:rPr lang="en-US" dirty="0" smtClean="0"/>
-              <a:t>}</a:t>
-            </a:r>
-          </a:p>
-          <a:p>
-            <a:pPr marL="0" indent="0">
-              <a:buNone/>
-            </a:pPr>
             <a:r>
               <a:rPr lang="en-GB" dirty="0" smtClean="0"/>
-              <a:t>}</a:t>
-            </a:r>
-          </a:p>
-          <a:p>
-            <a:pPr marL="0" indent="0">
-              <a:buNone/>
-            </a:pPr>
-            <a:r>
-              <a:rPr lang="en-US" dirty="0"/>
-              <a:t>print "&lt;</a:t>
-            </a:r>
-            <a:r>
-              <a:rPr lang="en-US" dirty="0" err="1"/>
-              <a:t>br</a:t>
-            </a:r>
-            <a:r>
-              <a:rPr lang="en-US" dirty="0"/>
-              <a:t>/&gt;2 cm to inches are ".Monitor::</a:t>
-            </a:r>
-            <a:r>
-              <a:rPr lang="en-US" dirty="0" err="1"/>
-              <a:t>convertInchesToCm</a:t>
-            </a:r>
-            <a:r>
-              <a:rPr lang="en-US" dirty="0"/>
-              <a:t>(2) . "cm";</a:t>
+              <a:t>You inherit the parent class properties, methods</a:t>
             </a:r>
             <a:endParaRPr lang="en-US" dirty="0" smtClean="0"/>
           </a:p>
@@ -9343,7 +9452,7 @@
     </p:spTree>
     <p:extLst>
       <p:ext uri="{BB962C8B-B14F-4D97-AF65-F5344CB8AC3E}">
-        <p14:creationId xmlns:p14="http://schemas.microsoft.com/office/powerpoint/2010/main" val="4003278978"/>
+        <p14:creationId xmlns:p14="http://schemas.microsoft.com/office/powerpoint/2010/main" val="892881589"/>
       </p:ext>
     </p:extLst>
   </p:cSld>
@@ -9394,7 +9503,7 @@
           <a:p>
             <a:r>
               <a:rPr lang="en-GB" dirty="0" smtClean="0"/>
-              <a:t>Constructors define required data constraints</a:t>
+              <a:t>Extending objects</a:t>
             </a:r>
             <a:endParaRPr lang="en-US" dirty="0"/>
           </a:p>
@@ -9413,7 +9522,7 @@
         <p:spPr/>
         <p:txBody>
           <a:bodyPr>
-            <a:normAutofit/>
+            <a:normAutofit fontScale="92500" lnSpcReduction="20000"/>
           </a:bodyPr>
           <a:lstStyle/>
           <a:p>
@@ -9422,7 +9531,57 @@
             </a:pPr>
             <a:r>
               <a:rPr lang="en-GB" dirty="0"/>
-              <a:t>class Monitor {</a:t>
+              <a:t>class </a:t>
+            </a:r>
+            <a:r>
+              <a:rPr lang="en-GB" dirty="0" err="1"/>
+              <a:t>ElectricalAppliance</a:t>
+            </a:r>
+            <a:endParaRPr lang="en-GB" dirty="0"/>
+          </a:p>
+          <a:p>
+            <a:pPr marL="0" indent="0">
+              <a:buNone/>
+            </a:pPr>
+            <a:r>
+              <a:rPr lang="en-GB" dirty="0"/>
+              <a:t>{</a:t>
+            </a:r>
+          </a:p>
+          <a:p>
+            <a:pPr marL="0" indent="0">
+              <a:buNone/>
+            </a:pPr>
+            <a:r>
+              <a:rPr lang="en-GB" dirty="0"/>
+              <a:t>    public $voltage = 0;</a:t>
+            </a:r>
+          </a:p>
+          <a:p>
+            <a:pPr marL="0" indent="0">
+              <a:buNone/>
+            </a:pPr>
+            <a:r>
+              <a:rPr lang="en-GB" dirty="0"/>
+              <a:t>    public function __construct($voltage)</a:t>
+            </a:r>
+          </a:p>
+          <a:p>
+            <a:pPr marL="0" indent="0">
+              <a:buNone/>
+            </a:pPr>
+            <a:r>
+              <a:rPr lang="en-GB" dirty="0"/>
+              <a:t>    {</a:t>
+            </a:r>
+          </a:p>
+          <a:p>
+            <a:pPr marL="0" indent="0">
+              <a:buNone/>
+            </a:pPr>
+            <a:r>
+              <a:rPr lang="en-GB" dirty="0"/>
+              <a:t>        $this-&gt;voltage = $voltage;</a:t>
             </a:r>
           </a:p>
           <a:p>
@@ -9434,174 +9593,41 @@
               <a:t>    </a:t>
             </a:r>
             <a:r>
-              <a:rPr lang="en-GB" dirty="0" smtClean="0">
-                <a:solidFill>
-                  <a:schemeClr val="accent1"/>
-                </a:solidFill>
-              </a:rPr>
-              <a:t>public function __construct($</a:t>
-            </a:r>
-            <a:r>
-              <a:rPr lang="en-GB" dirty="0" err="1" smtClean="0">
-                <a:solidFill>
-                  <a:schemeClr val="accent1"/>
-                </a:solidFill>
-              </a:rPr>
-              <a:t>diagonalLength</a:t>
-            </a:r>
-            <a:r>
-              <a:rPr lang="bg-BG" dirty="0" smtClean="0">
-                <a:solidFill>
-                  <a:schemeClr val="accent1"/>
-                </a:solidFill>
-              </a:rPr>
-              <a:t>, $</a:t>
-            </a:r>
-            <a:r>
-              <a:rPr lang="en-GB" dirty="0" smtClean="0">
-                <a:solidFill>
-                  <a:schemeClr val="accent1"/>
-                </a:solidFill>
-              </a:rPr>
-              <a:t>units) {</a:t>
-            </a:r>
-          </a:p>
-          <a:p>
-            <a:pPr marL="0" indent="0">
-              <a:buNone/>
-            </a:pPr>
-            <a:r>
-              <a:rPr lang="bg-BG" dirty="0">
-                <a:solidFill>
-                  <a:schemeClr val="accent1"/>
-                </a:solidFill>
-              </a:rPr>
-              <a:t>	</a:t>
-            </a:r>
-            <a:r>
-              <a:rPr lang="en-US" dirty="0">
-                <a:solidFill>
-                  <a:schemeClr val="accent1"/>
-                </a:solidFill>
-              </a:rPr>
-              <a:t>$this-&gt;</a:t>
-            </a:r>
-            <a:r>
-              <a:rPr lang="en-GB" dirty="0" err="1">
-                <a:solidFill>
-                  <a:schemeClr val="accent1"/>
-                </a:solidFill>
-              </a:rPr>
-              <a:t>diagonalLength</a:t>
-            </a:r>
-            <a:r>
-              <a:rPr lang="en-GB" dirty="0">
-                <a:solidFill>
-                  <a:schemeClr val="accent1"/>
-                </a:solidFill>
-              </a:rPr>
-              <a:t> = $</a:t>
-            </a:r>
-            <a:r>
-              <a:rPr lang="en-GB" dirty="0" err="1">
-                <a:solidFill>
-                  <a:schemeClr val="accent1"/>
-                </a:solidFill>
-              </a:rPr>
-              <a:t>diagonalLength</a:t>
-            </a:r>
-            <a:r>
-              <a:rPr lang="en-GB" dirty="0">
-                <a:solidFill>
-                  <a:schemeClr val="accent1"/>
-                </a:solidFill>
-              </a:rPr>
-              <a:t>;</a:t>
-            </a:r>
-          </a:p>
-          <a:p>
-            <a:pPr marL="0" indent="0">
-              <a:buNone/>
-            </a:pPr>
-            <a:r>
-              <a:rPr lang="bg-BG" dirty="0">
-                <a:solidFill>
-                  <a:schemeClr val="accent1"/>
-                </a:solidFill>
-              </a:rPr>
-              <a:t>	</a:t>
-            </a:r>
-            <a:r>
-              <a:rPr lang="en-US" dirty="0">
-                <a:solidFill>
-                  <a:schemeClr val="accent1"/>
-                </a:solidFill>
-              </a:rPr>
-              <a:t>$this-</a:t>
-            </a:r>
-            <a:r>
-              <a:rPr lang="en-US" dirty="0" smtClean="0">
-                <a:solidFill>
-                  <a:schemeClr val="accent1"/>
-                </a:solidFill>
-              </a:rPr>
-              <a:t>&gt;</a:t>
-            </a:r>
-            <a:r>
-              <a:rPr lang="en-GB" dirty="0" smtClean="0">
-                <a:solidFill>
-                  <a:schemeClr val="accent1"/>
-                </a:solidFill>
-              </a:rPr>
-              <a:t>units = $units;</a:t>
-            </a:r>
-          </a:p>
-          <a:p>
-            <a:pPr marL="0" indent="0">
-              <a:buNone/>
-            </a:pPr>
-            <a:r>
-              <a:rPr lang="en-GB" dirty="0" smtClean="0">
-                <a:solidFill>
-                  <a:schemeClr val="accent1"/>
-                </a:solidFill>
-              </a:rPr>
-              <a:t>    }</a:t>
-            </a:r>
-            <a:endParaRPr lang="en-US" dirty="0" smtClean="0"/>
-          </a:p>
-          <a:p>
-            <a:pPr marL="0" indent="0">
-              <a:buNone/>
-            </a:pPr>
-            <a:r>
               <a:rPr lang="en-GB" dirty="0" smtClean="0"/>
               <a:t>}</a:t>
             </a:r>
+            <a:endParaRPr lang="en-GB" dirty="0"/>
           </a:p>
           <a:p>
             <a:pPr marL="0" indent="0">
               <a:buNone/>
             </a:pPr>
             <a:r>
-              <a:rPr lang="en-US" dirty="0"/>
-              <a:t>print "&lt;</a:t>
-            </a:r>
-            <a:r>
-              <a:rPr lang="en-US" dirty="0" err="1"/>
-              <a:t>br</a:t>
-            </a:r>
-            <a:r>
-              <a:rPr lang="en-US" dirty="0"/>
-              <a:t>/&gt;2 cm to inches are ".Monitor::</a:t>
-            </a:r>
-            <a:r>
-              <a:rPr lang="en-US" dirty="0" err="1"/>
-              <a:t>convertInchesToCm</a:t>
-            </a:r>
-            <a:r>
-              <a:rPr lang="en-US" dirty="0"/>
-              <a:t>(2) . "cm";</a:t>
+              <a:rPr lang="en-GB" dirty="0" smtClean="0"/>
+              <a:t>}</a:t>
+            </a:r>
+          </a:p>
+          <a:p>
+            <a:pPr marL="0" indent="0">
+              <a:buNone/>
+            </a:pPr>
+            <a:r>
+              <a:rPr lang="en-GB" dirty="0" smtClean="0"/>
+              <a:t>//Now the new class fax will have a $voltage property and a required constructor</a:t>
+            </a:r>
+            <a:endParaRPr lang="en-GB" dirty="0"/>
+          </a:p>
+          <a:p>
+            <a:pPr marL="0" indent="0">
+              <a:buNone/>
+            </a:pPr>
+            <a:r>
+              <a:rPr lang="en-GB" dirty="0"/>
+              <a:t>class Fax extends  </a:t>
+            </a:r>
+            <a:r>
+              <a:rPr lang="en-GB" dirty="0" err="1"/>
+              <a:t>ElectricalAppliance</a:t>
             </a:r>
             <a:endParaRPr lang="en-US" dirty="0" smtClean="0"/>
           </a:p>
@@ -9610,7 +9636,7 @@
     </p:spTree>
     <p:extLst>
       <p:ext uri="{BB962C8B-B14F-4D97-AF65-F5344CB8AC3E}">
-        <p14:creationId xmlns:p14="http://schemas.microsoft.com/office/powerpoint/2010/main" val="1523536077"/>
+        <p14:creationId xmlns:p14="http://schemas.microsoft.com/office/powerpoint/2010/main" val="285654217"/>
       </p:ext>
     </p:extLst>
   </p:cSld>
@@ -9661,7 +9687,7 @@
           <a:p>
             <a:r>
               <a:rPr lang="en-GB" dirty="0" smtClean="0"/>
-              <a:t>Extending objects</a:t>
+              <a:t>Calling constructors of the parent class</a:t>
             </a:r>
             <a:endParaRPr lang="en-US" dirty="0"/>
           </a:p>
@@ -9684,9 +9710,80 @@
           </a:bodyPr>
           <a:lstStyle/>
           <a:p>
+            <a:pPr marL="0" indent="0">
+              <a:buNone/>
+            </a:pPr>
             <a:r>
               <a:rPr lang="en-GB" dirty="0" smtClean="0"/>
-              <a:t>You inherit the parent class properties, methods</a:t>
+              <a:t>class </a:t>
+            </a:r>
+            <a:r>
+              <a:rPr lang="en-GB" dirty="0"/>
+              <a:t>Fax extends  </a:t>
+            </a:r>
+            <a:r>
+              <a:rPr lang="en-GB" dirty="0" err="1" smtClean="0"/>
+              <a:t>ElectricalAppliance</a:t>
+            </a:r>
+            <a:r>
+              <a:rPr lang="en-GB" dirty="0" smtClean="0"/>
+              <a:t> {</a:t>
+            </a:r>
+          </a:p>
+          <a:p>
+            <a:pPr marL="0" indent="0">
+              <a:buNone/>
+            </a:pPr>
+            <a:r>
+              <a:rPr lang="en-US" dirty="0"/>
+              <a:t> </a:t>
+            </a:r>
+            <a:r>
+              <a:rPr lang="en-US" dirty="0" smtClean="0"/>
+              <a:t>   public </a:t>
+            </a:r>
+            <a:r>
+              <a:rPr lang="en-US" dirty="0"/>
+              <a:t>function __construct($voltage)</a:t>
+            </a:r>
+          </a:p>
+          <a:p>
+            <a:pPr marL="0" indent="0">
+              <a:buNone/>
+            </a:pPr>
+            <a:r>
+              <a:rPr lang="en-US" dirty="0"/>
+              <a:t>    {</a:t>
+            </a:r>
+          </a:p>
+          <a:p>
+            <a:pPr marL="0" indent="0">
+              <a:buNone/>
+            </a:pPr>
+            <a:r>
+              <a:rPr lang="en-US" dirty="0"/>
+              <a:t>        </a:t>
+            </a:r>
+            <a:r>
+              <a:rPr lang="en-US" dirty="0">
+                <a:solidFill>
+                  <a:schemeClr val="accent1"/>
+                </a:solidFill>
+              </a:rPr>
+              <a:t>parent</a:t>
+            </a:r>
+            <a:r>
+              <a:rPr lang="en-US" dirty="0"/>
+              <a:t>::__construct($voltage);</a:t>
+            </a:r>
+          </a:p>
+          <a:p>
+            <a:pPr marL="0" indent="0">
+              <a:buNone/>
+            </a:pPr>
+            <a:r>
+              <a:rPr lang="en-US" dirty="0"/>
+              <a:t>    }</a:t>
             </a:r>
             <a:endParaRPr lang="en-US" dirty="0" smtClean="0"/>
           </a:p>
@@ -9695,7 +9792,7 @@
     </p:spTree>
     <p:extLst>
       <p:ext uri="{BB962C8B-B14F-4D97-AF65-F5344CB8AC3E}">
-        <p14:creationId xmlns:p14="http://schemas.microsoft.com/office/powerpoint/2010/main" val="892881589"/>
+        <p14:creationId xmlns:p14="http://schemas.microsoft.com/office/powerpoint/2010/main" val="2735927126"/>
       </p:ext>
     </p:extLst>
   </p:cSld>
@@ -9745,8 +9842,8 @@
           <a:lstStyle/>
           <a:p>
             <a:r>
-              <a:rPr lang="en-GB" dirty="0" smtClean="0"/>
-              <a:t>Extending objects</a:t>
+              <a:rPr lang="en-US" dirty="0" smtClean="0"/>
+              <a:t>Querying the database	</a:t>
             </a:r>
             <a:endParaRPr lang="en-US" dirty="0"/>
           </a:p>
@@ -9754,132 +9851,222 @@
       </p:sp>
       <p:sp>
         <p:nvSpPr>
-          <p:cNvPr id="3" name="Content Placeholder 2"/>
-          <p:cNvSpPr>
-            <a:spLocks noGrp="1"/>
+          <p:cNvPr id="4" name="Rectangle 1"/>
+          <p:cNvSpPr>
+            <a:spLocks noGrp="1" noChangeArrowheads="1"/>
           </p:cNvSpPr>
           <p:nvPr>
             <p:ph idx="1"/>
           </p:nvPr>
         </p:nvSpPr>
-        <p:spPr/>
-        <p:txBody>
-          <a:bodyPr>
-            <a:normAutofit fontScale="92500" lnSpcReduction="20000"/>
+        <p:spPr bwMode="auto">
+          <a:xfrm>
+            <a:off x="838200" y="2585525"/>
+            <a:ext cx="6437981" cy="2831544"/>
+          </a:xfrm>
+          <a:prstGeom prst="rect">
+            <a:avLst/>
+          </a:prstGeom>
+          <a:noFill/>
+          <a:ln>
+            <a:noFill/>
+          </a:ln>
+          <a:effectLst/>
+          <a:extLst>
+            <a:ext uri="{909E8E84-426E-40DD-AFC4-6F175D3DCCD1}">
+              <a14:hiddenFill xmlns:a14="http://schemas.microsoft.com/office/drawing/2010/main">
+                <a:solidFill>
+                  <a:schemeClr val="accent1"/>
+                </a:solidFill>
+              </a14:hiddenFill>
+            </a:ext>
+            <a:ext uri="{91240B29-F687-4F45-9708-019B960494DF}">
+              <a14:hiddenLine xmlns:a14="http://schemas.microsoft.com/office/drawing/2010/main" w="9525">
+                <a:solidFill>
+                  <a:schemeClr val="tx1"/>
+                </a:solidFill>
+                <a:miter lim="800000"/>
+                <a:headEnd/>
+                <a:tailEnd/>
+              </a14:hiddenLine>
+            </a:ext>
+            <a:ext uri="{AF507438-7753-43E0-B8FC-AC1667EBCBE1}">
+              <a14:hiddenEffects xmlns:a14="http://schemas.microsoft.com/office/drawing/2010/main">
+                <a:effectLst>
+                  <a:outerShdw dist="35921" dir="2700000" algn="ctr" rotWithShape="0">
+                    <a:schemeClr val="bg2"/>
+                  </a:outerShdw>
+                </a:effectLst>
+              </a14:hiddenEffects>
+            </a:ext>
+          </a:extLst>
+        </p:spPr>
+        <p:txBody>
+          <a:bodyPr vert="horz" wrap="none" lIns="91440" tIns="45720" rIns="91440" bIns="45720" numCol="1" anchor="ctr" anchorCtr="0" compatLnSpc="1">
+            <a:prstTxWarp prst="textNoShape">
+              <a:avLst/>
+            </a:prstTxWarp>
+            <a:spAutoFit/>
           </a:bodyPr>
           <a:lstStyle/>
           <a:p>
-            <a:pPr marL="0" indent="0">
-              <a:buNone/>
-            </a:pPr>
-            <a:r>
-              <a:rPr lang="en-GB" dirty="0"/>
-              <a:t>class </a:t>
-            </a:r>
-            <a:r>
-              <a:rPr lang="en-GB" dirty="0" err="1"/>
-              <a:t>ElectricalAppliance</a:t>
-            </a:r>
-            <a:endParaRPr lang="en-GB" dirty="0"/>
-          </a:p>
-          <a:p>
-            <a:pPr marL="0" indent="0">
-              <a:buNone/>
-            </a:pPr>
-            <a:r>
-              <a:rPr lang="en-GB" dirty="0"/>
-              <a:t>{</a:t>
-            </a:r>
-          </a:p>
-          <a:p>
-            <a:pPr marL="0" indent="0">
-              <a:buNone/>
-            </a:pPr>
-            <a:r>
-              <a:rPr lang="en-GB" dirty="0"/>
-              <a:t>    public $voltage = 0;</a:t>
-            </a:r>
-          </a:p>
-          <a:p>
-            <a:pPr marL="0" indent="0">
-              <a:buNone/>
-            </a:pPr>
-            <a:r>
-              <a:rPr lang="en-GB" dirty="0"/>
-              <a:t>    public function __construct($voltage)</a:t>
-            </a:r>
-          </a:p>
-          <a:p>
-            <a:pPr marL="0" indent="0">
-              <a:buNone/>
-            </a:pPr>
-            <a:r>
-              <a:rPr lang="en-GB" dirty="0"/>
-              <a:t>    {</a:t>
-            </a:r>
-          </a:p>
-          <a:p>
-            <a:pPr marL="0" indent="0">
-              <a:buNone/>
-            </a:pPr>
-            <a:r>
-              <a:rPr lang="en-GB" dirty="0"/>
-              <a:t>        $this-&gt;voltage = $voltage;</a:t>
-            </a:r>
-          </a:p>
-          <a:p>
-            <a:pPr marL="0" indent="0">
-              <a:buNone/>
-            </a:pPr>
-            <a:r>
-              <a:rPr lang="en-GB" dirty="0"/>
-              <a:t>    </a:t>
-            </a:r>
-            <a:r>
-              <a:rPr lang="en-GB" dirty="0" smtClean="0"/>
-              <a:t>}</a:t>
-            </a:r>
-            <a:endParaRPr lang="en-GB" dirty="0"/>
-          </a:p>
-          <a:p>
-            <a:pPr marL="0" indent="0">
-              <a:buNone/>
-            </a:pPr>
-            <a:r>
-              <a:rPr lang="en-GB" dirty="0" smtClean="0"/>
-              <a:t>}</a:t>
-            </a:r>
-          </a:p>
-          <a:p>
-            <a:pPr marL="0" indent="0">
-              <a:buNone/>
-            </a:pPr>
-            <a:r>
-              <a:rPr lang="en-GB" dirty="0" smtClean="0"/>
-              <a:t>//Now the new class fax will have a $voltage property and a required constructor</a:t>
-            </a:r>
-            <a:endParaRPr lang="en-GB" dirty="0"/>
-          </a:p>
-          <a:p>
-            <a:pPr marL="0" indent="0">
-              <a:buNone/>
-            </a:pPr>
-            <a:r>
-              <a:rPr lang="en-GB" dirty="0"/>
-              <a:t>class Fax extends  </a:t>
-            </a:r>
-            <a:r>
-              <a:rPr lang="en-GB" dirty="0" err="1"/>
-              <a:t>ElectricalAppliance</a:t>
-            </a:r>
-            <a:endParaRPr lang="en-US" dirty="0" smtClean="0"/>
+            <a:pPr marL="0" marR="0" lvl="0" indent="0" algn="l" defTabSz="914400" rtl="0" eaLnBrk="0" fontAlgn="base" latinLnBrk="0" hangingPunct="0">
+              <a:lnSpc>
+                <a:spcPct val="100000"/>
+              </a:lnSpc>
+              <a:spcBef>
+                <a:spcPct val="0"/>
+              </a:spcBef>
+              <a:spcAft>
+                <a:spcPct val="0"/>
+              </a:spcAft>
+              <a:buClrTx/>
+              <a:buSzTx/>
+              <a:buFontTx/>
+              <a:buNone/>
+              <a:tabLst/>
+            </a:pPr>
+            <a:endParaRPr kumimoji="0" lang="en-US" altLang="en-US" sz="1800" b="0" i="0" u="none" strike="noStrike" cap="none" normalizeH="0" baseline="0" dirty="0" smtClean="0">
+              <a:ln>
+                <a:noFill/>
+              </a:ln>
+              <a:solidFill>
+                <a:schemeClr val="tx1"/>
+              </a:solidFill>
+              <a:effectLst/>
+              <a:latin typeface="Arial" panose="020B0604020202020204" pitchFamily="34" charset="0"/>
+            </a:endParaRPr>
+          </a:p>
+          <a:p>
+            <a:pPr marL="0" marR="0" lvl="0" indent="0" algn="l" defTabSz="914400" rtl="0" eaLnBrk="0" fontAlgn="base" latinLnBrk="0" hangingPunct="0">
+              <a:lnSpc>
+                <a:spcPct val="100000"/>
+              </a:lnSpc>
+              <a:spcBef>
+                <a:spcPct val="0"/>
+              </a:spcBef>
+              <a:spcAft>
+                <a:spcPct val="0"/>
+              </a:spcAft>
+              <a:buClrTx/>
+              <a:buSzTx/>
+              <a:buFontTx/>
+              <a:buChar char="•"/>
+              <a:tabLst/>
+            </a:pPr>
+            <a:r>
+              <a:rPr kumimoji="0" lang="en-US" altLang="en-US" sz="4000" b="0" i="0" u="none" strike="noStrike" cap="none" normalizeH="0" baseline="0" dirty="0" smtClean="0">
+                <a:ln>
+                  <a:noFill/>
+                </a:ln>
+                <a:solidFill>
+                  <a:schemeClr val="tx1"/>
+                </a:solidFill>
+                <a:effectLst/>
+                <a:latin typeface="Arial" panose="020B0604020202020204" pitchFamily="34" charset="0"/>
+              </a:rPr>
+              <a:t>Connect to The Database.</a:t>
+            </a:r>
+          </a:p>
+          <a:p>
+            <a:pPr marL="0" marR="0" lvl="0" indent="0" algn="l" defTabSz="914400" rtl="0" eaLnBrk="0" fontAlgn="base" latinLnBrk="0" hangingPunct="0">
+              <a:lnSpc>
+                <a:spcPct val="100000"/>
+              </a:lnSpc>
+              <a:spcBef>
+                <a:spcPct val="0"/>
+              </a:spcBef>
+              <a:spcAft>
+                <a:spcPct val="0"/>
+              </a:spcAft>
+              <a:buClrTx/>
+              <a:buSzTx/>
+              <a:buFontTx/>
+              <a:buChar char="•"/>
+              <a:tabLst/>
+            </a:pPr>
+            <a:r>
+              <a:rPr kumimoji="0" lang="en-US" altLang="en-US" sz="4000" b="0" i="0" u="none" strike="noStrike" cap="none" normalizeH="0" baseline="0" dirty="0" smtClean="0">
+                <a:ln>
+                  <a:noFill/>
+                </a:ln>
+                <a:solidFill>
+                  <a:schemeClr val="tx1"/>
+                </a:solidFill>
+                <a:effectLst/>
+                <a:latin typeface="Arial" panose="020B0604020202020204" pitchFamily="34" charset="0"/>
+              </a:rPr>
+              <a:t>Query the Database.</a:t>
+            </a:r>
+          </a:p>
+          <a:p>
+            <a:pPr marL="0" marR="0" lvl="0" indent="0" algn="l" defTabSz="914400" rtl="0" eaLnBrk="0" fontAlgn="base" latinLnBrk="0" hangingPunct="0">
+              <a:lnSpc>
+                <a:spcPct val="100000"/>
+              </a:lnSpc>
+              <a:spcBef>
+                <a:spcPct val="0"/>
+              </a:spcBef>
+              <a:spcAft>
+                <a:spcPct val="0"/>
+              </a:spcAft>
+              <a:buClrTx/>
+              <a:buSzTx/>
+              <a:buFontTx/>
+              <a:buChar char="•"/>
+              <a:tabLst/>
+            </a:pPr>
+            <a:r>
+              <a:rPr kumimoji="0" lang="en-US" altLang="en-US" sz="4000" b="0" i="0" u="none" strike="noStrike" cap="none" normalizeH="0" baseline="0" dirty="0" smtClean="0">
+                <a:ln>
+                  <a:noFill/>
+                </a:ln>
+                <a:solidFill>
+                  <a:schemeClr val="tx1"/>
+                </a:solidFill>
+                <a:effectLst/>
+                <a:latin typeface="Arial" panose="020B0604020202020204" pitchFamily="34" charset="0"/>
+              </a:rPr>
+              <a:t>Display Table Data.</a:t>
+            </a:r>
+          </a:p>
+          <a:p>
+            <a:pPr marL="0" marR="0" lvl="0" indent="0" algn="l" defTabSz="914400" rtl="0" eaLnBrk="0" fontAlgn="base" latinLnBrk="0" hangingPunct="0">
+              <a:lnSpc>
+                <a:spcPct val="100000"/>
+              </a:lnSpc>
+              <a:spcBef>
+                <a:spcPct val="0"/>
+              </a:spcBef>
+              <a:spcAft>
+                <a:spcPct val="0"/>
+              </a:spcAft>
+              <a:buClrTx/>
+              <a:buSzTx/>
+              <a:buFontTx/>
+              <a:buChar char="•"/>
+              <a:tabLst/>
+            </a:pPr>
+            <a:r>
+              <a:rPr kumimoji="0" lang="en-US" altLang="en-US" sz="4000" b="0" i="0" u="none" strike="noStrike" cap="none" normalizeH="0" baseline="0" dirty="0" smtClean="0">
+                <a:ln>
+                  <a:noFill/>
+                </a:ln>
+                <a:solidFill>
+                  <a:schemeClr val="tx1"/>
+                </a:solidFill>
+                <a:effectLst/>
+                <a:latin typeface="Arial" panose="020B0604020202020204" pitchFamily="34" charset="0"/>
+              </a:rPr>
+              <a:t>Select Individual Records. </a:t>
+            </a:r>
           </a:p>
         </p:txBody>
       </p:sp>
     </p:spTree>
     <p:extLst>
       <p:ext uri="{BB962C8B-B14F-4D97-AF65-F5344CB8AC3E}">
-        <p14:creationId xmlns:p14="http://schemas.microsoft.com/office/powerpoint/2010/main" val="285654217"/>
+        <p14:creationId xmlns:p14="http://schemas.microsoft.com/office/powerpoint/2010/main" val="2467092858"/>
       </p:ext>
     </p:extLst>
   </p:cSld>
@@ -9929,8 +10116,12 @@
           <a:lstStyle/>
           <a:p>
             <a:r>
-              <a:rPr lang="en-GB" dirty="0" smtClean="0"/>
-              <a:t>Calling constructors of the parent class</a:t>
+              <a:rPr lang="en-US" dirty="0" smtClean="0"/>
+              <a:t>Querying the database using </a:t>
+            </a:r>
+            <a:r>
+              <a:rPr lang="en-US" dirty="0" err="1" smtClean="0"/>
+              <a:t>MySqli</a:t>
             </a:r>
             <a:endParaRPr lang="en-US" dirty="0"/>
           </a:p>
@@ -9938,104 +10129,546 @@
       </p:sp>
       <p:sp>
         <p:nvSpPr>
-          <p:cNvPr id="3" name="Content Placeholder 2"/>
-          <p:cNvSpPr>
-            <a:spLocks noGrp="1"/>
+          <p:cNvPr id="4" name="Rectangle 1"/>
+          <p:cNvSpPr>
+            <a:spLocks noGrp="1" noChangeArrowheads="1"/>
           </p:cNvSpPr>
           <p:nvPr>
             <p:ph idx="1"/>
           </p:nvPr>
         </p:nvSpPr>
-        <p:spPr/>
-        <p:txBody>
-          <a:bodyPr>
-            <a:normAutofit/>
-          </a:bodyPr>
-          <a:lstStyle/>
-          <a:p>
-            <a:pPr marL="0" indent="0">
-              <a:buNone/>
-            </a:pPr>
-            <a:r>
-              <a:rPr lang="en-GB" dirty="0" smtClean="0"/>
-              <a:t>class </a:t>
-            </a:r>
-            <a:r>
-              <a:rPr lang="en-GB" dirty="0"/>
-              <a:t>Fax extends  </a:t>
-            </a:r>
-            <a:r>
-              <a:rPr lang="en-GB" dirty="0" err="1" smtClean="0"/>
-              <a:t>ElectricalAppliance</a:t>
-            </a:r>
-            <a:r>
-              <a:rPr lang="en-GB" dirty="0" smtClean="0"/>
-              <a:t> {</a:t>
-            </a:r>
-          </a:p>
-          <a:p>
-            <a:pPr marL="0" indent="0">
-              <a:buNone/>
-            </a:pPr>
-            <a:r>
-              <a:rPr lang="en-US" dirty="0"/>
-              <a:t> </a:t>
-            </a:r>
-            <a:r>
-              <a:rPr lang="en-US" dirty="0" smtClean="0"/>
-              <a:t>   public </a:t>
-            </a:r>
-            <a:r>
-              <a:rPr lang="en-US" dirty="0"/>
-              <a:t>function __construct($voltage)</a:t>
-            </a:r>
-          </a:p>
-          <a:p>
-            <a:pPr marL="0" indent="0">
-              <a:buNone/>
-            </a:pPr>
-            <a:r>
-              <a:rPr lang="en-US" dirty="0"/>
-              <a:t>    {</a:t>
-            </a:r>
-          </a:p>
-          <a:p>
-            <a:pPr marL="0" indent="0">
-              <a:buNone/>
-            </a:pPr>
-            <a:r>
-              <a:rPr lang="en-US" dirty="0"/>
-              <a:t>        </a:t>
-            </a:r>
-            <a:r>
-              <a:rPr lang="en-US" dirty="0">
+        <p:spPr bwMode="auto">
+          <a:xfrm>
+            <a:off x="838200" y="3216468"/>
+            <a:ext cx="11388054" cy="1569660"/>
+          </a:xfrm>
+          <a:prstGeom prst="rect">
+            <a:avLst/>
+          </a:prstGeom>
+          <a:noFill/>
+          <a:ln>
+            <a:noFill/>
+          </a:ln>
+          <a:effectLst/>
+          <a:extLst>
+            <a:ext uri="{909E8E84-426E-40DD-AFC4-6F175D3DCCD1}">
+              <a14:hiddenFill xmlns:a14="http://schemas.microsoft.com/office/drawing/2010/main">
                 <a:solidFill>
                   <a:schemeClr val="accent1"/>
                 </a:solidFill>
+              </a14:hiddenFill>
+            </a:ext>
+            <a:ext uri="{91240B29-F687-4F45-9708-019B960494DF}">
+              <a14:hiddenLine xmlns:a14="http://schemas.microsoft.com/office/drawing/2010/main" w="9525">
+                <a:solidFill>
+                  <a:schemeClr val="tx1"/>
+                </a:solidFill>
+                <a:miter lim="800000"/>
+                <a:headEnd/>
+                <a:tailEnd/>
+              </a14:hiddenLine>
+            </a:ext>
+            <a:ext uri="{AF507438-7753-43E0-B8FC-AC1667EBCBE1}">
+              <a14:hiddenEffects xmlns:a14="http://schemas.microsoft.com/office/drawing/2010/main">
+                <a:effectLst>
+                  <a:outerShdw dist="35921" dir="2700000" algn="ctr" rotWithShape="0">
+                    <a:schemeClr val="bg2"/>
+                  </a:outerShdw>
+                </a:effectLst>
+              </a14:hiddenEffects>
+            </a:ext>
+          </a:extLst>
+        </p:spPr>
+        <p:txBody>
+          <a:bodyPr vert="horz" wrap="none" lIns="91440" tIns="45720" rIns="91440" bIns="45720" numCol="1" anchor="ctr" anchorCtr="0" compatLnSpc="1">
+            <a:prstTxWarp prst="textNoShape">
+              <a:avLst/>
+            </a:prstTxWarp>
+            <a:spAutoFit/>
+          </a:bodyPr>
+          <a:lstStyle/>
+          <a:p>
+            <a:pPr marL="0" lvl="0" indent="0" eaLnBrk="0" fontAlgn="base" hangingPunct="0">
+              <a:lnSpc>
+                <a:spcPct val="100000"/>
+              </a:lnSpc>
+              <a:spcBef>
+                <a:spcPct val="0"/>
+              </a:spcBef>
+              <a:spcAft>
+                <a:spcPct val="0"/>
+              </a:spcAft>
+              <a:buNone/>
+            </a:pPr>
+            <a:r>
+              <a:rPr lang="en-US" sz="3200" dirty="0"/>
+              <a:t>// Create connection</a:t>
+            </a:r>
+            <a:br>
+              <a:rPr lang="en-US" sz="3200" dirty="0"/>
+            </a:br>
+            <a:r>
+              <a:rPr lang="en-US" sz="3200" dirty="0"/>
+              <a:t>$conn = new </a:t>
+            </a:r>
+            <a:r>
+              <a:rPr lang="en-US" sz="3200" dirty="0" err="1"/>
+              <a:t>mysqli</a:t>
+            </a:r>
+            <a:r>
+              <a:rPr lang="en-US" sz="3200" dirty="0"/>
+              <a:t>($</a:t>
+            </a:r>
+            <a:r>
+              <a:rPr lang="en-US" sz="3200" dirty="0" err="1"/>
+              <a:t>servername</a:t>
+            </a:r>
+            <a:r>
+              <a:rPr lang="en-US" sz="3200" dirty="0"/>
+              <a:t>, $username, $password</a:t>
+            </a:r>
+            <a:r>
+              <a:rPr lang="en-US" sz="3200" dirty="0" smtClean="0"/>
+              <a:t>);</a:t>
+            </a:r>
+          </a:p>
+          <a:p>
+            <a:pPr marL="0" lvl="0" indent="0" eaLnBrk="0" fontAlgn="base" hangingPunct="0">
+              <a:lnSpc>
+                <a:spcPct val="100000"/>
+              </a:lnSpc>
+              <a:spcBef>
+                <a:spcPct val="0"/>
+              </a:spcBef>
+              <a:spcAft>
+                <a:spcPct val="0"/>
+              </a:spcAft>
+              <a:buNone/>
+            </a:pPr>
+            <a:r>
+              <a:rPr kumimoji="0" lang="en-US" altLang="en-US" sz="3200" b="0" i="0" u="none" strike="noStrike" cap="none" normalizeH="0" baseline="0" dirty="0" smtClean="0">
+                <a:ln>
+                  <a:noFill/>
+                </a:ln>
+                <a:solidFill>
+                  <a:schemeClr val="tx1"/>
+                </a:solidFill>
+                <a:effectLst/>
+                <a:latin typeface="Arial" panose="020B0604020202020204" pitchFamily="34" charset="0"/>
               </a:rPr>
-              <a:t>parent</a:t>
-            </a:r>
-            <a:r>
-              <a:rPr lang="en-US" dirty="0"/>
-              <a:t>::__construct($voltage);</a:t>
-            </a:r>
-          </a:p>
-          <a:p>
-            <a:pPr marL="0" indent="0">
-              <a:buNone/>
-            </a:pPr>
-            <a:r>
-              <a:rPr lang="en-US" dirty="0"/>
-              <a:t>    }</a:t>
-            </a:r>
-            <a:endParaRPr lang="en-US" dirty="0" smtClean="0"/>
+              <a:t>//</a:t>
+            </a:r>
+            <a:r>
+              <a:rPr kumimoji="0" lang="en-US" altLang="en-US" sz="3200" b="0" i="0" u="none" strike="noStrike" cap="none" normalizeH="0" dirty="0" smtClean="0">
+                <a:ln>
+                  <a:noFill/>
+                </a:ln>
+                <a:solidFill>
+                  <a:schemeClr val="tx1"/>
+                </a:solidFill>
+                <a:effectLst/>
+                <a:latin typeface="Arial" panose="020B0604020202020204" pitchFamily="34" charset="0"/>
+              </a:rPr>
+              <a:t> Returns an object initialized and connected to the database.</a:t>
+            </a:r>
+            <a:endParaRPr kumimoji="0" lang="en-US" altLang="en-US" sz="6000" b="0" i="0" u="none" strike="noStrike" cap="none" normalizeH="0" baseline="0" dirty="0" smtClean="0">
+              <a:ln>
+                <a:noFill/>
+              </a:ln>
+              <a:solidFill>
+                <a:schemeClr val="tx1"/>
+              </a:solidFill>
+              <a:effectLst/>
+              <a:latin typeface="Arial" panose="020B0604020202020204" pitchFamily="34" charset="0"/>
+            </a:endParaRPr>
           </a:p>
         </p:txBody>
       </p:sp>
     </p:spTree>
     <p:extLst>
       <p:ext uri="{BB962C8B-B14F-4D97-AF65-F5344CB8AC3E}">
-        <p14:creationId xmlns:p14="http://schemas.microsoft.com/office/powerpoint/2010/main" val="2735927126"/>
+        <p14:creationId xmlns:p14="http://schemas.microsoft.com/office/powerpoint/2010/main" val="1123552514"/>
+      </p:ext>
+    </p:extLst>
+  </p:cSld>
+  <p:clrMapOvr>
+    <a:masterClrMapping/>
+  </p:clrMapOvr>
+  <p:timing>
+    <p:tnLst>
+      <p:par>
+        <p:cTn id="1" dur="indefinite" restart="never" nodeType="tmRoot"/>
+      </p:par>
+    </p:tnLst>
+  </p:timing>
+</p:sld>
+</file>
+
+<file path=ppt/slides/slide46.xml><?xml version="1.0" encoding="utf-8"?>
+<p:sld xmlns:a="http://schemas.openxmlformats.org/drawingml/2006/main" xmlns:r="http://schemas.openxmlformats.org/officeDocument/2006/relationships" xmlns:p="http://schemas.openxmlformats.org/presentationml/2006/main">
+  <p:cSld>
+    <p:spTree>
+      <p:nvGrpSpPr>
+        <p:cNvPr id="1" name=""/>
+        <p:cNvGrpSpPr/>
+        <p:nvPr/>
+      </p:nvGrpSpPr>
+      <p:grpSpPr>
+        <a:xfrm>
+          <a:off x="0" y="0"/>
+          <a:ext cx="0" cy="0"/>
+          <a:chOff x="0" y="0"/>
+          <a:chExt cx="0" cy="0"/>
+        </a:xfrm>
+      </p:grpSpPr>
+      <p:sp>
+        <p:nvSpPr>
+          <p:cNvPr id="2" name="Title 1"/>
+          <p:cNvSpPr>
+            <a:spLocks noGrp="1"/>
+          </p:cNvSpPr>
+          <p:nvPr>
+            <p:ph type="title"/>
+          </p:nvPr>
+        </p:nvSpPr>
+        <p:spPr/>
+        <p:txBody>
+          <a:bodyPr/>
+          <a:lstStyle/>
+          <a:p>
+            <a:r>
+              <a:rPr lang="en-US" dirty="0" smtClean="0"/>
+              <a:t>Querying the database using </a:t>
+            </a:r>
+            <a:r>
+              <a:rPr lang="en-US" dirty="0" err="1" smtClean="0"/>
+              <a:t>MySqli</a:t>
+            </a:r>
+            <a:endParaRPr lang="en-US" dirty="0"/>
+          </a:p>
+        </p:txBody>
+      </p:sp>
+      <p:sp>
+        <p:nvSpPr>
+          <p:cNvPr id="3" name="Content Placeholder 2"/>
+          <p:cNvSpPr>
+            <a:spLocks noGrp="1"/>
+          </p:cNvSpPr>
+          <p:nvPr>
+            <p:ph idx="1"/>
+          </p:nvPr>
+        </p:nvSpPr>
+        <p:spPr/>
+        <p:txBody>
+          <a:bodyPr/>
+          <a:lstStyle/>
+          <a:p>
+            <a:r>
+              <a:rPr lang="en-US" dirty="0" smtClean="0"/>
+              <a:t>Check whether </a:t>
+            </a:r>
+            <a:r>
+              <a:rPr lang="en-US" dirty="0" err="1" smtClean="0"/>
+              <a:t>MySQLi</a:t>
+            </a:r>
+            <a:r>
+              <a:rPr lang="en-US" dirty="0" smtClean="0"/>
+              <a:t> connected ok?</a:t>
+            </a:r>
+          </a:p>
+          <a:p>
+            <a:pPr marL="0" indent="0">
+              <a:buNone/>
+            </a:pPr>
+            <a:r>
+              <a:rPr lang="en-US" dirty="0"/>
+              <a:t>// Check connection</a:t>
+            </a:r>
+            <a:br>
+              <a:rPr lang="en-US" dirty="0"/>
+            </a:br>
+            <a:r>
+              <a:rPr lang="en-US" dirty="0"/>
+              <a:t>if ($conn-&gt;</a:t>
+            </a:r>
+            <a:r>
+              <a:rPr lang="en-US" dirty="0" err="1"/>
+              <a:t>connect_error</a:t>
+            </a:r>
+            <a:r>
+              <a:rPr lang="en-US" dirty="0"/>
+              <a:t>) {</a:t>
+            </a:r>
+            <a:br>
+              <a:rPr lang="en-US" dirty="0"/>
+            </a:br>
+            <a:r>
+              <a:rPr lang="en-US" dirty="0"/>
+              <a:t>    die("Connection failed: " . $conn-&gt;</a:t>
+            </a:r>
+            <a:r>
+              <a:rPr lang="en-US" dirty="0" err="1"/>
+              <a:t>connect_error</a:t>
+            </a:r>
+            <a:r>
+              <a:rPr lang="en-US" dirty="0"/>
+              <a:t>);</a:t>
+            </a:r>
+            <a:br>
+              <a:rPr lang="en-US" dirty="0"/>
+            </a:br>
+            <a:r>
+              <a:rPr lang="en-US" dirty="0"/>
+              <a:t>} </a:t>
+            </a:r>
+            <a:endParaRPr lang="en-US" dirty="0"/>
+          </a:p>
+        </p:txBody>
+      </p:sp>
+    </p:spTree>
+    <p:extLst>
+      <p:ext uri="{BB962C8B-B14F-4D97-AF65-F5344CB8AC3E}">
+        <p14:creationId xmlns:p14="http://schemas.microsoft.com/office/powerpoint/2010/main" val="1934817459"/>
+      </p:ext>
+    </p:extLst>
+  </p:cSld>
+  <p:clrMapOvr>
+    <a:masterClrMapping/>
+  </p:clrMapOvr>
+  <p:timing>
+    <p:tnLst>
+      <p:par>
+        <p:cTn id="1" dur="indefinite" restart="never" nodeType="tmRoot"/>
+      </p:par>
+    </p:tnLst>
+  </p:timing>
+</p:sld>
+</file>
+
+<file path=ppt/slides/slide47.xml><?xml version="1.0" encoding="utf-8"?>
+<p:sld xmlns:a="http://schemas.openxmlformats.org/drawingml/2006/main" xmlns:r="http://schemas.openxmlformats.org/officeDocument/2006/relationships" xmlns:p="http://schemas.openxmlformats.org/presentationml/2006/main">
+  <p:cSld>
+    <p:spTree>
+      <p:nvGrpSpPr>
+        <p:cNvPr id="1" name=""/>
+        <p:cNvGrpSpPr/>
+        <p:nvPr/>
+      </p:nvGrpSpPr>
+      <p:grpSpPr>
+        <a:xfrm>
+          <a:off x="0" y="0"/>
+          <a:ext cx="0" cy="0"/>
+          <a:chOff x="0" y="0"/>
+          <a:chExt cx="0" cy="0"/>
+        </a:xfrm>
+      </p:grpSpPr>
+      <p:sp>
+        <p:nvSpPr>
+          <p:cNvPr id="2" name="Title 1"/>
+          <p:cNvSpPr>
+            <a:spLocks noGrp="1"/>
+          </p:cNvSpPr>
+          <p:nvPr>
+            <p:ph type="title"/>
+          </p:nvPr>
+        </p:nvSpPr>
+        <p:spPr/>
+        <p:txBody>
+          <a:bodyPr/>
+          <a:lstStyle/>
+          <a:p>
+            <a:r>
+              <a:rPr lang="en-US" dirty="0" smtClean="0"/>
+              <a:t>Querying the database using </a:t>
+            </a:r>
+            <a:r>
+              <a:rPr lang="en-US" dirty="0" err="1" smtClean="0"/>
+              <a:t>MySqli</a:t>
+            </a:r>
+            <a:endParaRPr lang="en-US" dirty="0"/>
+          </a:p>
+        </p:txBody>
+      </p:sp>
+      <p:sp>
+        <p:nvSpPr>
+          <p:cNvPr id="3" name="Content Placeholder 2"/>
+          <p:cNvSpPr>
+            <a:spLocks noGrp="1"/>
+          </p:cNvSpPr>
+          <p:nvPr>
+            <p:ph idx="1"/>
+          </p:nvPr>
+        </p:nvSpPr>
+        <p:spPr/>
+        <p:txBody>
+          <a:bodyPr/>
+          <a:lstStyle/>
+          <a:p>
+            <a:r>
+              <a:rPr lang="en-US" dirty="0" smtClean="0"/>
+              <a:t>Check whether </a:t>
+            </a:r>
+            <a:r>
+              <a:rPr lang="en-US" dirty="0" err="1" smtClean="0"/>
+              <a:t>MySQLi</a:t>
+            </a:r>
+            <a:r>
+              <a:rPr lang="en-US" dirty="0" smtClean="0"/>
+              <a:t> connected ok?</a:t>
+            </a:r>
+          </a:p>
+          <a:p>
+            <a:pPr marL="0" indent="0">
+              <a:buNone/>
+            </a:pPr>
+            <a:r>
+              <a:rPr lang="en-US" dirty="0"/>
+              <a:t>// Check connection</a:t>
+            </a:r>
+            <a:br>
+              <a:rPr lang="en-US" dirty="0"/>
+            </a:br>
+            <a:r>
+              <a:rPr lang="en-US" dirty="0"/>
+              <a:t>if ($conn-&gt;</a:t>
+            </a:r>
+            <a:r>
+              <a:rPr lang="en-US" dirty="0" err="1"/>
+              <a:t>connect_error</a:t>
+            </a:r>
+            <a:r>
+              <a:rPr lang="en-US" dirty="0"/>
+              <a:t>) {</a:t>
+            </a:r>
+            <a:br>
+              <a:rPr lang="en-US" dirty="0"/>
+            </a:br>
+            <a:r>
+              <a:rPr lang="en-US" dirty="0"/>
+              <a:t>    die("Connection failed: " . $conn-&gt;</a:t>
+            </a:r>
+            <a:r>
+              <a:rPr lang="en-US" dirty="0" err="1"/>
+              <a:t>connect_error</a:t>
+            </a:r>
+            <a:r>
+              <a:rPr lang="en-US" dirty="0"/>
+              <a:t>);</a:t>
+            </a:r>
+            <a:br>
+              <a:rPr lang="en-US" dirty="0"/>
+            </a:br>
+            <a:r>
+              <a:rPr lang="en-US" dirty="0"/>
+              <a:t>} </a:t>
+            </a:r>
+            <a:endParaRPr lang="en-US" dirty="0"/>
+          </a:p>
+        </p:txBody>
+      </p:sp>
+    </p:spTree>
+    <p:extLst>
+      <p:ext uri="{BB962C8B-B14F-4D97-AF65-F5344CB8AC3E}">
+        <p14:creationId xmlns:p14="http://schemas.microsoft.com/office/powerpoint/2010/main" val="3181647939"/>
+      </p:ext>
+    </p:extLst>
+  </p:cSld>
+  <p:clrMapOvr>
+    <a:masterClrMapping/>
+  </p:clrMapOvr>
+  <p:timing>
+    <p:tnLst>
+      <p:par>
+        <p:cTn id="1" dur="indefinite" restart="never" nodeType="tmRoot"/>
+      </p:par>
+    </p:tnLst>
+  </p:timing>
+</p:sld>
+</file>
+
+<file path=ppt/slides/slide48.xml><?xml version="1.0" encoding="utf-8"?>
+<p:sld xmlns:a="http://schemas.openxmlformats.org/drawingml/2006/main" xmlns:r="http://schemas.openxmlformats.org/officeDocument/2006/relationships" xmlns:p="http://schemas.openxmlformats.org/presentationml/2006/main">
+  <p:cSld>
+    <p:spTree>
+      <p:nvGrpSpPr>
+        <p:cNvPr id="1" name=""/>
+        <p:cNvGrpSpPr/>
+        <p:nvPr/>
+      </p:nvGrpSpPr>
+      <p:grpSpPr>
+        <a:xfrm>
+          <a:off x="0" y="0"/>
+          <a:ext cx="0" cy="0"/>
+          <a:chOff x="0" y="0"/>
+          <a:chExt cx="0" cy="0"/>
+        </a:xfrm>
+      </p:grpSpPr>
+      <p:sp>
+        <p:nvSpPr>
+          <p:cNvPr id="2" name="Title 1"/>
+          <p:cNvSpPr>
+            <a:spLocks noGrp="1"/>
+          </p:cNvSpPr>
+          <p:nvPr>
+            <p:ph type="title"/>
+          </p:nvPr>
+        </p:nvSpPr>
+        <p:spPr/>
+        <p:txBody>
+          <a:bodyPr/>
+          <a:lstStyle/>
+          <a:p>
+            <a:r>
+              <a:rPr lang="en-US" dirty="0" smtClean="0"/>
+              <a:t>Querying the database using </a:t>
+            </a:r>
+            <a:r>
+              <a:rPr lang="en-US" dirty="0" err="1" smtClean="0"/>
+              <a:t>MySqli</a:t>
+            </a:r>
+            <a:endParaRPr lang="en-US" dirty="0"/>
+          </a:p>
+        </p:txBody>
+      </p:sp>
+      <p:sp>
+        <p:nvSpPr>
+          <p:cNvPr id="3" name="Content Placeholder 2"/>
+          <p:cNvSpPr>
+            <a:spLocks noGrp="1"/>
+          </p:cNvSpPr>
+          <p:nvPr>
+            <p:ph idx="1"/>
+          </p:nvPr>
+        </p:nvSpPr>
+        <p:spPr/>
+        <p:txBody>
+          <a:bodyPr/>
+          <a:lstStyle/>
+          <a:p>
+            <a:r>
+              <a:rPr lang="en-US" dirty="0" smtClean="0"/>
+              <a:t>Don’t forget to close the connection</a:t>
+            </a:r>
+          </a:p>
+          <a:p>
+            <a:endParaRPr lang="en-US" dirty="0"/>
+          </a:p>
+          <a:p>
+            <a:pPr marL="0" indent="0">
+              <a:buNone/>
+            </a:pPr>
+            <a:r>
+              <a:rPr lang="en-US" smtClean="0"/>
+              <a:t>$conn-&gt;close();</a:t>
+            </a:r>
+            <a:endParaRPr lang="en-US" dirty="0"/>
+          </a:p>
+        </p:txBody>
+      </p:sp>
+    </p:spTree>
+    <p:extLst>
+      <p:ext uri="{BB962C8B-B14F-4D97-AF65-F5344CB8AC3E}">
+        <p14:creationId xmlns:p14="http://schemas.microsoft.com/office/powerpoint/2010/main" val="3627238767"/>
       </p:ext>
     </p:extLst>
   </p:cSld>
@@ -10277,11 +10910,7 @@
             <a:pPr lvl="1"/>
             <a:r>
               <a:rPr lang="en-US" dirty="0" smtClean="0"/>
-              <a:t>Generating an SSH </a:t>
-            </a:r>
-            <a:r>
-              <a:rPr lang="en-US" dirty="0" smtClean="0"/>
-              <a:t>Key</a:t>
+              <a:t>Generating an SSH Key</a:t>
             </a:r>
           </a:p>
           <a:p>
@@ -10359,7 +10988,6 @@
               <a:rPr lang="en-GB" dirty="0" smtClean="0"/>
               <a:t>GitHub</a:t>
             </a:r>
-            <a:endParaRPr lang="en-GB" dirty="0" smtClean="0"/>
           </a:p>
           <a:p>
             <a:pPr lvl="1"/>
@@ -10614,13 +11242,8 @@
             <a:pPr lvl="1"/>
             <a:r>
               <a:rPr lang="en-US" dirty="0" smtClean="0"/>
-              <a:t>The secret behind </a:t>
-            </a:r>
-            <a:r>
-              <a:rPr lang="en-US" dirty="0" smtClean="0"/>
-              <a:t>XDEBUG – outputs debug information to a certain TCP port. This way a visual IDE can connect and stop at breakpoints, understand what variable values are, etc.</a:t>
-            </a:r>
-            <a:endParaRPr lang="en-US" dirty="0" smtClean="0"/>
+              <a:t>The secret behind XDEBUG – outputs debug information to a certain TCP port. This way a visual IDE can connect and stop at breakpoints, understand what variable values are, etc.</a:t>
+            </a:r>
           </a:p>
           <a:p>
             <a:pPr marL="457200" lvl="1" indent="0">
@@ -10717,11 +11340,7 @@
           <a:p>
             <a:r>
               <a:rPr lang="en-US" dirty="0" smtClean="0"/>
-              <a:t>Creating </a:t>
-            </a:r>
-            <a:r>
-              <a:rPr lang="en-US" dirty="0" smtClean="0"/>
-              <a:t>your first project</a:t>
+              <a:t>Creating your first project</a:t>
             </a:r>
           </a:p>
           <a:p>
@@ -10736,13 +11355,8 @@
             </a:r>
             <a:r>
               <a:rPr lang="en-US" dirty="0" smtClean="0"/>
-              <a:t> </a:t>
-            </a:r>
-            <a:r>
-              <a:rPr lang="en-US" dirty="0" smtClean="0"/>
-              <a:t>executable</a:t>
-            </a:r>
-            <a:endParaRPr lang="en-US" dirty="0" smtClean="0"/>
+              <a:t> executable</a:t>
+            </a:r>
           </a:p>
           <a:p>
             <a:pPr lvl="1"/>
@@ -10756,11 +11370,7 @@
             </a:r>
             <a:r>
               <a:rPr lang="en-US" dirty="0" smtClean="0"/>
-              <a:t> application </a:t>
-            </a:r>
-            <a:r>
-              <a:rPr lang="en-US" dirty="0" smtClean="0"/>
-              <a:t>debugging</a:t>
+              <a:t> application debugging</a:t>
             </a:r>
           </a:p>
           <a:p>
